--- a/wiremock-slides.pptx
+++ b/wiremock-slides.pptx
@@ -2,10 +2,10 @@
 <file path=ppt/presentation.xml><?xml version="1.0" encoding="utf-8"?>
 <p:presentation xmlns:a="http://schemas.openxmlformats.org/drawingml/2006/main" xmlns:r="http://schemas.openxmlformats.org/officeDocument/2006/relationships" xmlns:p="http://schemas.openxmlformats.org/presentationml/2006/main" saveSubsetFonts="1">
   <p:sldMasterIdLst>
-    <p:sldMasterId id="2147483888" r:id="rId1"/>
+    <p:sldMasterId id="2147483978" r:id="rId1"/>
   </p:sldMasterIdLst>
   <p:notesMasterIdLst>
-    <p:notesMasterId r:id="rId11"/>
+    <p:notesMasterId r:id="rId13"/>
   </p:notesMasterIdLst>
   <p:sldIdLst>
     <p:sldId id="256" r:id="rId2"/>
@@ -15,8 +15,10 @@
     <p:sldId id="260" r:id="rId6"/>
     <p:sldId id="261" r:id="rId7"/>
     <p:sldId id="262" r:id="rId8"/>
-    <p:sldId id="266" r:id="rId9"/>
-    <p:sldId id="263" r:id="rId10"/>
+    <p:sldId id="271" r:id="rId9"/>
+    <p:sldId id="267" r:id="rId10"/>
+    <p:sldId id="268" r:id="rId11"/>
+    <p:sldId id="272" r:id="rId12"/>
   </p:sldIdLst>
   <p:sldSz cx="12192000" cy="6858000"/>
   <p:notesSz cx="6858000" cy="9144000"/>
@@ -205,7 +207,7 @@
           <a:p>
             <a:fld id="{FDC7A044-80D6-46C2-930D-F7E9591ABEB9}" type="datetimeFigureOut">
               <a:rPr lang="en-GB" smtClean="0"/>
-              <a:t>29/09/2016</a:t>
+              <a:t>30/09/2016</a:t>
             </a:fld>
             <a:endParaRPr lang="en-GB"/>
           </a:p>
@@ -517,6 +519,225 @@
           <a:bodyPr/>
           <a:lstStyle/>
           <a:p>
+            <a:r>
+              <a:rPr lang="en-GB" sz="1200" kern="1200" dirty="0">
+                <a:solidFill>
+                  <a:schemeClr val="tx1"/>
+                </a:solidFill>
+                <a:effectLst/>
+                <a:latin typeface="+mn-lt"/>
+                <a:ea typeface="+mn-ea"/>
+                <a:cs typeface="+mn-cs"/>
+              </a:rPr>
+              <a:t>Good evening, </a:t>
+            </a:r>
+          </a:p>
+          <a:p>
+            <a:endParaRPr lang="en-GB" sz="1200" kern="1200" dirty="0">
+              <a:solidFill>
+                <a:schemeClr val="tx1"/>
+              </a:solidFill>
+              <a:effectLst/>
+              <a:latin typeface="+mn-lt"/>
+              <a:ea typeface="+mn-ea"/>
+              <a:cs typeface="+mn-cs"/>
+            </a:endParaRPr>
+          </a:p>
+          <a:p>
+            <a:r>
+              <a:rPr lang="en-GB" sz="1200" kern="1200" dirty="0">
+                <a:solidFill>
+                  <a:schemeClr val="tx1"/>
+                </a:solidFill>
+                <a:effectLst/>
+                <a:latin typeface="+mn-lt"/>
+                <a:ea typeface="+mn-ea"/>
+                <a:cs typeface="+mn-cs"/>
+              </a:rPr>
+              <a:t>So I’m Nick Ebbitt and I work for a software house called Tracsis providing services to the UK rail industry. </a:t>
+            </a:r>
+          </a:p>
+          <a:p>
+            <a:r>
+              <a:rPr lang="en-GB" sz="1200" kern="1200" dirty="0">
+                <a:solidFill>
+                  <a:schemeClr val="tx1"/>
+                </a:solidFill>
+                <a:effectLst/>
+                <a:latin typeface="+mn-lt"/>
+                <a:ea typeface="+mn-ea"/>
+                <a:cs typeface="+mn-cs"/>
+              </a:rPr>
+              <a:t> </a:t>
+            </a:r>
+          </a:p>
+          <a:p>
+            <a:r>
+              <a:rPr lang="en-GB" sz="1200" kern="1200" dirty="0">
+                <a:solidFill>
+                  <a:schemeClr val="tx1"/>
+                </a:solidFill>
+                <a:effectLst/>
+                <a:latin typeface="+mn-lt"/>
+                <a:ea typeface="+mn-ea"/>
+                <a:cs typeface="+mn-cs"/>
+              </a:rPr>
+              <a:t>O</a:t>
+            </a:r>
+            <a:r>
+              <a:rPr lang="en-GB" sz="1200" kern="1200" baseline="0" dirty="0">
+                <a:solidFill>
+                  <a:schemeClr val="tx1"/>
+                </a:solidFill>
+                <a:effectLst/>
+                <a:latin typeface="+mn-lt"/>
+                <a:ea typeface="+mn-ea"/>
+                <a:cs typeface="+mn-cs"/>
+              </a:rPr>
+              <a:t>ver the past couple of years I’ve been involved in the </a:t>
+            </a:r>
+            <a:r>
+              <a:rPr lang="en-GB" sz="1200" kern="1200" dirty="0">
+                <a:solidFill>
+                  <a:schemeClr val="tx1"/>
+                </a:solidFill>
+                <a:effectLst/>
+                <a:latin typeface="+mn-lt"/>
+                <a:ea typeface="+mn-ea"/>
+                <a:cs typeface="+mn-cs"/>
+              </a:rPr>
+              <a:t>delivery</a:t>
+            </a:r>
+            <a:r>
+              <a:rPr lang="en-GB" sz="1200" kern="1200" baseline="0" dirty="0">
+                <a:solidFill>
+                  <a:schemeClr val="tx1"/>
+                </a:solidFill>
+                <a:effectLst/>
+                <a:latin typeface="+mn-lt"/>
+                <a:ea typeface="+mn-ea"/>
+                <a:cs typeface="+mn-cs"/>
+              </a:rPr>
+              <a:t> of</a:t>
+            </a:r>
+            <a:r>
+              <a:rPr lang="en-GB" sz="1200" kern="1200" dirty="0">
+                <a:solidFill>
+                  <a:schemeClr val="tx1"/>
+                </a:solidFill>
+                <a:effectLst/>
+                <a:latin typeface="+mn-lt"/>
+                <a:ea typeface="+mn-ea"/>
+                <a:cs typeface="+mn-cs"/>
+              </a:rPr>
+              <a:t> a cloud based mobile platform to provide rail staff with context sensitive "real time" train information.</a:t>
+            </a:r>
+          </a:p>
+          <a:p>
+            <a:r>
+              <a:rPr lang="en-GB" sz="1200" kern="1200" dirty="0">
+                <a:solidFill>
+                  <a:schemeClr val="tx1"/>
+                </a:solidFill>
+                <a:effectLst/>
+                <a:latin typeface="+mn-lt"/>
+                <a:ea typeface="+mn-ea"/>
+                <a:cs typeface="+mn-cs"/>
+              </a:rPr>
+              <a:t> </a:t>
+            </a:r>
+          </a:p>
+          <a:p>
+            <a:r>
+              <a:rPr lang="en-GB" sz="1200" kern="1200" dirty="0">
+                <a:solidFill>
+                  <a:schemeClr val="tx1"/>
+                </a:solidFill>
+                <a:effectLst/>
+                <a:latin typeface="+mn-lt"/>
+                <a:ea typeface="+mn-ea"/>
+                <a:cs typeface="+mn-cs"/>
+              </a:rPr>
+              <a:t>The mobile platform is hosted in AWS and integrates with a self-hosted "backend" system exposed via a HTTP based API. As part of a fully automated CD pipeline we implemented a suite of automated</a:t>
+            </a:r>
+            <a:r>
+              <a:rPr lang="en-GB" sz="1200" kern="1200" baseline="0" dirty="0">
+                <a:solidFill>
+                  <a:schemeClr val="tx1"/>
+                </a:solidFill>
+                <a:effectLst/>
+                <a:latin typeface="+mn-lt"/>
+                <a:ea typeface="+mn-ea"/>
+                <a:cs typeface="+mn-cs"/>
+              </a:rPr>
+              <a:t> </a:t>
+            </a:r>
+            <a:r>
+              <a:rPr lang="en-GB" sz="1200" kern="1200" dirty="0">
+                <a:solidFill>
+                  <a:schemeClr val="tx1"/>
+                </a:solidFill>
+                <a:effectLst/>
+                <a:latin typeface="+mn-lt"/>
+                <a:ea typeface="+mn-ea"/>
+                <a:cs typeface="+mn-cs"/>
+              </a:rPr>
+              <a:t>tests to allow us to verify the behaviour of the mobile platform in the cloud.</a:t>
+            </a:r>
+          </a:p>
+          <a:p>
+            <a:r>
+              <a:rPr lang="en-GB" sz="1200" kern="1200" dirty="0">
+                <a:solidFill>
+                  <a:schemeClr val="tx1"/>
+                </a:solidFill>
+                <a:effectLst/>
+                <a:latin typeface="+mn-lt"/>
+                <a:ea typeface="+mn-ea"/>
+                <a:cs typeface="+mn-cs"/>
+              </a:rPr>
+              <a:t> </a:t>
+            </a:r>
+          </a:p>
+          <a:p>
+            <a:r>
+              <a:rPr lang="en-GB" sz="1200" kern="1200" dirty="0">
+                <a:solidFill>
+                  <a:schemeClr val="tx1"/>
+                </a:solidFill>
+                <a:effectLst/>
+                <a:latin typeface="+mn-lt"/>
+                <a:ea typeface="+mn-ea"/>
+                <a:cs typeface="+mn-cs"/>
+              </a:rPr>
+              <a:t>This talk explores some of</a:t>
+            </a:r>
+            <a:r>
+              <a:rPr lang="en-GB" sz="1200" kern="1200" baseline="0" dirty="0">
+                <a:solidFill>
+                  <a:schemeClr val="tx1"/>
+                </a:solidFill>
+                <a:effectLst/>
+                <a:latin typeface="+mn-lt"/>
+                <a:ea typeface="+mn-ea"/>
+                <a:cs typeface="+mn-cs"/>
+              </a:rPr>
+              <a:t> </a:t>
+            </a:r>
+            <a:r>
+              <a:rPr lang="en-GB" sz="1200" kern="1200" dirty="0">
+                <a:solidFill>
+                  <a:schemeClr val="tx1"/>
+                </a:solidFill>
+                <a:effectLst/>
+                <a:latin typeface="+mn-lt"/>
+                <a:ea typeface="+mn-ea"/>
+                <a:cs typeface="+mn-cs"/>
+              </a:rPr>
+              <a:t>the tools and techniques used to assist with the creation and execution of the test suite.</a:t>
+            </a:r>
+          </a:p>
+          <a:p>
             <a:endParaRPr lang="en-GB" dirty="0"/>
           </a:p>
         </p:txBody>
@@ -548,6 +769,188 @@
     <p:extLst>
       <p:ext uri="{BB962C8B-B14F-4D97-AF65-F5344CB8AC3E}">
         <p14:creationId xmlns:p14="http://schemas.microsoft.com/office/powerpoint/2010/main" val="1439206429"/>
+      </p:ext>
+    </p:extLst>
+  </p:cSld>
+  <p:clrMapOvr>
+    <a:masterClrMapping/>
+  </p:clrMapOvr>
+</p:notes>
+</file>
+
+<file path=ppt/notesSlides/notesSlide10.xml><?xml version="1.0" encoding="utf-8"?>
+<p:notes xmlns:a="http://schemas.openxmlformats.org/drawingml/2006/main" xmlns:r="http://schemas.openxmlformats.org/officeDocument/2006/relationships" xmlns:p="http://schemas.openxmlformats.org/presentationml/2006/main">
+  <p:cSld>
+    <p:spTree>
+      <p:nvGrpSpPr>
+        <p:cNvPr id="1" name=""/>
+        <p:cNvGrpSpPr/>
+        <p:nvPr/>
+      </p:nvGrpSpPr>
+      <p:grpSpPr>
+        <a:xfrm>
+          <a:off x="0" y="0"/>
+          <a:ext cx="0" cy="0"/>
+          <a:chOff x="0" y="0"/>
+          <a:chExt cx="0" cy="0"/>
+        </a:xfrm>
+      </p:grpSpPr>
+      <p:sp>
+        <p:nvSpPr>
+          <p:cNvPr id="2" name="Slide Image Placeholder 1"/>
+          <p:cNvSpPr>
+            <a:spLocks noGrp="1" noRot="1" noChangeAspect="1"/>
+          </p:cNvSpPr>
+          <p:nvPr>
+            <p:ph type="sldImg"/>
+          </p:nvPr>
+        </p:nvSpPr>
+        <p:spPr/>
+      </p:sp>
+      <p:sp>
+        <p:nvSpPr>
+          <p:cNvPr id="3" name="Notes Placeholder 2"/>
+          <p:cNvSpPr>
+            <a:spLocks noGrp="1"/>
+          </p:cNvSpPr>
+          <p:nvPr>
+            <p:ph type="body" idx="1"/>
+          </p:nvPr>
+        </p:nvSpPr>
+        <p:spPr/>
+        <p:txBody>
+          <a:bodyPr/>
+          <a:lstStyle/>
+          <a:p>
+            <a:r>
+              <a:rPr lang="en-GB" dirty="0"/>
+              <a:t>In conclusion,</a:t>
+            </a:r>
+            <a:r>
+              <a:rPr lang="en-GB" baseline="0" dirty="0"/>
+              <a:t> through my experience of using WireMock we’ve been able to… </a:t>
+            </a:r>
+          </a:p>
+          <a:p>
+            <a:endParaRPr lang="en-GB" baseline="0" dirty="0"/>
+          </a:p>
+          <a:p>
+            <a:pPr marL="171450" marR="0" lvl="0" indent="-171450" algn="l" defTabSz="914400" rtl="0" eaLnBrk="1" fontAlgn="auto" latinLnBrk="0" hangingPunct="1">
+              <a:lnSpc>
+                <a:spcPct val="100000"/>
+              </a:lnSpc>
+              <a:spcBef>
+                <a:spcPts val="0"/>
+              </a:spcBef>
+              <a:spcAft>
+                <a:spcPts val="0"/>
+              </a:spcAft>
+              <a:buClrTx/>
+              <a:buSzTx/>
+              <a:buFont typeface="Arial" panose="020B0604020202020204" pitchFamily="34" charset="0"/>
+              <a:buChar char="•"/>
+              <a:tabLst/>
+              <a:defRPr/>
+            </a:pPr>
+            <a:r>
+              <a:rPr lang="en-GB" baseline="0" dirty="0"/>
+              <a:t>reduce dependency on the real service being available - it’s important to mention however that while tools like this are great, they don’t completely replace the need to test against the real thing.</a:t>
+            </a:r>
+          </a:p>
+          <a:p>
+            <a:endParaRPr lang="en-GB" baseline="0" dirty="0"/>
+          </a:p>
+          <a:p>
+            <a:pPr marL="171450" indent="-171450">
+              <a:buFont typeface="Arial" panose="020B0604020202020204" pitchFamily="34" charset="0"/>
+              <a:buChar char="•"/>
+            </a:pPr>
+            <a:r>
+              <a:rPr lang="en-GB" baseline="0" dirty="0"/>
+              <a:t>realise an increase in developer productivity through removing the hard dependency on a version of the actual external service being available</a:t>
+            </a:r>
+          </a:p>
+          <a:p>
+            <a:pPr marL="171450" indent="-171450">
+              <a:buFont typeface="Arial" panose="020B0604020202020204" pitchFamily="34" charset="0"/>
+              <a:buChar char="•"/>
+            </a:pPr>
+            <a:endParaRPr lang="en-GB" baseline="0" dirty="0"/>
+          </a:p>
+          <a:p>
+            <a:pPr marL="171450" indent="-171450">
+              <a:buFont typeface="Arial" panose="020B0604020202020204" pitchFamily="34" charset="0"/>
+              <a:buChar char="•"/>
+            </a:pPr>
+            <a:r>
+              <a:rPr lang="en-GB" baseline="0" dirty="0"/>
+              <a:t>improve the testability of the application, allowing us to create new tests for new features with less effort</a:t>
+            </a:r>
+          </a:p>
+          <a:p>
+            <a:pPr marL="171450" indent="-171450">
+              <a:buFont typeface="Arial" panose="020B0604020202020204" pitchFamily="34" charset="0"/>
+              <a:buChar char="•"/>
+            </a:pPr>
+            <a:endParaRPr lang="en-GB" baseline="0" dirty="0"/>
+          </a:p>
+          <a:p>
+            <a:pPr marL="171450" indent="-171450">
+              <a:buFont typeface="Arial" panose="020B0604020202020204" pitchFamily="34" charset="0"/>
+              <a:buChar char="•"/>
+            </a:pPr>
+            <a:r>
+              <a:rPr lang="en-GB" baseline="0" dirty="0"/>
+              <a:t>and therefore ultimately we have been able to improve the quality of product we are delivering.</a:t>
+            </a:r>
+          </a:p>
+          <a:p>
+            <a:pPr marL="0" indent="0">
+              <a:buFont typeface="Arial" panose="020B0604020202020204" pitchFamily="34" charset="0"/>
+              <a:buNone/>
+            </a:pPr>
+            <a:endParaRPr lang="en-GB" baseline="0" dirty="0"/>
+          </a:p>
+          <a:p>
+            <a:pPr marL="0" indent="0">
+              <a:buFont typeface="Arial" panose="020B0604020202020204" pitchFamily="34" charset="0"/>
+              <a:buNone/>
+            </a:pPr>
+            <a:r>
+              <a:rPr lang="en-GB" baseline="0" dirty="0"/>
+              <a:t>Thanks you very much.</a:t>
+            </a:r>
+            <a:endParaRPr lang="en-GB" dirty="0"/>
+          </a:p>
+        </p:txBody>
+      </p:sp>
+      <p:sp>
+        <p:nvSpPr>
+          <p:cNvPr id="4" name="Slide Number Placeholder 3"/>
+          <p:cNvSpPr>
+            <a:spLocks noGrp="1"/>
+          </p:cNvSpPr>
+          <p:nvPr>
+            <p:ph type="sldNum" sz="quarter" idx="10"/>
+          </p:nvPr>
+        </p:nvSpPr>
+        <p:spPr/>
+        <p:txBody>
+          <a:bodyPr/>
+          <a:lstStyle/>
+          <a:p>
+            <a:fld id="{C2E81607-7963-4FBE-8E92-6814605549E7}" type="slidenum">
+              <a:rPr lang="en-GB" smtClean="0"/>
+              <a:t>10</a:t>
+            </a:fld>
+            <a:endParaRPr lang="en-GB"/>
+          </a:p>
+        </p:txBody>
+      </p:sp>
+    </p:spTree>
+    <p:extLst>
+      <p:ext uri="{BB962C8B-B14F-4D97-AF65-F5344CB8AC3E}">
+        <p14:creationId xmlns:p14="http://schemas.microsoft.com/office/powerpoint/2010/main" val="3862557382"/>
       </p:ext>
     </p:extLst>
   </p:cSld>
@@ -601,7 +1004,821 @@
           <a:bodyPr/>
           <a:lstStyle/>
           <a:p>
+            <a:r>
+              <a:rPr lang="en-GB" dirty="0"/>
+              <a:t>So let’s begin by defining the term “mock”.</a:t>
+            </a:r>
+          </a:p>
+          <a:p>
             <a:endParaRPr lang="en-GB" dirty="0"/>
+          </a:p>
+          <a:p>
+            <a:r>
+              <a:rPr lang="en-GB" dirty="0"/>
+              <a:t>A quick Google search gives us a good starting</a:t>
+            </a:r>
+            <a:r>
+              <a:rPr lang="en-GB" baseline="0" dirty="0"/>
+              <a:t> point.</a:t>
+            </a:r>
+          </a:p>
+          <a:p>
+            <a:endParaRPr lang="en-GB" baseline="0" dirty="0"/>
+          </a:p>
+          <a:p>
+            <a:r>
+              <a:rPr lang="en-GB" baseline="0" dirty="0"/>
+              <a:t>So the first description isn’t quite what we’re talking about here but the second…</a:t>
+            </a:r>
+          </a:p>
+          <a:p>
+            <a:endParaRPr lang="en-GB" baseline="0" dirty="0"/>
+          </a:p>
+          <a:p>
+            <a:r>
+              <a:rPr lang="en-GB" baseline="0" dirty="0"/>
+              <a:t>“make a replica or imitation of something” – is more like what we’re talking about</a:t>
+            </a:r>
+            <a:endParaRPr lang="en-GB" dirty="0"/>
+          </a:p>
+        </p:txBody>
+      </p:sp>
+      <p:sp>
+        <p:nvSpPr>
+          <p:cNvPr id="4" name="Slide Number Placeholder 3"/>
+          <p:cNvSpPr>
+            <a:spLocks noGrp="1"/>
+          </p:cNvSpPr>
+          <p:nvPr>
+            <p:ph type="sldNum" sz="quarter" idx="10"/>
+          </p:nvPr>
+        </p:nvSpPr>
+        <p:spPr/>
+        <p:txBody>
+          <a:bodyPr/>
+          <a:lstStyle/>
+          <a:p>
+            <a:fld id="{C2E81607-7963-4FBE-8E92-6814605549E7}" type="slidenum">
+              <a:rPr lang="en-GB" smtClean="0"/>
+              <a:t>2</a:t>
+            </a:fld>
+            <a:endParaRPr lang="en-GB"/>
+          </a:p>
+        </p:txBody>
+      </p:sp>
+    </p:spTree>
+    <p:extLst>
+      <p:ext uri="{BB962C8B-B14F-4D97-AF65-F5344CB8AC3E}">
+        <p14:creationId xmlns:p14="http://schemas.microsoft.com/office/powerpoint/2010/main" val="2071072603"/>
+      </p:ext>
+    </p:extLst>
+  </p:cSld>
+  <p:clrMapOvr>
+    <a:masterClrMapping/>
+  </p:clrMapOvr>
+</p:notes>
+</file>
+
+<file path=ppt/notesSlides/notesSlide3.xml><?xml version="1.0" encoding="utf-8"?>
+<p:notes xmlns:a="http://schemas.openxmlformats.org/drawingml/2006/main" xmlns:r="http://schemas.openxmlformats.org/officeDocument/2006/relationships" xmlns:p="http://schemas.openxmlformats.org/presentationml/2006/main">
+  <p:cSld>
+    <p:spTree>
+      <p:nvGrpSpPr>
+        <p:cNvPr id="1" name=""/>
+        <p:cNvGrpSpPr/>
+        <p:nvPr/>
+      </p:nvGrpSpPr>
+      <p:grpSpPr>
+        <a:xfrm>
+          <a:off x="0" y="0"/>
+          <a:ext cx="0" cy="0"/>
+          <a:chOff x="0" y="0"/>
+          <a:chExt cx="0" cy="0"/>
+        </a:xfrm>
+      </p:grpSpPr>
+      <p:sp>
+        <p:nvSpPr>
+          <p:cNvPr id="2" name="Slide Image Placeholder 1"/>
+          <p:cNvSpPr>
+            <a:spLocks noGrp="1" noRot="1" noChangeAspect="1"/>
+          </p:cNvSpPr>
+          <p:nvPr>
+            <p:ph type="sldImg"/>
+          </p:nvPr>
+        </p:nvSpPr>
+        <p:spPr/>
+      </p:sp>
+      <p:sp>
+        <p:nvSpPr>
+          <p:cNvPr id="3" name="Notes Placeholder 2"/>
+          <p:cNvSpPr>
+            <a:spLocks noGrp="1"/>
+          </p:cNvSpPr>
+          <p:nvPr>
+            <p:ph type="body" idx="1"/>
+          </p:nvPr>
+        </p:nvSpPr>
+        <p:spPr/>
+        <p:txBody>
+          <a:bodyPr/>
+          <a:lstStyle/>
+          <a:p>
+            <a:r>
+              <a:rPr lang="en-GB" dirty="0"/>
+              <a:t>Applying this to the domain of software engineering,</a:t>
+            </a:r>
+            <a:r>
+              <a:rPr lang="en-GB" baseline="0" dirty="0"/>
+              <a:t> mocks are…</a:t>
+            </a:r>
+          </a:p>
+          <a:p>
+            <a:endParaRPr lang="en-GB" baseline="0" dirty="0"/>
+          </a:p>
+          <a:p>
+            <a:r>
+              <a:rPr lang="en-GB" baseline="0" dirty="0"/>
+              <a:t>“…special case objects that mimic real objects for testing.”</a:t>
+            </a:r>
+          </a:p>
+          <a:p>
+            <a:endParaRPr lang="en-GB" baseline="0" dirty="0"/>
+          </a:p>
+          <a:p>
+            <a:r>
+              <a:rPr lang="en-GB" baseline="0" dirty="0"/>
+              <a:t>Now this description sounds quite low-level in that it refers to objects. </a:t>
+            </a:r>
+          </a:p>
+          <a:p>
+            <a:endParaRPr lang="en-GB" baseline="0" dirty="0"/>
+          </a:p>
+          <a:p>
+            <a:r>
+              <a:rPr lang="en-GB" baseline="0" dirty="0"/>
+              <a:t>In more general terms, an object could refer to any internal or external component related to a software application.</a:t>
+            </a:r>
+          </a:p>
+        </p:txBody>
+      </p:sp>
+      <p:sp>
+        <p:nvSpPr>
+          <p:cNvPr id="4" name="Slide Number Placeholder 3"/>
+          <p:cNvSpPr>
+            <a:spLocks noGrp="1"/>
+          </p:cNvSpPr>
+          <p:nvPr>
+            <p:ph type="sldNum" sz="quarter" idx="10"/>
+          </p:nvPr>
+        </p:nvSpPr>
+        <p:spPr/>
+        <p:txBody>
+          <a:bodyPr/>
+          <a:lstStyle/>
+          <a:p>
+            <a:fld id="{C2E81607-7963-4FBE-8E92-6814605549E7}" type="slidenum">
+              <a:rPr lang="en-GB" smtClean="0"/>
+              <a:t>3</a:t>
+            </a:fld>
+            <a:endParaRPr lang="en-GB"/>
+          </a:p>
+        </p:txBody>
+      </p:sp>
+    </p:spTree>
+    <p:extLst>
+      <p:ext uri="{BB962C8B-B14F-4D97-AF65-F5344CB8AC3E}">
+        <p14:creationId xmlns:p14="http://schemas.microsoft.com/office/powerpoint/2010/main" val="3851675632"/>
+      </p:ext>
+    </p:extLst>
+  </p:cSld>
+  <p:clrMapOvr>
+    <a:masterClrMapping/>
+  </p:clrMapOvr>
+</p:notes>
+</file>
+
+<file path=ppt/notesSlides/notesSlide4.xml><?xml version="1.0" encoding="utf-8"?>
+<p:notes xmlns:a="http://schemas.openxmlformats.org/drawingml/2006/main" xmlns:r="http://schemas.openxmlformats.org/officeDocument/2006/relationships" xmlns:p="http://schemas.openxmlformats.org/presentationml/2006/main">
+  <p:cSld>
+    <p:spTree>
+      <p:nvGrpSpPr>
+        <p:cNvPr id="1" name=""/>
+        <p:cNvGrpSpPr/>
+        <p:nvPr/>
+      </p:nvGrpSpPr>
+      <p:grpSpPr>
+        <a:xfrm>
+          <a:off x="0" y="0"/>
+          <a:ext cx="0" cy="0"/>
+          <a:chOff x="0" y="0"/>
+          <a:chExt cx="0" cy="0"/>
+        </a:xfrm>
+      </p:grpSpPr>
+      <p:sp>
+        <p:nvSpPr>
+          <p:cNvPr id="2" name="Slide Image Placeholder 1"/>
+          <p:cNvSpPr>
+            <a:spLocks noGrp="1" noRot="1" noChangeAspect="1"/>
+          </p:cNvSpPr>
+          <p:nvPr>
+            <p:ph type="sldImg"/>
+          </p:nvPr>
+        </p:nvSpPr>
+        <p:spPr/>
+      </p:sp>
+      <p:sp>
+        <p:nvSpPr>
+          <p:cNvPr id="3" name="Notes Placeholder 2"/>
+          <p:cNvSpPr>
+            <a:spLocks noGrp="1"/>
+          </p:cNvSpPr>
+          <p:nvPr>
+            <p:ph type="body" idx="1"/>
+          </p:nvPr>
+        </p:nvSpPr>
+        <p:spPr/>
+        <p:txBody>
+          <a:bodyPr/>
+          <a:lstStyle/>
+          <a:p>
+            <a:r>
+              <a:rPr lang="en-GB" dirty="0"/>
+              <a:t>So why do</a:t>
+            </a:r>
+            <a:r>
+              <a:rPr lang="en-GB" baseline="0" dirty="0"/>
+              <a:t> we use mocks when testing our code or applications?</a:t>
+            </a:r>
+          </a:p>
+          <a:p>
+            <a:endParaRPr lang="en-GB" baseline="0" dirty="0"/>
+          </a:p>
+          <a:p>
+            <a:r>
+              <a:rPr lang="en-GB" baseline="0" dirty="0"/>
+              <a:t>Well, to allow us to write tests that are deterministic and repeatable, we have to be in control of how our objects or systems interact with other objects or systems.</a:t>
+            </a:r>
+          </a:p>
+          <a:p>
+            <a:endParaRPr lang="en-GB" baseline="0" dirty="0"/>
+          </a:p>
+          <a:p>
+            <a:r>
+              <a:rPr lang="en-GB" baseline="0" dirty="0"/>
+              <a:t>This control allows us to model the various scenarios necessary to prove that the software meets any acceptance criteria.</a:t>
+            </a:r>
+            <a:endParaRPr lang="en-GB" dirty="0"/>
+          </a:p>
+        </p:txBody>
+      </p:sp>
+      <p:sp>
+        <p:nvSpPr>
+          <p:cNvPr id="4" name="Slide Number Placeholder 3"/>
+          <p:cNvSpPr>
+            <a:spLocks noGrp="1"/>
+          </p:cNvSpPr>
+          <p:nvPr>
+            <p:ph type="sldNum" sz="quarter" idx="10"/>
+          </p:nvPr>
+        </p:nvSpPr>
+        <p:spPr/>
+        <p:txBody>
+          <a:bodyPr/>
+          <a:lstStyle/>
+          <a:p>
+            <a:fld id="{C2E81607-7963-4FBE-8E92-6814605549E7}" type="slidenum">
+              <a:rPr lang="en-GB" smtClean="0"/>
+              <a:t>4</a:t>
+            </a:fld>
+            <a:endParaRPr lang="en-GB"/>
+          </a:p>
+        </p:txBody>
+      </p:sp>
+    </p:spTree>
+    <p:extLst>
+      <p:ext uri="{BB962C8B-B14F-4D97-AF65-F5344CB8AC3E}">
+        <p14:creationId xmlns:p14="http://schemas.microsoft.com/office/powerpoint/2010/main" val="2543379402"/>
+      </p:ext>
+    </p:extLst>
+  </p:cSld>
+  <p:clrMapOvr>
+    <a:masterClrMapping/>
+  </p:clrMapOvr>
+</p:notes>
+</file>
+
+<file path=ppt/notesSlides/notesSlide5.xml><?xml version="1.0" encoding="utf-8"?>
+<p:notes xmlns:a="http://schemas.openxmlformats.org/drawingml/2006/main" xmlns:r="http://schemas.openxmlformats.org/officeDocument/2006/relationships" xmlns:p="http://schemas.openxmlformats.org/presentationml/2006/main">
+  <p:cSld>
+    <p:spTree>
+      <p:nvGrpSpPr>
+        <p:cNvPr id="1" name=""/>
+        <p:cNvGrpSpPr/>
+        <p:nvPr/>
+      </p:nvGrpSpPr>
+      <p:grpSpPr>
+        <a:xfrm>
+          <a:off x="0" y="0"/>
+          <a:ext cx="0" cy="0"/>
+          <a:chOff x="0" y="0"/>
+          <a:chExt cx="0" cy="0"/>
+        </a:xfrm>
+      </p:grpSpPr>
+      <p:sp>
+        <p:nvSpPr>
+          <p:cNvPr id="2" name="Slide Image Placeholder 1"/>
+          <p:cNvSpPr>
+            <a:spLocks noGrp="1" noRot="1" noChangeAspect="1"/>
+          </p:cNvSpPr>
+          <p:nvPr>
+            <p:ph type="sldImg"/>
+          </p:nvPr>
+        </p:nvSpPr>
+        <p:spPr/>
+      </p:sp>
+      <p:sp>
+        <p:nvSpPr>
+          <p:cNvPr id="3" name="Notes Placeholder 2"/>
+          <p:cNvSpPr>
+            <a:spLocks noGrp="1"/>
+          </p:cNvSpPr>
+          <p:nvPr>
+            <p:ph type="body" idx="1"/>
+          </p:nvPr>
+        </p:nvSpPr>
+        <p:spPr/>
+        <p:txBody>
+          <a:bodyPr/>
+          <a:lstStyle/>
+          <a:p>
+            <a:r>
+              <a:rPr lang="en-GB" dirty="0"/>
+              <a:t>It is likely that during the development of an application</a:t>
+            </a:r>
+            <a:r>
+              <a:rPr lang="en-GB" baseline="0" dirty="0"/>
+              <a:t> you’ll be writing different types of tests to increase the confidence that what you are producing is correct.</a:t>
+            </a:r>
+          </a:p>
+          <a:p>
+            <a:endParaRPr lang="en-GB" baseline="0" dirty="0"/>
+          </a:p>
+          <a:p>
+            <a:r>
+              <a:rPr lang="en-GB" baseline="0" dirty="0"/>
+              <a:t>This will usually start with unit tests in which you’ll be aiming to test a single unit of your application which will likely be single class.</a:t>
+            </a:r>
+          </a:p>
+          <a:p>
+            <a:endParaRPr lang="en-GB" baseline="0" dirty="0"/>
+          </a:p>
+          <a:p>
+            <a:r>
+              <a:rPr lang="en-GB" baseline="0" dirty="0"/>
+              <a:t>If the object you are testing interacts with another object then using a design pattern such as dependency injection, to implement inversion of control, and a framework such as </a:t>
+            </a:r>
+            <a:r>
+              <a:rPr lang="en-GB" baseline="0" dirty="0" err="1"/>
+              <a:t>Mockito</a:t>
+            </a:r>
+            <a:r>
+              <a:rPr lang="en-GB" baseline="0" dirty="0"/>
+              <a:t> you will be able to provide the unit you are testing with a mock collaborator.</a:t>
+            </a:r>
+          </a:p>
+          <a:p>
+            <a:endParaRPr lang="en-GB" baseline="0" dirty="0"/>
+          </a:p>
+          <a:p>
+            <a:r>
+              <a:rPr lang="en-GB" baseline="0" dirty="0"/>
+              <a:t>Similarly, if you are testing at a higher level and looking to prove the correctness of a subsystem or the application as a whole then it may be necessary to mock the application’s external dependencies such as the database, a queue, or a web service.</a:t>
+            </a:r>
+          </a:p>
+          <a:p>
+            <a:endParaRPr lang="en-GB" baseline="0" dirty="0"/>
+          </a:p>
+          <a:p>
+            <a:r>
+              <a:rPr lang="en-GB" baseline="0" dirty="0"/>
+              <a:t>It’s important to note, mocks are useful but are not a replacement for testing against the “real” thing. This is necessary and should definitely be part of your testing strategy.</a:t>
+            </a:r>
+          </a:p>
+        </p:txBody>
+      </p:sp>
+      <p:sp>
+        <p:nvSpPr>
+          <p:cNvPr id="4" name="Slide Number Placeholder 3"/>
+          <p:cNvSpPr>
+            <a:spLocks noGrp="1"/>
+          </p:cNvSpPr>
+          <p:nvPr>
+            <p:ph type="sldNum" sz="quarter" idx="10"/>
+          </p:nvPr>
+        </p:nvSpPr>
+        <p:spPr/>
+        <p:txBody>
+          <a:bodyPr/>
+          <a:lstStyle/>
+          <a:p>
+            <a:fld id="{C2E81607-7963-4FBE-8E92-6814605549E7}" type="slidenum">
+              <a:rPr lang="en-GB" smtClean="0"/>
+              <a:t>5</a:t>
+            </a:fld>
+            <a:endParaRPr lang="en-GB"/>
+          </a:p>
+        </p:txBody>
+      </p:sp>
+    </p:spTree>
+    <p:extLst>
+      <p:ext uri="{BB962C8B-B14F-4D97-AF65-F5344CB8AC3E}">
+        <p14:creationId xmlns:p14="http://schemas.microsoft.com/office/powerpoint/2010/main" val="895705484"/>
+      </p:ext>
+    </p:extLst>
+  </p:cSld>
+  <p:clrMapOvr>
+    <a:masterClrMapping/>
+  </p:clrMapOvr>
+</p:notes>
+</file>
+
+<file path=ppt/notesSlides/notesSlide6.xml><?xml version="1.0" encoding="utf-8"?>
+<p:notes xmlns:a="http://schemas.openxmlformats.org/drawingml/2006/main" xmlns:r="http://schemas.openxmlformats.org/officeDocument/2006/relationships" xmlns:p="http://schemas.openxmlformats.org/presentationml/2006/main">
+  <p:cSld>
+    <p:spTree>
+      <p:nvGrpSpPr>
+        <p:cNvPr id="1" name=""/>
+        <p:cNvGrpSpPr/>
+        <p:nvPr/>
+      </p:nvGrpSpPr>
+      <p:grpSpPr>
+        <a:xfrm>
+          <a:off x="0" y="0"/>
+          <a:ext cx="0" cy="0"/>
+          <a:chOff x="0" y="0"/>
+          <a:chExt cx="0" cy="0"/>
+        </a:xfrm>
+      </p:grpSpPr>
+      <p:sp>
+        <p:nvSpPr>
+          <p:cNvPr id="2" name="Slide Image Placeholder 1"/>
+          <p:cNvSpPr>
+            <a:spLocks noGrp="1" noRot="1" noChangeAspect="1"/>
+          </p:cNvSpPr>
+          <p:nvPr>
+            <p:ph type="sldImg"/>
+          </p:nvPr>
+        </p:nvSpPr>
+        <p:spPr/>
+      </p:sp>
+      <p:sp>
+        <p:nvSpPr>
+          <p:cNvPr id="3" name="Notes Placeholder 2"/>
+          <p:cNvSpPr>
+            <a:spLocks noGrp="1"/>
+          </p:cNvSpPr>
+          <p:nvPr>
+            <p:ph type="body" idx="1"/>
+          </p:nvPr>
+        </p:nvSpPr>
+        <p:spPr/>
+        <p:txBody>
+          <a:bodyPr/>
+          <a:lstStyle/>
+          <a:p>
+            <a:r>
+              <a:rPr lang="en-GB" dirty="0"/>
+              <a:t>It’s quite common</a:t>
+            </a:r>
+            <a:r>
+              <a:rPr lang="en-GB" baseline="0" dirty="0"/>
+              <a:t> for an application to depend on an external web service.</a:t>
+            </a:r>
+          </a:p>
+          <a:p>
+            <a:endParaRPr lang="en-GB" baseline="0" dirty="0"/>
+          </a:p>
+          <a:p>
+            <a:r>
+              <a:rPr lang="en-GB" baseline="0" dirty="0"/>
+              <a:t>The external service could be external to the company and controlled by a 3</a:t>
+            </a:r>
+            <a:r>
+              <a:rPr lang="en-GB" baseline="30000" dirty="0"/>
+              <a:t>rd</a:t>
+            </a:r>
+            <a:r>
+              <a:rPr lang="en-GB" baseline="0" dirty="0"/>
+              <a:t> party e.g. Twitter. </a:t>
+            </a:r>
+          </a:p>
+          <a:p>
+            <a:endParaRPr lang="en-GB" baseline="0" dirty="0"/>
+          </a:p>
+          <a:p>
+            <a:r>
+              <a:rPr lang="en-GB" baseline="0" dirty="0"/>
+              <a:t>It could be a service within the company but controlled by a different team. It is quite common for micro-service architectures to communication over HTTP.</a:t>
+            </a:r>
+          </a:p>
+          <a:p>
+            <a:endParaRPr lang="en-GB" baseline="0" dirty="0"/>
+          </a:p>
+          <a:p>
+            <a:pPr marL="171450" marR="0" lvl="0" indent="-171450" algn="l" defTabSz="914400" rtl="0" eaLnBrk="1" fontAlgn="auto" latinLnBrk="0" hangingPunct="1">
+              <a:lnSpc>
+                <a:spcPct val="100000"/>
+              </a:lnSpc>
+              <a:spcBef>
+                <a:spcPts val="0"/>
+              </a:spcBef>
+              <a:spcAft>
+                <a:spcPts val="0"/>
+              </a:spcAft>
+              <a:buClrTx/>
+              <a:buSzTx/>
+              <a:buFont typeface="Arial" panose="020B0604020202020204" pitchFamily="34" charset="0"/>
+              <a:buChar char="•"/>
+              <a:tabLst/>
+              <a:defRPr/>
+            </a:pPr>
+            <a:endParaRPr lang="en-GB" dirty="0"/>
+          </a:p>
+          <a:p>
+            <a:pPr marL="171450" indent="-171450">
+              <a:buFont typeface="Arial" panose="020B0604020202020204" pitchFamily="34" charset="0"/>
+              <a:buChar char="•"/>
+            </a:pPr>
+            <a:endParaRPr lang="en-GB" dirty="0"/>
+          </a:p>
+        </p:txBody>
+      </p:sp>
+      <p:sp>
+        <p:nvSpPr>
+          <p:cNvPr id="4" name="Slide Number Placeholder 3"/>
+          <p:cNvSpPr>
+            <a:spLocks noGrp="1"/>
+          </p:cNvSpPr>
+          <p:nvPr>
+            <p:ph type="sldNum" sz="quarter" idx="10"/>
+          </p:nvPr>
+        </p:nvSpPr>
+        <p:spPr/>
+        <p:txBody>
+          <a:bodyPr/>
+          <a:lstStyle/>
+          <a:p>
+            <a:fld id="{C2E81607-7963-4FBE-8E92-6814605549E7}" type="slidenum">
+              <a:rPr lang="en-GB" smtClean="0"/>
+              <a:t>6</a:t>
+            </a:fld>
+            <a:endParaRPr lang="en-GB"/>
+          </a:p>
+        </p:txBody>
+      </p:sp>
+    </p:spTree>
+    <p:extLst>
+      <p:ext uri="{BB962C8B-B14F-4D97-AF65-F5344CB8AC3E}">
+        <p14:creationId xmlns:p14="http://schemas.microsoft.com/office/powerpoint/2010/main" val="1707470099"/>
+      </p:ext>
+    </p:extLst>
+  </p:cSld>
+  <p:clrMapOvr>
+    <a:masterClrMapping/>
+  </p:clrMapOvr>
+</p:notes>
+</file>
+
+<file path=ppt/notesSlides/notesSlide7.xml><?xml version="1.0" encoding="utf-8"?>
+<p:notes xmlns:a="http://schemas.openxmlformats.org/drawingml/2006/main" xmlns:r="http://schemas.openxmlformats.org/officeDocument/2006/relationships" xmlns:p="http://schemas.openxmlformats.org/presentationml/2006/main">
+  <p:cSld>
+    <p:spTree>
+      <p:nvGrpSpPr>
+        <p:cNvPr id="1" name=""/>
+        <p:cNvGrpSpPr/>
+        <p:nvPr/>
+      </p:nvGrpSpPr>
+      <p:grpSpPr>
+        <a:xfrm>
+          <a:off x="0" y="0"/>
+          <a:ext cx="0" cy="0"/>
+          <a:chOff x="0" y="0"/>
+          <a:chExt cx="0" cy="0"/>
+        </a:xfrm>
+      </p:grpSpPr>
+      <p:sp>
+        <p:nvSpPr>
+          <p:cNvPr id="2" name="Slide Image Placeholder 1"/>
+          <p:cNvSpPr>
+            <a:spLocks noGrp="1" noRot="1" noChangeAspect="1"/>
+          </p:cNvSpPr>
+          <p:nvPr>
+            <p:ph type="sldImg"/>
+          </p:nvPr>
+        </p:nvSpPr>
+        <p:spPr/>
+      </p:sp>
+      <p:sp>
+        <p:nvSpPr>
+          <p:cNvPr id="3" name="Notes Placeholder 2"/>
+          <p:cNvSpPr>
+            <a:spLocks noGrp="1"/>
+          </p:cNvSpPr>
+          <p:nvPr>
+            <p:ph type="body" idx="1"/>
+          </p:nvPr>
+        </p:nvSpPr>
+        <p:spPr/>
+        <p:txBody>
+          <a:bodyPr/>
+          <a:lstStyle/>
+          <a:p>
+            <a:r>
+              <a:rPr lang="en-GB" dirty="0"/>
+              <a:t>There are various tools or frameworks available that support the mocking of HTTP based APIs or web services however I’m going to focus on WireMock</a:t>
+            </a:r>
+            <a:r>
+              <a:rPr lang="en-GB" baseline="0" dirty="0"/>
+              <a:t> that we have used to good effect to support our development and automated integration testing processes within Tracsis.</a:t>
+            </a:r>
+          </a:p>
+          <a:p>
+            <a:endParaRPr lang="en-GB" baseline="0" dirty="0"/>
+          </a:p>
+          <a:p>
+            <a:r>
+              <a:rPr lang="en-GB" baseline="0" dirty="0"/>
+              <a:t>WireMock was created by Tom </a:t>
+            </a:r>
+            <a:r>
+              <a:rPr lang="en-GB" baseline="0" dirty="0" err="1"/>
+              <a:t>Akehurst</a:t>
+            </a:r>
+            <a:r>
+              <a:rPr lang="en-GB" baseline="0" dirty="0"/>
+              <a:t> a few years ago now so is quite mature as a product.</a:t>
+            </a:r>
+          </a:p>
+          <a:p>
+            <a:endParaRPr lang="en-GB" baseline="0" dirty="0"/>
+          </a:p>
+          <a:p>
+            <a:r>
+              <a:rPr lang="en-GB" baseline="0" dirty="0"/>
+              <a:t>The documentation on the website is pretty good, contains lots of useful info and examples.</a:t>
+            </a:r>
+            <a:endParaRPr lang="en-GB" dirty="0"/>
+          </a:p>
+        </p:txBody>
+      </p:sp>
+      <p:sp>
+        <p:nvSpPr>
+          <p:cNvPr id="4" name="Slide Number Placeholder 3"/>
+          <p:cNvSpPr>
+            <a:spLocks noGrp="1"/>
+          </p:cNvSpPr>
+          <p:nvPr>
+            <p:ph type="sldNum" sz="quarter" idx="10"/>
+          </p:nvPr>
+        </p:nvSpPr>
+        <p:spPr/>
+        <p:txBody>
+          <a:bodyPr/>
+          <a:lstStyle/>
+          <a:p>
+            <a:fld id="{C2E81607-7963-4FBE-8E92-6814605549E7}" type="slidenum">
+              <a:rPr lang="en-GB" smtClean="0"/>
+              <a:t>7</a:t>
+            </a:fld>
+            <a:endParaRPr lang="en-GB"/>
+          </a:p>
+        </p:txBody>
+      </p:sp>
+    </p:spTree>
+    <p:extLst>
+      <p:ext uri="{BB962C8B-B14F-4D97-AF65-F5344CB8AC3E}">
+        <p14:creationId xmlns:p14="http://schemas.microsoft.com/office/powerpoint/2010/main" val="1141570079"/>
+      </p:ext>
+    </p:extLst>
+  </p:cSld>
+  <p:clrMapOvr>
+    <a:masterClrMapping/>
+  </p:clrMapOvr>
+</p:notes>
+</file>
+
+<file path=ppt/notesSlides/notesSlide8.xml><?xml version="1.0" encoding="utf-8"?>
+<p:notes xmlns:a="http://schemas.openxmlformats.org/drawingml/2006/main" xmlns:r="http://schemas.openxmlformats.org/officeDocument/2006/relationships" xmlns:p="http://schemas.openxmlformats.org/presentationml/2006/main">
+  <p:cSld>
+    <p:spTree>
+      <p:nvGrpSpPr>
+        <p:cNvPr id="1" name=""/>
+        <p:cNvGrpSpPr/>
+        <p:nvPr/>
+      </p:nvGrpSpPr>
+      <p:grpSpPr>
+        <a:xfrm>
+          <a:off x="0" y="0"/>
+          <a:ext cx="0" cy="0"/>
+          <a:chOff x="0" y="0"/>
+          <a:chExt cx="0" cy="0"/>
+        </a:xfrm>
+      </p:grpSpPr>
+      <p:sp>
+        <p:nvSpPr>
+          <p:cNvPr id="2" name="Slide Image Placeholder 1"/>
+          <p:cNvSpPr>
+            <a:spLocks noGrp="1" noRot="1" noChangeAspect="1"/>
+          </p:cNvSpPr>
+          <p:nvPr>
+            <p:ph type="sldImg"/>
+          </p:nvPr>
+        </p:nvSpPr>
+        <p:spPr/>
+      </p:sp>
+      <p:sp>
+        <p:nvSpPr>
+          <p:cNvPr id="3" name="Notes Placeholder 2"/>
+          <p:cNvSpPr>
+            <a:spLocks noGrp="1"/>
+          </p:cNvSpPr>
+          <p:nvPr>
+            <p:ph type="body" idx="1"/>
+          </p:nvPr>
+        </p:nvSpPr>
+        <p:spPr/>
+        <p:txBody>
+          <a:bodyPr/>
+          <a:lstStyle/>
+          <a:p>
+            <a:pPr marL="0" indent="0">
+              <a:buFont typeface="Arial" panose="020B0604020202020204" pitchFamily="34" charset="0"/>
+              <a:buNone/>
+            </a:pPr>
+            <a:r>
+              <a:rPr lang="en-GB" dirty="0"/>
+              <a:t>In it’s simplest form, WireMock comes as a runnable JAR that can be started from the command line. This mode proves to be very useful</a:t>
+            </a:r>
+            <a:r>
+              <a:rPr lang="en-GB" baseline="0" dirty="0"/>
+              <a:t> during development to provide a reliable web service running on your local machine to develop against.</a:t>
+            </a:r>
+            <a:endParaRPr lang="en-GB" dirty="0"/>
+          </a:p>
+          <a:p>
+            <a:pPr marL="0" indent="0">
+              <a:buFont typeface="Arial" panose="020B0604020202020204" pitchFamily="34" charset="0"/>
+              <a:buNone/>
+            </a:pPr>
+            <a:endParaRPr lang="en-GB" dirty="0"/>
+          </a:p>
+          <a:p>
+            <a:pPr marL="0" indent="0">
+              <a:buFont typeface="Arial" panose="020B0604020202020204" pitchFamily="34" charset="0"/>
+              <a:buNone/>
+            </a:pPr>
+            <a:r>
+              <a:rPr lang="en-GB" dirty="0"/>
+              <a:t>WireMock can also be deployed to a servlet</a:t>
+            </a:r>
+            <a:r>
+              <a:rPr lang="en-GB" baseline="0" dirty="0"/>
+              <a:t> container if that’s your preference.</a:t>
+            </a:r>
+          </a:p>
+          <a:p>
+            <a:pPr marL="0" indent="0">
+              <a:buFont typeface="Arial" panose="020B0604020202020204" pitchFamily="34" charset="0"/>
+              <a:buNone/>
+            </a:pPr>
+            <a:endParaRPr lang="en-GB" baseline="0" dirty="0"/>
+          </a:p>
+          <a:p>
+            <a:pPr marL="0" indent="0">
+              <a:buFont typeface="Arial" panose="020B0604020202020204" pitchFamily="34" charset="0"/>
+              <a:buNone/>
+            </a:pPr>
+            <a:r>
+              <a:rPr lang="en-GB" baseline="0" dirty="0"/>
+              <a:t>There is a comprehensive Java API from which you can created an embedded WireMock server and configure as required.</a:t>
+            </a:r>
+          </a:p>
+          <a:p>
+            <a:pPr marL="0" indent="0">
+              <a:buFont typeface="Arial" panose="020B0604020202020204" pitchFamily="34" charset="0"/>
+              <a:buNone/>
+            </a:pPr>
+            <a:endParaRPr lang="en-GB" baseline="0" dirty="0"/>
+          </a:p>
+          <a:p>
+            <a:pPr marL="0" indent="0">
+              <a:buFont typeface="Arial" panose="020B0604020202020204" pitchFamily="34" charset="0"/>
+              <a:buNone/>
+            </a:pPr>
+            <a:r>
+              <a:rPr lang="en-GB" baseline="0" dirty="0"/>
+              <a:t>Finally, and more interesting from a Java testing perspective, WireMock provides Junit integration using @Rules.</a:t>
+            </a:r>
           </a:p>
         </p:txBody>
       </p:sp>
@@ -631,7 +1848,152 @@
     </p:spTree>
     <p:extLst>
       <p:ext uri="{BB962C8B-B14F-4D97-AF65-F5344CB8AC3E}">
-        <p14:creationId xmlns:p14="http://schemas.microsoft.com/office/powerpoint/2010/main" val="1432076473"/>
+        <p14:creationId xmlns:p14="http://schemas.microsoft.com/office/powerpoint/2010/main" val="2886470369"/>
+      </p:ext>
+    </p:extLst>
+  </p:cSld>
+  <p:clrMapOvr>
+    <a:masterClrMapping/>
+  </p:clrMapOvr>
+</p:notes>
+</file>
+
+<file path=ppt/notesSlides/notesSlide9.xml><?xml version="1.0" encoding="utf-8"?>
+<p:notes xmlns:a="http://schemas.openxmlformats.org/drawingml/2006/main" xmlns:r="http://schemas.openxmlformats.org/officeDocument/2006/relationships" xmlns:p="http://schemas.openxmlformats.org/presentationml/2006/main">
+  <p:cSld>
+    <p:spTree>
+      <p:nvGrpSpPr>
+        <p:cNvPr id="1" name=""/>
+        <p:cNvGrpSpPr/>
+        <p:nvPr/>
+      </p:nvGrpSpPr>
+      <p:grpSpPr>
+        <a:xfrm>
+          <a:off x="0" y="0"/>
+          <a:ext cx="0" cy="0"/>
+          <a:chOff x="0" y="0"/>
+          <a:chExt cx="0" cy="0"/>
+        </a:xfrm>
+      </p:grpSpPr>
+      <p:sp>
+        <p:nvSpPr>
+          <p:cNvPr id="2" name="Slide Image Placeholder 1"/>
+          <p:cNvSpPr>
+            <a:spLocks noGrp="1" noRot="1" noChangeAspect="1"/>
+          </p:cNvSpPr>
+          <p:nvPr>
+            <p:ph type="sldImg"/>
+          </p:nvPr>
+        </p:nvSpPr>
+        <p:spPr/>
+      </p:sp>
+      <p:sp>
+        <p:nvSpPr>
+          <p:cNvPr id="3" name="Notes Placeholder 2"/>
+          <p:cNvSpPr>
+            <a:spLocks noGrp="1"/>
+          </p:cNvSpPr>
+          <p:nvPr>
+            <p:ph type="body" idx="1"/>
+          </p:nvPr>
+        </p:nvSpPr>
+        <p:spPr/>
+        <p:txBody>
+          <a:bodyPr/>
+          <a:lstStyle/>
+          <a:p>
+            <a:r>
+              <a:rPr lang="en-GB" dirty="0"/>
+              <a:t>In regards</a:t>
+            </a:r>
+            <a:r>
+              <a:rPr lang="en-GB" baseline="0" dirty="0"/>
+              <a:t> to the feature set of WireMock…</a:t>
+            </a:r>
+          </a:p>
+          <a:p>
+            <a:endParaRPr lang="en-GB" baseline="0" dirty="0"/>
+          </a:p>
+          <a:p>
+            <a:r>
+              <a:rPr lang="en-GB" baseline="0" dirty="0"/>
+              <a:t>Stubbing allows you to pre-define a canned response that will be served when a request is made matching a specific URL pattern.</a:t>
+            </a:r>
+          </a:p>
+          <a:p>
+            <a:endParaRPr lang="en-GB" baseline="0" dirty="0"/>
+          </a:p>
+          <a:p>
+            <a:r>
+              <a:rPr lang="en-GB" baseline="0" dirty="0"/>
+              <a:t>Verifying allows you to prove that your application interacts with the external service in the way that you require it to.</a:t>
+            </a:r>
+          </a:p>
+          <a:p>
+            <a:endParaRPr lang="en-GB" baseline="0" dirty="0"/>
+          </a:p>
+          <a:p>
+            <a:r>
+              <a:rPr lang="en-GB" baseline="0" dirty="0"/>
+              <a:t>WireMock can be used as a proxy. </a:t>
+            </a:r>
+          </a:p>
+          <a:p>
+            <a:endParaRPr lang="en-GB" baseline="0" dirty="0"/>
+          </a:p>
+          <a:p>
+            <a:r>
+              <a:rPr lang="en-GB" baseline="0" dirty="0"/>
+              <a:t>The ability to record and playback interactions with the external service is pretty cool. It is a great way to create a base set of request mappings for use in development or with your tests.</a:t>
+            </a:r>
+          </a:p>
+          <a:p>
+            <a:endParaRPr lang="en-GB" baseline="0" dirty="0"/>
+          </a:p>
+          <a:p>
+            <a:r>
+              <a:rPr lang="en-GB" baseline="0" dirty="0"/>
+              <a:t>The ability to simulate faults is very useful, particularly when it comes to testing the resilience of your application. One example would be to add a delay to the interaction with the external service to prove that your app behaves as expected.</a:t>
+            </a:r>
+          </a:p>
+          <a:p>
+            <a:endParaRPr lang="en-GB" baseline="0" dirty="0"/>
+          </a:p>
+          <a:p>
+            <a:r>
+              <a:rPr lang="en-GB" baseline="0" dirty="0"/>
+              <a:t>Finally </a:t>
+            </a:r>
+          </a:p>
+        </p:txBody>
+      </p:sp>
+      <p:sp>
+        <p:nvSpPr>
+          <p:cNvPr id="4" name="Slide Number Placeholder 3"/>
+          <p:cNvSpPr>
+            <a:spLocks noGrp="1"/>
+          </p:cNvSpPr>
+          <p:nvPr>
+            <p:ph type="sldNum" sz="quarter" idx="10"/>
+          </p:nvPr>
+        </p:nvSpPr>
+        <p:spPr/>
+        <p:txBody>
+          <a:bodyPr/>
+          <a:lstStyle/>
+          <a:p>
+            <a:fld id="{C2E81607-7963-4FBE-8E92-6814605549E7}" type="slidenum">
+              <a:rPr lang="en-GB" smtClean="0"/>
+              <a:t>9</a:t>
+            </a:fld>
+            <a:endParaRPr lang="en-GB"/>
+          </a:p>
+        </p:txBody>
+      </p:sp>
+    </p:spTree>
+    <p:extLst>
+      <p:ext uri="{BB962C8B-B14F-4D97-AF65-F5344CB8AC3E}">
+        <p14:creationId xmlns:p14="http://schemas.microsoft.com/office/powerpoint/2010/main" val="2005511295"/>
       </p:ext>
     </p:extLst>
   </p:cSld>
@@ -817,7 +2179,7 @@
           <a:p>
             <a:fld id="{86FCE54F-0372-4E4E-B527-70D6A14B2608}" type="datetimeFigureOut">
               <a:rPr lang="en-GB" smtClean="0"/>
-              <a:t>29/09/2016</a:t>
+              <a:t>30/09/2016</a:t>
             </a:fld>
             <a:endParaRPr lang="en-GB"/>
           </a:p>
@@ -868,7 +2230,7 @@
     </p:spTree>
     <p:extLst>
       <p:ext uri="{BB962C8B-B14F-4D97-AF65-F5344CB8AC3E}">
-        <p14:creationId xmlns:p14="http://schemas.microsoft.com/office/powerpoint/2010/main" val="2692462322"/>
+        <p14:creationId xmlns:p14="http://schemas.microsoft.com/office/powerpoint/2010/main" val="3810383698"/>
       </p:ext>
     </p:extLst>
   </p:cSld>
@@ -987,7 +2349,7 @@
           <a:p>
             <a:fld id="{86FCE54F-0372-4E4E-B527-70D6A14B2608}" type="datetimeFigureOut">
               <a:rPr lang="en-GB" smtClean="0"/>
-              <a:t>29/09/2016</a:t>
+              <a:t>30/09/2016</a:t>
             </a:fld>
             <a:endParaRPr lang="en-GB"/>
           </a:p>
@@ -1038,7 +2400,7 @@
     </p:spTree>
     <p:extLst>
       <p:ext uri="{BB962C8B-B14F-4D97-AF65-F5344CB8AC3E}">
-        <p14:creationId xmlns:p14="http://schemas.microsoft.com/office/powerpoint/2010/main" val="3348320070"/>
+        <p14:creationId xmlns:p14="http://schemas.microsoft.com/office/powerpoint/2010/main" val="3948730745"/>
       </p:ext>
     </p:extLst>
   </p:cSld>
@@ -1210,7 +2572,7 @@
           <a:p>
             <a:fld id="{86FCE54F-0372-4E4E-B527-70D6A14B2608}" type="datetimeFigureOut">
               <a:rPr lang="en-GB" smtClean="0"/>
-              <a:t>29/09/2016</a:t>
+              <a:t>30/09/2016</a:t>
             </a:fld>
             <a:endParaRPr lang="en-GB"/>
           </a:p>
@@ -1271,7 +2633,7 @@
     </p:spTree>
     <p:extLst>
       <p:ext uri="{BB962C8B-B14F-4D97-AF65-F5344CB8AC3E}">
-        <p14:creationId xmlns:p14="http://schemas.microsoft.com/office/powerpoint/2010/main" val="2412110726"/>
+        <p14:creationId xmlns:p14="http://schemas.microsoft.com/office/powerpoint/2010/main" val="1083890651"/>
       </p:ext>
     </p:extLst>
   </p:cSld>
@@ -1390,7 +2752,7 @@
           <a:p>
             <a:fld id="{86FCE54F-0372-4E4E-B527-70D6A14B2608}" type="datetimeFigureOut">
               <a:rPr lang="en-GB" smtClean="0"/>
-              <a:t>29/09/2016</a:t>
+              <a:t>30/09/2016</a:t>
             </a:fld>
             <a:endParaRPr lang="en-GB"/>
           </a:p>
@@ -1441,7 +2803,7 @@
     </p:spTree>
     <p:extLst>
       <p:ext uri="{BB962C8B-B14F-4D97-AF65-F5344CB8AC3E}">
-        <p14:creationId xmlns:p14="http://schemas.microsoft.com/office/powerpoint/2010/main" val="3942319245"/>
+        <p14:creationId xmlns:p14="http://schemas.microsoft.com/office/powerpoint/2010/main" val="1870278716"/>
       </p:ext>
     </p:extLst>
   </p:cSld>
@@ -1696,7 +3058,7 @@
           <a:p>
             <a:fld id="{86FCE54F-0372-4E4E-B527-70D6A14B2608}" type="datetimeFigureOut">
               <a:rPr lang="en-GB" smtClean="0"/>
-              <a:t>29/09/2016</a:t>
+              <a:t>30/09/2016</a:t>
             </a:fld>
             <a:endParaRPr lang="en-GB"/>
           </a:p>
@@ -1763,7 +3125,7 @@
     </p:spTree>
     <p:extLst>
       <p:ext uri="{BB962C8B-B14F-4D97-AF65-F5344CB8AC3E}">
-        <p14:creationId xmlns:p14="http://schemas.microsoft.com/office/powerpoint/2010/main" val="3738287128"/>
+        <p14:creationId xmlns:p14="http://schemas.microsoft.com/office/powerpoint/2010/main" val="847026464"/>
       </p:ext>
     </p:extLst>
   </p:cSld>
@@ -2000,7 +3362,7 @@
           <a:p>
             <a:fld id="{86FCE54F-0372-4E4E-B527-70D6A14B2608}" type="datetimeFigureOut">
               <a:rPr lang="en-GB" smtClean="0"/>
-              <a:t>29/09/2016</a:t>
+              <a:t>30/09/2016</a:t>
             </a:fld>
             <a:endParaRPr lang="en-GB"/>
           </a:p>
@@ -2051,7 +3413,7 @@
     </p:spTree>
     <p:extLst>
       <p:ext uri="{BB962C8B-B14F-4D97-AF65-F5344CB8AC3E}">
-        <p14:creationId xmlns:p14="http://schemas.microsoft.com/office/powerpoint/2010/main" val="3006104321"/>
+        <p14:creationId xmlns:p14="http://schemas.microsoft.com/office/powerpoint/2010/main" val="794438504"/>
       </p:ext>
     </p:extLst>
   </p:cSld>
@@ -2422,7 +3784,7 @@
           <a:p>
             <a:fld id="{86FCE54F-0372-4E4E-B527-70D6A14B2608}" type="datetimeFigureOut">
               <a:rPr lang="en-GB" smtClean="0"/>
-              <a:t>29/09/2016</a:t>
+              <a:t>30/09/2016</a:t>
             </a:fld>
             <a:endParaRPr lang="en-GB"/>
           </a:p>
@@ -2473,7 +3835,7 @@
     </p:spTree>
     <p:extLst>
       <p:ext uri="{BB962C8B-B14F-4D97-AF65-F5344CB8AC3E}">
-        <p14:creationId xmlns:p14="http://schemas.microsoft.com/office/powerpoint/2010/main" val="1430279681"/>
+        <p14:creationId xmlns:p14="http://schemas.microsoft.com/office/powerpoint/2010/main" val="2441422732"/>
       </p:ext>
     </p:extLst>
   </p:cSld>
@@ -2540,7 +3902,7 @@
           <a:p>
             <a:fld id="{86FCE54F-0372-4E4E-B527-70D6A14B2608}" type="datetimeFigureOut">
               <a:rPr lang="en-GB" smtClean="0"/>
-              <a:t>29/09/2016</a:t>
+              <a:t>30/09/2016</a:t>
             </a:fld>
             <a:endParaRPr lang="en-GB"/>
           </a:p>
@@ -2591,7 +3953,7 @@
     </p:spTree>
     <p:extLst>
       <p:ext uri="{BB962C8B-B14F-4D97-AF65-F5344CB8AC3E}">
-        <p14:creationId xmlns:p14="http://schemas.microsoft.com/office/powerpoint/2010/main" val="3008830307"/>
+        <p14:creationId xmlns:p14="http://schemas.microsoft.com/office/powerpoint/2010/main" val="1434901602"/>
       </p:ext>
     </p:extLst>
   </p:cSld>
@@ -2635,7 +3997,7 @@
           <a:p>
             <a:fld id="{86FCE54F-0372-4E4E-B527-70D6A14B2608}" type="datetimeFigureOut">
               <a:rPr lang="en-GB" smtClean="0"/>
-              <a:t>29/09/2016</a:t>
+              <a:t>30/09/2016</a:t>
             </a:fld>
             <a:endParaRPr lang="en-GB"/>
           </a:p>
@@ -2686,7 +4048,7 @@
     </p:spTree>
     <p:extLst>
       <p:ext uri="{BB962C8B-B14F-4D97-AF65-F5344CB8AC3E}">
-        <p14:creationId xmlns:p14="http://schemas.microsoft.com/office/powerpoint/2010/main" val="3047837765"/>
+        <p14:creationId xmlns:p14="http://schemas.microsoft.com/office/powerpoint/2010/main" val="2603566581"/>
       </p:ext>
     </p:extLst>
   </p:cSld>
@@ -2908,7 +4270,7 @@
           <a:p>
             <a:fld id="{86FCE54F-0372-4E4E-B527-70D6A14B2608}" type="datetimeFigureOut">
               <a:rPr lang="en-GB" smtClean="0"/>
-              <a:t>29/09/2016</a:t>
+              <a:t>30/09/2016</a:t>
             </a:fld>
             <a:endParaRPr lang="en-GB"/>
           </a:p>
@@ -2959,7 +4321,7 @@
     </p:spTree>
     <p:extLst>
       <p:ext uri="{BB962C8B-B14F-4D97-AF65-F5344CB8AC3E}">
-        <p14:creationId xmlns:p14="http://schemas.microsoft.com/office/powerpoint/2010/main" val="3323195706"/>
+        <p14:creationId xmlns:p14="http://schemas.microsoft.com/office/powerpoint/2010/main" val="3116573329"/>
       </p:ext>
     </p:extLst>
   </p:cSld>
@@ -3173,7 +4535,7 @@
           <a:p>
             <a:fld id="{86FCE54F-0372-4E4E-B527-70D6A14B2608}" type="datetimeFigureOut">
               <a:rPr lang="en-GB" smtClean="0"/>
-              <a:t>29/09/2016</a:t>
+              <a:t>30/09/2016</a:t>
             </a:fld>
             <a:endParaRPr lang="en-GB"/>
           </a:p>
@@ -3224,7 +4586,7 @@
     </p:spTree>
     <p:extLst>
       <p:ext uri="{BB962C8B-B14F-4D97-AF65-F5344CB8AC3E}">
-        <p14:creationId xmlns:p14="http://schemas.microsoft.com/office/powerpoint/2010/main" val="1713046985"/>
+        <p14:creationId xmlns:p14="http://schemas.microsoft.com/office/powerpoint/2010/main" val="2066164700"/>
       </p:ext>
     </p:extLst>
   </p:cSld>
@@ -3422,7 +4784,7 @@
           <a:p>
             <a:fld id="{86FCE54F-0372-4E4E-B527-70D6A14B2608}" type="datetimeFigureOut">
               <a:rPr lang="en-GB" smtClean="0"/>
-              <a:t>29/09/2016</a:t>
+              <a:t>30/09/2016</a:t>
             </a:fld>
             <a:endParaRPr lang="en-GB"/>
           </a:p>
@@ -3505,23 +4867,23 @@
     </p:spTree>
     <p:extLst>
       <p:ext uri="{BB962C8B-B14F-4D97-AF65-F5344CB8AC3E}">
-        <p14:creationId xmlns:p14="http://schemas.microsoft.com/office/powerpoint/2010/main" val="339129805"/>
+        <p14:creationId xmlns:p14="http://schemas.microsoft.com/office/powerpoint/2010/main" val="4053343223"/>
       </p:ext>
     </p:extLst>
   </p:cSld>
   <p:clrMap bg1="dk1" tx1="lt1" bg2="dk2" tx2="lt2" accent1="accent1" accent2="accent2" accent3="accent3" accent4="accent4" accent5="accent5" accent6="accent6" hlink="hlink" folHlink="folHlink"/>
   <p:sldLayoutIdLst>
-    <p:sldLayoutId id="2147483889" r:id="rId1"/>
-    <p:sldLayoutId id="2147483890" r:id="rId2"/>
-    <p:sldLayoutId id="2147483891" r:id="rId3"/>
-    <p:sldLayoutId id="2147483892" r:id="rId4"/>
-    <p:sldLayoutId id="2147483893" r:id="rId5"/>
-    <p:sldLayoutId id="2147483894" r:id="rId6"/>
-    <p:sldLayoutId id="2147483895" r:id="rId7"/>
-    <p:sldLayoutId id="2147483896" r:id="rId8"/>
-    <p:sldLayoutId id="2147483897" r:id="rId9"/>
-    <p:sldLayoutId id="2147483898" r:id="rId10"/>
-    <p:sldLayoutId id="2147483899" r:id="rId11"/>
+    <p:sldLayoutId id="2147483979" r:id="rId1"/>
+    <p:sldLayoutId id="2147483980" r:id="rId2"/>
+    <p:sldLayoutId id="2147483981" r:id="rId3"/>
+    <p:sldLayoutId id="2147483982" r:id="rId4"/>
+    <p:sldLayoutId id="2147483983" r:id="rId5"/>
+    <p:sldLayoutId id="2147483984" r:id="rId6"/>
+    <p:sldLayoutId id="2147483985" r:id="rId7"/>
+    <p:sldLayoutId id="2147483986" r:id="rId8"/>
+    <p:sldLayoutId id="2147483987" r:id="rId9"/>
+    <p:sldLayoutId id="2147483988" r:id="rId10"/>
+    <p:sldLayoutId id="2147483989" r:id="rId11"/>
   </p:sldLayoutIdLst>
   <p:txStyles>
     <p:titleStyle>
@@ -3971,7 +5333,7 @@
 </p:sld>
 </file>
 
-<file path=ppt/slides/slide2.xml><?xml version="1.0" encoding="utf-8"?>
+<file path=ppt/slides/slide10.xml><?xml version="1.0" encoding="utf-8"?>
 <p:sld xmlns:a="http://schemas.openxmlformats.org/drawingml/2006/main" xmlns:r="http://schemas.openxmlformats.org/officeDocument/2006/relationships" xmlns:p="http://schemas.openxmlformats.org/presentationml/2006/main">
   <p:cSld>
     <p:spTree>
@@ -3998,267 +5360,134 @@
             <p:ph type="title"/>
           </p:nvPr>
         </p:nvSpPr>
-        <p:spPr/>
+        <p:spPr>
+          <a:xfrm>
+            <a:off x="3657600" y="284176"/>
+            <a:ext cx="7329398" cy="1508760"/>
+          </a:xfrm>
+        </p:spPr>
         <p:txBody>
           <a:bodyPr/>
           <a:lstStyle/>
           <a:p>
             <a:r>
               <a:rPr lang="en-GB" dirty="0"/>
-              <a:t>Define: mock</a:t>
+              <a:t>conclusion</a:t>
+            </a:r>
+          </a:p>
+        </p:txBody>
+      </p:sp>
+      <p:sp>
+        <p:nvSpPr>
+          <p:cNvPr id="3" name="Content Placeholder 2"/>
+          <p:cNvSpPr>
+            <a:spLocks noGrp="1"/>
+          </p:cNvSpPr>
+          <p:nvPr>
+            <p:ph idx="1"/>
+          </p:nvPr>
+        </p:nvSpPr>
+        <p:spPr/>
+        <p:txBody>
+          <a:bodyPr>
+            <a:normAutofit lnSpcReduction="10000"/>
+          </a:bodyPr>
+          <a:lstStyle/>
+          <a:p>
+            <a:pPr marL="0" indent="0">
+              <a:lnSpc>
+                <a:spcPct val="150000"/>
+              </a:lnSpc>
+              <a:buNone/>
+            </a:pPr>
+            <a:r>
+              <a:rPr lang="en-GB" sz="4000" dirty="0"/>
+              <a:t>Reduce dependency on “real” service</a:t>
+            </a:r>
+          </a:p>
+          <a:p>
+            <a:pPr marL="0" indent="0">
+              <a:lnSpc>
+                <a:spcPct val="150000"/>
+              </a:lnSpc>
+              <a:buNone/>
+            </a:pPr>
+            <a:r>
+              <a:rPr lang="en-GB" sz="4000" dirty="0"/>
+              <a:t>Increase developer productivity</a:t>
+            </a:r>
+          </a:p>
+          <a:p>
+            <a:pPr marL="0" indent="0">
+              <a:lnSpc>
+                <a:spcPct val="150000"/>
+              </a:lnSpc>
+              <a:buNone/>
+            </a:pPr>
+            <a:r>
+              <a:rPr lang="en-GB" sz="4000" dirty="0"/>
+              <a:t>Improve testability</a:t>
+            </a:r>
+          </a:p>
+          <a:p>
+            <a:pPr marL="0" indent="0">
+              <a:lnSpc>
+                <a:spcPct val="150000"/>
+              </a:lnSpc>
+              <a:buNone/>
+            </a:pPr>
+            <a:r>
+              <a:rPr lang="en-GB" sz="4000" dirty="0"/>
+              <a:t>Improve quality</a:t>
             </a:r>
           </a:p>
         </p:txBody>
       </p:sp>
       <p:pic>
         <p:nvPicPr>
-          <p:cNvPr id="5" name="Picture 4"/>
+          <p:cNvPr id="4" name="Picture 4" descr="http://wiremock.org/images/wiremock-concept-icon-01.png"/>
           <p:cNvPicPr>
-            <a:picLocks noChangeAspect="1"/>
+            <a:picLocks noChangeAspect="1" noChangeArrowheads="1"/>
           </p:cNvPicPr>
           <p:nvPr/>
         </p:nvPicPr>
         <p:blipFill>
-          <a:blip r:embed="rId2"/>
+          <a:blip r:embed="rId3">
+            <a:extLst>
+              <a:ext uri="{28A0092B-C50C-407E-A947-70E740481C1C}">
+                <a14:useLocalDpi xmlns:a14="http://schemas.microsoft.com/office/drawing/2010/main" val="0"/>
+              </a:ext>
+            </a:extLst>
+          </a:blip>
+          <a:srcRect/>
           <a:stretch>
             <a:fillRect/>
           </a:stretch>
         </p:blipFill>
-        <p:spPr>
+        <p:spPr bwMode="auto">
           <a:xfrm>
-            <a:off x="1018474" y="2596027"/>
-            <a:ext cx="10152969" cy="3302969"/>
+            <a:off x="1202919" y="514681"/>
+            <a:ext cx="2295525" cy="1047750"/>
           </a:xfrm>
           <a:prstGeom prst="rect">
             <a:avLst/>
           </a:prstGeom>
+          <a:noFill/>
+          <a:extLst>
+            <a:ext uri="{909E8E84-426E-40DD-AFC4-6F175D3DCCD1}">
+              <a14:hiddenFill xmlns:a14="http://schemas.microsoft.com/office/drawing/2010/main">
+                <a:solidFill>
+                  <a:srgbClr val="FFFFFF"/>
+                </a:solidFill>
+              </a14:hiddenFill>
+            </a:ext>
+          </a:extLst>
         </p:spPr>
       </p:pic>
     </p:spTree>
     <p:extLst>
       <p:ext uri="{BB962C8B-B14F-4D97-AF65-F5344CB8AC3E}">
-        <p14:creationId xmlns:p14="http://schemas.microsoft.com/office/powerpoint/2010/main" val="926458563"/>
-      </p:ext>
-    </p:extLst>
-  </p:cSld>
-  <p:clrMapOvr>
-    <a:masterClrMapping/>
-  </p:clrMapOvr>
-  <p:timing>
-    <p:tnLst>
-      <p:par>
-        <p:cTn id="1" dur="indefinite" restart="never" nodeType="tmRoot">
-          <p:childTnLst>
-            <p:seq concurrent="1" nextAc="seek">
-              <p:cTn id="2" dur="indefinite" nodeType="mainSeq">
-                <p:childTnLst>
-                  <p:par>
-                    <p:cTn id="3" fill="hold">
-                      <p:stCondLst>
-                        <p:cond delay="indefinite"/>
-                      </p:stCondLst>
-                      <p:childTnLst>
-                        <p:par>
-                          <p:cTn id="4" fill="hold">
-                            <p:stCondLst>
-                              <p:cond delay="0"/>
-                            </p:stCondLst>
-                            <p:childTnLst>
-                              <p:par>
-                                <p:cTn id="5" presetID="10" presetClass="entr" presetSubtype="0" fill="hold" nodeType="clickEffect">
-                                  <p:stCondLst>
-                                    <p:cond delay="0"/>
-                                  </p:stCondLst>
-                                  <p:childTnLst>
-                                    <p:set>
-                                      <p:cBhvr>
-                                        <p:cTn id="6" dur="1" fill="hold">
-                                          <p:stCondLst>
-                                            <p:cond delay="0"/>
-                                          </p:stCondLst>
-                                        </p:cTn>
-                                        <p:tgtEl>
-                                          <p:spTgt spid="5"/>
-                                        </p:tgtEl>
-                                        <p:attrNameLst>
-                                          <p:attrName>style.visibility</p:attrName>
-                                        </p:attrNameLst>
-                                      </p:cBhvr>
-                                      <p:to>
-                                        <p:strVal val="visible"/>
-                                      </p:to>
-                                    </p:set>
-                                    <p:animEffect transition="in" filter="fade">
-                                      <p:cBhvr>
-                                        <p:cTn id="7" dur="500"/>
-                                        <p:tgtEl>
-                                          <p:spTgt spid="5"/>
-                                        </p:tgtEl>
-                                      </p:cBhvr>
-                                    </p:animEffect>
-                                  </p:childTnLst>
-                                </p:cTn>
-                              </p:par>
-                            </p:childTnLst>
-                          </p:cTn>
-                        </p:par>
-                      </p:childTnLst>
-                    </p:cTn>
-                  </p:par>
-                </p:childTnLst>
-              </p:cTn>
-              <p:prevCondLst>
-                <p:cond evt="onPrev" delay="0">
-                  <p:tgtEl>
-                    <p:sldTgt/>
-                  </p:tgtEl>
-                </p:cond>
-              </p:prevCondLst>
-              <p:nextCondLst>
-                <p:cond evt="onNext" delay="0">
-                  <p:tgtEl>
-                    <p:sldTgt/>
-                  </p:tgtEl>
-                </p:cond>
-              </p:nextCondLst>
-            </p:seq>
-          </p:childTnLst>
-        </p:cTn>
-      </p:par>
-    </p:tnLst>
-  </p:timing>
-</p:sld>
-</file>
-
-<file path=ppt/slides/slide3.xml><?xml version="1.0" encoding="utf-8"?>
-<p:sld xmlns:a="http://schemas.openxmlformats.org/drawingml/2006/main" xmlns:r="http://schemas.openxmlformats.org/officeDocument/2006/relationships" xmlns:p="http://schemas.openxmlformats.org/presentationml/2006/main">
-  <p:cSld>
-    <p:spTree>
-      <p:nvGrpSpPr>
-        <p:cNvPr id="1" name=""/>
-        <p:cNvGrpSpPr/>
-        <p:nvPr/>
-      </p:nvGrpSpPr>
-      <p:grpSpPr>
-        <a:xfrm>
-          <a:off x="0" y="0"/>
-          <a:ext cx="0" cy="0"/>
-          <a:chOff x="0" y="0"/>
-          <a:chExt cx="0" cy="0"/>
-        </a:xfrm>
-      </p:grpSpPr>
-      <p:sp>
-        <p:nvSpPr>
-          <p:cNvPr id="2" name="Title 1"/>
-          <p:cNvSpPr>
-            <a:spLocks noGrp="1"/>
-          </p:cNvSpPr>
-          <p:nvPr>
-            <p:ph type="title"/>
-          </p:nvPr>
-        </p:nvSpPr>
-        <p:spPr/>
-        <p:txBody>
-          <a:bodyPr/>
-          <a:lstStyle/>
-          <a:p>
-            <a:r>
-              <a:rPr lang="en-GB" dirty="0"/>
-              <a:t>Define: mock</a:t>
-            </a:r>
-          </a:p>
-        </p:txBody>
-      </p:sp>
-      <p:sp>
-        <p:nvSpPr>
-          <p:cNvPr id="3" name="Content Placeholder 2"/>
-          <p:cNvSpPr>
-            <a:spLocks noGrp="1"/>
-          </p:cNvSpPr>
-          <p:nvPr>
-            <p:ph idx="1"/>
-          </p:nvPr>
-        </p:nvSpPr>
-        <p:spPr>
-          <a:xfrm>
-            <a:off x="1280978" y="3126802"/>
-            <a:ext cx="9784080" cy="3251696"/>
-          </a:xfrm>
-        </p:spPr>
-        <p:txBody>
-          <a:bodyPr>
-            <a:normAutofit/>
-          </a:bodyPr>
-          <a:lstStyle/>
-          <a:p>
-            <a:pPr marL="0" indent="0" fontAlgn="ctr">
-              <a:buNone/>
-            </a:pPr>
-            <a:r>
-              <a:rPr lang="en-GB" sz="2400" dirty="0"/>
-              <a:t>Software engineering:</a:t>
-            </a:r>
-          </a:p>
-          <a:p>
-            <a:pPr marL="0" indent="0" fontAlgn="ctr">
-              <a:buNone/>
-            </a:pPr>
-            <a:endParaRPr lang="en-GB" sz="2400" dirty="0"/>
-          </a:p>
-          <a:p>
-            <a:pPr marL="228600" lvl="1" indent="0" fontAlgn="ctr">
-              <a:buNone/>
-            </a:pPr>
-            <a:r>
-              <a:rPr lang="en-GB" dirty="0"/>
-              <a:t> "…special case objects that mimic real objects for testing." - Martin Fowler</a:t>
-            </a:r>
-          </a:p>
-          <a:p>
-            <a:pPr marL="228600" lvl="1" indent="0" fontAlgn="ctr">
-              <a:buNone/>
-            </a:pPr>
-            <a:r>
-              <a:rPr lang="en-GB" sz="1100" dirty="0"/>
-              <a:t>http://martinfowler.com/articles/mocksArentStubs.html?</a:t>
-            </a:r>
-          </a:p>
-          <a:p>
-            <a:pPr lvl="1" fontAlgn="ctr"/>
-            <a:endParaRPr lang="en-GB" dirty="0"/>
-          </a:p>
-        </p:txBody>
-      </p:sp>
-      <p:sp>
-        <p:nvSpPr>
-          <p:cNvPr id="4" name="TextBox 3"/>
-          <p:cNvSpPr txBox="1"/>
-          <p:nvPr/>
-        </p:nvSpPr>
-        <p:spPr>
-          <a:xfrm>
-            <a:off x="1202919" y="6043961"/>
-            <a:ext cx="9784080" cy="246221"/>
-          </a:xfrm>
-          <a:prstGeom prst="rect">
-            <a:avLst/>
-          </a:prstGeom>
-          <a:noFill/>
-        </p:spPr>
-        <p:txBody>
-          <a:bodyPr wrap="square" rtlCol="0">
-            <a:spAutoFit/>
-          </a:bodyPr>
-          <a:lstStyle/>
-          <a:p>
-            <a:endParaRPr lang="en-GB" sz="1000" dirty="0"/>
-          </a:p>
-        </p:txBody>
-      </p:sp>
-    </p:spTree>
-    <p:extLst>
-      <p:ext uri="{BB962C8B-B14F-4D97-AF65-F5344CB8AC3E}">
-        <p14:creationId xmlns:p14="http://schemas.microsoft.com/office/powerpoint/2010/main" val="3957909838"/>
+        <p14:creationId xmlns:p14="http://schemas.microsoft.com/office/powerpoint/2010/main" val="2509744239"/>
       </p:ext>
     </p:extLst>
   </p:cSld>
@@ -4334,10 +5563,705 @@
                             </p:childTnLst>
                           </p:cTn>
                         </p:par>
+                      </p:childTnLst>
+                    </p:cTn>
+                  </p:par>
+                  <p:par>
+                    <p:cTn id="8" fill="hold">
+                      <p:stCondLst>
+                        <p:cond delay="indefinite"/>
+                      </p:stCondLst>
+                      <p:childTnLst>
+                        <p:par>
+                          <p:cTn id="9" fill="hold">
+                            <p:stCondLst>
+                              <p:cond delay="0"/>
+                            </p:stCondLst>
+                            <p:childTnLst>
+                              <p:par>
+                                <p:cTn id="10" presetID="10" presetClass="entr" presetSubtype="0" fill="hold" nodeType="clickEffect">
+                                  <p:stCondLst>
+                                    <p:cond delay="0"/>
+                                  </p:stCondLst>
+                                  <p:childTnLst>
+                                    <p:set>
+                                      <p:cBhvr>
+                                        <p:cTn id="11" dur="1" fill="hold">
+                                          <p:stCondLst>
+                                            <p:cond delay="0"/>
+                                          </p:stCondLst>
+                                        </p:cTn>
+                                        <p:tgtEl>
+                                          <p:spTgt spid="3">
+                                            <p:txEl>
+                                              <p:pRg st="1" end="1"/>
+                                            </p:txEl>
+                                          </p:spTgt>
+                                        </p:tgtEl>
+                                        <p:attrNameLst>
+                                          <p:attrName>style.visibility</p:attrName>
+                                        </p:attrNameLst>
+                                      </p:cBhvr>
+                                      <p:to>
+                                        <p:strVal val="visible"/>
+                                      </p:to>
+                                    </p:set>
+                                    <p:animEffect transition="in" filter="fade">
+                                      <p:cBhvr>
+                                        <p:cTn id="12" dur="500"/>
+                                        <p:tgtEl>
+                                          <p:spTgt spid="3">
+                                            <p:txEl>
+                                              <p:pRg st="1" end="1"/>
+                                            </p:txEl>
+                                          </p:spTgt>
+                                        </p:tgtEl>
+                                      </p:cBhvr>
+                                    </p:animEffect>
+                                  </p:childTnLst>
+                                </p:cTn>
+                              </p:par>
+                            </p:childTnLst>
+                          </p:cTn>
+                        </p:par>
+                      </p:childTnLst>
+                    </p:cTn>
+                  </p:par>
+                  <p:par>
+                    <p:cTn id="13" fill="hold">
+                      <p:stCondLst>
+                        <p:cond delay="indefinite"/>
+                      </p:stCondLst>
+                      <p:childTnLst>
+                        <p:par>
+                          <p:cTn id="14" fill="hold">
+                            <p:stCondLst>
+                              <p:cond delay="0"/>
+                            </p:stCondLst>
+                            <p:childTnLst>
+                              <p:par>
+                                <p:cTn id="15" presetID="10" presetClass="entr" presetSubtype="0" fill="hold" nodeType="clickEffect">
+                                  <p:stCondLst>
+                                    <p:cond delay="0"/>
+                                  </p:stCondLst>
+                                  <p:childTnLst>
+                                    <p:set>
+                                      <p:cBhvr>
+                                        <p:cTn id="16" dur="1" fill="hold">
+                                          <p:stCondLst>
+                                            <p:cond delay="0"/>
+                                          </p:stCondLst>
+                                        </p:cTn>
+                                        <p:tgtEl>
+                                          <p:spTgt spid="3">
+                                            <p:txEl>
+                                              <p:pRg st="2" end="2"/>
+                                            </p:txEl>
+                                          </p:spTgt>
+                                        </p:tgtEl>
+                                        <p:attrNameLst>
+                                          <p:attrName>style.visibility</p:attrName>
+                                        </p:attrNameLst>
+                                      </p:cBhvr>
+                                      <p:to>
+                                        <p:strVal val="visible"/>
+                                      </p:to>
+                                    </p:set>
+                                    <p:animEffect transition="in" filter="fade">
+                                      <p:cBhvr>
+                                        <p:cTn id="17" dur="500"/>
+                                        <p:tgtEl>
+                                          <p:spTgt spid="3">
+                                            <p:txEl>
+                                              <p:pRg st="2" end="2"/>
+                                            </p:txEl>
+                                          </p:spTgt>
+                                        </p:tgtEl>
+                                      </p:cBhvr>
+                                    </p:animEffect>
+                                  </p:childTnLst>
+                                </p:cTn>
+                              </p:par>
+                            </p:childTnLst>
+                          </p:cTn>
+                        </p:par>
+                      </p:childTnLst>
+                    </p:cTn>
+                  </p:par>
+                  <p:par>
+                    <p:cTn id="18" fill="hold">
+                      <p:stCondLst>
+                        <p:cond delay="indefinite"/>
+                      </p:stCondLst>
+                      <p:childTnLst>
+                        <p:par>
+                          <p:cTn id="19" fill="hold">
+                            <p:stCondLst>
+                              <p:cond delay="0"/>
+                            </p:stCondLst>
+                            <p:childTnLst>
+                              <p:par>
+                                <p:cTn id="20" presetID="10" presetClass="entr" presetSubtype="0" fill="hold" nodeType="clickEffect">
+                                  <p:stCondLst>
+                                    <p:cond delay="0"/>
+                                  </p:stCondLst>
+                                  <p:childTnLst>
+                                    <p:set>
+                                      <p:cBhvr>
+                                        <p:cTn id="21" dur="1" fill="hold">
+                                          <p:stCondLst>
+                                            <p:cond delay="0"/>
+                                          </p:stCondLst>
+                                        </p:cTn>
+                                        <p:tgtEl>
+                                          <p:spTgt spid="3">
+                                            <p:txEl>
+                                              <p:pRg st="3" end="3"/>
+                                            </p:txEl>
+                                          </p:spTgt>
+                                        </p:tgtEl>
+                                        <p:attrNameLst>
+                                          <p:attrName>style.visibility</p:attrName>
+                                        </p:attrNameLst>
+                                      </p:cBhvr>
+                                      <p:to>
+                                        <p:strVal val="visible"/>
+                                      </p:to>
+                                    </p:set>
+                                    <p:animEffect transition="in" filter="fade">
+                                      <p:cBhvr>
+                                        <p:cTn id="22" dur="500"/>
+                                        <p:tgtEl>
+                                          <p:spTgt spid="3">
+                                            <p:txEl>
+                                              <p:pRg st="3" end="3"/>
+                                            </p:txEl>
+                                          </p:spTgt>
+                                        </p:tgtEl>
+                                      </p:cBhvr>
+                                    </p:animEffect>
+                                  </p:childTnLst>
+                                </p:cTn>
+                              </p:par>
+                            </p:childTnLst>
+                          </p:cTn>
+                        </p:par>
+                      </p:childTnLst>
+                    </p:cTn>
+                  </p:par>
+                </p:childTnLst>
+              </p:cTn>
+              <p:prevCondLst>
+                <p:cond evt="onPrev" delay="0">
+                  <p:tgtEl>
+                    <p:sldTgt/>
+                  </p:tgtEl>
+                </p:cond>
+              </p:prevCondLst>
+              <p:nextCondLst>
+                <p:cond evt="onNext" delay="0">
+                  <p:tgtEl>
+                    <p:sldTgt/>
+                  </p:tgtEl>
+                </p:cond>
+              </p:nextCondLst>
+            </p:seq>
+          </p:childTnLst>
+        </p:cTn>
+      </p:par>
+    </p:tnLst>
+  </p:timing>
+</p:sld>
+</file>
+
+<file path=ppt/slides/slide11.xml><?xml version="1.0" encoding="utf-8"?>
+<p:sld xmlns:a="http://schemas.openxmlformats.org/drawingml/2006/main" xmlns:r="http://schemas.openxmlformats.org/officeDocument/2006/relationships" xmlns:p="http://schemas.openxmlformats.org/presentationml/2006/main">
+  <p:cSld>
+    <p:spTree>
+      <p:nvGrpSpPr>
+        <p:cNvPr id="1" name=""/>
+        <p:cNvGrpSpPr/>
+        <p:nvPr/>
+      </p:nvGrpSpPr>
+      <p:grpSpPr>
+        <a:xfrm>
+          <a:off x="0" y="0"/>
+          <a:ext cx="0" cy="0"/>
+          <a:chOff x="0" y="0"/>
+          <a:chExt cx="0" cy="0"/>
+        </a:xfrm>
+      </p:grpSpPr>
+      <p:sp>
+        <p:nvSpPr>
+          <p:cNvPr id="2" name="Title 1"/>
+          <p:cNvSpPr>
+            <a:spLocks noGrp="1"/>
+          </p:cNvSpPr>
+          <p:nvPr>
+            <p:ph type="title"/>
+          </p:nvPr>
+        </p:nvSpPr>
+        <p:spPr/>
+        <p:txBody>
+          <a:bodyPr/>
+          <a:lstStyle/>
+          <a:p>
+            <a:pPr algn="ctr"/>
+            <a:r>
+              <a:rPr lang="en-GB" b="1" dirty="0"/>
+              <a:t>Thank you</a:t>
+            </a:r>
+          </a:p>
+        </p:txBody>
+      </p:sp>
+      <p:sp>
+        <p:nvSpPr>
+          <p:cNvPr id="4" name="Rectangle 3"/>
+          <p:cNvSpPr/>
+          <p:nvPr/>
+        </p:nvSpPr>
+        <p:spPr>
+          <a:xfrm>
+            <a:off x="987551" y="3105835"/>
+            <a:ext cx="9999447" cy="1754326"/>
+          </a:xfrm>
+          <a:prstGeom prst="rect">
+            <a:avLst/>
+          </a:prstGeom>
+        </p:spPr>
+        <p:txBody>
+          <a:bodyPr wrap="square">
+            <a:spAutoFit/>
+          </a:bodyPr>
+          <a:lstStyle/>
+          <a:p>
+            <a:pPr algn="ctr">
+              <a:lnSpc>
+                <a:spcPct val="150000"/>
+              </a:lnSpc>
+            </a:pPr>
+            <a:r>
+              <a:rPr lang="en-GB" sz="4000" dirty="0"/>
+              <a:t>@</a:t>
+            </a:r>
+            <a:r>
+              <a:rPr lang="en-GB" sz="4000" dirty="0" err="1"/>
+              <a:t>nickebbitt</a:t>
+            </a:r>
+            <a:endParaRPr lang="en-GB" sz="4000" dirty="0"/>
+          </a:p>
+          <a:p>
+            <a:pPr algn="ctr">
+              <a:lnSpc>
+                <a:spcPct val="150000"/>
+              </a:lnSpc>
+            </a:pPr>
+            <a:r>
+              <a:rPr lang="en-GB" sz="3200" dirty="0">
+                <a:hlinkClick r:id="rId2"/>
+              </a:rPr>
+              <a:t>https://github.com/nickebbitt/wiremock-examples</a:t>
+            </a:r>
+            <a:endParaRPr lang="en-GB" sz="3200" dirty="0"/>
+          </a:p>
+        </p:txBody>
+      </p:sp>
+    </p:spTree>
+    <p:extLst>
+      <p:ext uri="{BB962C8B-B14F-4D97-AF65-F5344CB8AC3E}">
+        <p14:creationId xmlns:p14="http://schemas.microsoft.com/office/powerpoint/2010/main" val="91671670"/>
+      </p:ext>
+    </p:extLst>
+  </p:cSld>
+  <p:clrMapOvr>
+    <a:masterClrMapping/>
+  </p:clrMapOvr>
+</p:sld>
+</file>
+
+<file path=ppt/slides/slide2.xml><?xml version="1.0" encoding="utf-8"?>
+<p:sld xmlns:a="http://schemas.openxmlformats.org/drawingml/2006/main" xmlns:r="http://schemas.openxmlformats.org/officeDocument/2006/relationships" xmlns:p="http://schemas.openxmlformats.org/presentationml/2006/main">
+  <p:cSld>
+    <p:spTree>
+      <p:nvGrpSpPr>
+        <p:cNvPr id="1" name=""/>
+        <p:cNvGrpSpPr/>
+        <p:nvPr/>
+      </p:nvGrpSpPr>
+      <p:grpSpPr>
+        <a:xfrm>
+          <a:off x="0" y="0"/>
+          <a:ext cx="0" cy="0"/>
+          <a:chOff x="0" y="0"/>
+          <a:chExt cx="0" cy="0"/>
+        </a:xfrm>
+      </p:grpSpPr>
+      <p:sp>
+        <p:nvSpPr>
+          <p:cNvPr id="2" name="Title 1"/>
+          <p:cNvSpPr>
+            <a:spLocks noGrp="1"/>
+          </p:cNvSpPr>
+          <p:nvPr>
+            <p:ph type="title"/>
+          </p:nvPr>
+        </p:nvSpPr>
+        <p:spPr/>
+        <p:txBody>
+          <a:bodyPr/>
+          <a:lstStyle/>
+          <a:p>
+            <a:r>
+              <a:rPr lang="en-GB" b="1" dirty="0"/>
+              <a:t>Define: mock</a:t>
+            </a:r>
+          </a:p>
+        </p:txBody>
+      </p:sp>
+      <p:pic>
+        <p:nvPicPr>
+          <p:cNvPr id="5" name="Picture 4"/>
+          <p:cNvPicPr>
+            <a:picLocks noChangeAspect="1"/>
+          </p:cNvPicPr>
+          <p:nvPr/>
+        </p:nvPicPr>
+        <p:blipFill>
+          <a:blip r:embed="rId3"/>
+          <a:stretch>
+            <a:fillRect/>
+          </a:stretch>
+        </p:blipFill>
+        <p:spPr>
+          <a:xfrm>
+            <a:off x="1018474" y="2596027"/>
+            <a:ext cx="10152969" cy="3302969"/>
+          </a:xfrm>
+          <a:prstGeom prst="rect">
+            <a:avLst/>
+          </a:prstGeom>
+          <a:effectLst>
+            <a:glow rad="139700">
+              <a:schemeClr val="bg1">
+                <a:alpha val="40000"/>
+              </a:schemeClr>
+            </a:glow>
+          </a:effectLst>
+        </p:spPr>
+      </p:pic>
+    </p:spTree>
+    <p:extLst>
+      <p:ext uri="{BB962C8B-B14F-4D97-AF65-F5344CB8AC3E}">
+        <p14:creationId xmlns:p14="http://schemas.microsoft.com/office/powerpoint/2010/main" val="926458563"/>
+      </p:ext>
+    </p:extLst>
+  </p:cSld>
+  <p:clrMapOvr>
+    <a:masterClrMapping/>
+  </p:clrMapOvr>
+  <p:timing>
+    <p:tnLst>
+      <p:par>
+        <p:cTn id="1" dur="indefinite" restart="never" nodeType="tmRoot">
+          <p:childTnLst>
+            <p:seq concurrent="1" nextAc="seek">
+              <p:cTn id="2" dur="indefinite" nodeType="mainSeq">
+                <p:childTnLst>
+                  <p:par>
+                    <p:cTn id="3" fill="hold">
+                      <p:stCondLst>
+                        <p:cond delay="indefinite"/>
+                        <p:cond evt="onBegin" delay="0">
+                          <p:tn val="2"/>
+                        </p:cond>
+                      </p:stCondLst>
+                      <p:childTnLst>
+                        <p:par>
+                          <p:cTn id="4" fill="hold">
+                            <p:stCondLst>
+                              <p:cond delay="0"/>
+                            </p:stCondLst>
+                            <p:childTnLst>
+                              <p:par>
+                                <p:cTn id="5" presetID="10" presetClass="entr" presetSubtype="0" fill="hold" nodeType="afterEffect">
+                                  <p:stCondLst>
+                                    <p:cond delay="500"/>
+                                  </p:stCondLst>
+                                  <p:childTnLst>
+                                    <p:set>
+                                      <p:cBhvr>
+                                        <p:cTn id="6" dur="1" fill="hold">
+                                          <p:stCondLst>
+                                            <p:cond delay="0"/>
+                                          </p:stCondLst>
+                                        </p:cTn>
+                                        <p:tgtEl>
+                                          <p:spTgt spid="5"/>
+                                        </p:tgtEl>
+                                        <p:attrNameLst>
+                                          <p:attrName>style.visibility</p:attrName>
+                                        </p:attrNameLst>
+                                      </p:cBhvr>
+                                      <p:to>
+                                        <p:strVal val="visible"/>
+                                      </p:to>
+                                    </p:set>
+                                    <p:animEffect transition="in" filter="fade">
+                                      <p:cBhvr>
+                                        <p:cTn id="7" dur="1000"/>
+                                        <p:tgtEl>
+                                          <p:spTgt spid="5"/>
+                                        </p:tgtEl>
+                                      </p:cBhvr>
+                                    </p:animEffect>
+                                  </p:childTnLst>
+                                </p:cTn>
+                              </p:par>
+                            </p:childTnLst>
+                          </p:cTn>
+                        </p:par>
+                      </p:childTnLst>
+                    </p:cTn>
+                  </p:par>
+                </p:childTnLst>
+              </p:cTn>
+              <p:prevCondLst>
+                <p:cond evt="onPrev" delay="0">
+                  <p:tgtEl>
+                    <p:sldTgt/>
+                  </p:tgtEl>
+                </p:cond>
+              </p:prevCondLst>
+              <p:nextCondLst>
+                <p:cond evt="onNext" delay="0">
+                  <p:tgtEl>
+                    <p:sldTgt/>
+                  </p:tgtEl>
+                </p:cond>
+              </p:nextCondLst>
+            </p:seq>
+          </p:childTnLst>
+        </p:cTn>
+      </p:par>
+    </p:tnLst>
+  </p:timing>
+</p:sld>
+</file>
+
+<file path=ppt/slides/slide3.xml><?xml version="1.0" encoding="utf-8"?>
+<p:sld xmlns:a="http://schemas.openxmlformats.org/drawingml/2006/main" xmlns:r="http://schemas.openxmlformats.org/officeDocument/2006/relationships" xmlns:p="http://schemas.openxmlformats.org/presentationml/2006/main">
+  <p:cSld>
+    <p:spTree>
+      <p:nvGrpSpPr>
+        <p:cNvPr id="1" name=""/>
+        <p:cNvGrpSpPr/>
+        <p:nvPr/>
+      </p:nvGrpSpPr>
+      <p:grpSpPr>
+        <a:xfrm>
+          <a:off x="0" y="0"/>
+          <a:ext cx="0" cy="0"/>
+          <a:chOff x="0" y="0"/>
+          <a:chExt cx="0" cy="0"/>
+        </a:xfrm>
+      </p:grpSpPr>
+      <p:sp>
+        <p:nvSpPr>
+          <p:cNvPr id="2" name="Title 1"/>
+          <p:cNvSpPr>
+            <a:spLocks noGrp="1"/>
+          </p:cNvSpPr>
+          <p:nvPr>
+            <p:ph type="title"/>
+          </p:nvPr>
+        </p:nvSpPr>
+        <p:spPr/>
+        <p:txBody>
+          <a:bodyPr/>
+          <a:lstStyle/>
+          <a:p>
+            <a:r>
+              <a:rPr lang="en-GB" b="1" dirty="0"/>
+              <a:t>Define: mock</a:t>
+            </a:r>
+          </a:p>
+        </p:txBody>
+      </p:sp>
+      <p:sp>
+        <p:nvSpPr>
+          <p:cNvPr id="3" name="Content Placeholder 2"/>
+          <p:cNvSpPr>
+            <a:spLocks noGrp="1"/>
+          </p:cNvSpPr>
+          <p:nvPr>
+            <p:ph idx="1"/>
+          </p:nvPr>
+        </p:nvSpPr>
+        <p:spPr>
+          <a:xfrm>
+            <a:off x="316526" y="2950955"/>
+            <a:ext cx="11541369" cy="3251696"/>
+          </a:xfrm>
+        </p:spPr>
+        <p:txBody>
+          <a:bodyPr>
+            <a:normAutofit/>
+          </a:bodyPr>
+          <a:lstStyle/>
+          <a:p>
+            <a:pPr marL="0" indent="0" fontAlgn="ctr">
+              <a:buNone/>
+            </a:pPr>
+            <a:r>
+              <a:rPr lang="en-GB" sz="3200" dirty="0"/>
+              <a:t>In software engineering mocks are…</a:t>
+            </a:r>
+          </a:p>
+          <a:p>
+            <a:pPr marL="0" indent="0" fontAlgn="ctr">
+              <a:buNone/>
+            </a:pPr>
+            <a:endParaRPr lang="en-GB" sz="2400" dirty="0"/>
+          </a:p>
+          <a:p>
+            <a:pPr marL="228600" lvl="1" indent="0" fontAlgn="ctr">
+              <a:buNone/>
+            </a:pPr>
+            <a:r>
+              <a:rPr lang="en-GB" sz="3600" dirty="0"/>
+              <a:t> "…special case objects that mimic real objects for testing." </a:t>
+            </a:r>
+          </a:p>
+          <a:p>
+            <a:pPr marL="228600" lvl="1" indent="0" fontAlgn="ctr">
+              <a:buNone/>
+            </a:pPr>
+            <a:endParaRPr lang="en-GB" sz="1100" dirty="0"/>
+          </a:p>
+          <a:p>
+            <a:pPr marL="228600" lvl="1" indent="0" fontAlgn="ctr">
+              <a:buNone/>
+            </a:pPr>
+            <a:r>
+              <a:rPr lang="en-GB" sz="1100" dirty="0"/>
+              <a:t>http://martinfowler.com/articles/mocksArentStubs.html?</a:t>
+            </a:r>
+          </a:p>
+          <a:p>
+            <a:pPr lvl="1" fontAlgn="ctr"/>
+            <a:endParaRPr lang="en-GB" dirty="0"/>
+          </a:p>
+        </p:txBody>
+      </p:sp>
+      <p:sp>
+        <p:nvSpPr>
+          <p:cNvPr id="4" name="TextBox 3"/>
+          <p:cNvSpPr txBox="1"/>
+          <p:nvPr/>
+        </p:nvSpPr>
+        <p:spPr>
+          <a:xfrm>
+            <a:off x="1202919" y="6043961"/>
+            <a:ext cx="9784080" cy="246221"/>
+          </a:xfrm>
+          <a:prstGeom prst="rect">
+            <a:avLst/>
+          </a:prstGeom>
+          <a:noFill/>
+        </p:spPr>
+        <p:txBody>
+          <a:bodyPr wrap="square" rtlCol="0">
+            <a:spAutoFit/>
+          </a:bodyPr>
+          <a:lstStyle/>
+          <a:p>
+            <a:endParaRPr lang="en-GB" sz="1000" dirty="0"/>
+          </a:p>
+        </p:txBody>
+      </p:sp>
+    </p:spTree>
+    <p:extLst>
+      <p:ext uri="{BB962C8B-B14F-4D97-AF65-F5344CB8AC3E}">
+        <p14:creationId xmlns:p14="http://schemas.microsoft.com/office/powerpoint/2010/main" val="3957909838"/>
+      </p:ext>
+    </p:extLst>
+  </p:cSld>
+  <p:clrMapOvr>
+    <a:masterClrMapping/>
+  </p:clrMapOvr>
+  <p:timing>
+    <p:tnLst>
+      <p:par>
+        <p:cTn id="1" dur="indefinite" restart="never" nodeType="tmRoot">
+          <p:childTnLst>
+            <p:seq concurrent="1" nextAc="seek">
+              <p:cTn id="2" dur="indefinite" nodeType="mainSeq">
+                <p:childTnLst>
+                  <p:par>
+                    <p:cTn id="3" fill="hold">
+                      <p:stCondLst>
+                        <p:cond delay="indefinite"/>
+                        <p:cond evt="onBegin" delay="0">
+                          <p:tn val="2"/>
+                        </p:cond>
+                      </p:stCondLst>
+                      <p:childTnLst>
+                        <p:par>
+                          <p:cTn id="4" fill="hold">
+                            <p:stCondLst>
+                              <p:cond delay="0"/>
+                            </p:stCondLst>
+                            <p:childTnLst>
+                              <p:par>
+                                <p:cTn id="5" presetID="10" presetClass="entr" presetSubtype="0" fill="hold" nodeType="afterEffect">
+                                  <p:stCondLst>
+                                    <p:cond delay="500"/>
+                                  </p:stCondLst>
+                                  <p:childTnLst>
+                                    <p:set>
+                                      <p:cBhvr>
+                                        <p:cTn id="6" dur="1" fill="hold">
+                                          <p:stCondLst>
+                                            <p:cond delay="0"/>
+                                          </p:stCondLst>
+                                        </p:cTn>
+                                        <p:tgtEl>
+                                          <p:spTgt spid="3">
+                                            <p:txEl>
+                                              <p:pRg st="0" end="0"/>
+                                            </p:txEl>
+                                          </p:spTgt>
+                                        </p:tgtEl>
+                                        <p:attrNameLst>
+                                          <p:attrName>style.visibility</p:attrName>
+                                        </p:attrNameLst>
+                                      </p:cBhvr>
+                                      <p:to>
+                                        <p:strVal val="visible"/>
+                                      </p:to>
+                                    </p:set>
+                                    <p:animEffect transition="in" filter="fade">
+                                      <p:cBhvr>
+                                        <p:cTn id="7" dur="500"/>
+                                        <p:tgtEl>
+                                          <p:spTgt spid="3">
+                                            <p:txEl>
+                                              <p:pRg st="0" end="0"/>
+                                            </p:txEl>
+                                          </p:spTgt>
+                                        </p:tgtEl>
+                                      </p:cBhvr>
+                                    </p:animEffect>
+                                  </p:childTnLst>
+                                </p:cTn>
+                              </p:par>
+                            </p:childTnLst>
+                          </p:cTn>
+                        </p:par>
                         <p:par>
                           <p:cTn id="8" fill="hold">
                             <p:stCondLst>
-                              <p:cond delay="500"/>
+                              <p:cond delay="1000"/>
                             </p:stCondLst>
                             <p:childTnLst>
                               <p:par>
@@ -4383,24 +6307,15 @@
                                   </p:childTnLst>
                                 </p:cTn>
                               </p:par>
-                            </p:childTnLst>
-                          </p:cTn>
-                        </p:par>
-                        <p:par>
-                          <p:cTn id="12" fill="hold">
-                            <p:stCondLst>
-                              <p:cond delay="1000"/>
-                            </p:stCondLst>
-                            <p:childTnLst>
                               <p:par>
-                                <p:cTn id="13" presetID="10" presetClass="entr" presetSubtype="0" fill="hold" nodeType="afterEffect">
+                                <p:cTn id="12" presetID="10" presetClass="entr" presetSubtype="0" fill="hold" nodeType="withEffect">
                                   <p:stCondLst>
                                     <p:cond delay="0"/>
                                   </p:stCondLst>
                                   <p:childTnLst>
                                     <p:set>
                                       <p:cBhvr>
-                                        <p:cTn id="14" dur="1" fill="hold">
+                                        <p:cTn id="13" dur="1" fill="hold">
                                           <p:stCondLst>
                                             <p:cond delay="0"/>
                                           </p:stCondLst>
@@ -4408,7 +6323,7 @@
                                         <p:tgtEl>
                                           <p:spTgt spid="3">
                                             <p:txEl>
-                                              <p:pRg st="3" end="3"/>
+                                              <p:pRg st="4" end="4"/>
                                             </p:txEl>
                                           </p:spTgt>
                                         </p:tgtEl>
@@ -4422,11 +6337,11 @@
                                     </p:set>
                                     <p:animEffect transition="in" filter="fade">
                                       <p:cBhvr>
-                                        <p:cTn id="15" dur="500"/>
+                                        <p:cTn id="14" dur="500"/>
                                         <p:tgtEl>
                                           <p:spTgt spid="3">
                                             <p:txEl>
-                                              <p:pRg st="3" end="3"/>
+                                              <p:pRg st="4" end="4"/>
                                             </p:txEl>
                                           </p:spTgt>
                                         </p:tgtEl>
@@ -4500,7 +6415,7 @@
           <a:p>
             <a:r>
               <a:rPr lang="en-GB" b="1" dirty="0"/>
-              <a:t>Why do we use mocks?</a:t>
+              <a:t>Why use mocks?</a:t>
             </a:r>
             <a:endParaRPr lang="en-GB" dirty="0"/>
           </a:p>
@@ -4518,32 +6433,61 @@
         </p:nvSpPr>
         <p:spPr>
           <a:xfrm>
-            <a:off x="1202919" y="2999678"/>
-            <a:ext cx="9784080" cy="3218242"/>
+            <a:off x="1202919" y="2233245"/>
+            <a:ext cx="9784080" cy="3833447"/>
           </a:xfrm>
         </p:spPr>
         <p:txBody>
-          <a:bodyPr/>
+          <a:bodyPr>
+            <a:normAutofit fontScale="92500" lnSpcReduction="10000"/>
+          </a:bodyPr>
           <a:lstStyle/>
           <a:p>
-            <a:pPr fontAlgn="ctr"/>
-            <a:r>
-              <a:rPr lang="en-GB" dirty="0"/>
-              <a:t>To be in control of interactions that our code or application makes with other objects or services</a:t>
-            </a:r>
-          </a:p>
-          <a:p>
-            <a:pPr fontAlgn="ctr"/>
-            <a:r>
-              <a:rPr lang="en-GB" dirty="0"/>
-              <a:t>To write tests that are deterministic and repeatable</a:t>
-            </a:r>
-          </a:p>
-          <a:p>
-            <a:pPr fontAlgn="ctr"/>
-            <a:r>
-              <a:rPr lang="en-GB" dirty="0"/>
-              <a:t>To enable the modelling of different scenarios to prove your code works as expected</a:t>
+            <a:pPr marL="0" indent="0" fontAlgn="ctr">
+              <a:lnSpc>
+                <a:spcPct val="150000"/>
+              </a:lnSpc>
+              <a:buNone/>
+            </a:pPr>
+            <a:r>
+              <a:rPr lang="en-GB" sz="4000" dirty="0"/>
+              <a:t>Deterministic &amp; repeatable tests</a:t>
+            </a:r>
+          </a:p>
+          <a:p>
+            <a:pPr marL="0" indent="0" fontAlgn="ctr">
+              <a:lnSpc>
+                <a:spcPct val="150000"/>
+              </a:lnSpc>
+              <a:buNone/>
+            </a:pPr>
+            <a:r>
+              <a:rPr lang="en-GB" sz="4000" dirty="0"/>
+              <a:t>Control interactions</a:t>
+            </a:r>
+          </a:p>
+          <a:p>
+            <a:pPr marL="0" indent="0" fontAlgn="ctr">
+              <a:lnSpc>
+                <a:spcPct val="150000"/>
+              </a:lnSpc>
+              <a:buNone/>
+            </a:pPr>
+            <a:r>
+              <a:rPr lang="en-GB" sz="4000" dirty="0"/>
+              <a:t>Model  scenarios</a:t>
+            </a:r>
+          </a:p>
+          <a:p>
+            <a:pPr marL="0" indent="0" fontAlgn="ctr">
+              <a:lnSpc>
+                <a:spcPct val="150000"/>
+              </a:lnSpc>
+              <a:buNone/>
+            </a:pPr>
+            <a:r>
+              <a:rPr lang="en-GB" sz="4000" dirty="0"/>
+              <a:t>Acceptance criteria</a:t>
             </a:r>
           </a:p>
           <a:p>
@@ -4555,770 +6499,6 @@
     <p:extLst>
       <p:ext uri="{BB962C8B-B14F-4D97-AF65-F5344CB8AC3E}">
         <p14:creationId xmlns:p14="http://schemas.microsoft.com/office/powerpoint/2010/main" val="3274506060"/>
-      </p:ext>
-    </p:extLst>
-  </p:cSld>
-  <p:clrMapOvr>
-    <a:masterClrMapping/>
-  </p:clrMapOvr>
-  <p:timing>
-    <p:tnLst>
-      <p:par>
-        <p:cTn id="1" dur="indefinite" restart="never" nodeType="tmRoot">
-          <p:childTnLst>
-            <p:seq concurrent="1" nextAc="seek">
-              <p:cTn id="2" dur="indefinite" nodeType="mainSeq">
-                <p:childTnLst>
-                  <p:par>
-                    <p:cTn id="3" fill="hold">
-                      <p:stCondLst>
-                        <p:cond delay="indefinite"/>
-                      </p:stCondLst>
-                      <p:childTnLst>
-                        <p:par>
-                          <p:cTn id="4" fill="hold">
-                            <p:stCondLst>
-                              <p:cond delay="0"/>
-                            </p:stCondLst>
-                            <p:childTnLst>
-                              <p:par>
-                                <p:cTn id="5" presetID="10" presetClass="entr" presetSubtype="0" fill="hold" nodeType="clickEffect">
-                                  <p:stCondLst>
-                                    <p:cond delay="0"/>
-                                  </p:stCondLst>
-                                  <p:childTnLst>
-                                    <p:set>
-                                      <p:cBhvr>
-                                        <p:cTn id="6" dur="1" fill="hold">
-                                          <p:stCondLst>
-                                            <p:cond delay="0"/>
-                                          </p:stCondLst>
-                                        </p:cTn>
-                                        <p:tgtEl>
-                                          <p:spTgt spid="3">
-                                            <p:txEl>
-                                              <p:pRg st="0" end="0"/>
-                                            </p:txEl>
-                                          </p:spTgt>
-                                        </p:tgtEl>
-                                        <p:attrNameLst>
-                                          <p:attrName>style.visibility</p:attrName>
-                                        </p:attrNameLst>
-                                      </p:cBhvr>
-                                      <p:to>
-                                        <p:strVal val="visible"/>
-                                      </p:to>
-                                    </p:set>
-                                    <p:animEffect transition="in" filter="fade">
-                                      <p:cBhvr>
-                                        <p:cTn id="7" dur="500"/>
-                                        <p:tgtEl>
-                                          <p:spTgt spid="3">
-                                            <p:txEl>
-                                              <p:pRg st="0" end="0"/>
-                                            </p:txEl>
-                                          </p:spTgt>
-                                        </p:tgtEl>
-                                      </p:cBhvr>
-                                    </p:animEffect>
-                                  </p:childTnLst>
-                                </p:cTn>
-                              </p:par>
-                              <p:par>
-                                <p:cTn id="8" presetID="10" presetClass="entr" presetSubtype="0" fill="hold" nodeType="withEffect">
-                                  <p:stCondLst>
-                                    <p:cond delay="0"/>
-                                  </p:stCondLst>
-                                  <p:childTnLst>
-                                    <p:set>
-                                      <p:cBhvr>
-                                        <p:cTn id="9" dur="1" fill="hold">
-                                          <p:stCondLst>
-                                            <p:cond delay="0"/>
-                                          </p:stCondLst>
-                                        </p:cTn>
-                                        <p:tgtEl>
-                                          <p:spTgt spid="3">
-                                            <p:txEl>
-                                              <p:pRg st="1" end="1"/>
-                                            </p:txEl>
-                                          </p:spTgt>
-                                        </p:tgtEl>
-                                        <p:attrNameLst>
-                                          <p:attrName>style.visibility</p:attrName>
-                                        </p:attrNameLst>
-                                      </p:cBhvr>
-                                      <p:to>
-                                        <p:strVal val="visible"/>
-                                      </p:to>
-                                    </p:set>
-                                    <p:animEffect transition="in" filter="fade">
-                                      <p:cBhvr>
-                                        <p:cTn id="10" dur="500"/>
-                                        <p:tgtEl>
-                                          <p:spTgt spid="3">
-                                            <p:txEl>
-                                              <p:pRg st="1" end="1"/>
-                                            </p:txEl>
-                                          </p:spTgt>
-                                        </p:tgtEl>
-                                      </p:cBhvr>
-                                    </p:animEffect>
-                                  </p:childTnLst>
-                                </p:cTn>
-                              </p:par>
-                              <p:par>
-                                <p:cTn id="11" presetID="10" presetClass="entr" presetSubtype="0" fill="hold" nodeType="withEffect">
-                                  <p:stCondLst>
-                                    <p:cond delay="0"/>
-                                  </p:stCondLst>
-                                  <p:childTnLst>
-                                    <p:set>
-                                      <p:cBhvr>
-                                        <p:cTn id="12" dur="1" fill="hold">
-                                          <p:stCondLst>
-                                            <p:cond delay="0"/>
-                                          </p:stCondLst>
-                                        </p:cTn>
-                                        <p:tgtEl>
-                                          <p:spTgt spid="3">
-                                            <p:txEl>
-                                              <p:pRg st="2" end="2"/>
-                                            </p:txEl>
-                                          </p:spTgt>
-                                        </p:tgtEl>
-                                        <p:attrNameLst>
-                                          <p:attrName>style.visibility</p:attrName>
-                                        </p:attrNameLst>
-                                      </p:cBhvr>
-                                      <p:to>
-                                        <p:strVal val="visible"/>
-                                      </p:to>
-                                    </p:set>
-                                    <p:animEffect transition="in" filter="fade">
-                                      <p:cBhvr>
-                                        <p:cTn id="13" dur="500"/>
-                                        <p:tgtEl>
-                                          <p:spTgt spid="3">
-                                            <p:txEl>
-                                              <p:pRg st="2" end="2"/>
-                                            </p:txEl>
-                                          </p:spTgt>
-                                        </p:tgtEl>
-                                      </p:cBhvr>
-                                    </p:animEffect>
-                                  </p:childTnLst>
-                                </p:cTn>
-                              </p:par>
-                            </p:childTnLst>
-                          </p:cTn>
-                        </p:par>
-                      </p:childTnLst>
-                    </p:cTn>
-                  </p:par>
-                </p:childTnLst>
-              </p:cTn>
-              <p:prevCondLst>
-                <p:cond evt="onPrev" delay="0">
-                  <p:tgtEl>
-                    <p:sldTgt/>
-                  </p:tgtEl>
-                </p:cond>
-              </p:prevCondLst>
-              <p:nextCondLst>
-                <p:cond evt="onNext" delay="0">
-                  <p:tgtEl>
-                    <p:sldTgt/>
-                  </p:tgtEl>
-                </p:cond>
-              </p:nextCondLst>
-            </p:seq>
-          </p:childTnLst>
-        </p:cTn>
-      </p:par>
-    </p:tnLst>
-  </p:timing>
-</p:sld>
-</file>
-
-<file path=ppt/slides/slide5.xml><?xml version="1.0" encoding="utf-8"?>
-<p:sld xmlns:a="http://schemas.openxmlformats.org/drawingml/2006/main" xmlns:r="http://schemas.openxmlformats.org/officeDocument/2006/relationships" xmlns:p="http://schemas.openxmlformats.org/presentationml/2006/main">
-  <p:cSld>
-    <p:spTree>
-      <p:nvGrpSpPr>
-        <p:cNvPr id="1" name=""/>
-        <p:cNvGrpSpPr/>
-        <p:nvPr/>
-      </p:nvGrpSpPr>
-      <p:grpSpPr>
-        <a:xfrm>
-          <a:off x="0" y="0"/>
-          <a:ext cx="0" cy="0"/>
-          <a:chOff x="0" y="0"/>
-          <a:chExt cx="0" cy="0"/>
-        </a:xfrm>
-      </p:grpSpPr>
-      <p:sp>
-        <p:nvSpPr>
-          <p:cNvPr id="2" name="Title 1"/>
-          <p:cNvSpPr>
-            <a:spLocks noGrp="1"/>
-          </p:cNvSpPr>
-          <p:nvPr>
-            <p:ph type="title"/>
-          </p:nvPr>
-        </p:nvSpPr>
-        <p:spPr/>
-        <p:txBody>
-          <a:bodyPr/>
-          <a:lstStyle/>
-          <a:p>
-            <a:r>
-              <a:rPr lang="en-GB" b="1" dirty="0"/>
-              <a:t>When to mock?</a:t>
-            </a:r>
-            <a:endParaRPr lang="en-GB" dirty="0"/>
-          </a:p>
-        </p:txBody>
-      </p:sp>
-      <p:sp>
-        <p:nvSpPr>
-          <p:cNvPr id="3" name="Content Placeholder 2"/>
-          <p:cNvSpPr>
-            <a:spLocks noGrp="1"/>
-          </p:cNvSpPr>
-          <p:nvPr>
-            <p:ph idx="1"/>
-          </p:nvPr>
-        </p:nvSpPr>
-        <p:spPr>
-          <a:xfrm>
-            <a:off x="1202919" y="2330604"/>
-            <a:ext cx="9784080" cy="3887315"/>
-          </a:xfrm>
-        </p:spPr>
-        <p:txBody>
-          <a:bodyPr/>
-          <a:lstStyle/>
-          <a:p>
-            <a:pPr marL="0" indent="0" fontAlgn="ctr">
-              <a:buNone/>
-            </a:pPr>
-            <a:r>
-              <a:rPr lang="en-GB" sz="2400" dirty="0"/>
-              <a:t>Unit tests</a:t>
-            </a:r>
-          </a:p>
-          <a:p>
-            <a:pPr lvl="1" fontAlgn="ctr"/>
-            <a:r>
-              <a:rPr lang="en-GB" dirty="0"/>
-              <a:t>Testing a specific class that collaborates with other classes</a:t>
-            </a:r>
-          </a:p>
-          <a:p>
-            <a:pPr lvl="1" fontAlgn="ctr"/>
-            <a:r>
-              <a:rPr lang="en-GB" dirty="0"/>
-              <a:t>Using dependency injection design pattern you would inject a mock of an object</a:t>
-            </a:r>
-          </a:p>
-          <a:p>
-            <a:pPr lvl="1" fontAlgn="ctr"/>
-            <a:endParaRPr lang="en-GB" sz="2400" dirty="0"/>
-          </a:p>
-          <a:p>
-            <a:pPr marL="0" indent="0" fontAlgn="ctr">
-              <a:buNone/>
-            </a:pPr>
-            <a:r>
-              <a:rPr lang="en-GB" sz="2400" dirty="0"/>
-              <a:t>Integration / system tests</a:t>
-            </a:r>
-          </a:p>
-          <a:p>
-            <a:pPr lvl="1" fontAlgn="ctr"/>
-            <a:r>
-              <a:rPr lang="en-GB" dirty="0"/>
-              <a:t>Testing an application as a whole to ensure the objects / components / classes work together as a cohesive unit</a:t>
-            </a:r>
-          </a:p>
-          <a:p>
-            <a:pPr lvl="1" fontAlgn="ctr"/>
-            <a:r>
-              <a:rPr lang="en-GB" dirty="0"/>
-              <a:t>Mock external collaborators with the application e.g. database, web service…</a:t>
-            </a:r>
-          </a:p>
-          <a:p>
-            <a:endParaRPr lang="en-GB" dirty="0"/>
-          </a:p>
-        </p:txBody>
-      </p:sp>
-    </p:spTree>
-    <p:extLst>
-      <p:ext uri="{BB962C8B-B14F-4D97-AF65-F5344CB8AC3E}">
-        <p14:creationId xmlns:p14="http://schemas.microsoft.com/office/powerpoint/2010/main" val="705980569"/>
-      </p:ext>
-    </p:extLst>
-  </p:cSld>
-  <p:clrMapOvr>
-    <a:masterClrMapping/>
-  </p:clrMapOvr>
-  <p:timing>
-    <p:tnLst>
-      <p:par>
-        <p:cTn id="1" dur="indefinite" restart="never" nodeType="tmRoot">
-          <p:childTnLst>
-            <p:seq concurrent="1" nextAc="seek">
-              <p:cTn id="2" dur="indefinite" nodeType="mainSeq">
-                <p:childTnLst>
-                  <p:par>
-                    <p:cTn id="3" fill="hold">
-                      <p:stCondLst>
-                        <p:cond delay="indefinite"/>
-                      </p:stCondLst>
-                      <p:childTnLst>
-                        <p:par>
-                          <p:cTn id="4" fill="hold">
-                            <p:stCondLst>
-                              <p:cond delay="0"/>
-                            </p:stCondLst>
-                            <p:childTnLst>
-                              <p:par>
-                                <p:cTn id="5" presetID="10" presetClass="entr" presetSubtype="0" fill="hold" nodeType="clickEffect">
-                                  <p:stCondLst>
-                                    <p:cond delay="0"/>
-                                  </p:stCondLst>
-                                  <p:childTnLst>
-                                    <p:set>
-                                      <p:cBhvr>
-                                        <p:cTn id="6" dur="1" fill="hold">
-                                          <p:stCondLst>
-                                            <p:cond delay="0"/>
-                                          </p:stCondLst>
-                                        </p:cTn>
-                                        <p:tgtEl>
-                                          <p:spTgt spid="3">
-                                            <p:txEl>
-                                              <p:pRg st="0" end="0"/>
-                                            </p:txEl>
-                                          </p:spTgt>
-                                        </p:tgtEl>
-                                        <p:attrNameLst>
-                                          <p:attrName>style.visibility</p:attrName>
-                                        </p:attrNameLst>
-                                      </p:cBhvr>
-                                      <p:to>
-                                        <p:strVal val="visible"/>
-                                      </p:to>
-                                    </p:set>
-                                    <p:animEffect transition="in" filter="fade">
-                                      <p:cBhvr>
-                                        <p:cTn id="7" dur="500"/>
-                                        <p:tgtEl>
-                                          <p:spTgt spid="3">
-                                            <p:txEl>
-                                              <p:pRg st="0" end="0"/>
-                                            </p:txEl>
-                                          </p:spTgt>
-                                        </p:tgtEl>
-                                      </p:cBhvr>
-                                    </p:animEffect>
-                                  </p:childTnLst>
-                                </p:cTn>
-                              </p:par>
-                              <p:par>
-                                <p:cTn id="8" presetID="10" presetClass="entr" presetSubtype="0" fill="hold" nodeType="withEffect">
-                                  <p:stCondLst>
-                                    <p:cond delay="0"/>
-                                  </p:stCondLst>
-                                  <p:childTnLst>
-                                    <p:set>
-                                      <p:cBhvr>
-                                        <p:cTn id="9" dur="1" fill="hold">
-                                          <p:stCondLst>
-                                            <p:cond delay="0"/>
-                                          </p:stCondLst>
-                                        </p:cTn>
-                                        <p:tgtEl>
-                                          <p:spTgt spid="3">
-                                            <p:txEl>
-                                              <p:pRg st="1" end="1"/>
-                                            </p:txEl>
-                                          </p:spTgt>
-                                        </p:tgtEl>
-                                        <p:attrNameLst>
-                                          <p:attrName>style.visibility</p:attrName>
-                                        </p:attrNameLst>
-                                      </p:cBhvr>
-                                      <p:to>
-                                        <p:strVal val="visible"/>
-                                      </p:to>
-                                    </p:set>
-                                    <p:animEffect transition="in" filter="fade">
-                                      <p:cBhvr>
-                                        <p:cTn id="10" dur="500"/>
-                                        <p:tgtEl>
-                                          <p:spTgt spid="3">
-                                            <p:txEl>
-                                              <p:pRg st="1" end="1"/>
-                                            </p:txEl>
-                                          </p:spTgt>
-                                        </p:tgtEl>
-                                      </p:cBhvr>
-                                    </p:animEffect>
-                                  </p:childTnLst>
-                                </p:cTn>
-                              </p:par>
-                              <p:par>
-                                <p:cTn id="11" presetID="10" presetClass="entr" presetSubtype="0" fill="hold" nodeType="withEffect">
-                                  <p:stCondLst>
-                                    <p:cond delay="0"/>
-                                  </p:stCondLst>
-                                  <p:childTnLst>
-                                    <p:set>
-                                      <p:cBhvr>
-                                        <p:cTn id="12" dur="1" fill="hold">
-                                          <p:stCondLst>
-                                            <p:cond delay="0"/>
-                                          </p:stCondLst>
-                                        </p:cTn>
-                                        <p:tgtEl>
-                                          <p:spTgt spid="3">
-                                            <p:txEl>
-                                              <p:pRg st="2" end="2"/>
-                                            </p:txEl>
-                                          </p:spTgt>
-                                        </p:tgtEl>
-                                        <p:attrNameLst>
-                                          <p:attrName>style.visibility</p:attrName>
-                                        </p:attrNameLst>
-                                      </p:cBhvr>
-                                      <p:to>
-                                        <p:strVal val="visible"/>
-                                      </p:to>
-                                    </p:set>
-                                    <p:animEffect transition="in" filter="fade">
-                                      <p:cBhvr>
-                                        <p:cTn id="13" dur="500"/>
-                                        <p:tgtEl>
-                                          <p:spTgt spid="3">
-                                            <p:txEl>
-                                              <p:pRg st="2" end="2"/>
-                                            </p:txEl>
-                                          </p:spTgt>
-                                        </p:tgtEl>
-                                      </p:cBhvr>
-                                    </p:animEffect>
-                                  </p:childTnLst>
-                                </p:cTn>
-                              </p:par>
-                            </p:childTnLst>
-                          </p:cTn>
-                        </p:par>
-                      </p:childTnLst>
-                    </p:cTn>
-                  </p:par>
-                  <p:par>
-                    <p:cTn id="14" fill="hold">
-                      <p:stCondLst>
-                        <p:cond delay="indefinite"/>
-                      </p:stCondLst>
-                      <p:childTnLst>
-                        <p:par>
-                          <p:cTn id="15" fill="hold">
-                            <p:stCondLst>
-                              <p:cond delay="0"/>
-                            </p:stCondLst>
-                            <p:childTnLst>
-                              <p:par>
-                                <p:cTn id="16" presetID="10" presetClass="entr" presetSubtype="0" fill="hold" nodeType="clickEffect">
-                                  <p:stCondLst>
-                                    <p:cond delay="0"/>
-                                  </p:stCondLst>
-                                  <p:childTnLst>
-                                    <p:set>
-                                      <p:cBhvr>
-                                        <p:cTn id="17" dur="1" fill="hold">
-                                          <p:stCondLst>
-                                            <p:cond delay="0"/>
-                                          </p:stCondLst>
-                                        </p:cTn>
-                                        <p:tgtEl>
-                                          <p:spTgt spid="3">
-                                            <p:txEl>
-                                              <p:pRg st="4" end="4"/>
-                                            </p:txEl>
-                                          </p:spTgt>
-                                        </p:tgtEl>
-                                        <p:attrNameLst>
-                                          <p:attrName>style.visibility</p:attrName>
-                                        </p:attrNameLst>
-                                      </p:cBhvr>
-                                      <p:to>
-                                        <p:strVal val="visible"/>
-                                      </p:to>
-                                    </p:set>
-                                    <p:animEffect transition="in" filter="fade">
-                                      <p:cBhvr>
-                                        <p:cTn id="18" dur="500"/>
-                                        <p:tgtEl>
-                                          <p:spTgt spid="3">
-                                            <p:txEl>
-                                              <p:pRg st="4" end="4"/>
-                                            </p:txEl>
-                                          </p:spTgt>
-                                        </p:tgtEl>
-                                      </p:cBhvr>
-                                    </p:animEffect>
-                                  </p:childTnLst>
-                                </p:cTn>
-                              </p:par>
-                              <p:par>
-                                <p:cTn id="19" presetID="10" presetClass="entr" presetSubtype="0" fill="hold" nodeType="withEffect">
-                                  <p:stCondLst>
-                                    <p:cond delay="0"/>
-                                  </p:stCondLst>
-                                  <p:childTnLst>
-                                    <p:set>
-                                      <p:cBhvr>
-                                        <p:cTn id="20" dur="1" fill="hold">
-                                          <p:stCondLst>
-                                            <p:cond delay="0"/>
-                                          </p:stCondLst>
-                                        </p:cTn>
-                                        <p:tgtEl>
-                                          <p:spTgt spid="3">
-                                            <p:txEl>
-                                              <p:pRg st="5" end="5"/>
-                                            </p:txEl>
-                                          </p:spTgt>
-                                        </p:tgtEl>
-                                        <p:attrNameLst>
-                                          <p:attrName>style.visibility</p:attrName>
-                                        </p:attrNameLst>
-                                      </p:cBhvr>
-                                      <p:to>
-                                        <p:strVal val="visible"/>
-                                      </p:to>
-                                    </p:set>
-                                    <p:animEffect transition="in" filter="fade">
-                                      <p:cBhvr>
-                                        <p:cTn id="21" dur="500"/>
-                                        <p:tgtEl>
-                                          <p:spTgt spid="3">
-                                            <p:txEl>
-                                              <p:pRg st="5" end="5"/>
-                                            </p:txEl>
-                                          </p:spTgt>
-                                        </p:tgtEl>
-                                      </p:cBhvr>
-                                    </p:animEffect>
-                                  </p:childTnLst>
-                                </p:cTn>
-                              </p:par>
-                              <p:par>
-                                <p:cTn id="22" presetID="10" presetClass="entr" presetSubtype="0" fill="hold" nodeType="withEffect">
-                                  <p:stCondLst>
-                                    <p:cond delay="0"/>
-                                  </p:stCondLst>
-                                  <p:childTnLst>
-                                    <p:set>
-                                      <p:cBhvr>
-                                        <p:cTn id="23" dur="1" fill="hold">
-                                          <p:stCondLst>
-                                            <p:cond delay="0"/>
-                                          </p:stCondLst>
-                                        </p:cTn>
-                                        <p:tgtEl>
-                                          <p:spTgt spid="3">
-                                            <p:txEl>
-                                              <p:pRg st="6" end="6"/>
-                                            </p:txEl>
-                                          </p:spTgt>
-                                        </p:tgtEl>
-                                        <p:attrNameLst>
-                                          <p:attrName>style.visibility</p:attrName>
-                                        </p:attrNameLst>
-                                      </p:cBhvr>
-                                      <p:to>
-                                        <p:strVal val="visible"/>
-                                      </p:to>
-                                    </p:set>
-                                    <p:animEffect transition="in" filter="fade">
-                                      <p:cBhvr>
-                                        <p:cTn id="24" dur="500"/>
-                                        <p:tgtEl>
-                                          <p:spTgt spid="3">
-                                            <p:txEl>
-                                              <p:pRg st="6" end="6"/>
-                                            </p:txEl>
-                                          </p:spTgt>
-                                        </p:tgtEl>
-                                      </p:cBhvr>
-                                    </p:animEffect>
-                                  </p:childTnLst>
-                                </p:cTn>
-                              </p:par>
-                            </p:childTnLst>
-                          </p:cTn>
-                        </p:par>
-                      </p:childTnLst>
-                    </p:cTn>
-                  </p:par>
-                </p:childTnLst>
-              </p:cTn>
-              <p:prevCondLst>
-                <p:cond evt="onPrev" delay="0">
-                  <p:tgtEl>
-                    <p:sldTgt/>
-                  </p:tgtEl>
-                </p:cond>
-              </p:prevCondLst>
-              <p:nextCondLst>
-                <p:cond evt="onNext" delay="0">
-                  <p:tgtEl>
-                    <p:sldTgt/>
-                  </p:tgtEl>
-                </p:cond>
-              </p:nextCondLst>
-            </p:seq>
-          </p:childTnLst>
-        </p:cTn>
-      </p:par>
-    </p:tnLst>
-  </p:timing>
-</p:sld>
-</file>
-
-<file path=ppt/slides/slide6.xml><?xml version="1.0" encoding="utf-8"?>
-<p:sld xmlns:a="http://schemas.openxmlformats.org/drawingml/2006/main" xmlns:r="http://schemas.openxmlformats.org/officeDocument/2006/relationships" xmlns:p="http://schemas.openxmlformats.org/presentationml/2006/main">
-  <p:cSld>
-    <p:spTree>
-      <p:nvGrpSpPr>
-        <p:cNvPr id="1" name=""/>
-        <p:cNvGrpSpPr/>
-        <p:nvPr/>
-      </p:nvGrpSpPr>
-      <p:grpSpPr>
-        <a:xfrm>
-          <a:off x="0" y="0"/>
-          <a:ext cx="0" cy="0"/>
-          <a:chOff x="0" y="0"/>
-          <a:chExt cx="0" cy="0"/>
-        </a:xfrm>
-      </p:grpSpPr>
-      <p:sp>
-        <p:nvSpPr>
-          <p:cNvPr id="2" name="Title 1"/>
-          <p:cNvSpPr>
-            <a:spLocks noGrp="1"/>
-          </p:cNvSpPr>
-          <p:nvPr>
-            <p:ph type="title"/>
-          </p:nvPr>
-        </p:nvSpPr>
-        <p:spPr/>
-        <p:txBody>
-          <a:bodyPr/>
-          <a:lstStyle/>
-          <a:p>
-            <a:r>
-              <a:rPr lang="en-GB" b="1" dirty="0"/>
-              <a:t>Mocking web services</a:t>
-            </a:r>
-            <a:endParaRPr lang="en-GB" dirty="0"/>
-          </a:p>
-        </p:txBody>
-      </p:sp>
-      <p:sp>
-        <p:nvSpPr>
-          <p:cNvPr id="3" name="Content Placeholder 2"/>
-          <p:cNvSpPr>
-            <a:spLocks noGrp="1"/>
-          </p:cNvSpPr>
-          <p:nvPr>
-            <p:ph idx="1"/>
-          </p:nvPr>
-        </p:nvSpPr>
-        <p:spPr/>
-        <p:txBody>
-          <a:bodyPr/>
-          <a:lstStyle/>
-          <a:p>
-            <a:pPr marL="0" indent="0" fontAlgn="ctr">
-              <a:buNone/>
-            </a:pPr>
-            <a:r>
-              <a:rPr lang="en-GB" sz="2400" dirty="0"/>
-              <a:t>Many modern applications depend on external web services</a:t>
-            </a:r>
-          </a:p>
-          <a:p>
-            <a:pPr lvl="1" fontAlgn="ctr"/>
-            <a:r>
-              <a:rPr lang="en-GB" dirty="0"/>
-              <a:t>3rd party</a:t>
-            </a:r>
-          </a:p>
-          <a:p>
-            <a:pPr lvl="1" fontAlgn="ctr"/>
-            <a:r>
-              <a:rPr lang="en-GB" dirty="0"/>
-              <a:t>Internal</a:t>
-            </a:r>
-          </a:p>
-          <a:p>
-            <a:pPr lvl="1" fontAlgn="ctr"/>
-            <a:r>
-              <a:rPr lang="en-GB" dirty="0"/>
-              <a:t>Micro-services architecture</a:t>
-            </a:r>
-          </a:p>
-          <a:p>
-            <a:pPr lvl="1" fontAlgn="ctr"/>
-            <a:endParaRPr lang="en-GB" dirty="0"/>
-          </a:p>
-          <a:p>
-            <a:pPr marL="0" indent="0" fontAlgn="ctr">
-              <a:buNone/>
-            </a:pPr>
-            <a:r>
-              <a:rPr lang="en-GB" sz="2400" dirty="0"/>
-              <a:t>Testing against a live version of the an external web service doesn't always make sense</a:t>
-            </a:r>
-          </a:p>
-          <a:p>
-            <a:pPr lvl="1" fontAlgn="ctr"/>
-            <a:r>
-              <a:rPr lang="en-GB" dirty="0"/>
-              <a:t>No control over its availability</a:t>
-            </a:r>
-          </a:p>
-          <a:p>
-            <a:pPr lvl="1" fontAlgn="ctr"/>
-            <a:r>
-              <a:rPr lang="en-GB" dirty="0"/>
-              <a:t>No control over its state</a:t>
-            </a:r>
-          </a:p>
-          <a:p>
-            <a:pPr lvl="1" fontAlgn="ctr"/>
-            <a:r>
-              <a:rPr lang="en-GB" dirty="0"/>
-              <a:t>Unpredictable responses, if they respond at all…</a:t>
-            </a:r>
-          </a:p>
-          <a:p>
-            <a:endParaRPr lang="en-GB" dirty="0"/>
-          </a:p>
-        </p:txBody>
-      </p:sp>
-    </p:spTree>
-    <p:extLst>
-      <p:ext uri="{BB962C8B-B14F-4D97-AF65-F5344CB8AC3E}">
-        <p14:creationId xmlns:p14="http://schemas.microsoft.com/office/powerpoint/2010/main" val="3902345566"/>
       </p:ext>
     </p:extLst>
   </p:cSld>
@@ -5523,37 +6703,167 @@
                       </p:childTnLst>
                     </p:cTn>
                   </p:par>
+                </p:childTnLst>
+              </p:cTn>
+              <p:prevCondLst>
+                <p:cond evt="onPrev" delay="0">
+                  <p:tgtEl>
+                    <p:sldTgt/>
+                  </p:tgtEl>
+                </p:cond>
+              </p:prevCondLst>
+              <p:nextCondLst>
+                <p:cond evt="onNext" delay="0">
+                  <p:tgtEl>
+                    <p:sldTgt/>
+                  </p:tgtEl>
+                </p:cond>
+              </p:nextCondLst>
+            </p:seq>
+          </p:childTnLst>
+        </p:cTn>
+      </p:par>
+    </p:tnLst>
+  </p:timing>
+</p:sld>
+</file>
+
+<file path=ppt/slides/slide5.xml><?xml version="1.0" encoding="utf-8"?>
+<p:sld xmlns:a="http://schemas.openxmlformats.org/drawingml/2006/main" xmlns:r="http://schemas.openxmlformats.org/officeDocument/2006/relationships" xmlns:p="http://schemas.openxmlformats.org/presentationml/2006/main">
+  <p:cSld>
+    <p:spTree>
+      <p:nvGrpSpPr>
+        <p:cNvPr id="1" name=""/>
+        <p:cNvGrpSpPr/>
+        <p:nvPr/>
+      </p:nvGrpSpPr>
+      <p:grpSpPr>
+        <a:xfrm>
+          <a:off x="0" y="0"/>
+          <a:ext cx="0" cy="0"/>
+          <a:chOff x="0" y="0"/>
+          <a:chExt cx="0" cy="0"/>
+        </a:xfrm>
+      </p:grpSpPr>
+      <p:sp>
+        <p:nvSpPr>
+          <p:cNvPr id="2" name="Title 1"/>
+          <p:cNvSpPr>
+            <a:spLocks noGrp="1"/>
+          </p:cNvSpPr>
+          <p:nvPr>
+            <p:ph type="title"/>
+          </p:nvPr>
+        </p:nvSpPr>
+        <p:spPr/>
+        <p:txBody>
+          <a:bodyPr/>
+          <a:lstStyle/>
+          <a:p>
+            <a:r>
+              <a:rPr lang="en-GB" b="1" dirty="0"/>
+              <a:t>When to mock?</a:t>
+            </a:r>
+            <a:endParaRPr lang="en-GB" dirty="0"/>
+          </a:p>
+        </p:txBody>
+      </p:sp>
+      <p:pic>
+        <p:nvPicPr>
+          <p:cNvPr id="3074" name="Picture 2" descr="Sy "/>
+          <p:cNvPicPr>
+            <a:picLocks noChangeAspect="1" noChangeArrowheads="1"/>
+          </p:cNvPicPr>
+          <p:nvPr/>
+        </p:nvPicPr>
+        <p:blipFill>
+          <a:blip r:embed="rId3">
+            <a:extLst>
+              <a:ext uri="{28A0092B-C50C-407E-A947-70E740481C1C}">
+                <a14:useLocalDpi xmlns:a14="http://schemas.microsoft.com/office/drawing/2010/main" val="0"/>
+              </a:ext>
+            </a:extLst>
+          </a:blip>
+          <a:srcRect/>
+          <a:stretch>
+            <a:fillRect/>
+          </a:stretch>
+        </p:blipFill>
+        <p:spPr bwMode="auto">
+          <a:xfrm>
+            <a:off x="3990588" y="2422213"/>
+            <a:ext cx="4208741" cy="3385173"/>
+          </a:xfrm>
+          <a:prstGeom prst="rect">
+            <a:avLst/>
+          </a:prstGeom>
+          <a:noFill/>
+          <a:effectLst>
+            <a:glow rad="139700">
+              <a:schemeClr val="bg1">
+                <a:alpha val="40000"/>
+              </a:schemeClr>
+            </a:glow>
+          </a:effectLst>
+          <a:extLst>
+            <a:ext uri="{909E8E84-426E-40DD-AFC4-6F175D3DCCD1}">
+              <a14:hiddenFill xmlns:a14="http://schemas.microsoft.com/office/drawing/2010/main">
+                <a:solidFill>
+                  <a:srgbClr val="FFFFFF"/>
+                </a:solidFill>
+              </a14:hiddenFill>
+            </a:ext>
+          </a:extLst>
+        </p:spPr>
+      </p:pic>
+    </p:spTree>
+    <p:extLst>
+      <p:ext uri="{BB962C8B-B14F-4D97-AF65-F5344CB8AC3E}">
+        <p14:creationId xmlns:p14="http://schemas.microsoft.com/office/powerpoint/2010/main" val="705980569"/>
+      </p:ext>
+    </p:extLst>
+  </p:cSld>
+  <p:clrMapOvr>
+    <a:masterClrMapping/>
+  </p:clrMapOvr>
+  <p:timing>
+    <p:tnLst>
+      <p:par>
+        <p:cTn id="1" dur="indefinite" restart="never" nodeType="tmRoot">
+          <p:childTnLst>
+            <p:seq concurrent="1" nextAc="seek">
+              <p:cTn id="2" dur="indefinite" nodeType="mainSeq">
+                <p:childTnLst>
                   <p:par>
-                    <p:cTn id="17" fill="hold">
+                    <p:cTn id="3" fill="hold">
                       <p:stCondLst>
                         <p:cond delay="indefinite"/>
+                        <p:cond evt="onBegin" delay="0">
+                          <p:tn val="2"/>
+                        </p:cond>
                       </p:stCondLst>
                       <p:childTnLst>
                         <p:par>
-                          <p:cTn id="18" fill="hold">
+                          <p:cTn id="4" fill="hold">
                             <p:stCondLst>
                               <p:cond delay="0"/>
                             </p:stCondLst>
                             <p:childTnLst>
                               <p:par>
-                                <p:cTn id="19" presetID="10" presetClass="entr" presetSubtype="0" fill="hold" nodeType="clickEffect">
+                                <p:cTn id="5" presetID="10" presetClass="entr" presetSubtype="0" fill="hold" nodeType="afterEffect">
                                   <p:stCondLst>
-                                    <p:cond delay="0"/>
+                                    <p:cond delay="500"/>
                                   </p:stCondLst>
                                   <p:childTnLst>
                                     <p:set>
                                       <p:cBhvr>
-                                        <p:cTn id="20" dur="1" fill="hold">
+                                        <p:cTn id="6" dur="1" fill="hold">
                                           <p:stCondLst>
                                             <p:cond delay="0"/>
                                           </p:stCondLst>
                                         </p:cTn>
                                         <p:tgtEl>
-                                          <p:spTgt spid="3">
-                                            <p:txEl>
-                                              <p:pRg st="5" end="5"/>
-                                            </p:txEl>
-                                          </p:spTgt>
+                                          <p:spTgt spid="3074"/>
                                         </p:tgtEl>
                                         <p:attrNameLst>
                                           <p:attrName>style.visibility</p:attrName>
@@ -5565,38 +6875,227 @@
                                     </p:set>
                                     <p:animEffect transition="in" filter="fade">
                                       <p:cBhvr>
-                                        <p:cTn id="21" dur="500"/>
+                                        <p:cTn id="7" dur="500"/>
                                         <p:tgtEl>
-                                          <p:spTgt spid="3">
-                                            <p:txEl>
-                                              <p:pRg st="5" end="5"/>
-                                            </p:txEl>
-                                          </p:spTgt>
+                                          <p:spTgt spid="3074"/>
                                         </p:tgtEl>
                                       </p:cBhvr>
                                     </p:animEffect>
                                   </p:childTnLst>
                                 </p:cTn>
                               </p:par>
+                            </p:childTnLst>
+                          </p:cTn>
+                        </p:par>
+                      </p:childTnLst>
+                    </p:cTn>
+                  </p:par>
+                </p:childTnLst>
+              </p:cTn>
+              <p:prevCondLst>
+                <p:cond evt="onPrev" delay="0">
+                  <p:tgtEl>
+                    <p:sldTgt/>
+                  </p:tgtEl>
+                </p:cond>
+              </p:prevCondLst>
+              <p:nextCondLst>
+                <p:cond evt="onNext" delay="0">
+                  <p:tgtEl>
+                    <p:sldTgt/>
+                  </p:tgtEl>
+                </p:cond>
+              </p:nextCondLst>
+            </p:seq>
+          </p:childTnLst>
+        </p:cTn>
+      </p:par>
+    </p:tnLst>
+  </p:timing>
+</p:sld>
+</file>
+
+<file path=ppt/slides/slide6.xml><?xml version="1.0" encoding="utf-8"?>
+<p:sld xmlns:a="http://schemas.openxmlformats.org/drawingml/2006/main" xmlns:r="http://schemas.openxmlformats.org/officeDocument/2006/relationships" xmlns:p="http://schemas.openxmlformats.org/presentationml/2006/main">
+  <p:cSld>
+    <p:spTree>
+      <p:nvGrpSpPr>
+        <p:cNvPr id="1" name=""/>
+        <p:cNvGrpSpPr/>
+        <p:nvPr/>
+      </p:nvGrpSpPr>
+      <p:grpSpPr>
+        <a:xfrm>
+          <a:off x="0" y="0"/>
+          <a:ext cx="0" cy="0"/>
+          <a:chOff x="0" y="0"/>
+          <a:chExt cx="0" cy="0"/>
+        </a:xfrm>
+      </p:grpSpPr>
+      <p:sp>
+        <p:nvSpPr>
+          <p:cNvPr id="2" name="Title 1"/>
+          <p:cNvSpPr>
+            <a:spLocks noGrp="1"/>
+          </p:cNvSpPr>
+          <p:nvPr>
+            <p:ph type="title"/>
+          </p:nvPr>
+        </p:nvSpPr>
+        <p:spPr/>
+        <p:txBody>
+          <a:bodyPr/>
+          <a:lstStyle/>
+          <a:p>
+            <a:r>
+              <a:rPr lang="en-GB" b="1" dirty="0"/>
+              <a:t>Mocking web services</a:t>
+            </a:r>
+            <a:endParaRPr lang="en-GB" dirty="0"/>
+          </a:p>
+        </p:txBody>
+      </p:sp>
+      <p:pic>
+        <p:nvPicPr>
+          <p:cNvPr id="7170" name="Picture 2" descr="C:\Users\NEbbitt\AppData\Local\Temp\msohtmlclip1\02\clip_image001.jpg"/>
+          <p:cNvPicPr>
+            <a:picLocks noChangeAspect="1" noChangeArrowheads="1"/>
+          </p:cNvPicPr>
+          <p:nvPr/>
+        </p:nvPicPr>
+        <p:blipFill>
+          <a:blip r:embed="rId3">
+            <a:extLst>
+              <a:ext uri="{28A0092B-C50C-407E-A947-70E740481C1C}">
+                <a14:useLocalDpi xmlns:a14="http://schemas.microsoft.com/office/drawing/2010/main" val="0"/>
+              </a:ext>
+            </a:extLst>
+          </a:blip>
+          <a:srcRect/>
+          <a:stretch>
+            <a:fillRect/>
+          </a:stretch>
+        </p:blipFill>
+        <p:spPr bwMode="auto">
+          <a:xfrm>
+            <a:off x="7481125" y="3058902"/>
+            <a:ext cx="2520000" cy="1716827"/>
+          </a:xfrm>
+          <a:prstGeom prst="rect">
+            <a:avLst/>
+          </a:prstGeom>
+          <a:noFill/>
+          <a:effectLst>
+            <a:glow rad="139700">
+              <a:schemeClr val="bg1">
+                <a:alpha val="40000"/>
+              </a:schemeClr>
+            </a:glow>
+          </a:effectLst>
+          <a:extLst>
+            <a:ext uri="{909E8E84-426E-40DD-AFC4-6F175D3DCCD1}">
+              <a14:hiddenFill xmlns:a14="http://schemas.microsoft.com/office/drawing/2010/main">
+                <a:solidFill>
+                  <a:srgbClr val="FFFFFF"/>
+                </a:solidFill>
+              </a14:hiddenFill>
+            </a:ext>
+          </a:extLst>
+        </p:spPr>
+      </p:pic>
+      <p:pic>
+        <p:nvPicPr>
+          <p:cNvPr id="7172" name="Picture 4" descr="ㄥ A "/>
+          <p:cNvPicPr>
+            <a:picLocks noChangeAspect="1" noChangeArrowheads="1"/>
+          </p:cNvPicPr>
+          <p:nvPr/>
+        </p:nvPicPr>
+        <p:blipFill>
+          <a:blip r:embed="rId4">
+            <a:extLst>
+              <a:ext uri="{28A0092B-C50C-407E-A947-70E740481C1C}">
+                <a14:useLocalDpi xmlns:a14="http://schemas.microsoft.com/office/drawing/2010/main" val="0"/>
+              </a:ext>
+            </a:extLst>
+          </a:blip>
+          <a:srcRect/>
+          <a:stretch>
+            <a:fillRect/>
+          </a:stretch>
+        </p:blipFill>
+        <p:spPr bwMode="auto">
+          <a:xfrm>
+            <a:off x="1822022" y="3058902"/>
+            <a:ext cx="2520000" cy="1716827"/>
+          </a:xfrm>
+          <a:prstGeom prst="rect">
+            <a:avLst/>
+          </a:prstGeom>
+          <a:noFill/>
+          <a:effectLst>
+            <a:glow rad="139700">
+              <a:schemeClr val="bg1">
+                <a:alpha val="40000"/>
+              </a:schemeClr>
+            </a:glow>
+          </a:effectLst>
+          <a:extLst>
+            <a:ext uri="{909E8E84-426E-40DD-AFC4-6F175D3DCCD1}">
+              <a14:hiddenFill xmlns:a14="http://schemas.microsoft.com/office/drawing/2010/main">
+                <a:solidFill>
+                  <a:srgbClr val="FFFFFF"/>
+                </a:solidFill>
+              </a14:hiddenFill>
+            </a:ext>
+          </a:extLst>
+        </p:spPr>
+      </p:pic>
+    </p:spTree>
+    <p:extLst>
+      <p:ext uri="{BB962C8B-B14F-4D97-AF65-F5344CB8AC3E}">
+        <p14:creationId xmlns:p14="http://schemas.microsoft.com/office/powerpoint/2010/main" val="3902345566"/>
+      </p:ext>
+    </p:extLst>
+  </p:cSld>
+  <p:clrMapOvr>
+    <a:masterClrMapping/>
+  </p:clrMapOvr>
+  <p:timing>
+    <p:tnLst>
+      <p:par>
+        <p:cTn id="1" dur="indefinite" restart="never" nodeType="tmRoot">
+          <p:childTnLst>
+            <p:seq concurrent="1" nextAc="seek">
+              <p:cTn id="2" dur="indefinite" nodeType="mainSeq">
+                <p:childTnLst>
+                  <p:par>
+                    <p:cTn id="3" fill="hold">
+                      <p:stCondLst>
+                        <p:cond delay="indefinite"/>
+                      </p:stCondLst>
+                      <p:childTnLst>
+                        <p:par>
+                          <p:cTn id="4" fill="hold">
+                            <p:stCondLst>
+                              <p:cond delay="0"/>
+                            </p:stCondLst>
+                            <p:childTnLst>
                               <p:par>
-                                <p:cTn id="22" presetID="10" presetClass="entr" presetSubtype="0" fill="hold" nodeType="withEffect">
+                                <p:cTn id="5" presetID="10" presetClass="entr" presetSubtype="0" fill="hold" nodeType="clickEffect">
                                   <p:stCondLst>
                                     <p:cond delay="0"/>
                                   </p:stCondLst>
                                   <p:childTnLst>
                                     <p:set>
                                       <p:cBhvr>
-                                        <p:cTn id="23" dur="1" fill="hold">
+                                        <p:cTn id="6" dur="1" fill="hold">
                                           <p:stCondLst>
                                             <p:cond delay="0"/>
                                           </p:stCondLst>
                                         </p:cTn>
                                         <p:tgtEl>
-                                          <p:spTgt spid="3">
-                                            <p:txEl>
-                                              <p:pRg st="6" end="6"/>
-                                            </p:txEl>
-                                          </p:spTgt>
+                                          <p:spTgt spid="7172"/>
                                         </p:tgtEl>
                                         <p:attrNameLst>
                                           <p:attrName>style.visibility</p:attrName>
@@ -5608,38 +7107,48 @@
                                     </p:set>
                                     <p:animEffect transition="in" filter="fade">
                                       <p:cBhvr>
-                                        <p:cTn id="24" dur="500"/>
+                                        <p:cTn id="7" dur="500"/>
                                         <p:tgtEl>
-                                          <p:spTgt spid="3">
-                                            <p:txEl>
-                                              <p:pRg st="6" end="6"/>
-                                            </p:txEl>
-                                          </p:spTgt>
+                                          <p:spTgt spid="7172"/>
                                         </p:tgtEl>
                                       </p:cBhvr>
                                     </p:animEffect>
                                   </p:childTnLst>
                                 </p:cTn>
                               </p:par>
+                            </p:childTnLst>
+                          </p:cTn>
+                        </p:par>
+                      </p:childTnLst>
+                    </p:cTn>
+                  </p:par>
+                  <p:par>
+                    <p:cTn id="8" fill="hold">
+                      <p:stCondLst>
+                        <p:cond delay="indefinite"/>
+                      </p:stCondLst>
+                      <p:childTnLst>
+                        <p:par>
+                          <p:cTn id="9" fill="hold">
+                            <p:stCondLst>
+                              <p:cond delay="0"/>
+                            </p:stCondLst>
+                            <p:childTnLst>
                               <p:par>
-                                <p:cTn id="25" presetID="10" presetClass="entr" presetSubtype="0" fill="hold" nodeType="withEffect">
+                                <p:cTn id="10" presetID="10" presetClass="entr" presetSubtype="0" fill="hold" nodeType="clickEffect">
                                   <p:stCondLst>
                                     <p:cond delay="0"/>
                                   </p:stCondLst>
                                   <p:childTnLst>
                                     <p:set>
                                       <p:cBhvr>
-                                        <p:cTn id="26" dur="1" fill="hold">
+                                        <p:cTn id="11" dur="1" fill="hold">
                                           <p:stCondLst>
                                             <p:cond delay="0"/>
                                           </p:stCondLst>
                                         </p:cTn>
                                         <p:tgtEl>
-                                          <p:spTgt spid="3">
-                                            <p:txEl>
-                                              <p:pRg st="7" end="7"/>
-                                            </p:txEl>
-                                          </p:spTgt>
+                                          <p:spTgt spid="7170"/>
                                         </p:tgtEl>
                                         <p:attrNameLst>
                                           <p:attrName>style.visibility</p:attrName>
@@ -5651,56 +7160,9 @@
                                     </p:set>
                                     <p:animEffect transition="in" filter="fade">
                                       <p:cBhvr>
-                                        <p:cTn id="27" dur="500"/>
+                                        <p:cTn id="12" dur="500"/>
                                         <p:tgtEl>
-                                          <p:spTgt spid="3">
-                                            <p:txEl>
-                                              <p:pRg st="7" end="7"/>
-                                            </p:txEl>
-                                          </p:spTgt>
-                                        </p:tgtEl>
-                                      </p:cBhvr>
-                                    </p:animEffect>
-                                  </p:childTnLst>
-                                </p:cTn>
-                              </p:par>
-                              <p:par>
-                                <p:cTn id="28" presetID="10" presetClass="entr" presetSubtype="0" fill="hold" nodeType="withEffect">
-                                  <p:stCondLst>
-                                    <p:cond delay="0"/>
-                                  </p:stCondLst>
-                                  <p:childTnLst>
-                                    <p:set>
-                                      <p:cBhvr>
-                                        <p:cTn id="29" dur="1" fill="hold">
-                                          <p:stCondLst>
-                                            <p:cond delay="0"/>
-                                          </p:stCondLst>
-                                        </p:cTn>
-                                        <p:tgtEl>
-                                          <p:spTgt spid="3">
-                                            <p:txEl>
-                                              <p:pRg st="8" end="8"/>
-                                            </p:txEl>
-                                          </p:spTgt>
-                                        </p:tgtEl>
-                                        <p:attrNameLst>
-                                          <p:attrName>style.visibility</p:attrName>
-                                        </p:attrNameLst>
-                                      </p:cBhvr>
-                                      <p:to>
-                                        <p:strVal val="visible"/>
-                                      </p:to>
-                                    </p:set>
-                                    <p:animEffect transition="in" filter="fade">
-                                      <p:cBhvr>
-                                        <p:cTn id="30" dur="500"/>
-                                        <p:tgtEl>
-                                          <p:spTgt spid="3">
-                                            <p:txEl>
-                                              <p:pRg st="8" end="8"/>
-                                            </p:txEl>
-                                          </p:spTgt>
+                                          <p:spTgt spid="7170"/>
                                         </p:tgtEl>
                                       </p:cBhvr>
                                     </p:animEffect>
@@ -5772,11 +7234,7 @@
           <a:p>
             <a:r>
               <a:rPr lang="en-GB" b="1" dirty="0"/>
-              <a:t>Introducing </a:t>
-            </a:r>
-            <a:r>
-              <a:rPr lang="en-GB" b="1" dirty="0" err="1"/>
-              <a:t>WireMock</a:t>
+              <a:t>Introducing WIREMOCK…</a:t>
             </a:r>
             <a:endParaRPr lang="en-GB" dirty="0"/>
           </a:p>
@@ -5794,8 +7252,8 @@
         </p:nvSpPr>
         <p:spPr>
           <a:xfrm>
-            <a:off x="1202919" y="3189246"/>
-            <a:ext cx="9784080" cy="2196791"/>
+            <a:off x="5369770" y="3115201"/>
+            <a:ext cx="5060984" cy="1462568"/>
           </a:xfrm>
         </p:spPr>
         <p:txBody>
@@ -5822,6 +7280,9 @@
           </a:p>
           <a:p>
             <a:pPr marL="0" indent="0" fontAlgn="ctr">
+              <a:lnSpc>
+                <a:spcPct val="100000"/>
+              </a:lnSpc>
               <a:buNone/>
             </a:pPr>
             <a:r>
@@ -5835,7 +7296,7 @@
             </a:pPr>
             <a:r>
               <a:rPr lang="en-GB" dirty="0">
-                <a:hlinkClick r:id="rId2"/>
+                <a:hlinkClick r:id="rId3"/>
               </a:rPr>
               <a:t>http://wiremock.org/</a:t>
             </a:r>
@@ -5855,6 +7316,54 @@
           </a:p>
         </p:txBody>
       </p:sp>
+      <p:pic>
+        <p:nvPicPr>
+          <p:cNvPr id="8" name="Picture 4" descr="http://wiremock.org/images/wiremock-concept-icon-01.png"/>
+          <p:cNvPicPr>
+            <a:picLocks noChangeAspect="1" noChangeArrowheads="1"/>
+          </p:cNvPicPr>
+          <p:nvPr/>
+        </p:nvPicPr>
+        <p:blipFill>
+          <a:blip r:embed="rId4">
+            <a:extLst>
+              <a:ext uri="{28A0092B-C50C-407E-A947-70E740481C1C}">
+                <a14:useLocalDpi xmlns:a14="http://schemas.microsoft.com/office/drawing/2010/main" val="0"/>
+              </a:ext>
+            </a:extLst>
+          </a:blip>
+          <a:srcRect/>
+          <a:stretch>
+            <a:fillRect/>
+          </a:stretch>
+        </p:blipFill>
+        <p:spPr bwMode="auto">
+          <a:xfrm>
+            <a:off x="2635333" y="3322610"/>
+            <a:ext cx="2295525" cy="1047750"/>
+          </a:xfrm>
+          <a:prstGeom prst="rect">
+            <a:avLst/>
+          </a:prstGeom>
+          <a:noFill/>
+          <a:effectLst>
+            <a:glow rad="139700">
+              <a:schemeClr val="bg1">
+                <a:alpha val="40000"/>
+              </a:schemeClr>
+            </a:glow>
+          </a:effectLst>
+          <a:extLst>
+            <a:ext uri="{909E8E84-426E-40DD-AFC4-6F175D3DCCD1}">
+              <a14:hiddenFill xmlns:a14="http://schemas.microsoft.com/office/drawing/2010/main">
+                <a:solidFill>
+                  <a:srgbClr val="FFFFFF"/>
+                </a:solidFill>
+              </a14:hiddenFill>
+            </a:ext>
+          </a:extLst>
+        </p:spPr>
+      </p:pic>
     </p:spTree>
     <p:extLst>
       <p:ext uri="{BB962C8B-B14F-4D97-AF65-F5344CB8AC3E}">
@@ -5877,9 +7386,6 @@
                     <p:cTn id="3" fill="hold">
                       <p:stCondLst>
                         <p:cond delay="indefinite"/>
-                        <p:cond evt="onBegin" delay="0">
-                          <p:tn val="2"/>
-                        </p:cond>
                       </p:stCondLst>
                       <p:childTnLst>
                         <p:par>
@@ -5889,7 +7395,7 @@
                             </p:stCondLst>
                             <p:childTnLst>
                               <p:par>
-                                <p:cTn id="5" presetID="10" presetClass="entr" presetSubtype="0" fill="hold" nodeType="afterEffect">
+                                <p:cTn id="5" presetID="10" presetClass="entr" presetSubtype="0" fill="hold" nodeType="clickEffect">
                                   <p:stCondLst>
                                     <p:cond delay="0"/>
                                   </p:stCondLst>
@@ -5902,11 +7408,7 @@
                                           </p:stCondLst>
                                         </p:cTn>
                                         <p:tgtEl>
-                                          <p:spTgt spid="3">
-                                            <p:txEl>
-                                              <p:pRg st="0" end="0"/>
-                                            </p:txEl>
-                                          </p:spTgt>
+                                          <p:spTgt spid="8"/>
                                         </p:tgtEl>
                                         <p:attrNameLst>
                                           <p:attrName>style.visibility</p:attrName>
@@ -5920,11 +7422,7 @@
                                       <p:cBhvr>
                                         <p:cTn id="7" dur="500"/>
                                         <p:tgtEl>
-                                          <p:spTgt spid="3">
-                                            <p:txEl>
-                                              <p:pRg st="0" end="0"/>
-                                            </p:txEl>
-                                          </p:spTgt>
+                                          <p:spTgt spid="8"/>
                                         </p:tgtEl>
                                       </p:cBhvr>
                                     </p:animEffect>
@@ -5956,7 +7454,7 @@
                                         <p:tgtEl>
                                           <p:spTgt spid="3">
                                             <p:txEl>
-                                              <p:pRg st="1" end="1"/>
+                                              <p:pRg st="0" end="0"/>
                                             </p:txEl>
                                           </p:spTgt>
                                         </p:tgtEl>
@@ -5974,7 +7472,7 @@
                                         <p:tgtEl>
                                           <p:spTgt spid="3">
                                             <p:txEl>
-                                              <p:pRg st="1" end="1"/>
+                                              <p:pRg st="0" end="0"/>
                                             </p:txEl>
                                           </p:spTgt>
                                         </p:tgtEl>
@@ -6008,6 +7506,58 @@
                                         <p:tgtEl>
                                           <p:spTgt spid="3">
                                             <p:txEl>
+                                              <p:pRg st="1" end="1"/>
+                                            </p:txEl>
+                                          </p:spTgt>
+                                        </p:tgtEl>
+                                        <p:attrNameLst>
+                                          <p:attrName>style.visibility</p:attrName>
+                                        </p:attrNameLst>
+                                      </p:cBhvr>
+                                      <p:to>
+                                        <p:strVal val="visible"/>
+                                      </p:to>
+                                    </p:set>
+                                    <p:animEffect transition="in" filter="fade">
+                                      <p:cBhvr>
+                                        <p:cTn id="15" dur="500"/>
+                                        <p:tgtEl>
+                                          <p:spTgt spid="3">
+                                            <p:txEl>
+                                              <p:pRg st="1" end="1"/>
+                                            </p:txEl>
+                                          </p:spTgt>
+                                        </p:tgtEl>
+                                      </p:cBhvr>
+                                    </p:animEffect>
+                                  </p:childTnLst>
+                                </p:cTn>
+                              </p:par>
+                            </p:childTnLst>
+                          </p:cTn>
+                        </p:par>
+                        <p:par>
+                          <p:cTn id="16" fill="hold">
+                            <p:stCondLst>
+                              <p:cond delay="1500"/>
+                            </p:stCondLst>
+                            <p:childTnLst>
+                              <p:par>
+                                <p:cTn id="17" presetID="10" presetClass="entr" presetSubtype="0" fill="hold" nodeType="afterEffect">
+                                  <p:stCondLst>
+                                    <p:cond delay="0"/>
+                                  </p:stCondLst>
+                                  <p:childTnLst>
+                                    <p:set>
+                                      <p:cBhvr>
+                                        <p:cTn id="18" dur="1" fill="hold">
+                                          <p:stCondLst>
+                                            <p:cond delay="0"/>
+                                          </p:stCondLst>
+                                        </p:cTn>
+                                        <p:tgtEl>
+                                          <p:spTgt spid="3">
+                                            <p:txEl>
                                               <p:pRg st="2" end="2"/>
                                             </p:txEl>
                                           </p:spTgt>
@@ -6022,7 +7572,7 @@
                                     </p:set>
                                     <p:animEffect transition="in" filter="fade">
                                       <p:cBhvr>
-                                        <p:cTn id="15" dur="500"/>
+                                        <p:cTn id="19" dur="500"/>
                                         <p:tgtEl>
                                           <p:spTgt spid="3">
                                             <p:txEl>
@@ -6093,111 +7643,20 @@
             <p:ph type="title"/>
           </p:nvPr>
         </p:nvSpPr>
-        <p:spPr/>
+        <p:spPr>
+          <a:xfrm>
+            <a:off x="3694176" y="284176"/>
+            <a:ext cx="7292822" cy="1508760"/>
+          </a:xfrm>
+        </p:spPr>
         <p:txBody>
           <a:bodyPr/>
           <a:lstStyle/>
           <a:p>
             <a:r>
-              <a:rPr lang="en-GB" dirty="0" err="1"/>
-              <a:t>Wiremock</a:t>
-            </a:r>
-            <a:endParaRPr lang="en-GB" dirty="0"/>
-          </a:p>
-        </p:txBody>
-      </p:sp>
-      <p:sp>
-        <p:nvSpPr>
-          <p:cNvPr id="3" name="Content Placeholder 2"/>
-          <p:cNvSpPr>
-            <a:spLocks noGrp="1"/>
-          </p:cNvSpPr>
-          <p:nvPr>
-            <p:ph idx="1"/>
-          </p:nvPr>
-        </p:nvSpPr>
-        <p:spPr>
-          <a:xfrm>
-            <a:off x="1202919" y="2011680"/>
-            <a:ext cx="3815130" cy="4206240"/>
-          </a:xfrm>
-        </p:spPr>
-        <p:txBody>
-          <a:bodyPr>
-            <a:normAutofit/>
-          </a:bodyPr>
-          <a:lstStyle/>
-          <a:p>
-            <a:pPr marL="0" indent="0" fontAlgn="ctr">
-              <a:buNone/>
-            </a:pPr>
-            <a:r>
-              <a:rPr lang="en-GB" sz="2400" dirty="0"/>
-              <a:t>Key Features</a:t>
-            </a:r>
-          </a:p>
-          <a:p>
-            <a:pPr marL="0" indent="0" fontAlgn="ctr">
-              <a:buNone/>
-            </a:pPr>
-            <a:endParaRPr lang="en-GB" sz="2400" dirty="0"/>
-          </a:p>
-          <a:p>
-            <a:pPr lvl="1" fontAlgn="ctr"/>
-            <a:r>
-              <a:rPr lang="en-GB" sz="2400" dirty="0"/>
-              <a:t>Stubbing</a:t>
-            </a:r>
-          </a:p>
-          <a:p>
-            <a:pPr lvl="1" fontAlgn="ctr"/>
-            <a:r>
-              <a:rPr lang="en-GB" sz="2400" dirty="0"/>
-              <a:t>Verifying</a:t>
-            </a:r>
-          </a:p>
-          <a:p>
-            <a:pPr lvl="1" fontAlgn="ctr"/>
-            <a:r>
-              <a:rPr lang="en-GB" sz="2400" dirty="0"/>
-              <a:t>Request Matching</a:t>
-            </a:r>
-          </a:p>
-          <a:p>
-            <a:pPr lvl="1" fontAlgn="ctr"/>
-            <a:r>
-              <a:rPr lang="en-GB" sz="2400" dirty="0"/>
-              <a:t>Proxy </a:t>
-            </a:r>
-          </a:p>
-          <a:p>
-            <a:pPr lvl="1" fontAlgn="ctr"/>
-            <a:r>
-              <a:rPr lang="en-GB" sz="2400" dirty="0"/>
-              <a:t>Record and Playback</a:t>
-            </a:r>
-          </a:p>
-          <a:p>
-            <a:pPr lvl="1" fontAlgn="ctr"/>
-            <a:r>
-              <a:rPr lang="en-GB" sz="2400" dirty="0"/>
-              <a:t>Simulating faults</a:t>
-            </a:r>
-          </a:p>
-          <a:p>
-            <a:pPr lvl="1" fontAlgn="ctr"/>
-            <a:r>
-              <a:rPr lang="en-GB" sz="2400" dirty="0" err="1"/>
-              <a:t>Stateful</a:t>
-            </a:r>
-            <a:r>
-              <a:rPr lang="en-GB" sz="2400" dirty="0"/>
-              <a:t> behaviour</a:t>
-            </a:r>
-          </a:p>
-          <a:p>
-            <a:pPr lvl="1" fontAlgn="ctr"/>
-            <a:endParaRPr lang="en-GB" sz="2400" dirty="0"/>
+              <a:rPr lang="en-GB" b="1" dirty="0"/>
+              <a:t>deployment</a:t>
+            </a:r>
           </a:p>
         </p:txBody>
       </p:sp>
@@ -6445,52 +7904,249 @@
               <a:buFont typeface="Wingdings" pitchFamily="2" charset="2"/>
               <a:buNone/>
             </a:pPr>
-            <a:r>
-              <a:rPr lang="en-GB" sz="2400" dirty="0"/>
-              <a:t>Usage</a:t>
-            </a:r>
-          </a:p>
-          <a:p>
-            <a:pPr marL="0" indent="0" fontAlgn="ctr">
-              <a:buFont typeface="Wingdings" pitchFamily="2" charset="2"/>
-              <a:buNone/>
-            </a:pPr>
             <a:endParaRPr lang="en-GB" sz="2400" dirty="0"/>
           </a:p>
-          <a:p>
-            <a:pPr lvl="1" fontAlgn="ctr"/>
-            <a:r>
-              <a:rPr lang="en-GB" sz="2400" dirty="0"/>
-              <a:t>Standalone </a:t>
-            </a:r>
-          </a:p>
-          <a:p>
-            <a:pPr lvl="1" fontAlgn="ctr"/>
-            <a:r>
-              <a:rPr lang="en-GB" sz="2400" dirty="0"/>
-              <a:t>Servlet container</a:t>
-            </a:r>
-          </a:p>
-          <a:p>
-            <a:pPr lvl="1" fontAlgn="ctr"/>
-            <a:r>
-              <a:rPr lang="en-GB" sz="2400" dirty="0"/>
-              <a:t>Java APIs</a:t>
-            </a:r>
-          </a:p>
-          <a:p>
-            <a:pPr lvl="1" fontAlgn="ctr"/>
-            <a:r>
-              <a:rPr lang="en-GB" sz="2400" dirty="0"/>
-              <a:t>JUnit integration</a:t>
-            </a:r>
-          </a:p>
-        </p:txBody>
-      </p:sp>
+        </p:txBody>
+      </p:sp>
+      <p:pic>
+        <p:nvPicPr>
+          <p:cNvPr id="6" name="Picture 5"/>
+          <p:cNvPicPr>
+            <a:picLocks noChangeAspect="1"/>
+          </p:cNvPicPr>
+          <p:nvPr/>
+        </p:nvPicPr>
+        <p:blipFill>
+          <a:blip r:embed="rId3"/>
+          <a:stretch>
+            <a:fillRect/>
+          </a:stretch>
+        </p:blipFill>
+        <p:spPr>
+          <a:xfrm>
+            <a:off x="3420999" y="2469640"/>
+            <a:ext cx="4581525" cy="390525"/>
+          </a:xfrm>
+          <a:prstGeom prst="rect">
+            <a:avLst/>
+          </a:prstGeom>
+          <a:effectLst>
+            <a:glow rad="139700">
+              <a:schemeClr val="bg1">
+                <a:alpha val="40000"/>
+              </a:schemeClr>
+            </a:glow>
+            <a:softEdge rad="25400"/>
+          </a:effectLst>
+        </p:spPr>
+      </p:pic>
+      <p:pic>
+        <p:nvPicPr>
+          <p:cNvPr id="8194" name="Picture 2" descr="Tomcat Home"/>
+          <p:cNvPicPr>
+            <a:picLocks noChangeAspect="1" noChangeArrowheads="1"/>
+          </p:cNvPicPr>
+          <p:nvPr/>
+        </p:nvPicPr>
+        <p:blipFill>
+          <a:blip r:embed="rId4">
+            <a:extLst>
+              <a:ext uri="{28A0092B-C50C-407E-A947-70E740481C1C}">
+                <a14:useLocalDpi xmlns:a14="http://schemas.microsoft.com/office/drawing/2010/main" val="0"/>
+              </a:ext>
+            </a:extLst>
+          </a:blip>
+          <a:srcRect/>
+          <a:stretch>
+            <a:fillRect/>
+          </a:stretch>
+        </p:blipFill>
+        <p:spPr bwMode="auto">
+          <a:xfrm>
+            <a:off x="3498444" y="3202647"/>
+            <a:ext cx="1228725" cy="876300"/>
+          </a:xfrm>
+          <a:prstGeom prst="rect">
+            <a:avLst/>
+          </a:prstGeom>
+          <a:noFill/>
+          <a:effectLst>
+            <a:glow rad="101600">
+              <a:schemeClr val="accent3">
+                <a:satMod val="175000"/>
+                <a:alpha val="40000"/>
+              </a:schemeClr>
+            </a:glow>
+          </a:effectLst>
+          <a:extLst>
+            <a:ext uri="{909E8E84-426E-40DD-AFC4-6F175D3DCCD1}">
+              <a14:hiddenFill xmlns:a14="http://schemas.microsoft.com/office/drawing/2010/main">
+                <a:solidFill>
+                  <a:srgbClr val="FFFFFF"/>
+                </a:solidFill>
+              </a14:hiddenFill>
+            </a:ext>
+          </a:extLst>
+        </p:spPr>
+      </p:pic>
+      <p:pic>
+        <p:nvPicPr>
+          <p:cNvPr id="8202" name="Picture 10" descr="http://www.eclipse.org/jetty/images/jetty-logo-80x22.png"/>
+          <p:cNvPicPr>
+            <a:picLocks noChangeAspect="1" noChangeArrowheads="1"/>
+          </p:cNvPicPr>
+          <p:nvPr/>
+        </p:nvPicPr>
+        <p:blipFill>
+          <a:blip r:embed="rId5">
+            <a:extLst>
+              <a:ext uri="{28A0092B-C50C-407E-A947-70E740481C1C}">
+                <a14:useLocalDpi xmlns:a14="http://schemas.microsoft.com/office/drawing/2010/main" val="0"/>
+              </a:ext>
+            </a:extLst>
+          </a:blip>
+          <a:srcRect/>
+          <a:stretch>
+            <a:fillRect/>
+          </a:stretch>
+        </p:blipFill>
+        <p:spPr bwMode="auto">
+          <a:xfrm>
+            <a:off x="5208511" y="3259797"/>
+            <a:ext cx="2695575" cy="762000"/>
+          </a:xfrm>
+          <a:prstGeom prst="rect">
+            <a:avLst/>
+          </a:prstGeom>
+          <a:noFill/>
+          <a:effectLst>
+            <a:glow rad="101600">
+              <a:schemeClr val="accent3">
+                <a:satMod val="175000"/>
+                <a:alpha val="40000"/>
+              </a:schemeClr>
+            </a:glow>
+          </a:effectLst>
+          <a:extLst>
+            <a:ext uri="{909E8E84-426E-40DD-AFC4-6F175D3DCCD1}">
+              <a14:hiddenFill xmlns:a14="http://schemas.microsoft.com/office/drawing/2010/main">
+                <a:solidFill>
+                  <a:srgbClr val="FFFFFF"/>
+                </a:solidFill>
+              </a14:hiddenFill>
+            </a:ext>
+          </a:extLst>
+        </p:spPr>
+      </p:pic>
+      <p:pic>
+        <p:nvPicPr>
+          <p:cNvPr id="10" name="Picture 9"/>
+          <p:cNvPicPr>
+            <a:picLocks noChangeAspect="1"/>
+          </p:cNvPicPr>
+          <p:nvPr/>
+        </p:nvPicPr>
+        <p:blipFill>
+          <a:blip r:embed="rId6"/>
+          <a:stretch>
+            <a:fillRect/>
+          </a:stretch>
+        </p:blipFill>
+        <p:spPr>
+          <a:xfrm>
+            <a:off x="2708604" y="5638317"/>
+            <a:ext cx="6006314" cy="568262"/>
+          </a:xfrm>
+          <a:prstGeom prst="rect">
+            <a:avLst/>
+          </a:prstGeom>
+          <a:effectLst>
+            <a:glow rad="139700">
+              <a:schemeClr val="bg1">
+                <a:alpha val="40000"/>
+              </a:schemeClr>
+            </a:glow>
+            <a:softEdge rad="25400"/>
+          </a:effectLst>
+        </p:spPr>
+      </p:pic>
+      <p:pic>
+        <p:nvPicPr>
+          <p:cNvPr id="12" name="Picture 11"/>
+          <p:cNvPicPr>
+            <a:picLocks noChangeAspect="1"/>
+          </p:cNvPicPr>
+          <p:nvPr/>
+        </p:nvPicPr>
+        <p:blipFill>
+          <a:blip r:embed="rId7"/>
+          <a:stretch>
+            <a:fillRect/>
+          </a:stretch>
+        </p:blipFill>
+        <p:spPr>
+          <a:xfrm>
+            <a:off x="2533561" y="4588464"/>
+            <a:ext cx="6364237" cy="581632"/>
+          </a:xfrm>
+          <a:prstGeom prst="rect">
+            <a:avLst/>
+          </a:prstGeom>
+          <a:effectLst>
+            <a:glow rad="139700">
+              <a:schemeClr val="bg1">
+                <a:alpha val="40000"/>
+              </a:schemeClr>
+            </a:glow>
+            <a:softEdge rad="25400"/>
+          </a:effectLst>
+        </p:spPr>
+      </p:pic>
+      <p:pic>
+        <p:nvPicPr>
+          <p:cNvPr id="17" name="Picture 4" descr="http://wiremock.org/images/wiremock-concept-icon-01.png"/>
+          <p:cNvPicPr>
+            <a:picLocks noChangeAspect="1" noChangeArrowheads="1"/>
+          </p:cNvPicPr>
+          <p:nvPr/>
+        </p:nvPicPr>
+        <p:blipFill>
+          <a:blip r:embed="rId8">
+            <a:extLst>
+              <a:ext uri="{28A0092B-C50C-407E-A947-70E740481C1C}">
+                <a14:useLocalDpi xmlns:a14="http://schemas.microsoft.com/office/drawing/2010/main" val="0"/>
+              </a:ext>
+            </a:extLst>
+          </a:blip>
+          <a:srcRect/>
+          <a:stretch>
+            <a:fillRect/>
+          </a:stretch>
+        </p:blipFill>
+        <p:spPr bwMode="auto">
+          <a:xfrm>
+            <a:off x="1202919" y="514681"/>
+            <a:ext cx="2295525" cy="1047750"/>
+          </a:xfrm>
+          <a:prstGeom prst="rect">
+            <a:avLst/>
+          </a:prstGeom>
+          <a:noFill/>
+          <a:extLst>
+            <a:ext uri="{909E8E84-426E-40DD-AFC4-6F175D3DCCD1}">
+              <a14:hiddenFill xmlns:a14="http://schemas.microsoft.com/office/drawing/2010/main">
+                <a:solidFill>
+                  <a:srgbClr val="FFFFFF"/>
+                </a:solidFill>
+              </a14:hiddenFill>
+            </a:ext>
+          </a:extLst>
+        </p:spPr>
+      </p:pic>
     </p:spTree>
     <p:extLst>
       <p:ext uri="{BB962C8B-B14F-4D97-AF65-F5344CB8AC3E}">
-        <p14:creationId xmlns:p14="http://schemas.microsoft.com/office/powerpoint/2010/main" val="4054187197"/>
+        <p14:creationId xmlns:p14="http://schemas.microsoft.com/office/powerpoint/2010/main" val="2262832019"/>
       </p:ext>
     </p:extLst>
   </p:cSld>
@@ -6509,6 +8165,9 @@
                     <p:cTn id="3" fill="hold">
                       <p:stCondLst>
                         <p:cond delay="indefinite"/>
+                        <p:cond evt="onBegin" delay="0">
+                          <p:tn val="2"/>
+                        </p:cond>
                       </p:stCondLst>
                       <p:childTnLst>
                         <p:par>
@@ -6518,9 +8177,9 @@
                             </p:stCondLst>
                             <p:childTnLst>
                               <p:par>
-                                <p:cTn id="5" presetID="10" presetClass="entr" presetSubtype="0" fill="hold" nodeType="clickEffect">
+                                <p:cTn id="5" presetID="10" presetClass="entr" presetSubtype="0" fill="hold" nodeType="afterEffect">
                                   <p:stCondLst>
-                                    <p:cond delay="0"/>
+                                    <p:cond delay="500"/>
                                   </p:stCondLst>
                                   <p:childTnLst>
                                     <p:set>
@@ -6531,11 +8190,7 @@
                                           </p:stCondLst>
                                         </p:cTn>
                                         <p:tgtEl>
-                                          <p:spTgt spid="3">
-                                            <p:txEl>
-                                              <p:pRg st="0" end="0"/>
-                                            </p:txEl>
-                                          </p:spTgt>
+                                          <p:spTgt spid="6"/>
                                         </p:tgtEl>
                                         <p:attrNameLst>
                                           <p:attrName>style.visibility</p:attrName>
@@ -6549,36 +8204,46 @@
                                       <p:cBhvr>
                                         <p:cTn id="7" dur="500"/>
                                         <p:tgtEl>
-                                          <p:spTgt spid="3">
-                                            <p:txEl>
-                                              <p:pRg st="0" end="0"/>
-                                            </p:txEl>
-                                          </p:spTgt>
+                                          <p:spTgt spid="6"/>
                                         </p:tgtEl>
                                       </p:cBhvr>
                                     </p:animEffect>
                                   </p:childTnLst>
                                 </p:cTn>
                               </p:par>
+                            </p:childTnLst>
+                          </p:cTn>
+                        </p:par>
+                      </p:childTnLst>
+                    </p:cTn>
+                  </p:par>
+                  <p:par>
+                    <p:cTn id="8" fill="hold">
+                      <p:stCondLst>
+                        <p:cond delay="indefinite"/>
+                      </p:stCondLst>
+                      <p:childTnLst>
+                        <p:par>
+                          <p:cTn id="9" fill="hold">
+                            <p:stCondLst>
+                              <p:cond delay="0"/>
+                            </p:stCondLst>
+                            <p:childTnLst>
                               <p:par>
-                                <p:cTn id="8" presetID="10" presetClass="entr" presetSubtype="0" fill="hold" nodeType="withEffect">
+                                <p:cTn id="10" presetID="10" presetClass="entr" presetSubtype="0" fill="hold" nodeType="clickEffect">
                                   <p:stCondLst>
                                     <p:cond delay="0"/>
                                   </p:stCondLst>
                                   <p:childTnLst>
                                     <p:set>
                                       <p:cBhvr>
-                                        <p:cTn id="9" dur="1" fill="hold">
+                                        <p:cTn id="11" dur="1" fill="hold">
                                           <p:stCondLst>
                                             <p:cond delay="0"/>
                                           </p:stCondLst>
                                         </p:cTn>
                                         <p:tgtEl>
-                                          <p:spTgt spid="3">
-                                            <p:txEl>
-                                              <p:pRg st="2" end="2"/>
-                                            </p:txEl>
-                                          </p:spTgt>
+                                          <p:spTgt spid="8194"/>
                                         </p:tgtEl>
                                         <p:attrNameLst>
                                           <p:attrName>style.visibility</p:attrName>
@@ -6590,13 +8255,9 @@
                                     </p:set>
                                     <p:animEffect transition="in" filter="fade">
                                       <p:cBhvr>
-                                        <p:cTn id="10" dur="500"/>
+                                        <p:cTn id="12" dur="500"/>
                                         <p:tgtEl>
-                                          <p:spTgt spid="3">
-                                            <p:txEl>
-                                              <p:pRg st="2" end="2"/>
-                                            </p:txEl>
-                                          </p:spTgt>
+                                          <p:spTgt spid="8194"/>
                                         </p:tgtEl>
                                       </p:cBhvr>
                                     </p:animEffect>
@@ -6604,24 +8265,20 @@
                                 </p:cTn>
                               </p:par>
                               <p:par>
-                                <p:cTn id="11" presetID="10" presetClass="entr" presetSubtype="0" fill="hold" nodeType="withEffect">
+                                <p:cTn id="13" presetID="10" presetClass="entr" presetSubtype="0" fill="hold" nodeType="withEffect">
                                   <p:stCondLst>
                                     <p:cond delay="0"/>
                                   </p:stCondLst>
                                   <p:childTnLst>
                                     <p:set>
                                       <p:cBhvr>
-                                        <p:cTn id="12" dur="1" fill="hold">
+                                        <p:cTn id="14" dur="1" fill="hold">
                                           <p:stCondLst>
                                             <p:cond delay="0"/>
                                           </p:stCondLst>
                                         </p:cTn>
                                         <p:tgtEl>
-                                          <p:spTgt spid="3">
-                                            <p:txEl>
-                                              <p:pRg st="3" end="3"/>
-                                            </p:txEl>
-                                          </p:spTgt>
+                                          <p:spTgt spid="8202"/>
                                         </p:tgtEl>
                                         <p:attrNameLst>
                                           <p:attrName>style.visibility</p:attrName>
@@ -6633,38 +8290,48 @@
                                     </p:set>
                                     <p:animEffect transition="in" filter="fade">
                                       <p:cBhvr>
-                                        <p:cTn id="13" dur="500"/>
+                                        <p:cTn id="15" dur="500"/>
                                         <p:tgtEl>
-                                          <p:spTgt spid="3">
-                                            <p:txEl>
-                                              <p:pRg st="3" end="3"/>
-                                            </p:txEl>
-                                          </p:spTgt>
+                                          <p:spTgt spid="8202"/>
                                         </p:tgtEl>
                                       </p:cBhvr>
                                     </p:animEffect>
                                   </p:childTnLst>
                                 </p:cTn>
                               </p:par>
+                            </p:childTnLst>
+                          </p:cTn>
+                        </p:par>
+                      </p:childTnLst>
+                    </p:cTn>
+                  </p:par>
+                  <p:par>
+                    <p:cTn id="16" fill="hold">
+                      <p:stCondLst>
+                        <p:cond delay="indefinite"/>
+                      </p:stCondLst>
+                      <p:childTnLst>
+                        <p:par>
+                          <p:cTn id="17" fill="hold">
+                            <p:stCondLst>
+                              <p:cond delay="0"/>
+                            </p:stCondLst>
+                            <p:childTnLst>
                               <p:par>
-                                <p:cTn id="14" presetID="10" presetClass="entr" presetSubtype="0" fill="hold" nodeType="withEffect">
+                                <p:cTn id="18" presetID="10" presetClass="entr" presetSubtype="0" fill="hold" nodeType="clickEffect">
                                   <p:stCondLst>
                                     <p:cond delay="0"/>
                                   </p:stCondLst>
                                   <p:childTnLst>
                                     <p:set>
                                       <p:cBhvr>
-                                        <p:cTn id="15" dur="1" fill="hold">
+                                        <p:cTn id="19" dur="1" fill="hold">
                                           <p:stCondLst>
                                             <p:cond delay="0"/>
                                           </p:stCondLst>
                                         </p:cTn>
                                         <p:tgtEl>
-                                          <p:spTgt spid="3">
-                                            <p:txEl>
-                                              <p:pRg st="4" end="4"/>
-                                            </p:txEl>
-                                          </p:spTgt>
+                                          <p:spTgt spid="12"/>
                                         </p:tgtEl>
                                         <p:attrNameLst>
                                           <p:attrName>style.visibility</p:attrName>
@@ -6676,107 +8343,35 @@
                                     </p:set>
                                     <p:animEffect transition="in" filter="fade">
                                       <p:cBhvr>
-                                        <p:cTn id="16" dur="500"/>
+                                        <p:cTn id="20" dur="500"/>
                                         <p:tgtEl>
-                                          <p:spTgt spid="3">
-                                            <p:txEl>
-                                              <p:pRg st="4" end="4"/>
-                                            </p:txEl>
-                                          </p:spTgt>
+                                          <p:spTgt spid="12"/>
                                         </p:tgtEl>
                                       </p:cBhvr>
                                     </p:animEffect>
                                   </p:childTnLst>
                                 </p:cTn>
                               </p:par>
+                            </p:childTnLst>
+                          </p:cTn>
+                        </p:par>
+                      </p:childTnLst>
+                    </p:cTn>
+                  </p:par>
+                  <p:par>
+                    <p:cTn id="21" fill="hold">
+                      <p:stCondLst>
+                        <p:cond delay="indefinite"/>
+                      </p:stCondLst>
+                      <p:childTnLst>
+                        <p:par>
+                          <p:cTn id="22" fill="hold">
+                            <p:stCondLst>
+                              <p:cond delay="0"/>
+                            </p:stCondLst>
+                            <p:childTnLst>
                               <p:par>
-                                <p:cTn id="17" presetID="10" presetClass="entr" presetSubtype="0" fill="hold" nodeType="withEffect">
-                                  <p:stCondLst>
-                                    <p:cond delay="0"/>
-                                  </p:stCondLst>
-                                  <p:childTnLst>
-                                    <p:set>
-                                      <p:cBhvr>
-                                        <p:cTn id="18" dur="1" fill="hold">
-                                          <p:stCondLst>
-                                            <p:cond delay="0"/>
-                                          </p:stCondLst>
-                                        </p:cTn>
-                                        <p:tgtEl>
-                                          <p:spTgt spid="3">
-                                            <p:txEl>
-                                              <p:pRg st="5" end="5"/>
-                                            </p:txEl>
-                                          </p:spTgt>
-                                        </p:tgtEl>
-                                        <p:attrNameLst>
-                                          <p:attrName>style.visibility</p:attrName>
-                                        </p:attrNameLst>
-                                      </p:cBhvr>
-                                      <p:to>
-                                        <p:strVal val="visible"/>
-                                      </p:to>
-                                    </p:set>
-                                    <p:animEffect transition="in" filter="fade">
-                                      <p:cBhvr>
-                                        <p:cTn id="19" dur="500"/>
-                                        <p:tgtEl>
-                                          <p:spTgt spid="3">
-                                            <p:txEl>
-                                              <p:pRg st="5" end="5"/>
-                                            </p:txEl>
-                                          </p:spTgt>
-                                        </p:tgtEl>
-                                      </p:cBhvr>
-                                    </p:animEffect>
-                                  </p:childTnLst>
-                                </p:cTn>
-                              </p:par>
-                              <p:par>
-                                <p:cTn id="20" presetID="10" presetClass="entr" presetSubtype="0" fill="hold" nodeType="withEffect">
-                                  <p:stCondLst>
-                                    <p:cond delay="0"/>
-                                  </p:stCondLst>
-                                  <p:childTnLst>
-                                    <p:set>
-                                      <p:cBhvr>
-                                        <p:cTn id="21" dur="1" fill="hold">
-                                          <p:stCondLst>
-                                            <p:cond delay="0"/>
-                                          </p:stCondLst>
-                                        </p:cTn>
-                                        <p:tgtEl>
-                                          <p:spTgt spid="3">
-                                            <p:txEl>
-                                              <p:pRg st="6" end="6"/>
-                                            </p:txEl>
-                                          </p:spTgt>
-                                        </p:tgtEl>
-                                        <p:attrNameLst>
-                                          <p:attrName>style.visibility</p:attrName>
-                                        </p:attrNameLst>
-                                      </p:cBhvr>
-                                      <p:to>
-                                        <p:strVal val="visible"/>
-                                      </p:to>
-                                    </p:set>
-                                    <p:animEffect transition="in" filter="fade">
-                                      <p:cBhvr>
-                                        <p:cTn id="22" dur="500"/>
-                                        <p:tgtEl>
-                                          <p:spTgt spid="3">
-                                            <p:txEl>
-                                              <p:pRg st="6" end="6"/>
-                                            </p:txEl>
-                                          </p:spTgt>
-                                        </p:tgtEl>
-                                      </p:cBhvr>
-                                    </p:animEffect>
-                                  </p:childTnLst>
-                                </p:cTn>
-                              </p:par>
-                              <p:par>
-                                <p:cTn id="23" presetID="10" presetClass="entr" presetSubtype="0" fill="hold" nodeType="withEffect">
+                                <p:cTn id="23" presetID="10" presetClass="entr" presetSubtype="0" fill="hold" nodeType="clickEffect">
                                   <p:stCondLst>
                                     <p:cond delay="0"/>
                                   </p:stCondLst>
@@ -6789,11 +8384,7 @@
                                           </p:stCondLst>
                                         </p:cTn>
                                         <p:tgtEl>
-                                          <p:spTgt spid="3">
-                                            <p:txEl>
-                                              <p:pRg st="7" end="7"/>
-                                            </p:txEl>
-                                          </p:spTgt>
+                                          <p:spTgt spid="10"/>
                                         </p:tgtEl>
                                         <p:attrNameLst>
                                           <p:attrName>style.visibility</p:attrName>
@@ -6807,287 +8398,7 @@
                                       <p:cBhvr>
                                         <p:cTn id="25" dur="500"/>
                                         <p:tgtEl>
-                                          <p:spTgt spid="3">
-                                            <p:txEl>
-                                              <p:pRg st="7" end="7"/>
-                                            </p:txEl>
-                                          </p:spTgt>
-                                        </p:tgtEl>
-                                      </p:cBhvr>
-                                    </p:animEffect>
-                                  </p:childTnLst>
-                                </p:cTn>
-                              </p:par>
-                              <p:par>
-                                <p:cTn id="26" presetID="10" presetClass="entr" presetSubtype="0" fill="hold" nodeType="withEffect">
-                                  <p:stCondLst>
-                                    <p:cond delay="0"/>
-                                  </p:stCondLst>
-                                  <p:childTnLst>
-                                    <p:set>
-                                      <p:cBhvr>
-                                        <p:cTn id="27" dur="1" fill="hold">
-                                          <p:stCondLst>
-                                            <p:cond delay="0"/>
-                                          </p:stCondLst>
-                                        </p:cTn>
-                                        <p:tgtEl>
-                                          <p:spTgt spid="3">
-                                            <p:txEl>
-                                              <p:pRg st="8" end="8"/>
-                                            </p:txEl>
-                                          </p:spTgt>
-                                        </p:tgtEl>
-                                        <p:attrNameLst>
-                                          <p:attrName>style.visibility</p:attrName>
-                                        </p:attrNameLst>
-                                      </p:cBhvr>
-                                      <p:to>
-                                        <p:strVal val="visible"/>
-                                      </p:to>
-                                    </p:set>
-                                    <p:animEffect transition="in" filter="fade">
-                                      <p:cBhvr>
-                                        <p:cTn id="28" dur="500"/>
-                                        <p:tgtEl>
-                                          <p:spTgt spid="3">
-                                            <p:txEl>
-                                              <p:pRg st="8" end="8"/>
-                                            </p:txEl>
-                                          </p:spTgt>
-                                        </p:tgtEl>
-                                      </p:cBhvr>
-                                    </p:animEffect>
-                                  </p:childTnLst>
-                                </p:cTn>
-                              </p:par>
-                            </p:childTnLst>
-                          </p:cTn>
-                        </p:par>
-                      </p:childTnLst>
-                    </p:cTn>
-                  </p:par>
-                  <p:par>
-                    <p:cTn id="29" fill="hold">
-                      <p:stCondLst>
-                        <p:cond delay="indefinite"/>
-                      </p:stCondLst>
-                      <p:childTnLst>
-                        <p:par>
-                          <p:cTn id="30" fill="hold">
-                            <p:stCondLst>
-                              <p:cond delay="0"/>
-                            </p:stCondLst>
-                            <p:childTnLst>
-                              <p:par>
-                                <p:cTn id="31" presetID="10" presetClass="entr" presetSubtype="0" fill="hold" nodeType="clickEffect">
-                                  <p:stCondLst>
-                                    <p:cond delay="0"/>
-                                  </p:stCondLst>
-                                  <p:childTnLst>
-                                    <p:set>
-                                      <p:cBhvr>
-                                        <p:cTn id="32" dur="1" fill="hold">
-                                          <p:stCondLst>
-                                            <p:cond delay="0"/>
-                                          </p:stCondLst>
-                                        </p:cTn>
-                                        <p:tgtEl>
-                                          <p:spTgt spid="4">
-                                            <p:txEl>
-                                              <p:pRg st="0" end="0"/>
-                                            </p:txEl>
-                                          </p:spTgt>
-                                        </p:tgtEl>
-                                        <p:attrNameLst>
-                                          <p:attrName>style.visibility</p:attrName>
-                                        </p:attrNameLst>
-                                      </p:cBhvr>
-                                      <p:to>
-                                        <p:strVal val="visible"/>
-                                      </p:to>
-                                    </p:set>
-                                    <p:animEffect transition="in" filter="fade">
-                                      <p:cBhvr>
-                                        <p:cTn id="33" dur="500"/>
-                                        <p:tgtEl>
-                                          <p:spTgt spid="4">
-                                            <p:txEl>
-                                              <p:pRg st="0" end="0"/>
-                                            </p:txEl>
-                                          </p:spTgt>
-                                        </p:tgtEl>
-                                      </p:cBhvr>
-                                    </p:animEffect>
-                                  </p:childTnLst>
-                                </p:cTn>
-                              </p:par>
-                              <p:par>
-                                <p:cTn id="34" presetID="10" presetClass="entr" presetSubtype="0" fill="hold" nodeType="withEffect">
-                                  <p:stCondLst>
-                                    <p:cond delay="0"/>
-                                  </p:stCondLst>
-                                  <p:childTnLst>
-                                    <p:set>
-                                      <p:cBhvr>
-                                        <p:cTn id="35" dur="1" fill="hold">
-                                          <p:stCondLst>
-                                            <p:cond delay="0"/>
-                                          </p:stCondLst>
-                                        </p:cTn>
-                                        <p:tgtEl>
-                                          <p:spTgt spid="4">
-                                            <p:txEl>
-                                              <p:pRg st="2" end="2"/>
-                                            </p:txEl>
-                                          </p:spTgt>
-                                        </p:tgtEl>
-                                        <p:attrNameLst>
-                                          <p:attrName>style.visibility</p:attrName>
-                                        </p:attrNameLst>
-                                      </p:cBhvr>
-                                      <p:to>
-                                        <p:strVal val="visible"/>
-                                      </p:to>
-                                    </p:set>
-                                    <p:animEffect transition="in" filter="fade">
-                                      <p:cBhvr>
-                                        <p:cTn id="36" dur="500"/>
-                                        <p:tgtEl>
-                                          <p:spTgt spid="4">
-                                            <p:txEl>
-                                              <p:pRg st="2" end="2"/>
-                                            </p:txEl>
-                                          </p:spTgt>
-                                        </p:tgtEl>
-                                      </p:cBhvr>
-                                    </p:animEffect>
-                                  </p:childTnLst>
-                                </p:cTn>
-                              </p:par>
-                              <p:par>
-                                <p:cTn id="37" presetID="10" presetClass="entr" presetSubtype="0" fill="hold" nodeType="withEffect">
-                                  <p:stCondLst>
-                                    <p:cond delay="0"/>
-                                  </p:stCondLst>
-                                  <p:childTnLst>
-                                    <p:set>
-                                      <p:cBhvr>
-                                        <p:cTn id="38" dur="1" fill="hold">
-                                          <p:stCondLst>
-                                            <p:cond delay="0"/>
-                                          </p:stCondLst>
-                                        </p:cTn>
-                                        <p:tgtEl>
-                                          <p:spTgt spid="4">
-                                            <p:txEl>
-                                              <p:pRg st="3" end="3"/>
-                                            </p:txEl>
-                                          </p:spTgt>
-                                        </p:tgtEl>
-                                        <p:attrNameLst>
-                                          <p:attrName>style.visibility</p:attrName>
-                                        </p:attrNameLst>
-                                      </p:cBhvr>
-                                      <p:to>
-                                        <p:strVal val="visible"/>
-                                      </p:to>
-                                    </p:set>
-                                    <p:animEffect transition="in" filter="fade">
-                                      <p:cBhvr>
-                                        <p:cTn id="39" dur="500"/>
-                                        <p:tgtEl>
-                                          <p:spTgt spid="4">
-                                            <p:txEl>
-                                              <p:pRg st="3" end="3"/>
-                                            </p:txEl>
-                                          </p:spTgt>
-                                        </p:tgtEl>
-                                      </p:cBhvr>
-                                    </p:animEffect>
-                                  </p:childTnLst>
-                                </p:cTn>
-                              </p:par>
-                              <p:par>
-                                <p:cTn id="40" presetID="10" presetClass="entr" presetSubtype="0" fill="hold" nodeType="withEffect">
-                                  <p:stCondLst>
-                                    <p:cond delay="0"/>
-                                  </p:stCondLst>
-                                  <p:childTnLst>
-                                    <p:set>
-                                      <p:cBhvr>
-                                        <p:cTn id="41" dur="1" fill="hold">
-                                          <p:stCondLst>
-                                            <p:cond delay="0"/>
-                                          </p:stCondLst>
-                                        </p:cTn>
-                                        <p:tgtEl>
-                                          <p:spTgt spid="4">
-                                            <p:txEl>
-                                              <p:pRg st="4" end="4"/>
-                                            </p:txEl>
-                                          </p:spTgt>
-                                        </p:tgtEl>
-                                        <p:attrNameLst>
-                                          <p:attrName>style.visibility</p:attrName>
-                                        </p:attrNameLst>
-                                      </p:cBhvr>
-                                      <p:to>
-                                        <p:strVal val="visible"/>
-                                      </p:to>
-                                    </p:set>
-                                    <p:animEffect transition="in" filter="fade">
-                                      <p:cBhvr>
-                                        <p:cTn id="42" dur="500"/>
-                                        <p:tgtEl>
-                                          <p:spTgt spid="4">
-                                            <p:txEl>
-                                              <p:pRg st="4" end="4"/>
-                                            </p:txEl>
-                                          </p:spTgt>
-                                        </p:tgtEl>
-                                      </p:cBhvr>
-                                    </p:animEffect>
-                                  </p:childTnLst>
-                                </p:cTn>
-                              </p:par>
-                              <p:par>
-                                <p:cTn id="43" presetID="10" presetClass="entr" presetSubtype="0" fill="hold" nodeType="withEffect">
-                                  <p:stCondLst>
-                                    <p:cond delay="0"/>
-                                  </p:stCondLst>
-                                  <p:childTnLst>
-                                    <p:set>
-                                      <p:cBhvr>
-                                        <p:cTn id="44" dur="1" fill="hold">
-                                          <p:stCondLst>
-                                            <p:cond delay="0"/>
-                                          </p:stCondLst>
-                                        </p:cTn>
-                                        <p:tgtEl>
-                                          <p:spTgt spid="4">
-                                            <p:txEl>
-                                              <p:pRg st="5" end="5"/>
-                                            </p:txEl>
-                                          </p:spTgt>
-                                        </p:tgtEl>
-                                        <p:attrNameLst>
-                                          <p:attrName>style.visibility</p:attrName>
-                                        </p:attrNameLst>
-                                      </p:cBhvr>
-                                      <p:to>
-                                        <p:strVal val="visible"/>
-                                      </p:to>
-                                    </p:set>
-                                    <p:animEffect transition="in" filter="fade">
-                                      <p:cBhvr>
-                                        <p:cTn id="45" dur="500"/>
-                                        <p:tgtEl>
-                                          <p:spTgt spid="4">
-                                            <p:txEl>
-                                              <p:pRg st="5" end="5"/>
-                                            </p:txEl>
-                                          </p:spTgt>
+                                          <p:spTgt spid="10"/>
                                         </p:tgtEl>
                                       </p:cBhvr>
                                     </p:animEffect>
@@ -7152,21 +8463,26 @@
             <p:ph type="title"/>
           </p:nvPr>
         </p:nvSpPr>
-        <p:spPr/>
+        <p:spPr>
+          <a:xfrm>
+            <a:off x="3657599" y="284176"/>
+            <a:ext cx="7329399" cy="1508760"/>
+          </a:xfrm>
+        </p:spPr>
         <p:txBody>
           <a:bodyPr/>
           <a:lstStyle/>
           <a:p>
             <a:r>
-              <a:rPr lang="en-GB" dirty="0"/>
-              <a:t>Demo</a:t>
-            </a:r>
-          </a:p>
-        </p:txBody>
-      </p:sp>
-      <p:sp>
-        <p:nvSpPr>
-          <p:cNvPr id="3" name="Content Placeholder 2"/>
+              <a:rPr lang="en-GB" b="1" dirty="0"/>
+              <a:t>KEY features</a:t>
+            </a:r>
+          </a:p>
+        </p:txBody>
+      </p:sp>
+      <p:sp>
+        <p:nvSpPr>
+          <p:cNvPr id="4" name="Content Placeholder 2"/>
           <p:cNvSpPr>
             <a:spLocks noGrp="1"/>
           </p:cNvSpPr>
@@ -7176,415 +8492,164 @@
         </p:nvSpPr>
         <p:spPr>
           <a:xfrm>
-            <a:off x="6094959" y="2241394"/>
-            <a:ext cx="5033958" cy="4137104"/>
+            <a:off x="1202919" y="2813538"/>
+            <a:ext cx="9784080" cy="2883877"/>
           </a:xfrm>
         </p:spPr>
         <p:txBody>
-          <a:bodyPr>
-            <a:normAutofit/>
+          <a:bodyPr numCol="2">
+            <a:noAutofit/>
           </a:bodyPr>
           <a:lstStyle/>
           <a:p>
-            <a:pPr marL="0" indent="0">
+            <a:pPr marL="228600" lvl="1" indent="0" fontAlgn="ctr">
+              <a:lnSpc>
+                <a:spcPct val="150000"/>
+              </a:lnSpc>
               <a:buNone/>
             </a:pPr>
             <a:r>
-              <a:rPr lang="en-GB" sz="2400" dirty="0"/>
-              <a:t>Spring Boot - </a:t>
-            </a:r>
-            <a:r>
-              <a:rPr lang="en-GB" sz="2400" dirty="0">
-                <a:hlinkClick r:id="rId2"/>
-              </a:rPr>
-              <a:t>http://start.spring.io/</a:t>
-            </a:r>
-            <a:endParaRPr lang="en-GB" sz="2400" dirty="0"/>
-          </a:p>
-          <a:p>
-            <a:pPr marL="0" indent="0">
+              <a:rPr lang="en-GB" sz="3600" dirty="0"/>
+              <a:t>Stubbing</a:t>
+            </a:r>
+          </a:p>
+          <a:p>
+            <a:pPr marL="228600" lvl="1" indent="0" fontAlgn="ctr">
+              <a:lnSpc>
+                <a:spcPct val="150000"/>
+              </a:lnSpc>
               <a:buNone/>
             </a:pPr>
-            <a:endParaRPr lang="en-GB" sz="2400" dirty="0"/>
-          </a:p>
-          <a:p>
-            <a:pPr marL="0" indent="0">
+            <a:r>
+              <a:rPr lang="en-GB" sz="3600" dirty="0"/>
+              <a:t>Verifying</a:t>
+            </a:r>
+          </a:p>
+          <a:p>
+            <a:pPr marL="228600" lvl="1" indent="0" fontAlgn="ctr">
+              <a:lnSpc>
+                <a:spcPct val="150000"/>
+              </a:lnSpc>
               <a:buNone/>
             </a:pPr>
             <a:r>
-              <a:rPr lang="en-GB" sz="2400" dirty="0"/>
-              <a:t>Web starter</a:t>
-            </a:r>
-          </a:p>
-          <a:p>
-            <a:pPr lvl="1"/>
-            <a:r>
-              <a:rPr lang="en-GB" sz="2400" dirty="0"/>
-              <a:t>Spring MVC</a:t>
-            </a:r>
-          </a:p>
-          <a:p>
-            <a:pPr lvl="1"/>
-            <a:r>
-              <a:rPr lang="en-GB" sz="2400" dirty="0"/>
-              <a:t>Embedded application server</a:t>
-            </a:r>
-          </a:p>
-          <a:p>
-            <a:pPr lvl="2"/>
-            <a:endParaRPr lang="en-GB" sz="2400" dirty="0"/>
-          </a:p>
-          <a:p>
-            <a:pPr marL="0" indent="0">
+              <a:rPr lang="en-GB" sz="3600" dirty="0"/>
+              <a:t>Proxy </a:t>
+            </a:r>
+          </a:p>
+          <a:p>
+            <a:pPr marL="228600" lvl="1" indent="0" fontAlgn="ctr">
+              <a:lnSpc>
+                <a:spcPct val="150000"/>
+              </a:lnSpc>
               <a:buNone/>
             </a:pPr>
-            <a:r>
-              <a:rPr lang="en-GB" sz="2400" dirty="0"/>
-              <a:t>@</a:t>
-            </a:r>
-            <a:r>
-              <a:rPr lang="en-GB" sz="2400" dirty="0" err="1"/>
-              <a:t>SpringBootTest</a:t>
-            </a:r>
-            <a:endParaRPr lang="en-GB" sz="2400" dirty="0"/>
-          </a:p>
-          <a:p>
-            <a:pPr lvl="1"/>
-            <a:r>
-              <a:rPr lang="en-GB" sz="2400" dirty="0" err="1"/>
-              <a:t>WebEnvironment</a:t>
-            </a:r>
-            <a:endParaRPr lang="en-GB" sz="2400" dirty="0"/>
-          </a:p>
-          <a:p>
-            <a:pPr lvl="1"/>
-            <a:r>
-              <a:rPr lang="en-GB" sz="2400" dirty="0" err="1"/>
-              <a:t>TestRestTemplate</a:t>
-            </a:r>
-            <a:endParaRPr lang="en-GB" sz="2400" dirty="0"/>
-          </a:p>
-          <a:p>
-            <a:pPr marL="0" indent="0">
+            <a:endParaRPr lang="en-GB" sz="3600" dirty="0"/>
+          </a:p>
+          <a:p>
+            <a:pPr marL="228600" lvl="1" indent="0" fontAlgn="ctr">
+              <a:lnSpc>
+                <a:spcPct val="150000"/>
+              </a:lnSpc>
               <a:buNone/>
             </a:pPr>
-            <a:endParaRPr lang="en-GB" sz="2400" dirty="0"/>
-          </a:p>
-          <a:p>
-            <a:endParaRPr lang="en-GB" sz="2400" dirty="0"/>
-          </a:p>
-          <a:p>
-            <a:pPr marL="0" indent="0">
+            <a:endParaRPr lang="en-GB" sz="3600" dirty="0"/>
+          </a:p>
+          <a:p>
+            <a:pPr marL="228600" lvl="1" indent="0" fontAlgn="ctr">
+              <a:lnSpc>
+                <a:spcPct val="150000"/>
+              </a:lnSpc>
               <a:buNone/>
             </a:pPr>
-            <a:endParaRPr lang="en-GB" sz="2400" dirty="0"/>
-          </a:p>
-        </p:txBody>
-      </p:sp>
-      <p:sp>
-        <p:nvSpPr>
-          <p:cNvPr id="8" name="Content Placeholder 2"/>
-          <p:cNvSpPr txBox="1">
-            <a:spLocks/>
-          </p:cNvSpPr>
+            <a:r>
+              <a:rPr lang="en-GB" sz="3600" dirty="0"/>
+              <a:t>Record and Playback</a:t>
+            </a:r>
+          </a:p>
+          <a:p>
+            <a:pPr marL="228600" lvl="1" indent="0" fontAlgn="ctr">
+              <a:lnSpc>
+                <a:spcPct val="150000"/>
+              </a:lnSpc>
+              <a:buNone/>
+            </a:pPr>
+            <a:r>
+              <a:rPr lang="en-GB" sz="3600" dirty="0"/>
+              <a:t>Simulating faults</a:t>
+            </a:r>
+          </a:p>
+          <a:p>
+            <a:pPr marL="228600" lvl="1" indent="0" fontAlgn="ctr">
+              <a:lnSpc>
+                <a:spcPct val="150000"/>
+              </a:lnSpc>
+              <a:buNone/>
+            </a:pPr>
+            <a:r>
+              <a:rPr lang="en-GB" sz="3600" dirty="0" err="1"/>
+              <a:t>Stateful</a:t>
+            </a:r>
+            <a:r>
+              <a:rPr lang="en-GB" sz="3600" dirty="0"/>
+              <a:t> behaviour</a:t>
+            </a:r>
+          </a:p>
+          <a:p>
+            <a:pPr lvl="1" fontAlgn="ctr">
+              <a:lnSpc>
+                <a:spcPct val="150000"/>
+              </a:lnSpc>
+            </a:pPr>
+            <a:endParaRPr lang="en-GB" sz="3600" dirty="0"/>
+          </a:p>
+        </p:txBody>
+      </p:sp>
+      <p:pic>
+        <p:nvPicPr>
+          <p:cNvPr id="9" name="Picture 4" descr="http://wiremock.org/images/wiremock-concept-icon-01.png"/>
+          <p:cNvPicPr>
+            <a:picLocks noChangeAspect="1" noChangeArrowheads="1"/>
+          </p:cNvPicPr>
           <p:nvPr/>
-        </p:nvSpPr>
-        <p:spPr>
+        </p:nvPicPr>
+        <p:blipFill>
+          <a:blip r:embed="rId3">
+            <a:extLst>
+              <a:ext uri="{28A0092B-C50C-407E-A947-70E740481C1C}">
+                <a14:useLocalDpi xmlns:a14="http://schemas.microsoft.com/office/drawing/2010/main" val="0"/>
+              </a:ext>
+            </a:extLst>
+          </a:blip>
+          <a:srcRect/>
+          <a:stretch>
+            <a:fillRect/>
+          </a:stretch>
+        </p:blipFill>
+        <p:spPr bwMode="auto">
           <a:xfrm>
-            <a:off x="1202919" y="2241395"/>
-            <a:ext cx="4093910" cy="2609385"/>
+            <a:off x="1202919" y="514681"/>
+            <a:ext cx="2295525" cy="1047750"/>
           </a:xfrm>
           <a:prstGeom prst="rect">
             <a:avLst/>
           </a:prstGeom>
+          <a:noFill/>
+          <a:extLst>
+            <a:ext uri="{909E8E84-426E-40DD-AFC4-6F175D3DCCD1}">
+              <a14:hiddenFill xmlns:a14="http://schemas.microsoft.com/office/drawing/2010/main">
+                <a:solidFill>
+                  <a:srgbClr val="FFFFFF"/>
+                </a:solidFill>
+              </a14:hiddenFill>
+            </a:ext>
+          </a:extLst>
         </p:spPr>
-        <p:txBody>
-          <a:bodyPr vert="horz" lIns="91440" tIns="45720" rIns="91440" bIns="45720" rtlCol="0">
-            <a:noAutofit/>
-          </a:bodyPr>
-          <a:lstStyle>
-            <a:lvl1pPr marL="182880" indent="-182880" algn="l" defTabSz="914400" rtl="0" eaLnBrk="1" latinLnBrk="0" hangingPunct="1">
-              <a:lnSpc>
-                <a:spcPct val="90000"/>
-              </a:lnSpc>
-              <a:spcBef>
-                <a:spcPts val="1200"/>
-              </a:spcBef>
-              <a:spcAft>
-                <a:spcPts val="200"/>
-              </a:spcAft>
-              <a:buClr>
-                <a:schemeClr val="tx1"/>
-              </a:buClr>
-              <a:buFont typeface="Wingdings" pitchFamily="2" charset="2"/>
-              <a:buChar char=""/>
-              <a:defRPr sz="2200" kern="1200">
-                <a:solidFill>
-                  <a:schemeClr val="tx1"/>
-                </a:solidFill>
-                <a:latin typeface="+mn-lt"/>
-                <a:ea typeface="+mn-ea"/>
-                <a:cs typeface="+mn-cs"/>
-              </a:defRPr>
-            </a:lvl1pPr>
-            <a:lvl2pPr marL="411480" indent="-182880" algn="l" defTabSz="914400" rtl="0" eaLnBrk="1" latinLnBrk="0" hangingPunct="1">
-              <a:lnSpc>
-                <a:spcPct val="90000"/>
-              </a:lnSpc>
-              <a:spcBef>
-                <a:spcPts val="200"/>
-              </a:spcBef>
-              <a:spcAft>
-                <a:spcPts val="400"/>
-              </a:spcAft>
-              <a:buClr>
-                <a:schemeClr val="tx1"/>
-              </a:buClr>
-              <a:buFont typeface="Wingdings" pitchFamily="2" charset="2"/>
-              <a:buChar char=""/>
-              <a:defRPr sz="2000" kern="1200">
-                <a:solidFill>
-                  <a:schemeClr val="tx1"/>
-                </a:solidFill>
-                <a:latin typeface="+mn-lt"/>
-                <a:ea typeface="+mn-ea"/>
-                <a:cs typeface="+mn-cs"/>
-              </a:defRPr>
-            </a:lvl2pPr>
-            <a:lvl3pPr marL="640080" indent="-182880" algn="l" defTabSz="914400" rtl="0" eaLnBrk="1" latinLnBrk="0" hangingPunct="1">
-              <a:lnSpc>
-                <a:spcPct val="90000"/>
-              </a:lnSpc>
-              <a:spcBef>
-                <a:spcPts val="200"/>
-              </a:spcBef>
-              <a:spcAft>
-                <a:spcPts val="400"/>
-              </a:spcAft>
-              <a:buClr>
-                <a:schemeClr val="tx1"/>
-              </a:buClr>
-              <a:buFont typeface="Wingdings" pitchFamily="2" charset="2"/>
-              <a:buChar char=""/>
-              <a:defRPr sz="1800" kern="1200">
-                <a:solidFill>
-                  <a:schemeClr val="tx1"/>
-                </a:solidFill>
-                <a:latin typeface="+mn-lt"/>
-                <a:ea typeface="+mn-ea"/>
-                <a:cs typeface="+mn-cs"/>
-              </a:defRPr>
-            </a:lvl3pPr>
-            <a:lvl4pPr marL="868680" indent="-182880" algn="l" defTabSz="914400" rtl="0" eaLnBrk="1" latinLnBrk="0" hangingPunct="1">
-              <a:lnSpc>
-                <a:spcPct val="90000"/>
-              </a:lnSpc>
-              <a:spcBef>
-                <a:spcPts val="200"/>
-              </a:spcBef>
-              <a:spcAft>
-                <a:spcPts val="400"/>
-              </a:spcAft>
-              <a:buClr>
-                <a:schemeClr val="tx1"/>
-              </a:buClr>
-              <a:buFont typeface="Wingdings" pitchFamily="2" charset="2"/>
-              <a:buChar char=""/>
-              <a:defRPr sz="1600" kern="1200">
-                <a:solidFill>
-                  <a:schemeClr val="tx1"/>
-                </a:solidFill>
-                <a:latin typeface="+mn-lt"/>
-                <a:ea typeface="+mn-ea"/>
-                <a:cs typeface="+mn-cs"/>
-              </a:defRPr>
-            </a:lvl4pPr>
-            <a:lvl5pPr marL="1097280" indent="-182880" algn="l" defTabSz="914400" rtl="0" eaLnBrk="1" latinLnBrk="0" hangingPunct="1">
-              <a:lnSpc>
-                <a:spcPct val="90000"/>
-              </a:lnSpc>
-              <a:spcBef>
-                <a:spcPts val="200"/>
-              </a:spcBef>
-              <a:spcAft>
-                <a:spcPts val="400"/>
-              </a:spcAft>
-              <a:buClr>
-                <a:schemeClr val="tx1"/>
-              </a:buClr>
-              <a:buFont typeface="Wingdings" pitchFamily="2" charset="2"/>
-              <a:buChar char=""/>
-              <a:defRPr sz="1600" kern="1200">
-                <a:solidFill>
-                  <a:schemeClr val="tx1"/>
-                </a:solidFill>
-                <a:latin typeface="+mn-lt"/>
-                <a:ea typeface="+mn-ea"/>
-                <a:cs typeface="+mn-cs"/>
-              </a:defRPr>
-            </a:lvl5pPr>
-            <a:lvl6pPr marL="1284600" indent="-228600" algn="l" defTabSz="914400" rtl="0" eaLnBrk="1" latinLnBrk="0" hangingPunct="1">
-              <a:lnSpc>
-                <a:spcPct val="90000"/>
-              </a:lnSpc>
-              <a:spcBef>
-                <a:spcPts val="200"/>
-              </a:spcBef>
-              <a:spcAft>
-                <a:spcPts val="400"/>
-              </a:spcAft>
-              <a:buClr>
-                <a:schemeClr val="tx1"/>
-              </a:buClr>
-              <a:buFont typeface="Wingdings" pitchFamily="2" charset="2"/>
-              <a:buChar char=""/>
-              <a:defRPr sz="1600" kern="1200">
-                <a:solidFill>
-                  <a:schemeClr val="tx1"/>
-                </a:solidFill>
-                <a:latin typeface="+mn-lt"/>
-                <a:ea typeface="+mn-ea"/>
-                <a:cs typeface="+mn-cs"/>
-              </a:defRPr>
-            </a:lvl6pPr>
-            <a:lvl7pPr marL="1471800" indent="-228600" algn="l" defTabSz="914400" rtl="0" eaLnBrk="1" latinLnBrk="0" hangingPunct="1">
-              <a:lnSpc>
-                <a:spcPct val="90000"/>
-              </a:lnSpc>
-              <a:spcBef>
-                <a:spcPts val="200"/>
-              </a:spcBef>
-              <a:spcAft>
-                <a:spcPts val="400"/>
-              </a:spcAft>
-              <a:buClr>
-                <a:schemeClr val="tx1"/>
-              </a:buClr>
-              <a:buFont typeface="Wingdings" pitchFamily="2" charset="2"/>
-              <a:buChar char=""/>
-              <a:defRPr sz="1600" kern="1200">
-                <a:solidFill>
-                  <a:schemeClr val="tx1"/>
-                </a:solidFill>
-                <a:latin typeface="+mn-lt"/>
-                <a:ea typeface="+mn-ea"/>
-                <a:cs typeface="+mn-cs"/>
-              </a:defRPr>
-            </a:lvl7pPr>
-            <a:lvl8pPr marL="1629000" indent="-228600" algn="l" defTabSz="914400" rtl="0" eaLnBrk="1" latinLnBrk="0" hangingPunct="1">
-              <a:lnSpc>
-                <a:spcPct val="90000"/>
-              </a:lnSpc>
-              <a:spcBef>
-                <a:spcPts val="200"/>
-              </a:spcBef>
-              <a:spcAft>
-                <a:spcPts val="400"/>
-              </a:spcAft>
-              <a:buClr>
-                <a:schemeClr val="tx1"/>
-              </a:buClr>
-              <a:buFont typeface="Wingdings" pitchFamily="2" charset="2"/>
-              <a:buChar char=""/>
-              <a:defRPr sz="1600" kern="1200">
-                <a:solidFill>
-                  <a:schemeClr val="tx1"/>
-                </a:solidFill>
-                <a:latin typeface="+mn-lt"/>
-                <a:ea typeface="+mn-ea"/>
-                <a:cs typeface="+mn-cs"/>
-              </a:defRPr>
-            </a:lvl8pPr>
-            <a:lvl9pPr marL="1806200" indent="-228600" algn="l" defTabSz="914400" rtl="0" eaLnBrk="1" latinLnBrk="0" hangingPunct="1">
-              <a:lnSpc>
-                <a:spcPct val="90000"/>
-              </a:lnSpc>
-              <a:spcBef>
-                <a:spcPts val="200"/>
-              </a:spcBef>
-              <a:spcAft>
-                <a:spcPts val="400"/>
-              </a:spcAft>
-              <a:buClr>
-                <a:schemeClr val="tx1"/>
-              </a:buClr>
-              <a:buFont typeface="Wingdings" pitchFamily="2" charset="2"/>
-              <a:buChar char=""/>
-              <a:defRPr sz="1600" kern="1200">
-                <a:solidFill>
-                  <a:schemeClr val="tx1"/>
-                </a:solidFill>
-                <a:latin typeface="+mn-lt"/>
-                <a:ea typeface="+mn-ea"/>
-                <a:cs typeface="+mn-cs"/>
-              </a:defRPr>
-            </a:lvl9pPr>
-          </a:lstStyle>
-          <a:p>
-            <a:pPr marL="0" indent="0">
-              <a:buNone/>
-            </a:pPr>
-            <a:r>
-              <a:rPr lang="en-GB" sz="2400" dirty="0" err="1"/>
-              <a:t>WireMock</a:t>
-            </a:r>
-            <a:endParaRPr lang="en-GB" sz="2400" dirty="0"/>
-          </a:p>
-          <a:p>
-            <a:pPr marL="0" indent="0">
-              <a:buNone/>
-            </a:pPr>
-            <a:endParaRPr lang="en-GB" sz="2400" dirty="0"/>
-          </a:p>
-          <a:p>
-            <a:r>
-              <a:rPr lang="en-GB" sz="2400" dirty="0"/>
-              <a:t>JUnit @Rule</a:t>
-            </a:r>
-          </a:p>
-          <a:p>
-            <a:r>
-              <a:rPr lang="en-GB" sz="2400" dirty="0" err="1"/>
-              <a:t>WireMockRule</a:t>
-            </a:r>
-            <a:endParaRPr lang="en-GB" sz="2400" dirty="0"/>
-          </a:p>
-          <a:p>
-            <a:r>
-              <a:rPr lang="en-GB" sz="2400" dirty="0"/>
-              <a:t>Stubbing</a:t>
-            </a:r>
-          </a:p>
-          <a:p>
-            <a:r>
-              <a:rPr lang="en-GB" sz="2400" dirty="0"/>
-              <a:t>Verifying</a:t>
-            </a:r>
-          </a:p>
-          <a:p>
-            <a:pPr marL="0" indent="0">
-              <a:buNone/>
-            </a:pPr>
-            <a:endParaRPr lang="en-GB" sz="2400" dirty="0"/>
-          </a:p>
-          <a:p>
-            <a:pPr marL="0" indent="0">
-              <a:buNone/>
-            </a:pPr>
-            <a:endParaRPr lang="en-GB" sz="2400" dirty="0"/>
-          </a:p>
-          <a:p>
-            <a:pPr marL="0" indent="0">
-              <a:buNone/>
-            </a:pPr>
-            <a:endParaRPr lang="en-GB" sz="2400" dirty="0"/>
-          </a:p>
-        </p:txBody>
-      </p:sp>
+      </p:pic>
     </p:spTree>
     <p:extLst>
       <p:ext uri="{BB962C8B-B14F-4D97-AF65-F5344CB8AC3E}">
-        <p14:creationId xmlns:p14="http://schemas.microsoft.com/office/powerpoint/2010/main" val="2834405857"/>
+        <p14:creationId xmlns:p14="http://schemas.microsoft.com/office/powerpoint/2010/main" val="710891242"/>
       </p:ext>
     </p:extLst>
   </p:cSld>
@@ -7603,6 +8668,9 @@
                     <p:cTn id="3" fill="hold">
                       <p:stCondLst>
                         <p:cond delay="indefinite"/>
+                        <p:cond evt="onBegin" delay="0">
+                          <p:tn val="2"/>
+                        </p:cond>
                       </p:stCondLst>
                       <p:childTnLst>
                         <p:par>
@@ -7612,9 +8680,9 @@
                             </p:stCondLst>
                             <p:childTnLst>
                               <p:par>
-                                <p:cTn id="5" presetID="10" presetClass="entr" presetSubtype="0" fill="hold" nodeType="clickEffect">
+                                <p:cTn id="5" presetID="10" presetClass="entr" presetSubtype="0" fill="hold" grpId="0" nodeType="afterEffect">
                                   <p:stCondLst>
-                                    <p:cond delay="0"/>
+                                    <p:cond delay="500"/>
                                   </p:stCondLst>
                                   <p:childTnLst>
                                     <p:set>
@@ -7625,7 +8693,7 @@
                                           </p:stCondLst>
                                         </p:cTn>
                                         <p:tgtEl>
-                                          <p:spTgt spid="8">
+                                          <p:spTgt spid="4">
                                             <p:txEl>
                                               <p:pRg st="0" end="0"/>
                                             </p:txEl>
@@ -7643,7 +8711,7 @@
                                       <p:cBhvr>
                                         <p:cTn id="7" dur="500"/>
                                         <p:tgtEl>
-                                          <p:spTgt spid="8">
+                                          <p:spTgt spid="4">
                                             <p:txEl>
                                               <p:pRg st="0" end="0"/>
                                             </p:txEl>
@@ -7654,21 +8722,82 @@
                                   </p:childTnLst>
                                 </p:cTn>
                               </p:par>
+                            </p:childTnLst>
+                          </p:cTn>
+                        </p:par>
+                        <p:par>
+                          <p:cTn id="8" fill="hold">
+                            <p:stCondLst>
+                              <p:cond delay="1000"/>
+                            </p:stCondLst>
+                            <p:childTnLst>
                               <p:par>
-                                <p:cTn id="8" presetID="10" presetClass="entr" presetSubtype="0" fill="hold" nodeType="withEffect">
+                                <p:cTn id="9" presetID="10" presetClass="entr" presetSubtype="0" fill="hold" grpId="0" nodeType="afterEffect">
                                   <p:stCondLst>
-                                    <p:cond delay="0"/>
+                                    <p:cond delay="500"/>
                                   </p:stCondLst>
                                   <p:childTnLst>
                                     <p:set>
                                       <p:cBhvr>
-                                        <p:cTn id="9" dur="1" fill="hold">
+                                        <p:cTn id="10" dur="1" fill="hold">
                                           <p:stCondLst>
                                             <p:cond delay="0"/>
                                           </p:stCondLst>
                                         </p:cTn>
                                         <p:tgtEl>
-                                          <p:spTgt spid="8">
+                                          <p:spTgt spid="4">
+                                            <p:txEl>
+                                              <p:pRg st="1" end="1"/>
+                                            </p:txEl>
+                                          </p:spTgt>
+                                        </p:tgtEl>
+                                        <p:attrNameLst>
+                                          <p:attrName>style.visibility</p:attrName>
+                                        </p:attrNameLst>
+                                      </p:cBhvr>
+                                      <p:to>
+                                        <p:strVal val="visible"/>
+                                      </p:to>
+                                    </p:set>
+                                    <p:animEffect transition="in" filter="fade">
+                                      <p:cBhvr>
+                                        <p:cTn id="11" dur="500"/>
+                                        <p:tgtEl>
+                                          <p:spTgt spid="4">
+                                            <p:txEl>
+                                              <p:pRg st="1" end="1"/>
+                                            </p:txEl>
+                                          </p:spTgt>
+                                        </p:tgtEl>
+                                      </p:cBhvr>
+                                    </p:animEffect>
+                                  </p:childTnLst>
+                                </p:cTn>
+                              </p:par>
+                            </p:childTnLst>
+                          </p:cTn>
+                        </p:par>
+                        <p:par>
+                          <p:cTn id="12" fill="hold">
+                            <p:stCondLst>
+                              <p:cond delay="2000"/>
+                            </p:stCondLst>
+                            <p:childTnLst>
+                              <p:par>
+                                <p:cTn id="13" presetID="10" presetClass="entr" presetSubtype="0" fill="hold" grpId="0" nodeType="afterEffect">
+                                  <p:stCondLst>
+                                    <p:cond delay="500"/>
+                                  </p:stCondLst>
+                                  <p:childTnLst>
+                                    <p:set>
+                                      <p:cBhvr>
+                                        <p:cTn id="14" dur="1" fill="hold">
+                                          <p:stCondLst>
+                                            <p:cond delay="0"/>
+                                          </p:stCondLst>
+                                        </p:cTn>
+                                        <p:tgtEl>
+                                          <p:spTgt spid="4">
                                             <p:txEl>
                                               <p:pRg st="2" end="2"/>
                                             </p:txEl>
@@ -7684,9 +8813,9 @@
                                     </p:set>
                                     <p:animEffect transition="in" filter="fade">
                                       <p:cBhvr>
-                                        <p:cTn id="10" dur="500"/>
+                                        <p:cTn id="15" dur="500"/>
                                         <p:tgtEl>
-                                          <p:spTgt spid="8">
+                                          <p:spTgt spid="4">
                                             <p:txEl>
                                               <p:pRg st="2" end="2"/>
                                             </p:txEl>
@@ -7697,96 +8826,19 @@
                                   </p:childTnLst>
                                 </p:cTn>
                               </p:par>
+                            </p:childTnLst>
+                          </p:cTn>
+                        </p:par>
+                        <p:par>
+                          <p:cTn id="16" fill="hold">
+                            <p:stCondLst>
+                              <p:cond delay="3000"/>
+                            </p:stCondLst>
+                            <p:childTnLst>
                               <p:par>
-                                <p:cTn id="11" presetID="10" presetClass="entr" presetSubtype="0" fill="hold" nodeType="withEffect">
+                                <p:cTn id="17" presetID="10" presetClass="entr" presetSubtype="0" fill="hold" grpId="0" nodeType="afterEffect">
                                   <p:stCondLst>
-                                    <p:cond delay="0"/>
-                                  </p:stCondLst>
-                                  <p:childTnLst>
-                                    <p:set>
-                                      <p:cBhvr>
-                                        <p:cTn id="12" dur="1" fill="hold">
-                                          <p:stCondLst>
-                                            <p:cond delay="0"/>
-                                          </p:stCondLst>
-                                        </p:cTn>
-                                        <p:tgtEl>
-                                          <p:spTgt spid="8">
-                                            <p:txEl>
-                                              <p:pRg st="3" end="3"/>
-                                            </p:txEl>
-                                          </p:spTgt>
-                                        </p:tgtEl>
-                                        <p:attrNameLst>
-                                          <p:attrName>style.visibility</p:attrName>
-                                        </p:attrNameLst>
-                                      </p:cBhvr>
-                                      <p:to>
-                                        <p:strVal val="visible"/>
-                                      </p:to>
-                                    </p:set>
-                                    <p:animEffect transition="in" filter="fade">
-                                      <p:cBhvr>
-                                        <p:cTn id="13" dur="500"/>
-                                        <p:tgtEl>
-                                          <p:spTgt spid="8">
-                                            <p:txEl>
-                                              <p:pRg st="3" end="3"/>
-                                            </p:txEl>
-                                          </p:spTgt>
-                                        </p:tgtEl>
-                                      </p:cBhvr>
-                                    </p:animEffect>
-                                  </p:childTnLst>
-                                </p:cTn>
-                              </p:par>
-                              <p:par>
-                                <p:cTn id="14" presetID="10" presetClass="entr" presetSubtype="0" fill="hold" nodeType="withEffect">
-                                  <p:stCondLst>
-                                    <p:cond delay="0"/>
-                                  </p:stCondLst>
-                                  <p:childTnLst>
-                                    <p:set>
-                                      <p:cBhvr>
-                                        <p:cTn id="15" dur="1" fill="hold">
-                                          <p:stCondLst>
-                                            <p:cond delay="0"/>
-                                          </p:stCondLst>
-                                        </p:cTn>
-                                        <p:tgtEl>
-                                          <p:spTgt spid="8">
-                                            <p:txEl>
-                                              <p:pRg st="4" end="4"/>
-                                            </p:txEl>
-                                          </p:spTgt>
-                                        </p:tgtEl>
-                                        <p:attrNameLst>
-                                          <p:attrName>style.visibility</p:attrName>
-                                        </p:attrNameLst>
-                                      </p:cBhvr>
-                                      <p:to>
-                                        <p:strVal val="visible"/>
-                                      </p:to>
-                                    </p:set>
-                                    <p:animEffect transition="in" filter="fade">
-                                      <p:cBhvr>
-                                        <p:cTn id="16" dur="500"/>
-                                        <p:tgtEl>
-                                          <p:spTgt spid="8">
-                                            <p:txEl>
-                                              <p:pRg st="4" end="4"/>
-                                            </p:txEl>
-                                          </p:spTgt>
-                                        </p:tgtEl>
-                                      </p:cBhvr>
-                                    </p:animEffect>
-                                  </p:childTnLst>
-                                </p:cTn>
-                              </p:par>
-                              <p:par>
-                                <p:cTn id="17" presetID="10" presetClass="entr" presetSubtype="0" fill="hold" nodeType="withEffect">
-                                  <p:stCondLst>
-                                    <p:cond delay="0"/>
+                                    <p:cond delay="500"/>
                                   </p:stCondLst>
                                   <p:childTnLst>
                                     <p:set>
@@ -7797,7 +8849,7 @@
                                           </p:stCondLst>
                                         </p:cTn>
                                         <p:tgtEl>
-                                          <p:spTgt spid="8">
+                                          <p:spTgt spid="4">
                                             <p:txEl>
                                               <p:pRg st="5" end="5"/>
                                             </p:txEl>
@@ -7815,7 +8867,7 @@
                                       <p:cBhvr>
                                         <p:cTn id="19" dur="500"/>
                                         <p:tgtEl>
-                                          <p:spTgt spid="8">
+                                          <p:spTgt spid="4">
                                             <p:txEl>
                                               <p:pRg st="5" end="5"/>
                                             </p:txEl>
@@ -7829,38 +8881,29 @@
                             </p:childTnLst>
                           </p:cTn>
                         </p:par>
-                      </p:childTnLst>
-                    </p:cTn>
-                  </p:par>
-                  <p:par>
-                    <p:cTn id="20" fill="hold">
-                      <p:stCondLst>
-                        <p:cond delay="indefinite"/>
-                      </p:stCondLst>
-                      <p:childTnLst>
                         <p:par>
-                          <p:cTn id="21" fill="hold">
+                          <p:cTn id="20" fill="hold">
                             <p:stCondLst>
-                              <p:cond delay="0"/>
+                              <p:cond delay="4000"/>
                             </p:stCondLst>
                             <p:childTnLst>
                               <p:par>
-                                <p:cTn id="22" presetID="10" presetClass="entr" presetSubtype="0" fill="hold" nodeType="clickEffect">
+                                <p:cTn id="21" presetID="10" presetClass="entr" presetSubtype="0" fill="hold" grpId="0" nodeType="afterEffect">
                                   <p:stCondLst>
-                                    <p:cond delay="0"/>
+                                    <p:cond delay="500"/>
                                   </p:stCondLst>
                                   <p:childTnLst>
                                     <p:set>
                                       <p:cBhvr>
-                                        <p:cTn id="23" dur="1" fill="hold">
+                                        <p:cTn id="22" dur="1" fill="hold">
                                           <p:stCondLst>
                                             <p:cond delay="0"/>
                                           </p:stCondLst>
                                         </p:cTn>
                                         <p:tgtEl>
-                                          <p:spTgt spid="3">
+                                          <p:spTgt spid="4">
                                             <p:txEl>
-                                              <p:pRg st="0" end="0"/>
+                                              <p:pRg st="6" end="6"/>
                                             </p:txEl>
                                           </p:spTgt>
                                         </p:tgtEl>
@@ -7874,11 +8917,11 @@
                                     </p:set>
                                     <p:animEffect transition="in" filter="fade">
                                       <p:cBhvr>
-                                        <p:cTn id="24" dur="500"/>
+                                        <p:cTn id="23" dur="500"/>
                                         <p:tgtEl>
-                                          <p:spTgt spid="3">
+                                          <p:spTgt spid="4">
                                             <p:txEl>
-                                              <p:pRg st="0" end="0"/>
+                                              <p:pRg st="6" end="6"/>
                                             </p:txEl>
                                           </p:spTgt>
                                         </p:tgtEl>
@@ -7887,10 +8930,19 @@
                                   </p:childTnLst>
                                 </p:cTn>
                               </p:par>
+                            </p:childTnLst>
+                          </p:cTn>
+                        </p:par>
+                        <p:par>
+                          <p:cTn id="24" fill="hold">
+                            <p:stCondLst>
+                              <p:cond delay="5000"/>
+                            </p:stCondLst>
+                            <p:childTnLst>
                               <p:par>
-                                <p:cTn id="25" presetID="10" presetClass="entr" presetSubtype="0" fill="hold" nodeType="withEffect">
+                                <p:cTn id="25" presetID="10" presetClass="entr" presetSubtype="0" fill="hold" grpId="0" nodeType="afterEffect">
                                   <p:stCondLst>
-                                    <p:cond delay="0"/>
+                                    <p:cond delay="500"/>
                                   </p:stCondLst>
                                   <p:childTnLst>
                                     <p:set>
@@ -7901,9 +8953,9 @@
                                           </p:stCondLst>
                                         </p:cTn>
                                         <p:tgtEl>
-                                          <p:spTgt spid="3">
+                                          <p:spTgt spid="4">
                                             <p:txEl>
-                                              <p:pRg st="2" end="2"/>
+                                              <p:pRg st="7" end="7"/>
                                             </p:txEl>
                                           </p:spTgt>
                                         </p:tgtEl>
@@ -7919,224 +8971,9 @@
                                       <p:cBhvr>
                                         <p:cTn id="27" dur="500"/>
                                         <p:tgtEl>
-                                          <p:spTgt spid="3">
-                                            <p:txEl>
-                                              <p:pRg st="2" end="2"/>
-                                            </p:txEl>
-                                          </p:spTgt>
-                                        </p:tgtEl>
-                                      </p:cBhvr>
-                                    </p:animEffect>
-                                  </p:childTnLst>
-                                </p:cTn>
-                              </p:par>
-                              <p:par>
-                                <p:cTn id="28" presetID="10" presetClass="entr" presetSubtype="0" fill="hold" nodeType="withEffect">
-                                  <p:stCondLst>
-                                    <p:cond delay="0"/>
-                                  </p:stCondLst>
-                                  <p:childTnLst>
-                                    <p:set>
-                                      <p:cBhvr>
-                                        <p:cTn id="29" dur="1" fill="hold">
-                                          <p:stCondLst>
-                                            <p:cond delay="0"/>
-                                          </p:stCondLst>
-                                        </p:cTn>
-                                        <p:tgtEl>
-                                          <p:spTgt spid="3">
-                                            <p:txEl>
-                                              <p:pRg st="3" end="3"/>
-                                            </p:txEl>
-                                          </p:spTgt>
-                                        </p:tgtEl>
-                                        <p:attrNameLst>
-                                          <p:attrName>style.visibility</p:attrName>
-                                        </p:attrNameLst>
-                                      </p:cBhvr>
-                                      <p:to>
-                                        <p:strVal val="visible"/>
-                                      </p:to>
-                                    </p:set>
-                                    <p:animEffect transition="in" filter="fade">
-                                      <p:cBhvr>
-                                        <p:cTn id="30" dur="500"/>
-                                        <p:tgtEl>
-                                          <p:spTgt spid="3">
-                                            <p:txEl>
-                                              <p:pRg st="3" end="3"/>
-                                            </p:txEl>
-                                          </p:spTgt>
-                                        </p:tgtEl>
-                                      </p:cBhvr>
-                                    </p:animEffect>
-                                  </p:childTnLst>
-                                </p:cTn>
-                              </p:par>
-                              <p:par>
-                                <p:cTn id="31" presetID="10" presetClass="entr" presetSubtype="0" fill="hold" nodeType="withEffect">
-                                  <p:stCondLst>
-                                    <p:cond delay="0"/>
-                                  </p:stCondLst>
-                                  <p:childTnLst>
-                                    <p:set>
-                                      <p:cBhvr>
-                                        <p:cTn id="32" dur="1" fill="hold">
-                                          <p:stCondLst>
-                                            <p:cond delay="0"/>
-                                          </p:stCondLst>
-                                        </p:cTn>
-                                        <p:tgtEl>
-                                          <p:spTgt spid="3">
-                                            <p:txEl>
-                                              <p:pRg st="4" end="4"/>
-                                            </p:txEl>
-                                          </p:spTgt>
-                                        </p:tgtEl>
-                                        <p:attrNameLst>
-                                          <p:attrName>style.visibility</p:attrName>
-                                        </p:attrNameLst>
-                                      </p:cBhvr>
-                                      <p:to>
-                                        <p:strVal val="visible"/>
-                                      </p:to>
-                                    </p:set>
-                                    <p:animEffect transition="in" filter="fade">
-                                      <p:cBhvr>
-                                        <p:cTn id="33" dur="500"/>
-                                        <p:tgtEl>
-                                          <p:spTgt spid="3">
-                                            <p:txEl>
-                                              <p:pRg st="4" end="4"/>
-                                            </p:txEl>
-                                          </p:spTgt>
-                                        </p:tgtEl>
-                                      </p:cBhvr>
-                                    </p:animEffect>
-                                  </p:childTnLst>
-                                </p:cTn>
-                              </p:par>
-                              <p:par>
-                                <p:cTn id="34" presetID="10" presetClass="entr" presetSubtype="0" fill="hold" nodeType="withEffect">
-                                  <p:stCondLst>
-                                    <p:cond delay="0"/>
-                                  </p:stCondLst>
-                                  <p:childTnLst>
-                                    <p:set>
-                                      <p:cBhvr>
-                                        <p:cTn id="35" dur="1" fill="hold">
-                                          <p:stCondLst>
-                                            <p:cond delay="0"/>
-                                          </p:stCondLst>
-                                        </p:cTn>
-                                        <p:tgtEl>
-                                          <p:spTgt spid="3">
-                                            <p:txEl>
-                                              <p:pRg st="6" end="6"/>
-                                            </p:txEl>
-                                          </p:spTgt>
-                                        </p:tgtEl>
-                                        <p:attrNameLst>
-                                          <p:attrName>style.visibility</p:attrName>
-                                        </p:attrNameLst>
-                                      </p:cBhvr>
-                                      <p:to>
-                                        <p:strVal val="visible"/>
-                                      </p:to>
-                                    </p:set>
-                                    <p:animEffect transition="in" filter="fade">
-                                      <p:cBhvr>
-                                        <p:cTn id="36" dur="500"/>
-                                        <p:tgtEl>
-                                          <p:spTgt spid="3">
-                                            <p:txEl>
-                                              <p:pRg st="6" end="6"/>
-                                            </p:txEl>
-                                          </p:spTgt>
-                                        </p:tgtEl>
-                                      </p:cBhvr>
-                                    </p:animEffect>
-                                  </p:childTnLst>
-                                </p:cTn>
-                              </p:par>
-                              <p:par>
-                                <p:cTn id="37" presetID="10" presetClass="entr" presetSubtype="0" fill="hold" nodeType="withEffect">
-                                  <p:stCondLst>
-                                    <p:cond delay="0"/>
-                                  </p:stCondLst>
-                                  <p:childTnLst>
-                                    <p:set>
-                                      <p:cBhvr>
-                                        <p:cTn id="38" dur="1" fill="hold">
-                                          <p:stCondLst>
-                                            <p:cond delay="0"/>
-                                          </p:stCondLst>
-                                        </p:cTn>
-                                        <p:tgtEl>
-                                          <p:spTgt spid="3">
+                                          <p:spTgt spid="4">
                                             <p:txEl>
                                               <p:pRg st="7" end="7"/>
-                                            </p:txEl>
-                                          </p:spTgt>
-                                        </p:tgtEl>
-                                        <p:attrNameLst>
-                                          <p:attrName>style.visibility</p:attrName>
-                                        </p:attrNameLst>
-                                      </p:cBhvr>
-                                      <p:to>
-                                        <p:strVal val="visible"/>
-                                      </p:to>
-                                    </p:set>
-                                    <p:animEffect transition="in" filter="fade">
-                                      <p:cBhvr>
-                                        <p:cTn id="39" dur="500"/>
-                                        <p:tgtEl>
-                                          <p:spTgt spid="3">
-                                            <p:txEl>
-                                              <p:pRg st="7" end="7"/>
-                                            </p:txEl>
-                                          </p:spTgt>
-                                        </p:tgtEl>
-                                      </p:cBhvr>
-                                    </p:animEffect>
-                                  </p:childTnLst>
-                                </p:cTn>
-                              </p:par>
-                              <p:par>
-                                <p:cTn id="40" presetID="10" presetClass="entr" presetSubtype="0" fill="hold" nodeType="withEffect">
-                                  <p:stCondLst>
-                                    <p:cond delay="0"/>
-                                  </p:stCondLst>
-                                  <p:childTnLst>
-                                    <p:set>
-                                      <p:cBhvr>
-                                        <p:cTn id="41" dur="1" fill="hold">
-                                          <p:stCondLst>
-                                            <p:cond delay="0"/>
-                                          </p:stCondLst>
-                                        </p:cTn>
-                                        <p:tgtEl>
-                                          <p:spTgt spid="3">
-                                            <p:txEl>
-                                              <p:pRg st="8" end="8"/>
-                                            </p:txEl>
-                                          </p:spTgt>
-                                        </p:tgtEl>
-                                        <p:attrNameLst>
-                                          <p:attrName>style.visibility</p:attrName>
-                                        </p:attrNameLst>
-                                      </p:cBhvr>
-                                      <p:to>
-                                        <p:strVal val="visible"/>
-                                      </p:to>
-                                    </p:set>
-                                    <p:animEffect transition="in" filter="fade">
-                                      <p:cBhvr>
-                                        <p:cTn id="42" dur="500"/>
-                                        <p:tgtEl>
-                                          <p:spTgt spid="3">
-                                            <p:txEl>
-                                              <p:pRg st="8" end="8"/>
                                             </p:txEl>
                                           </p:spTgt>
                                         </p:tgtEl>
@@ -8172,6 +9009,9 @@
         </p:cTn>
       </p:par>
     </p:tnLst>
+    <p:bldLst>
+      <p:bldP spid="4" grpId="0" uiExpand="1" build="p"/>
+    </p:bldLst>
   </p:timing>
 </p:sld>
 </file>

--- a/wiremock-slides.pptx
+++ b/wiremock-slides.pptx
@@ -5,20 +5,22 @@
     <p:sldMasterId id="2147483978" r:id="rId1"/>
   </p:sldMasterIdLst>
   <p:notesMasterIdLst>
-    <p:notesMasterId r:id="rId13"/>
+    <p:notesMasterId r:id="rId15"/>
   </p:notesMasterIdLst>
   <p:sldIdLst>
     <p:sldId id="256" r:id="rId2"/>
-    <p:sldId id="257" r:id="rId3"/>
-    <p:sldId id="258" r:id="rId4"/>
-    <p:sldId id="259" r:id="rId5"/>
-    <p:sldId id="260" r:id="rId6"/>
-    <p:sldId id="261" r:id="rId7"/>
-    <p:sldId id="262" r:id="rId8"/>
-    <p:sldId id="271" r:id="rId9"/>
-    <p:sldId id="267" r:id="rId10"/>
-    <p:sldId id="268" r:id="rId11"/>
-    <p:sldId id="272" r:id="rId12"/>
+    <p:sldId id="273" r:id="rId3"/>
+    <p:sldId id="257" r:id="rId4"/>
+    <p:sldId id="258" r:id="rId5"/>
+    <p:sldId id="259" r:id="rId6"/>
+    <p:sldId id="260" r:id="rId7"/>
+    <p:sldId id="261" r:id="rId8"/>
+    <p:sldId id="262" r:id="rId9"/>
+    <p:sldId id="271" r:id="rId10"/>
+    <p:sldId id="267" r:id="rId11"/>
+    <p:sldId id="274" r:id="rId12"/>
+    <p:sldId id="268" r:id="rId13"/>
+    <p:sldId id="272" r:id="rId14"/>
   </p:sldIdLst>
   <p:sldSz cx="12192000" cy="6858000"/>
   <p:notesSz cx="6858000" cy="9144000"/>
@@ -207,7 +209,7 @@
           <a:p>
             <a:fld id="{FDC7A044-80D6-46C2-930D-F7E9591ABEB9}" type="datetimeFigureOut">
               <a:rPr lang="en-GB" smtClean="0"/>
-              <a:t>30/09/2016</a:t>
+              <a:t>18/10/2016</a:t>
             </a:fld>
             <a:endParaRPr lang="en-GB"/>
           </a:p>
@@ -554,8 +556,101 @@
                 <a:ea typeface="+mn-ea"/>
                 <a:cs typeface="+mn-cs"/>
               </a:rPr>
-              <a:t>So I’m Nick Ebbitt and I work for a software house called Tracsis providing services to the UK rail industry. </a:t>
-            </a:r>
+              <a:t>My</a:t>
+            </a:r>
+            <a:r>
+              <a:rPr lang="en-GB" sz="1200" kern="1200" baseline="0" dirty="0">
+                <a:solidFill>
+                  <a:schemeClr val="tx1"/>
+                </a:solidFill>
+                <a:effectLst/>
+                <a:latin typeface="+mn-lt"/>
+                <a:ea typeface="+mn-ea"/>
+                <a:cs typeface="+mn-cs"/>
+              </a:rPr>
+              <a:t> names</a:t>
+            </a:r>
+            <a:r>
+              <a:rPr lang="en-GB" sz="1200" kern="1200" dirty="0">
+                <a:solidFill>
+                  <a:schemeClr val="tx1"/>
+                </a:solidFill>
+                <a:effectLst/>
+                <a:latin typeface="+mn-lt"/>
+                <a:ea typeface="+mn-ea"/>
+                <a:cs typeface="+mn-cs"/>
+              </a:rPr>
+              <a:t> Nick Ebbitt and I work for a software house called Tracsis based on Piccadilly</a:t>
+            </a:r>
+            <a:r>
+              <a:rPr lang="en-GB" sz="1200" kern="1200" baseline="0" dirty="0">
+                <a:solidFill>
+                  <a:schemeClr val="tx1"/>
+                </a:solidFill>
+                <a:effectLst/>
+                <a:latin typeface="+mn-lt"/>
+                <a:ea typeface="+mn-ea"/>
+                <a:cs typeface="+mn-cs"/>
+              </a:rPr>
+              <a:t> Gardens. We</a:t>
+            </a:r>
+            <a:r>
+              <a:rPr lang="en-GB" sz="1200" kern="1200" dirty="0">
+                <a:solidFill>
+                  <a:schemeClr val="tx1"/>
+                </a:solidFill>
+                <a:effectLst/>
+                <a:latin typeface="+mn-lt"/>
+                <a:ea typeface="+mn-ea"/>
+                <a:cs typeface="+mn-cs"/>
+              </a:rPr>
+              <a:t> provide</a:t>
+            </a:r>
+            <a:r>
+              <a:rPr lang="en-GB" sz="1200" kern="1200" baseline="0" dirty="0">
+                <a:solidFill>
+                  <a:schemeClr val="tx1"/>
+                </a:solidFill>
+                <a:effectLst/>
+                <a:latin typeface="+mn-lt"/>
+                <a:ea typeface="+mn-ea"/>
+                <a:cs typeface="+mn-cs"/>
+              </a:rPr>
+              <a:t> software solutions</a:t>
+            </a:r>
+            <a:r>
+              <a:rPr lang="en-GB" sz="1200" kern="1200" dirty="0">
+                <a:solidFill>
+                  <a:schemeClr val="tx1"/>
+                </a:solidFill>
+                <a:effectLst/>
+                <a:latin typeface="+mn-lt"/>
+                <a:ea typeface="+mn-ea"/>
+                <a:cs typeface="+mn-cs"/>
+              </a:rPr>
+              <a:t> to the UK rail industry,</a:t>
+            </a:r>
+            <a:r>
+              <a:rPr lang="en-GB" sz="1200" kern="1200" baseline="0" dirty="0">
+                <a:solidFill>
+                  <a:schemeClr val="tx1"/>
+                </a:solidFill>
+                <a:effectLst/>
+                <a:latin typeface="+mn-lt"/>
+                <a:ea typeface="+mn-ea"/>
+                <a:cs typeface="+mn-cs"/>
+              </a:rPr>
+              <a:t> particularly TOCs such as Virgin, Trans Pennine Express, Northern, etc.</a:t>
+            </a:r>
+            <a:endParaRPr lang="en-GB" sz="1200" kern="1200" dirty="0">
+              <a:solidFill>
+                <a:schemeClr val="tx1"/>
+              </a:solidFill>
+              <a:effectLst/>
+              <a:latin typeface="+mn-lt"/>
+              <a:ea typeface="+mn-ea"/>
+              <a:cs typeface="+mn-cs"/>
+            </a:endParaRPr>
           </a:p>
           <a:p>
             <a:r>
@@ -569,172 +664,6 @@
                 <a:cs typeface="+mn-cs"/>
               </a:rPr>
               <a:t> </a:t>
-            </a:r>
-          </a:p>
-          <a:p>
-            <a:r>
-              <a:rPr lang="en-GB" sz="1200" kern="1200" dirty="0">
-                <a:solidFill>
-                  <a:schemeClr val="tx1"/>
-                </a:solidFill>
-                <a:effectLst/>
-                <a:latin typeface="+mn-lt"/>
-                <a:ea typeface="+mn-ea"/>
-                <a:cs typeface="+mn-cs"/>
-              </a:rPr>
-              <a:t>O</a:t>
-            </a:r>
-            <a:r>
-              <a:rPr lang="en-GB" sz="1200" kern="1200" baseline="0" dirty="0">
-                <a:solidFill>
-                  <a:schemeClr val="tx1"/>
-                </a:solidFill>
-                <a:effectLst/>
-                <a:latin typeface="+mn-lt"/>
-                <a:ea typeface="+mn-ea"/>
-                <a:cs typeface="+mn-cs"/>
-              </a:rPr>
-              <a:t>ver the past couple of years I’ve been involved in the </a:t>
-            </a:r>
-            <a:r>
-              <a:rPr lang="en-GB" sz="1200" kern="1200" dirty="0">
-                <a:solidFill>
-                  <a:schemeClr val="tx1"/>
-                </a:solidFill>
-                <a:effectLst/>
-                <a:latin typeface="+mn-lt"/>
-                <a:ea typeface="+mn-ea"/>
-                <a:cs typeface="+mn-cs"/>
-              </a:rPr>
-              <a:t>delivery</a:t>
-            </a:r>
-            <a:r>
-              <a:rPr lang="en-GB" sz="1200" kern="1200" baseline="0" dirty="0">
-                <a:solidFill>
-                  <a:schemeClr val="tx1"/>
-                </a:solidFill>
-                <a:effectLst/>
-                <a:latin typeface="+mn-lt"/>
-                <a:ea typeface="+mn-ea"/>
-                <a:cs typeface="+mn-cs"/>
-              </a:rPr>
-              <a:t> of</a:t>
-            </a:r>
-            <a:r>
-              <a:rPr lang="en-GB" sz="1200" kern="1200" dirty="0">
-                <a:solidFill>
-                  <a:schemeClr val="tx1"/>
-                </a:solidFill>
-                <a:effectLst/>
-                <a:latin typeface="+mn-lt"/>
-                <a:ea typeface="+mn-ea"/>
-                <a:cs typeface="+mn-cs"/>
-              </a:rPr>
-              <a:t> a cloud based mobile platform to provide rail staff with context sensitive "real time" train information.</a:t>
-            </a:r>
-          </a:p>
-          <a:p>
-            <a:r>
-              <a:rPr lang="en-GB" sz="1200" kern="1200" dirty="0">
-                <a:solidFill>
-                  <a:schemeClr val="tx1"/>
-                </a:solidFill>
-                <a:effectLst/>
-                <a:latin typeface="+mn-lt"/>
-                <a:ea typeface="+mn-ea"/>
-                <a:cs typeface="+mn-cs"/>
-              </a:rPr>
-              <a:t> </a:t>
-            </a:r>
-          </a:p>
-          <a:p>
-            <a:r>
-              <a:rPr lang="en-GB" sz="1200" kern="1200" dirty="0">
-                <a:solidFill>
-                  <a:schemeClr val="tx1"/>
-                </a:solidFill>
-                <a:effectLst/>
-                <a:latin typeface="+mn-lt"/>
-                <a:ea typeface="+mn-ea"/>
-                <a:cs typeface="+mn-cs"/>
-              </a:rPr>
-              <a:t>The mobile platform is hosted in AWS and integrates with a self-hosted "backend" system exposed via a HTTP based API. As part of a fully automated CD pipeline we implemented a suite of automated</a:t>
-            </a:r>
-            <a:r>
-              <a:rPr lang="en-GB" sz="1200" kern="1200" baseline="0" dirty="0">
-                <a:solidFill>
-                  <a:schemeClr val="tx1"/>
-                </a:solidFill>
-                <a:effectLst/>
-                <a:latin typeface="+mn-lt"/>
-                <a:ea typeface="+mn-ea"/>
-                <a:cs typeface="+mn-cs"/>
-              </a:rPr>
-              <a:t> </a:t>
-            </a:r>
-            <a:r>
-              <a:rPr lang="en-GB" sz="1200" kern="1200" dirty="0">
-                <a:solidFill>
-                  <a:schemeClr val="tx1"/>
-                </a:solidFill>
-                <a:effectLst/>
-                <a:latin typeface="+mn-lt"/>
-                <a:ea typeface="+mn-ea"/>
-                <a:cs typeface="+mn-cs"/>
-              </a:rPr>
-              <a:t>tests to allow us to verify the behaviour of the mobile platform in the cloud.</a:t>
-            </a:r>
-          </a:p>
-          <a:p>
-            <a:r>
-              <a:rPr lang="en-GB" sz="1200" kern="1200" dirty="0">
-                <a:solidFill>
-                  <a:schemeClr val="tx1"/>
-                </a:solidFill>
-                <a:effectLst/>
-                <a:latin typeface="+mn-lt"/>
-                <a:ea typeface="+mn-ea"/>
-                <a:cs typeface="+mn-cs"/>
-              </a:rPr>
-              <a:t> </a:t>
-            </a:r>
-          </a:p>
-          <a:p>
-            <a:r>
-              <a:rPr lang="en-GB" sz="1200" kern="1200" dirty="0">
-                <a:solidFill>
-                  <a:schemeClr val="tx1"/>
-                </a:solidFill>
-                <a:effectLst/>
-                <a:latin typeface="+mn-lt"/>
-                <a:ea typeface="+mn-ea"/>
-                <a:cs typeface="+mn-cs"/>
-              </a:rPr>
-              <a:t>This talk explores some of</a:t>
-            </a:r>
-            <a:r>
-              <a:rPr lang="en-GB" sz="1200" kern="1200" baseline="0" dirty="0">
-                <a:solidFill>
-                  <a:schemeClr val="tx1"/>
-                </a:solidFill>
-                <a:effectLst/>
-                <a:latin typeface="+mn-lt"/>
-                <a:ea typeface="+mn-ea"/>
-                <a:cs typeface="+mn-cs"/>
-              </a:rPr>
-              <a:t> </a:t>
-            </a:r>
-            <a:r>
-              <a:rPr lang="en-GB" sz="1200" kern="1200" dirty="0">
-                <a:solidFill>
-                  <a:schemeClr val="tx1"/>
-                </a:solidFill>
-                <a:effectLst/>
-                <a:latin typeface="+mn-lt"/>
-                <a:ea typeface="+mn-ea"/>
-                <a:cs typeface="+mn-cs"/>
-              </a:rPr>
-              <a:t>the tools and techniques used to assist with the creation and execution of the test suite.</a:t>
             </a:r>
           </a:p>
           <a:p>
@@ -824,6 +753,155 @@
           <a:p>
             <a:r>
               <a:rPr lang="en-GB" dirty="0"/>
+              <a:t>In regards</a:t>
+            </a:r>
+            <a:r>
+              <a:rPr lang="en-GB" baseline="0" dirty="0"/>
+              <a:t> to the feature set of WireMock…</a:t>
+            </a:r>
+          </a:p>
+          <a:p>
+            <a:endParaRPr lang="en-GB" baseline="0" dirty="0"/>
+          </a:p>
+          <a:p>
+            <a:r>
+              <a:rPr lang="en-GB" baseline="0" dirty="0"/>
+              <a:t>Stubbing allows you to pre-define a canned response that will be served when a request is made matching a specific URL pattern.</a:t>
+            </a:r>
+          </a:p>
+          <a:p>
+            <a:endParaRPr lang="en-GB" baseline="0" dirty="0"/>
+          </a:p>
+          <a:p>
+            <a:r>
+              <a:rPr lang="en-GB" baseline="0" dirty="0"/>
+              <a:t>Verifying allows you to prove that your application interacts with the external service in the way that you require it to.</a:t>
+            </a:r>
+          </a:p>
+          <a:p>
+            <a:endParaRPr lang="en-GB" baseline="0" dirty="0"/>
+          </a:p>
+          <a:p>
+            <a:r>
+              <a:rPr lang="en-GB" baseline="0" dirty="0"/>
+              <a:t>WireMock can be used as a proxy. </a:t>
+            </a:r>
+          </a:p>
+          <a:p>
+            <a:endParaRPr lang="en-GB" baseline="0" dirty="0"/>
+          </a:p>
+          <a:p>
+            <a:r>
+              <a:rPr lang="en-GB" baseline="0" dirty="0"/>
+              <a:t>The ability to record and playback interactions with the external service is pretty cool. It is a great way to create a base set of request mappings for use in development or with your tests.</a:t>
+            </a:r>
+          </a:p>
+          <a:p>
+            <a:endParaRPr lang="en-GB" baseline="0" dirty="0"/>
+          </a:p>
+          <a:p>
+            <a:r>
+              <a:rPr lang="en-GB" baseline="0" dirty="0"/>
+              <a:t>The ability to simulate faults is very useful, particularly when it comes to testing the resilience of your application. One example would be to add a delay to the interaction with the external service to prove that your app behaves as expected.</a:t>
+            </a:r>
+          </a:p>
+          <a:p>
+            <a:endParaRPr lang="en-GB" baseline="0" dirty="0"/>
+          </a:p>
+          <a:p>
+            <a:r>
+              <a:rPr lang="en-GB" baseline="0" dirty="0" err="1"/>
+              <a:t>Stateful</a:t>
+            </a:r>
+            <a:r>
+              <a:rPr lang="en-GB" baseline="0" dirty="0"/>
+              <a:t> behaviour provide a way to interact with the mock service and have it alter it’s state based on the interactions made. It acts as a state machine that can move through various states during a test to allow you to model more complex scenarios.</a:t>
+            </a:r>
+          </a:p>
+        </p:txBody>
+      </p:sp>
+      <p:sp>
+        <p:nvSpPr>
+          <p:cNvPr id="4" name="Slide Number Placeholder 3"/>
+          <p:cNvSpPr>
+            <a:spLocks noGrp="1"/>
+          </p:cNvSpPr>
+          <p:nvPr>
+            <p:ph type="sldNum" sz="quarter" idx="10"/>
+          </p:nvPr>
+        </p:nvSpPr>
+        <p:spPr/>
+        <p:txBody>
+          <a:bodyPr/>
+          <a:lstStyle/>
+          <a:p>
+            <a:fld id="{C2E81607-7963-4FBE-8E92-6814605549E7}" type="slidenum">
+              <a:rPr lang="en-GB" smtClean="0"/>
+              <a:t>10</a:t>
+            </a:fld>
+            <a:endParaRPr lang="en-GB"/>
+          </a:p>
+        </p:txBody>
+      </p:sp>
+    </p:spTree>
+    <p:extLst>
+      <p:ext uri="{BB962C8B-B14F-4D97-AF65-F5344CB8AC3E}">
+        <p14:creationId xmlns:p14="http://schemas.microsoft.com/office/powerpoint/2010/main" val="2005511295"/>
+      </p:ext>
+    </p:extLst>
+  </p:cSld>
+  <p:clrMapOvr>
+    <a:masterClrMapping/>
+  </p:clrMapOvr>
+</p:notes>
+</file>
+
+<file path=ppt/notesSlides/notesSlide11.xml><?xml version="1.0" encoding="utf-8"?>
+<p:notes xmlns:a="http://schemas.openxmlformats.org/drawingml/2006/main" xmlns:r="http://schemas.openxmlformats.org/officeDocument/2006/relationships" xmlns:p="http://schemas.openxmlformats.org/presentationml/2006/main">
+  <p:cSld>
+    <p:spTree>
+      <p:nvGrpSpPr>
+        <p:cNvPr id="1" name=""/>
+        <p:cNvGrpSpPr/>
+        <p:nvPr/>
+      </p:nvGrpSpPr>
+      <p:grpSpPr>
+        <a:xfrm>
+          <a:off x="0" y="0"/>
+          <a:ext cx="0" cy="0"/>
+          <a:chOff x="0" y="0"/>
+          <a:chExt cx="0" cy="0"/>
+        </a:xfrm>
+      </p:grpSpPr>
+      <p:sp>
+        <p:nvSpPr>
+          <p:cNvPr id="2" name="Slide Image Placeholder 1"/>
+          <p:cNvSpPr>
+            <a:spLocks noGrp="1" noRot="1" noChangeAspect="1"/>
+          </p:cNvSpPr>
+          <p:nvPr>
+            <p:ph type="sldImg"/>
+          </p:nvPr>
+        </p:nvSpPr>
+        <p:spPr/>
+      </p:sp>
+      <p:sp>
+        <p:nvSpPr>
+          <p:cNvPr id="3" name="Notes Placeholder 2"/>
+          <p:cNvSpPr>
+            <a:spLocks noGrp="1"/>
+          </p:cNvSpPr>
+          <p:nvPr>
+            <p:ph type="body" idx="1"/>
+          </p:nvPr>
+        </p:nvSpPr>
+        <p:spPr/>
+        <p:txBody>
+          <a:bodyPr/>
+          <a:lstStyle/>
+          <a:p>
+            <a:r>
+              <a:rPr lang="en-GB" dirty="0"/>
               <a:t>In conclusion,</a:t>
             </a:r>
             <a:r>
@@ -858,6 +936,10 @@
             </a:r>
           </a:p>
           <a:p>
+            <a:pPr marL="0" indent="0">
+              <a:buFont typeface="Arial" panose="020B0604020202020204" pitchFamily="34" charset="0"/>
+              <a:buNone/>
+            </a:pPr>
             <a:endParaRPr lang="en-GB" baseline="0" dirty="0"/>
           </a:p>
           <a:p>
@@ -867,7 +949,7 @@
             </a:pPr>
             <a:r>
               <a:rPr lang="en-GB" baseline="0" dirty="0"/>
-              <a:t>realise an increase in developer productivity through removing the hard dependency on a version of the actual external service being available</a:t>
+              <a:t>improve the testability of the application, allowing us to create new tests for new features with less effort</a:t>
             </a:r>
           </a:p>
           <a:p>
@@ -884,7 +966,7 @@
             </a:pPr>
             <a:r>
               <a:rPr lang="en-GB" baseline="0" dirty="0"/>
-              <a:t>improve the testability of the application, allowing us to create new tests for new features with less effort</a:t>
+              <a:t>and therefore ultimately we have been able to improve the quality of product we are delivering.</a:t>
             </a:r>
           </a:p>
           <a:p>
@@ -895,32 +977,14 @@
             <a:endParaRPr lang="en-GB" baseline="0" dirty="0"/>
           </a:p>
           <a:p>
-            <a:pPr marL="171450" indent="-171450">
-              <a:buFont typeface="Arial" panose="020B0604020202020204" pitchFamily="34" charset="0"/>
-              <a:buChar char="•"/>
-            </a:pPr>
-            <a:r>
-              <a:rPr lang="en-GB" baseline="0" dirty="0"/>
-              <a:t>and therefore ultimately we have been able to improve the quality of product we are delivering.</a:t>
-            </a:r>
-          </a:p>
-          <a:p>
             <a:pPr marL="0" indent="0">
               <a:buFont typeface="Arial" panose="020B0604020202020204" pitchFamily="34" charset="0"/>
               <a:buNone/>
             </a:pPr>
-            <a:endParaRPr lang="en-GB" baseline="0" dirty="0"/>
-          </a:p>
-          <a:p>
-            <a:pPr marL="0" indent="0">
-              <a:buFont typeface="Arial" panose="020B0604020202020204" pitchFamily="34" charset="0"/>
-              <a:buNone/>
-            </a:pPr>
             <a:r>
               <a:rPr lang="en-GB" baseline="0" dirty="0"/>
-              <a:t>Thanks you very much.</a:t>
-            </a:r>
-            <a:endParaRPr lang="en-GB" dirty="0"/>
+              <a:t>An additional benefit has been an increase in developer productivity due to not being reliant on the “real” service being available and working as expected.</a:t>
+            </a:r>
           </a:p>
         </p:txBody>
       </p:sp>
@@ -941,7 +1005,7 @@
           <a:p>
             <a:fld id="{C2E81607-7963-4FBE-8E92-6814605549E7}" type="slidenum">
               <a:rPr lang="en-GB" smtClean="0"/>
-              <a:t>10</a:t>
+              <a:t>12</a:t>
             </a:fld>
             <a:endParaRPr lang="en-GB"/>
           </a:p>
@@ -1005,39 +1069,341 @@
           <a:lstStyle/>
           <a:p>
             <a:r>
-              <a:rPr lang="en-GB" dirty="0"/>
-              <a:t>So let’s begin by defining the term “mock”.</a:t>
-            </a:r>
-          </a:p>
-          <a:p>
-            <a:endParaRPr lang="en-GB" dirty="0"/>
-          </a:p>
-          <a:p>
-            <a:r>
-              <a:rPr lang="en-GB" dirty="0"/>
-              <a:t>A quick Google search gives us a good starting</a:t>
-            </a:r>
-            <a:r>
-              <a:rPr lang="en-GB" baseline="0" dirty="0"/>
-              <a:t> point.</a:t>
-            </a:r>
-          </a:p>
-          <a:p>
-            <a:endParaRPr lang="en-GB" baseline="0" dirty="0"/>
-          </a:p>
-          <a:p>
-            <a:r>
-              <a:rPr lang="en-GB" baseline="0" dirty="0"/>
-              <a:t>So the first description isn’t quite what we’re talking about here but the second…</a:t>
-            </a:r>
-          </a:p>
-          <a:p>
-            <a:endParaRPr lang="en-GB" baseline="0" dirty="0"/>
-          </a:p>
-          <a:p>
-            <a:r>
-              <a:rPr lang="en-GB" baseline="0" dirty="0"/>
-              <a:t>“make a replica or imitation of something” – is more like what we’re talking about</a:t>
+              <a:rPr lang="en-GB" sz="1200" kern="1200" dirty="0">
+                <a:solidFill>
+                  <a:schemeClr val="tx1"/>
+                </a:solidFill>
+                <a:effectLst/>
+                <a:latin typeface="+mn-lt"/>
+                <a:ea typeface="+mn-ea"/>
+                <a:cs typeface="+mn-cs"/>
+              </a:rPr>
+              <a:t>For</a:t>
+            </a:r>
+            <a:r>
+              <a:rPr lang="en-GB" sz="1200" kern="1200" baseline="0" dirty="0">
+                <a:solidFill>
+                  <a:schemeClr val="tx1"/>
+                </a:solidFill>
+                <a:effectLst/>
+                <a:latin typeface="+mn-lt"/>
+                <a:ea typeface="+mn-ea"/>
+                <a:cs typeface="+mn-cs"/>
+              </a:rPr>
+              <a:t> the past couple of years I’ve been leading the technical </a:t>
+            </a:r>
+            <a:r>
+              <a:rPr lang="en-GB" sz="1200" kern="1200" dirty="0">
+                <a:solidFill>
+                  <a:schemeClr val="tx1"/>
+                </a:solidFill>
+                <a:effectLst/>
+                <a:latin typeface="+mn-lt"/>
+                <a:ea typeface="+mn-ea"/>
+                <a:cs typeface="+mn-cs"/>
+              </a:rPr>
+              <a:t>delivery</a:t>
+            </a:r>
+            <a:r>
+              <a:rPr lang="en-GB" sz="1200" kern="1200" baseline="0" dirty="0">
+                <a:solidFill>
+                  <a:schemeClr val="tx1"/>
+                </a:solidFill>
+                <a:effectLst/>
+                <a:latin typeface="+mn-lt"/>
+                <a:ea typeface="+mn-ea"/>
+                <a:cs typeface="+mn-cs"/>
+              </a:rPr>
+              <a:t> of</a:t>
+            </a:r>
+            <a:r>
+              <a:rPr lang="en-GB" sz="1200" kern="1200" dirty="0">
+                <a:solidFill>
+                  <a:schemeClr val="tx1"/>
+                </a:solidFill>
+                <a:effectLst/>
+                <a:latin typeface="+mn-lt"/>
+                <a:ea typeface="+mn-ea"/>
+                <a:cs typeface="+mn-cs"/>
+              </a:rPr>
+              <a:t> a cloud based mobile platform designed to provide rail staff with context sensitive information on their mobile devices.</a:t>
+            </a:r>
+          </a:p>
+          <a:p>
+            <a:r>
+              <a:rPr lang="en-GB" sz="1200" kern="1200" dirty="0">
+                <a:solidFill>
+                  <a:schemeClr val="tx1"/>
+                </a:solidFill>
+                <a:effectLst/>
+                <a:latin typeface="+mn-lt"/>
+                <a:ea typeface="+mn-ea"/>
+                <a:cs typeface="+mn-cs"/>
+              </a:rPr>
+              <a:t> </a:t>
+            </a:r>
+          </a:p>
+          <a:p>
+            <a:r>
+              <a:rPr lang="en-GB" sz="1200" kern="1200" dirty="0">
+                <a:solidFill>
+                  <a:schemeClr val="tx1"/>
+                </a:solidFill>
+                <a:effectLst/>
+                <a:latin typeface="+mn-lt"/>
+                <a:ea typeface="+mn-ea"/>
+                <a:cs typeface="+mn-cs"/>
+              </a:rPr>
+              <a:t>We architected</a:t>
+            </a:r>
+            <a:r>
+              <a:rPr lang="en-GB" sz="1200" kern="1200" baseline="0" dirty="0">
+                <a:solidFill>
+                  <a:schemeClr val="tx1"/>
+                </a:solidFill>
+                <a:effectLst/>
+                <a:latin typeface="+mn-lt"/>
+                <a:ea typeface="+mn-ea"/>
+                <a:cs typeface="+mn-cs"/>
+              </a:rPr>
+              <a:t> the platform to be delivered via </a:t>
+            </a:r>
+            <a:r>
+              <a:rPr lang="en-GB" sz="1200" kern="1200" dirty="0">
+                <a:solidFill>
+                  <a:schemeClr val="tx1"/>
+                </a:solidFill>
+                <a:effectLst/>
+                <a:latin typeface="+mn-lt"/>
+                <a:ea typeface="+mn-ea"/>
+                <a:cs typeface="+mn-cs"/>
+              </a:rPr>
+              <a:t>a fully automated CD pipeline using blue/green deployments with</a:t>
+            </a:r>
+            <a:r>
+              <a:rPr lang="en-GB" sz="1200" kern="1200" baseline="0" dirty="0">
+                <a:solidFill>
+                  <a:schemeClr val="tx1"/>
+                </a:solidFill>
+                <a:effectLst/>
+                <a:latin typeface="+mn-lt"/>
+                <a:ea typeface="+mn-ea"/>
+                <a:cs typeface="+mn-cs"/>
+              </a:rPr>
+              <a:t> the aim of being able to regularly deliver value with minimal downtime.</a:t>
+            </a:r>
+          </a:p>
+          <a:p>
+            <a:endParaRPr lang="en-GB" sz="1200" kern="1200" baseline="0" dirty="0">
+              <a:solidFill>
+                <a:schemeClr val="tx1"/>
+              </a:solidFill>
+              <a:effectLst/>
+              <a:latin typeface="+mn-lt"/>
+              <a:ea typeface="+mn-ea"/>
+              <a:cs typeface="+mn-cs"/>
+            </a:endParaRPr>
+          </a:p>
+          <a:p>
+            <a:pPr marL="0" marR="0" lvl="0" indent="0" algn="l" defTabSz="914400" rtl="0" eaLnBrk="1" fontAlgn="auto" latinLnBrk="0" hangingPunct="1">
+              <a:lnSpc>
+                <a:spcPct val="100000"/>
+              </a:lnSpc>
+              <a:spcBef>
+                <a:spcPts val="0"/>
+              </a:spcBef>
+              <a:spcAft>
+                <a:spcPts val="0"/>
+              </a:spcAft>
+              <a:buClrTx/>
+              <a:buSzTx/>
+              <a:buFontTx/>
+              <a:buNone/>
+              <a:tabLst/>
+              <a:defRPr/>
+            </a:pPr>
+            <a:r>
+              <a:rPr lang="en-GB" sz="1200" kern="1200" dirty="0">
+                <a:solidFill>
+                  <a:schemeClr val="tx1"/>
+                </a:solidFill>
+                <a:effectLst/>
+                <a:latin typeface="+mn-lt"/>
+                <a:ea typeface="+mn-ea"/>
+                <a:cs typeface="+mn-cs"/>
+              </a:rPr>
+              <a:t>The platform is hosted in AWS and integrates with a self-hosted "backend" system exposed via a HTTP based API. </a:t>
+            </a:r>
+            <a:endParaRPr lang="en-GB" sz="1200" kern="1200" baseline="0" dirty="0">
+              <a:solidFill>
+                <a:schemeClr val="tx1"/>
+              </a:solidFill>
+              <a:effectLst/>
+              <a:latin typeface="+mn-lt"/>
+              <a:ea typeface="+mn-ea"/>
+              <a:cs typeface="+mn-cs"/>
+            </a:endParaRPr>
+          </a:p>
+          <a:p>
+            <a:endParaRPr lang="en-GB" sz="1200" kern="1200" baseline="0" dirty="0">
+              <a:solidFill>
+                <a:schemeClr val="tx1"/>
+              </a:solidFill>
+              <a:effectLst/>
+              <a:latin typeface="+mn-lt"/>
+              <a:ea typeface="+mn-ea"/>
+              <a:cs typeface="+mn-cs"/>
+            </a:endParaRPr>
+          </a:p>
+          <a:p>
+            <a:r>
+              <a:rPr lang="en-GB" sz="1200" kern="1200" baseline="0" dirty="0">
+                <a:solidFill>
+                  <a:schemeClr val="tx1"/>
+                </a:solidFill>
+                <a:effectLst/>
+                <a:latin typeface="+mn-lt"/>
+                <a:ea typeface="+mn-ea"/>
+                <a:cs typeface="+mn-cs"/>
+              </a:rPr>
+              <a:t>Central to the delivery pipeline is a suite of automated acceptance tests</a:t>
+            </a:r>
+            <a:r>
+              <a:rPr lang="en-GB" sz="1200" kern="1200" dirty="0">
+                <a:solidFill>
+                  <a:schemeClr val="tx1"/>
+                </a:solidFill>
+                <a:effectLst/>
+                <a:latin typeface="+mn-lt"/>
+                <a:ea typeface="+mn-ea"/>
+                <a:cs typeface="+mn-cs"/>
+              </a:rPr>
+              <a:t> that</a:t>
+            </a:r>
+            <a:r>
+              <a:rPr lang="en-GB" sz="1200" kern="1200" baseline="0" dirty="0">
+                <a:solidFill>
+                  <a:schemeClr val="tx1"/>
+                </a:solidFill>
+                <a:effectLst/>
+                <a:latin typeface="+mn-lt"/>
+                <a:ea typeface="+mn-ea"/>
+                <a:cs typeface="+mn-cs"/>
+              </a:rPr>
+              <a:t> allow us to</a:t>
+            </a:r>
+            <a:r>
+              <a:rPr lang="en-GB" sz="1200" kern="1200" dirty="0">
+                <a:solidFill>
+                  <a:schemeClr val="tx1"/>
+                </a:solidFill>
+                <a:effectLst/>
+                <a:latin typeface="+mn-lt"/>
+                <a:ea typeface="+mn-ea"/>
+                <a:cs typeface="+mn-cs"/>
+              </a:rPr>
+              <a:t> verify the behaviour of the mobile platform and</a:t>
+            </a:r>
+            <a:r>
+              <a:rPr lang="en-GB" sz="1200" kern="1200" baseline="0" dirty="0">
+                <a:solidFill>
+                  <a:schemeClr val="tx1"/>
+                </a:solidFill>
+                <a:effectLst/>
+                <a:latin typeface="+mn-lt"/>
+                <a:ea typeface="+mn-ea"/>
+                <a:cs typeface="+mn-cs"/>
+              </a:rPr>
+              <a:t> give us the confidence to deliver changes the way we do</a:t>
+            </a:r>
+            <a:r>
+              <a:rPr lang="en-GB" sz="1200" kern="1200" dirty="0">
+                <a:solidFill>
+                  <a:schemeClr val="tx1"/>
+                </a:solidFill>
+                <a:effectLst/>
+                <a:latin typeface="+mn-lt"/>
+                <a:ea typeface="+mn-ea"/>
+                <a:cs typeface="+mn-cs"/>
+              </a:rPr>
+              <a:t>. </a:t>
+            </a:r>
+          </a:p>
+          <a:p>
+            <a:endParaRPr lang="en-GB" sz="1200" kern="1200" dirty="0">
+              <a:solidFill>
+                <a:schemeClr val="tx1"/>
+              </a:solidFill>
+              <a:effectLst/>
+              <a:latin typeface="+mn-lt"/>
+              <a:ea typeface="+mn-ea"/>
+              <a:cs typeface="+mn-cs"/>
+            </a:endParaRPr>
+          </a:p>
+          <a:p>
+            <a:r>
+              <a:rPr lang="en-GB" sz="1200" kern="1200" dirty="0">
+                <a:solidFill>
+                  <a:schemeClr val="tx1"/>
+                </a:solidFill>
+                <a:effectLst/>
+                <a:latin typeface="+mn-lt"/>
+                <a:ea typeface="+mn-ea"/>
+                <a:cs typeface="+mn-cs"/>
+              </a:rPr>
+              <a:t>We realised quite early that we would have to</a:t>
+            </a:r>
+            <a:r>
+              <a:rPr lang="en-GB" sz="1200" kern="1200" baseline="0" dirty="0">
+                <a:solidFill>
+                  <a:schemeClr val="tx1"/>
+                </a:solidFill>
+                <a:effectLst/>
+                <a:latin typeface="+mn-lt"/>
+                <a:ea typeface="+mn-ea"/>
+                <a:cs typeface="+mn-cs"/>
+              </a:rPr>
+              <a:t> manage the dependency with the “backend” service to allow us to fully test the platform.</a:t>
+            </a:r>
+          </a:p>
+          <a:p>
+            <a:r>
+              <a:rPr lang="en-GB" sz="1200" kern="1200" dirty="0">
+                <a:solidFill>
+                  <a:schemeClr val="tx1"/>
+                </a:solidFill>
+                <a:effectLst/>
+                <a:latin typeface="+mn-lt"/>
+                <a:ea typeface="+mn-ea"/>
+                <a:cs typeface="+mn-cs"/>
+              </a:rPr>
+              <a:t> </a:t>
+            </a:r>
+          </a:p>
+          <a:p>
+            <a:r>
+              <a:rPr lang="en-GB" sz="1200" kern="1200" dirty="0">
+                <a:solidFill>
+                  <a:schemeClr val="tx1"/>
+                </a:solidFill>
+                <a:effectLst/>
+                <a:latin typeface="+mn-lt"/>
+                <a:ea typeface="+mn-ea"/>
+                <a:cs typeface="+mn-cs"/>
+              </a:rPr>
+              <a:t>Over the next quarter of an hour we’ll explore how we tackled</a:t>
+            </a:r>
+            <a:r>
+              <a:rPr lang="en-GB" sz="1200" kern="1200" baseline="0" dirty="0">
+                <a:solidFill>
+                  <a:schemeClr val="tx1"/>
+                </a:solidFill>
+                <a:effectLst/>
+                <a:latin typeface="+mn-lt"/>
+                <a:ea typeface="+mn-ea"/>
+                <a:cs typeface="+mn-cs"/>
+              </a:rPr>
+              <a:t> this problem.</a:t>
             </a:r>
             <a:endParaRPr lang="en-GB" dirty="0"/>
           </a:p>
@@ -1069,7 +1435,7 @@
     </p:spTree>
     <p:extLst>
       <p:ext uri="{BB962C8B-B14F-4D97-AF65-F5344CB8AC3E}">
-        <p14:creationId xmlns:p14="http://schemas.microsoft.com/office/powerpoint/2010/main" val="2071072603"/>
+        <p14:creationId xmlns:p14="http://schemas.microsoft.com/office/powerpoint/2010/main" val="1430507687"/>
       </p:ext>
     </p:extLst>
   </p:cSld>
@@ -1125,11 +1491,20 @@
           <a:p>
             <a:r>
               <a:rPr lang="en-GB" dirty="0"/>
-              <a:t>Applying this to the domain of software engineering,</a:t>
+              <a:t>So let’s begin by defining the term “mock”.</a:t>
+            </a:r>
+          </a:p>
+          <a:p>
+            <a:endParaRPr lang="en-GB" dirty="0"/>
+          </a:p>
+          <a:p>
+            <a:r>
+              <a:rPr lang="en-GB" dirty="0"/>
+              <a:t>A quick Google search gives us a good starting</a:t>
             </a:r>
             <a:r>
               <a:rPr lang="en-GB" baseline="0" dirty="0"/>
-              <a:t> mocks are…</a:t>
+              <a:t> point.</a:t>
             </a:r>
           </a:p>
           <a:p>
@@ -1138,7 +1513,7 @@
           <a:p>
             <a:r>
               <a:rPr lang="en-GB" baseline="0" dirty="0"/>
-              <a:t>“…special case objects that mimic real objects for testing.”</a:t>
+              <a:t>So the first description isn’t quite what we’re talking about here but the second…</a:t>
             </a:r>
           </a:p>
           <a:p>
@@ -1147,17 +1522,9 @@
           <a:p>
             <a:r>
               <a:rPr lang="en-GB" baseline="0" dirty="0"/>
-              <a:t>Now this description sounds quite low-level in that it refers to objects. </a:t>
-            </a:r>
-          </a:p>
-          <a:p>
-            <a:endParaRPr lang="en-GB" baseline="0" dirty="0"/>
-          </a:p>
-          <a:p>
-            <a:r>
-              <a:rPr lang="en-GB" baseline="0" dirty="0"/>
-              <a:t>In more general terms, an object could refer to any internal or external component related to a software application.</a:t>
-            </a:r>
+              <a:t>“make a replica or imitation of something” – is more like what we’re talking about</a:t>
+            </a:r>
+            <a:endParaRPr lang="en-GB" dirty="0"/>
           </a:p>
         </p:txBody>
       </p:sp>
@@ -1187,7 +1554,7 @@
     </p:spTree>
     <p:extLst>
       <p:ext uri="{BB962C8B-B14F-4D97-AF65-F5344CB8AC3E}">
-        <p14:creationId xmlns:p14="http://schemas.microsoft.com/office/powerpoint/2010/main" val="3851675632"/>
+        <p14:creationId xmlns:p14="http://schemas.microsoft.com/office/powerpoint/2010/main" val="2071072603"/>
       </p:ext>
     </p:extLst>
   </p:cSld>
@@ -1243,11 +1610,11 @@
           <a:p>
             <a:r>
               <a:rPr lang="en-GB" dirty="0"/>
-              <a:t>So why do</a:t>
+              <a:t>Applying this to the domain of software engineering,</a:t>
             </a:r>
             <a:r>
               <a:rPr lang="en-GB" baseline="0" dirty="0"/>
-              <a:t> we use mocks when testing our code or applications?</a:t>
+              <a:t> mocks are…</a:t>
             </a:r>
           </a:p>
           <a:p>
@@ -1256,7 +1623,7 @@
           <a:p>
             <a:r>
               <a:rPr lang="en-GB" baseline="0" dirty="0"/>
-              <a:t>Well, to allow us to write tests that are deterministic and repeatable, we have to be in control of how our objects or systems interact with other objects or systems.</a:t>
+              <a:t>“…special case objects that mimic real objects for testing.”</a:t>
             </a:r>
           </a:p>
           <a:p>
@@ -1265,9 +1632,17 @@
           <a:p>
             <a:r>
               <a:rPr lang="en-GB" baseline="0" dirty="0"/>
-              <a:t>This control allows us to model the various scenarios necessary to prove that the software meets any acceptance criteria.</a:t>
-            </a:r>
-            <a:endParaRPr lang="en-GB" dirty="0"/>
+              <a:t>Now this description sounds quite low-level in that it refers to objects. </a:t>
+            </a:r>
+          </a:p>
+          <a:p>
+            <a:endParaRPr lang="en-GB" baseline="0" dirty="0"/>
+          </a:p>
+          <a:p>
+            <a:r>
+              <a:rPr lang="en-GB" baseline="0" dirty="0"/>
+              <a:t>In more general terms, an object could refer to any internal or external component related to a software application.</a:t>
+            </a:r>
           </a:p>
         </p:txBody>
       </p:sp>
@@ -1297,7 +1672,7 @@
     </p:spTree>
     <p:extLst>
       <p:ext uri="{BB962C8B-B14F-4D97-AF65-F5344CB8AC3E}">
-        <p14:creationId xmlns:p14="http://schemas.microsoft.com/office/powerpoint/2010/main" val="2543379402"/>
+        <p14:creationId xmlns:p14="http://schemas.microsoft.com/office/powerpoint/2010/main" val="3851675632"/>
       </p:ext>
     </p:extLst>
   </p:cSld>
@@ -1353,11 +1728,11 @@
           <a:p>
             <a:r>
               <a:rPr lang="en-GB" dirty="0"/>
-              <a:t>It is likely that during the development of an application</a:t>
+              <a:t>So why do</a:t>
             </a:r>
             <a:r>
               <a:rPr lang="en-GB" baseline="0" dirty="0"/>
-              <a:t> you’ll be writing different types of tests to increase the confidence that what you are producing is correct.</a:t>
+              <a:t> we use mocks when testing our code or applications?</a:t>
             </a:r>
           </a:p>
           <a:p>
@@ -1366,7 +1741,7 @@
           <a:p>
             <a:r>
               <a:rPr lang="en-GB" baseline="0" dirty="0"/>
-              <a:t>This will usually start with unit tests in which you’ll be aiming to test a single unit of your application which will likely be single class.</a:t>
+              <a:t>Well, to allow us to write tests that are deterministic and repeatable, we have to be in control of how our objects or systems interact with other objects or systems.</a:t>
             </a:r>
           </a:p>
           <a:p>
@@ -1375,34 +1750,9 @@
           <a:p>
             <a:r>
               <a:rPr lang="en-GB" baseline="0" dirty="0"/>
-              <a:t>If the object you are testing interacts with another object then using a design pattern such as dependency injection, to implement inversion of control, and a framework such as </a:t>
-            </a:r>
-            <a:r>
-              <a:rPr lang="en-GB" baseline="0" dirty="0" err="1"/>
-              <a:t>Mockito</a:t>
-            </a:r>
-            <a:r>
-              <a:rPr lang="en-GB" baseline="0" dirty="0"/>
-              <a:t> you will be able to provide the unit you are testing with a mock collaborator.</a:t>
-            </a:r>
-          </a:p>
-          <a:p>
-            <a:endParaRPr lang="en-GB" baseline="0" dirty="0"/>
-          </a:p>
-          <a:p>
-            <a:r>
-              <a:rPr lang="en-GB" baseline="0" dirty="0"/>
-              <a:t>Similarly, if you are testing at a higher level and looking to prove the correctness of a subsystem or the application as a whole then it may be necessary to mock the application’s external dependencies such as the database, a queue, or a web service.</a:t>
-            </a:r>
-          </a:p>
-          <a:p>
-            <a:endParaRPr lang="en-GB" baseline="0" dirty="0"/>
-          </a:p>
-          <a:p>
-            <a:r>
-              <a:rPr lang="en-GB" baseline="0" dirty="0"/>
-              <a:t>It’s important to note, mocks are useful but are not a replacement for testing against the “real” thing. This is necessary and should definitely be part of your testing strategy.</a:t>
-            </a:r>
+              <a:t>This control allows us to model the various scenarios necessary to prove that the software meets any acceptance criteria.</a:t>
+            </a:r>
+            <a:endParaRPr lang="en-GB" dirty="0"/>
           </a:p>
         </p:txBody>
       </p:sp>
@@ -1432,7 +1782,7 @@
     </p:spTree>
     <p:extLst>
       <p:ext uri="{BB962C8B-B14F-4D97-AF65-F5344CB8AC3E}">
-        <p14:creationId xmlns:p14="http://schemas.microsoft.com/office/powerpoint/2010/main" val="895705484"/>
+        <p14:creationId xmlns:p14="http://schemas.microsoft.com/office/powerpoint/2010/main" val="2543379402"/>
       </p:ext>
     </p:extLst>
   </p:cSld>
@@ -1488,11 +1838,11 @@
           <a:p>
             <a:r>
               <a:rPr lang="en-GB" dirty="0"/>
-              <a:t>It’s quite common</a:t>
+              <a:t>It is likely that during the development of an application</a:t>
             </a:r>
             <a:r>
               <a:rPr lang="en-GB" baseline="0" dirty="0"/>
-              <a:t> for an application to depend on an external web service.</a:t>
+              <a:t> you’ll be writing different types of tests to increase the confidence that what you are producing is correct.</a:t>
             </a:r>
           </a:p>
           <a:p>
@@ -1501,15 +1851,24 @@
           <a:p>
             <a:r>
               <a:rPr lang="en-GB" baseline="0" dirty="0"/>
-              <a:t>The external service could be external to the company and controlled by a 3</a:t>
-            </a:r>
-            <a:r>
-              <a:rPr lang="en-GB" baseline="30000" dirty="0"/>
-              <a:t>rd</a:t>
-            </a:r>
+              <a:t>This will usually start with unit tests in which you’ll be aiming to test a single unit of your application which will likely be single class.</a:t>
+            </a:r>
+          </a:p>
+          <a:p>
+            <a:endParaRPr lang="en-GB" baseline="0" dirty="0"/>
+          </a:p>
+          <a:p>
             <a:r>
               <a:rPr lang="en-GB" baseline="0" dirty="0"/>
-              <a:t> party e.g. Twitter. </a:t>
+              <a:t>If the object you are testing interacts with another object then using a design pattern such as dependency injection, to implement inversion of control, and a framework such as </a:t>
+            </a:r>
+            <a:r>
+              <a:rPr lang="en-GB" baseline="0" dirty="0" err="1"/>
+              <a:t>Mockito</a:t>
+            </a:r>
+            <a:r>
+              <a:rPr lang="en-GB" baseline="0" dirty="0"/>
+              <a:t> you will be able to provide the unit you are testing with a mock collaborator.</a:t>
             </a:r>
           </a:p>
           <a:p>
@@ -1518,38 +1877,17 @@
           <a:p>
             <a:r>
               <a:rPr lang="en-GB" baseline="0" dirty="0"/>
-              <a:t>It could be a service within the company but controlled by a different team. It is quite common for micro-service architectures to communication over HTTP.</a:t>
+              <a:t>Similarly, if you are testing at a higher level and looking to prove the correctness of a subsystem or the application as a whole then it may be necessary to mock the application’s external dependencies such as the database, a queue, or a web service.</a:t>
             </a:r>
           </a:p>
           <a:p>
             <a:endParaRPr lang="en-GB" baseline="0" dirty="0"/>
           </a:p>
           <a:p>
-            <a:pPr marL="171450" marR="0" lvl="0" indent="-171450" algn="l" defTabSz="914400" rtl="0" eaLnBrk="1" fontAlgn="auto" latinLnBrk="0" hangingPunct="1">
-              <a:lnSpc>
-                <a:spcPct val="100000"/>
-              </a:lnSpc>
-              <a:spcBef>
-                <a:spcPts val="0"/>
-              </a:spcBef>
-              <a:spcAft>
-                <a:spcPts val="0"/>
-              </a:spcAft>
-              <a:buClrTx/>
-              <a:buSzTx/>
-              <a:buFont typeface="Arial" panose="020B0604020202020204" pitchFamily="34" charset="0"/>
-              <a:buChar char="•"/>
-              <a:tabLst/>
-              <a:defRPr/>
-            </a:pPr>
-            <a:endParaRPr lang="en-GB" dirty="0"/>
-          </a:p>
-          <a:p>
-            <a:pPr marL="171450" indent="-171450">
-              <a:buFont typeface="Arial" panose="020B0604020202020204" pitchFamily="34" charset="0"/>
-              <a:buChar char="•"/>
-            </a:pPr>
-            <a:endParaRPr lang="en-GB" dirty="0"/>
+            <a:r>
+              <a:rPr lang="en-GB" baseline="0" dirty="0"/>
+              <a:t>It’s important to note, mocks are useful but are not a replacement for testing against the “real” thing. This is necessary and should definitely be part of your testing strategy.</a:t>
+            </a:r>
           </a:p>
         </p:txBody>
       </p:sp>
@@ -1579,7 +1917,7 @@
     </p:spTree>
     <p:extLst>
       <p:ext uri="{BB962C8B-B14F-4D97-AF65-F5344CB8AC3E}">
-        <p14:creationId xmlns:p14="http://schemas.microsoft.com/office/powerpoint/2010/main" val="1707470099"/>
+        <p14:creationId xmlns:p14="http://schemas.microsoft.com/office/powerpoint/2010/main" val="895705484"/>
       </p:ext>
     </p:extLst>
   </p:cSld>
@@ -1635,11 +1973,11 @@
           <a:p>
             <a:r>
               <a:rPr lang="en-GB" dirty="0"/>
-              <a:t>There are various tools or frameworks available that support the mocking of HTTP based APIs or web services however I’m going to focus on WireMock</a:t>
+              <a:t>It’s quite common</a:t>
             </a:r>
             <a:r>
               <a:rPr lang="en-GB" baseline="0" dirty="0"/>
-              <a:t> that we have used to good effect to support our development and automated integration testing processes within Tracsis.</a:t>
+              <a:t> for an application to depend on an external web service.</a:t>
             </a:r>
           </a:p>
           <a:p>
@@ -1648,15 +1986,15 @@
           <a:p>
             <a:r>
               <a:rPr lang="en-GB" baseline="0" dirty="0"/>
-              <a:t>WireMock was created by Tom </a:t>
-            </a:r>
-            <a:r>
-              <a:rPr lang="en-GB" baseline="0" dirty="0" err="1"/>
-              <a:t>Akehurst</a:t>
+              <a:t>The external service could be external to the company and controlled by a 3</a:t>
+            </a:r>
+            <a:r>
+              <a:rPr lang="en-GB" baseline="30000" dirty="0"/>
+              <a:t>rd</a:t>
             </a:r>
             <a:r>
               <a:rPr lang="en-GB" baseline="0" dirty="0"/>
-              <a:t> a few years ago now so is quite mature as a product.</a:t>
+              <a:t> party e.g. Twitter. </a:t>
             </a:r>
           </a:p>
           <a:p>
@@ -1665,8 +2003,37 @@
           <a:p>
             <a:r>
               <a:rPr lang="en-GB" baseline="0" dirty="0"/>
-              <a:t>The documentation on the website is pretty good, contains lots of useful info and examples.</a:t>
-            </a:r>
+              <a:t>It could be a service within the company but controlled by a different team. It is quite common for micro-service architectures to communication over HTTP.</a:t>
+            </a:r>
+          </a:p>
+          <a:p>
+            <a:endParaRPr lang="en-GB" baseline="0" dirty="0"/>
+          </a:p>
+          <a:p>
+            <a:pPr marL="171450" marR="0" lvl="0" indent="-171450" algn="l" defTabSz="914400" rtl="0" eaLnBrk="1" fontAlgn="auto" latinLnBrk="0" hangingPunct="1">
+              <a:lnSpc>
+                <a:spcPct val="100000"/>
+              </a:lnSpc>
+              <a:spcBef>
+                <a:spcPts val="0"/>
+              </a:spcBef>
+              <a:spcAft>
+                <a:spcPts val="0"/>
+              </a:spcAft>
+              <a:buClrTx/>
+              <a:buSzTx/>
+              <a:buFont typeface="Arial" panose="020B0604020202020204" pitchFamily="34" charset="0"/>
+              <a:buChar char="•"/>
+              <a:tabLst/>
+              <a:defRPr/>
+            </a:pPr>
+            <a:endParaRPr lang="en-GB" dirty="0"/>
+          </a:p>
+          <a:p>
+            <a:pPr marL="171450" indent="-171450">
+              <a:buFont typeface="Arial" panose="020B0604020202020204" pitchFamily="34" charset="0"/>
+              <a:buChar char="•"/>
+            </a:pPr>
             <a:endParaRPr lang="en-GB" dirty="0"/>
           </a:p>
         </p:txBody>
@@ -1697,7 +2064,7 @@
     </p:spTree>
     <p:extLst>
       <p:ext uri="{BB962C8B-B14F-4D97-AF65-F5344CB8AC3E}">
-        <p14:creationId xmlns:p14="http://schemas.microsoft.com/office/powerpoint/2010/main" val="1141570079"/>
+        <p14:creationId xmlns:p14="http://schemas.microsoft.com/office/powerpoint/2010/main" val="1707470099"/>
       </p:ext>
     </p:extLst>
   </p:cSld>
@@ -1751,74 +2118,50 @@
           <a:bodyPr/>
           <a:lstStyle/>
           <a:p>
-            <a:pPr marL="0" indent="0">
-              <a:buFont typeface="Arial" panose="020B0604020202020204" pitchFamily="34" charset="0"/>
-              <a:buNone/>
-            </a:pPr>
             <a:r>
               <a:rPr lang="en-GB" dirty="0"/>
-              <a:t>In it’s simplest form, WireMock comes as a runnable JAR that can be started from the command line. This mode proves to be very useful</a:t>
+              <a:t>There are various tools or frameworks available that support the mocking of HTTP based APIs or web services however I’m going to focus on WireMock</a:t>
             </a:r>
             <a:r>
               <a:rPr lang="en-GB" baseline="0" dirty="0"/>
-              <a:t> during development to provide a reliable web service running on your local machine to develop against.</a:t>
+              <a:t> that we have used to good effect to support our development and automated integration testing processes within Tracsis.</a:t>
+            </a:r>
+          </a:p>
+          <a:p>
+            <a:endParaRPr lang="en-GB" baseline="0" dirty="0"/>
+          </a:p>
+          <a:p>
+            <a:r>
+              <a:rPr lang="en-GB" baseline="0" dirty="0"/>
+              <a:t>WireMock was created a few years ago by Tom </a:t>
+            </a:r>
+            <a:r>
+              <a:rPr lang="en-GB" baseline="0" dirty="0" err="1"/>
+              <a:t>Akehurst</a:t>
+            </a:r>
+            <a:r>
+              <a:rPr lang="en-GB" baseline="0" dirty="0"/>
+              <a:t>, a London based developer.</a:t>
+            </a:r>
+          </a:p>
+          <a:p>
+            <a:endParaRPr lang="en-GB" baseline="0" dirty="0"/>
+          </a:p>
+          <a:p>
+            <a:r>
+              <a:rPr lang="en-GB" baseline="0" dirty="0"/>
+              <a:t>The framework is open source which appealed to us as development team and is quite mature at version 2.</a:t>
+            </a:r>
+          </a:p>
+          <a:p>
+            <a:endParaRPr lang="en-GB" baseline="0" dirty="0"/>
+          </a:p>
+          <a:p>
+            <a:r>
+              <a:rPr lang="en-GB" baseline="0" dirty="0"/>
+              <a:t>The documentation on the website is pretty good, contains lots of useful info and examples.</a:t>
             </a:r>
             <a:endParaRPr lang="en-GB" dirty="0"/>
-          </a:p>
-          <a:p>
-            <a:pPr marL="0" indent="0">
-              <a:buFont typeface="Arial" panose="020B0604020202020204" pitchFamily="34" charset="0"/>
-              <a:buNone/>
-            </a:pPr>
-            <a:endParaRPr lang="en-GB" dirty="0"/>
-          </a:p>
-          <a:p>
-            <a:pPr marL="0" indent="0">
-              <a:buFont typeface="Arial" panose="020B0604020202020204" pitchFamily="34" charset="0"/>
-              <a:buNone/>
-            </a:pPr>
-            <a:r>
-              <a:rPr lang="en-GB" dirty="0"/>
-              <a:t>WireMock can also be deployed to a servlet</a:t>
-            </a:r>
-            <a:r>
-              <a:rPr lang="en-GB" baseline="0" dirty="0"/>
-              <a:t> container if that’s your preference.</a:t>
-            </a:r>
-          </a:p>
-          <a:p>
-            <a:pPr marL="0" indent="0">
-              <a:buFont typeface="Arial" panose="020B0604020202020204" pitchFamily="34" charset="0"/>
-              <a:buNone/>
-            </a:pPr>
-            <a:endParaRPr lang="en-GB" baseline="0" dirty="0"/>
-          </a:p>
-          <a:p>
-            <a:pPr marL="0" indent="0">
-              <a:buFont typeface="Arial" panose="020B0604020202020204" pitchFamily="34" charset="0"/>
-              <a:buNone/>
-            </a:pPr>
-            <a:r>
-              <a:rPr lang="en-GB" baseline="0" dirty="0"/>
-              <a:t>There is a comprehensive Java API from which you can created an embedded WireMock server and configure as required.</a:t>
-            </a:r>
-          </a:p>
-          <a:p>
-            <a:pPr marL="0" indent="0">
-              <a:buFont typeface="Arial" panose="020B0604020202020204" pitchFamily="34" charset="0"/>
-              <a:buNone/>
-            </a:pPr>
-            <a:endParaRPr lang="en-GB" baseline="0" dirty="0"/>
-          </a:p>
-          <a:p>
-            <a:pPr marL="0" indent="0">
-              <a:buFont typeface="Arial" panose="020B0604020202020204" pitchFamily="34" charset="0"/>
-              <a:buNone/>
-            </a:pPr>
-            <a:r>
-              <a:rPr lang="en-GB" baseline="0" dirty="0"/>
-              <a:t>Finally, and more interesting from a Java testing perspective, WireMock provides Junit integration using @Rules.</a:t>
-            </a:r>
           </a:p>
         </p:txBody>
       </p:sp>
@@ -1848,7 +2191,7 @@
     </p:spTree>
     <p:extLst>
       <p:ext uri="{BB962C8B-B14F-4D97-AF65-F5344CB8AC3E}">
-        <p14:creationId xmlns:p14="http://schemas.microsoft.com/office/powerpoint/2010/main" val="2886470369"/>
+        <p14:creationId xmlns:p14="http://schemas.microsoft.com/office/powerpoint/2010/main" val="1141570079"/>
       </p:ext>
     </p:extLst>
   </p:cSld>
@@ -1902,67 +2245,73 @@
           <a:bodyPr/>
           <a:lstStyle/>
           <a:p>
+            <a:pPr marL="0" indent="0">
+              <a:buFont typeface="Arial" panose="020B0604020202020204" pitchFamily="34" charset="0"/>
+              <a:buNone/>
+            </a:pPr>
             <a:r>
               <a:rPr lang="en-GB" dirty="0"/>
-              <a:t>In regards</a:t>
+              <a:t>In it’s simplest form, WireMock comes as a runnable JAR that can be started from the command line. This mode proves to be very useful</a:t>
             </a:r>
             <a:r>
               <a:rPr lang="en-GB" baseline="0" dirty="0"/>
-              <a:t> to the feature set of WireMock…</a:t>
-            </a:r>
-          </a:p>
-          <a:p>
+              <a:t> during development to provide a reliable web service running on your local machine to develop against.</a:t>
+            </a:r>
+            <a:endParaRPr lang="en-GB" dirty="0"/>
+          </a:p>
+          <a:p>
+            <a:pPr marL="0" indent="0">
+              <a:buFont typeface="Arial" panose="020B0604020202020204" pitchFamily="34" charset="0"/>
+              <a:buNone/>
+            </a:pPr>
+            <a:endParaRPr lang="en-GB" dirty="0"/>
+          </a:p>
+          <a:p>
+            <a:pPr marL="0" indent="0">
+              <a:buFont typeface="Arial" panose="020B0604020202020204" pitchFamily="34" charset="0"/>
+              <a:buNone/>
+            </a:pPr>
+            <a:r>
+              <a:rPr lang="en-GB" dirty="0"/>
+              <a:t>WireMock can also be deployed to a servlet</a:t>
+            </a:r>
+            <a:r>
+              <a:rPr lang="en-GB" baseline="0" dirty="0"/>
+              <a:t> container if that’s your preference.</a:t>
+            </a:r>
+          </a:p>
+          <a:p>
+            <a:pPr marL="0" indent="0">
+              <a:buFont typeface="Arial" panose="020B0604020202020204" pitchFamily="34" charset="0"/>
+              <a:buNone/>
+            </a:pPr>
             <a:endParaRPr lang="en-GB" baseline="0" dirty="0"/>
           </a:p>
           <a:p>
+            <a:pPr marL="0" indent="0">
+              <a:buFont typeface="Arial" panose="020B0604020202020204" pitchFamily="34" charset="0"/>
+              <a:buNone/>
+            </a:pPr>
             <a:r>
               <a:rPr lang="en-GB" baseline="0" dirty="0"/>
-              <a:t>Stubbing allows you to pre-define a canned response that will be served when a request is made matching a specific URL pattern.</a:t>
-            </a:r>
-          </a:p>
-          <a:p>
+              <a:t>There is a comprehensive Java API from which you can created an embedded WireMock server and configure as required.</a:t>
+            </a:r>
+          </a:p>
+          <a:p>
+            <a:pPr marL="0" indent="0">
+              <a:buFont typeface="Arial" panose="020B0604020202020204" pitchFamily="34" charset="0"/>
+              <a:buNone/>
+            </a:pPr>
             <a:endParaRPr lang="en-GB" baseline="0" dirty="0"/>
           </a:p>
           <a:p>
+            <a:pPr marL="0" indent="0">
+              <a:buFont typeface="Arial" panose="020B0604020202020204" pitchFamily="34" charset="0"/>
+              <a:buNone/>
+            </a:pPr>
             <a:r>
               <a:rPr lang="en-GB" baseline="0" dirty="0"/>
-              <a:t>Verifying allows you to prove that your application interacts with the external service in the way that you require it to.</a:t>
-            </a:r>
-          </a:p>
-          <a:p>
-            <a:endParaRPr lang="en-GB" baseline="0" dirty="0"/>
-          </a:p>
-          <a:p>
-            <a:r>
-              <a:rPr lang="en-GB" baseline="0" dirty="0"/>
-              <a:t>WireMock can be used as a proxy. </a:t>
-            </a:r>
-          </a:p>
-          <a:p>
-            <a:endParaRPr lang="en-GB" baseline="0" dirty="0"/>
-          </a:p>
-          <a:p>
-            <a:r>
-              <a:rPr lang="en-GB" baseline="0" dirty="0"/>
-              <a:t>The ability to record and playback interactions with the external service is pretty cool. It is a great way to create a base set of request mappings for use in development or with your tests.</a:t>
-            </a:r>
-          </a:p>
-          <a:p>
-            <a:endParaRPr lang="en-GB" baseline="0" dirty="0"/>
-          </a:p>
-          <a:p>
-            <a:r>
-              <a:rPr lang="en-GB" baseline="0" dirty="0"/>
-              <a:t>The ability to simulate faults is very useful, particularly when it comes to testing the resilience of your application. One example would be to add a delay to the interaction with the external service to prove that your app behaves as expected.</a:t>
-            </a:r>
-          </a:p>
-          <a:p>
-            <a:endParaRPr lang="en-GB" baseline="0" dirty="0"/>
-          </a:p>
-          <a:p>
-            <a:r>
-              <a:rPr lang="en-GB" baseline="0" dirty="0"/>
-              <a:t>Finally </a:t>
+              <a:t>Finally, and more interesting from a Java testing perspective, WireMock provides Junit integration using @Rules.</a:t>
             </a:r>
           </a:p>
         </p:txBody>
@@ -1993,7 +2342,7 @@
     </p:spTree>
     <p:extLst>
       <p:ext uri="{BB962C8B-B14F-4D97-AF65-F5344CB8AC3E}">
-        <p14:creationId xmlns:p14="http://schemas.microsoft.com/office/powerpoint/2010/main" val="2005511295"/>
+        <p14:creationId xmlns:p14="http://schemas.microsoft.com/office/powerpoint/2010/main" val="2886470369"/>
       </p:ext>
     </p:extLst>
   </p:cSld>
@@ -2179,7 +2528,7 @@
           <a:p>
             <a:fld id="{86FCE54F-0372-4E4E-B527-70D6A14B2608}" type="datetimeFigureOut">
               <a:rPr lang="en-GB" smtClean="0"/>
-              <a:t>30/09/2016</a:t>
+              <a:t>18/10/2016</a:t>
             </a:fld>
             <a:endParaRPr lang="en-GB"/>
           </a:p>
@@ -2349,7 +2698,7 @@
           <a:p>
             <a:fld id="{86FCE54F-0372-4E4E-B527-70D6A14B2608}" type="datetimeFigureOut">
               <a:rPr lang="en-GB" smtClean="0"/>
-              <a:t>30/09/2016</a:t>
+              <a:t>18/10/2016</a:t>
             </a:fld>
             <a:endParaRPr lang="en-GB"/>
           </a:p>
@@ -2572,7 +2921,7 @@
           <a:p>
             <a:fld id="{86FCE54F-0372-4E4E-B527-70D6A14B2608}" type="datetimeFigureOut">
               <a:rPr lang="en-GB" smtClean="0"/>
-              <a:t>30/09/2016</a:t>
+              <a:t>18/10/2016</a:t>
             </a:fld>
             <a:endParaRPr lang="en-GB"/>
           </a:p>
@@ -2752,7 +3101,7 @@
           <a:p>
             <a:fld id="{86FCE54F-0372-4E4E-B527-70D6A14B2608}" type="datetimeFigureOut">
               <a:rPr lang="en-GB" smtClean="0"/>
-              <a:t>30/09/2016</a:t>
+              <a:t>18/10/2016</a:t>
             </a:fld>
             <a:endParaRPr lang="en-GB"/>
           </a:p>
@@ -3058,7 +3407,7 @@
           <a:p>
             <a:fld id="{86FCE54F-0372-4E4E-B527-70D6A14B2608}" type="datetimeFigureOut">
               <a:rPr lang="en-GB" smtClean="0"/>
-              <a:t>30/09/2016</a:t>
+              <a:t>18/10/2016</a:t>
             </a:fld>
             <a:endParaRPr lang="en-GB"/>
           </a:p>
@@ -3362,7 +3711,7 @@
           <a:p>
             <a:fld id="{86FCE54F-0372-4E4E-B527-70D6A14B2608}" type="datetimeFigureOut">
               <a:rPr lang="en-GB" smtClean="0"/>
-              <a:t>30/09/2016</a:t>
+              <a:t>18/10/2016</a:t>
             </a:fld>
             <a:endParaRPr lang="en-GB"/>
           </a:p>
@@ -3784,7 +4133,7 @@
           <a:p>
             <a:fld id="{86FCE54F-0372-4E4E-B527-70D6A14B2608}" type="datetimeFigureOut">
               <a:rPr lang="en-GB" smtClean="0"/>
-              <a:t>30/09/2016</a:t>
+              <a:t>18/10/2016</a:t>
             </a:fld>
             <a:endParaRPr lang="en-GB"/>
           </a:p>
@@ -3902,7 +4251,7 @@
           <a:p>
             <a:fld id="{86FCE54F-0372-4E4E-B527-70D6A14B2608}" type="datetimeFigureOut">
               <a:rPr lang="en-GB" smtClean="0"/>
-              <a:t>30/09/2016</a:t>
+              <a:t>18/10/2016</a:t>
             </a:fld>
             <a:endParaRPr lang="en-GB"/>
           </a:p>
@@ -3997,7 +4346,7 @@
           <a:p>
             <a:fld id="{86FCE54F-0372-4E4E-B527-70D6A14B2608}" type="datetimeFigureOut">
               <a:rPr lang="en-GB" smtClean="0"/>
-              <a:t>30/09/2016</a:t>
+              <a:t>18/10/2016</a:t>
             </a:fld>
             <a:endParaRPr lang="en-GB"/>
           </a:p>
@@ -4270,7 +4619,7 @@
           <a:p>
             <a:fld id="{86FCE54F-0372-4E4E-B527-70D6A14B2608}" type="datetimeFigureOut">
               <a:rPr lang="en-GB" smtClean="0"/>
-              <a:t>30/09/2016</a:t>
+              <a:t>18/10/2016</a:t>
             </a:fld>
             <a:endParaRPr lang="en-GB"/>
           </a:p>
@@ -4535,7 +4884,7 @@
           <a:p>
             <a:fld id="{86FCE54F-0372-4E4E-B527-70D6A14B2608}" type="datetimeFigureOut">
               <a:rPr lang="en-GB" smtClean="0"/>
-              <a:t>30/09/2016</a:t>
+              <a:t>18/10/2016</a:t>
             </a:fld>
             <a:endParaRPr lang="en-GB"/>
           </a:p>
@@ -4784,7 +5133,7 @@
           <a:p>
             <a:fld id="{86FCE54F-0372-4E4E-B527-70D6A14B2608}" type="datetimeFigureOut">
               <a:rPr lang="en-GB" smtClean="0"/>
-              <a:t>30/09/2016</a:t>
+              <a:t>18/10/2016</a:t>
             </a:fld>
             <a:endParaRPr lang="en-GB"/>
           </a:p>
@@ -5334,3109 +5683,6 @@
 </file>
 
 <file path=ppt/slides/slide10.xml><?xml version="1.0" encoding="utf-8"?>
-<p:sld xmlns:a="http://schemas.openxmlformats.org/drawingml/2006/main" xmlns:r="http://schemas.openxmlformats.org/officeDocument/2006/relationships" xmlns:p="http://schemas.openxmlformats.org/presentationml/2006/main">
-  <p:cSld>
-    <p:spTree>
-      <p:nvGrpSpPr>
-        <p:cNvPr id="1" name=""/>
-        <p:cNvGrpSpPr/>
-        <p:nvPr/>
-      </p:nvGrpSpPr>
-      <p:grpSpPr>
-        <a:xfrm>
-          <a:off x="0" y="0"/>
-          <a:ext cx="0" cy="0"/>
-          <a:chOff x="0" y="0"/>
-          <a:chExt cx="0" cy="0"/>
-        </a:xfrm>
-      </p:grpSpPr>
-      <p:sp>
-        <p:nvSpPr>
-          <p:cNvPr id="2" name="Title 1"/>
-          <p:cNvSpPr>
-            <a:spLocks noGrp="1"/>
-          </p:cNvSpPr>
-          <p:nvPr>
-            <p:ph type="title"/>
-          </p:nvPr>
-        </p:nvSpPr>
-        <p:spPr>
-          <a:xfrm>
-            <a:off x="3657600" y="284176"/>
-            <a:ext cx="7329398" cy="1508760"/>
-          </a:xfrm>
-        </p:spPr>
-        <p:txBody>
-          <a:bodyPr/>
-          <a:lstStyle/>
-          <a:p>
-            <a:r>
-              <a:rPr lang="en-GB" dirty="0"/>
-              <a:t>conclusion</a:t>
-            </a:r>
-          </a:p>
-        </p:txBody>
-      </p:sp>
-      <p:sp>
-        <p:nvSpPr>
-          <p:cNvPr id="3" name="Content Placeholder 2"/>
-          <p:cNvSpPr>
-            <a:spLocks noGrp="1"/>
-          </p:cNvSpPr>
-          <p:nvPr>
-            <p:ph idx="1"/>
-          </p:nvPr>
-        </p:nvSpPr>
-        <p:spPr/>
-        <p:txBody>
-          <a:bodyPr>
-            <a:normAutofit lnSpcReduction="10000"/>
-          </a:bodyPr>
-          <a:lstStyle/>
-          <a:p>
-            <a:pPr marL="0" indent="0">
-              <a:lnSpc>
-                <a:spcPct val="150000"/>
-              </a:lnSpc>
-              <a:buNone/>
-            </a:pPr>
-            <a:r>
-              <a:rPr lang="en-GB" sz="4000" dirty="0"/>
-              <a:t>Reduce dependency on “real” service</a:t>
-            </a:r>
-          </a:p>
-          <a:p>
-            <a:pPr marL="0" indent="0">
-              <a:lnSpc>
-                <a:spcPct val="150000"/>
-              </a:lnSpc>
-              <a:buNone/>
-            </a:pPr>
-            <a:r>
-              <a:rPr lang="en-GB" sz="4000" dirty="0"/>
-              <a:t>Increase developer productivity</a:t>
-            </a:r>
-          </a:p>
-          <a:p>
-            <a:pPr marL="0" indent="0">
-              <a:lnSpc>
-                <a:spcPct val="150000"/>
-              </a:lnSpc>
-              <a:buNone/>
-            </a:pPr>
-            <a:r>
-              <a:rPr lang="en-GB" sz="4000" dirty="0"/>
-              <a:t>Improve testability</a:t>
-            </a:r>
-          </a:p>
-          <a:p>
-            <a:pPr marL="0" indent="0">
-              <a:lnSpc>
-                <a:spcPct val="150000"/>
-              </a:lnSpc>
-              <a:buNone/>
-            </a:pPr>
-            <a:r>
-              <a:rPr lang="en-GB" sz="4000" dirty="0"/>
-              <a:t>Improve quality</a:t>
-            </a:r>
-          </a:p>
-        </p:txBody>
-      </p:sp>
-      <p:pic>
-        <p:nvPicPr>
-          <p:cNvPr id="4" name="Picture 4" descr="http://wiremock.org/images/wiremock-concept-icon-01.png"/>
-          <p:cNvPicPr>
-            <a:picLocks noChangeAspect="1" noChangeArrowheads="1"/>
-          </p:cNvPicPr>
-          <p:nvPr/>
-        </p:nvPicPr>
-        <p:blipFill>
-          <a:blip r:embed="rId3">
-            <a:extLst>
-              <a:ext uri="{28A0092B-C50C-407E-A947-70E740481C1C}">
-                <a14:useLocalDpi xmlns:a14="http://schemas.microsoft.com/office/drawing/2010/main" val="0"/>
-              </a:ext>
-            </a:extLst>
-          </a:blip>
-          <a:srcRect/>
-          <a:stretch>
-            <a:fillRect/>
-          </a:stretch>
-        </p:blipFill>
-        <p:spPr bwMode="auto">
-          <a:xfrm>
-            <a:off x="1202919" y="514681"/>
-            <a:ext cx="2295525" cy="1047750"/>
-          </a:xfrm>
-          <a:prstGeom prst="rect">
-            <a:avLst/>
-          </a:prstGeom>
-          <a:noFill/>
-          <a:extLst>
-            <a:ext uri="{909E8E84-426E-40DD-AFC4-6F175D3DCCD1}">
-              <a14:hiddenFill xmlns:a14="http://schemas.microsoft.com/office/drawing/2010/main">
-                <a:solidFill>
-                  <a:srgbClr val="FFFFFF"/>
-                </a:solidFill>
-              </a14:hiddenFill>
-            </a:ext>
-          </a:extLst>
-        </p:spPr>
-      </p:pic>
-    </p:spTree>
-    <p:extLst>
-      <p:ext uri="{BB962C8B-B14F-4D97-AF65-F5344CB8AC3E}">
-        <p14:creationId xmlns:p14="http://schemas.microsoft.com/office/powerpoint/2010/main" val="2509744239"/>
-      </p:ext>
-    </p:extLst>
-  </p:cSld>
-  <p:clrMapOvr>
-    <a:masterClrMapping/>
-  </p:clrMapOvr>
-  <p:timing>
-    <p:tnLst>
-      <p:par>
-        <p:cTn id="1" dur="indefinite" restart="never" nodeType="tmRoot">
-          <p:childTnLst>
-            <p:seq concurrent="1" nextAc="seek">
-              <p:cTn id="2" dur="indefinite" nodeType="mainSeq">
-                <p:childTnLst>
-                  <p:par>
-                    <p:cTn id="3" fill="hold">
-                      <p:stCondLst>
-                        <p:cond delay="indefinite"/>
-                        <p:cond evt="onBegin" delay="0">
-                          <p:tn val="2"/>
-                        </p:cond>
-                      </p:stCondLst>
-                      <p:childTnLst>
-                        <p:par>
-                          <p:cTn id="4" fill="hold">
-                            <p:stCondLst>
-                              <p:cond delay="0"/>
-                            </p:stCondLst>
-                            <p:childTnLst>
-                              <p:par>
-                                <p:cTn id="5" presetID="10" presetClass="entr" presetSubtype="0" fill="hold" nodeType="afterEffect">
-                                  <p:stCondLst>
-                                    <p:cond delay="0"/>
-                                  </p:stCondLst>
-                                  <p:childTnLst>
-                                    <p:set>
-                                      <p:cBhvr>
-                                        <p:cTn id="6" dur="1" fill="hold">
-                                          <p:stCondLst>
-                                            <p:cond delay="0"/>
-                                          </p:stCondLst>
-                                        </p:cTn>
-                                        <p:tgtEl>
-                                          <p:spTgt spid="3">
-                                            <p:txEl>
-                                              <p:pRg st="0" end="0"/>
-                                            </p:txEl>
-                                          </p:spTgt>
-                                        </p:tgtEl>
-                                        <p:attrNameLst>
-                                          <p:attrName>style.visibility</p:attrName>
-                                        </p:attrNameLst>
-                                      </p:cBhvr>
-                                      <p:to>
-                                        <p:strVal val="visible"/>
-                                      </p:to>
-                                    </p:set>
-                                    <p:animEffect transition="in" filter="fade">
-                                      <p:cBhvr>
-                                        <p:cTn id="7" dur="500"/>
-                                        <p:tgtEl>
-                                          <p:spTgt spid="3">
-                                            <p:txEl>
-                                              <p:pRg st="0" end="0"/>
-                                            </p:txEl>
-                                          </p:spTgt>
-                                        </p:tgtEl>
-                                      </p:cBhvr>
-                                    </p:animEffect>
-                                  </p:childTnLst>
-                                </p:cTn>
-                              </p:par>
-                            </p:childTnLst>
-                          </p:cTn>
-                        </p:par>
-                      </p:childTnLst>
-                    </p:cTn>
-                  </p:par>
-                  <p:par>
-                    <p:cTn id="8" fill="hold">
-                      <p:stCondLst>
-                        <p:cond delay="indefinite"/>
-                      </p:stCondLst>
-                      <p:childTnLst>
-                        <p:par>
-                          <p:cTn id="9" fill="hold">
-                            <p:stCondLst>
-                              <p:cond delay="0"/>
-                            </p:stCondLst>
-                            <p:childTnLst>
-                              <p:par>
-                                <p:cTn id="10" presetID="10" presetClass="entr" presetSubtype="0" fill="hold" nodeType="clickEffect">
-                                  <p:stCondLst>
-                                    <p:cond delay="0"/>
-                                  </p:stCondLst>
-                                  <p:childTnLst>
-                                    <p:set>
-                                      <p:cBhvr>
-                                        <p:cTn id="11" dur="1" fill="hold">
-                                          <p:stCondLst>
-                                            <p:cond delay="0"/>
-                                          </p:stCondLst>
-                                        </p:cTn>
-                                        <p:tgtEl>
-                                          <p:spTgt spid="3">
-                                            <p:txEl>
-                                              <p:pRg st="1" end="1"/>
-                                            </p:txEl>
-                                          </p:spTgt>
-                                        </p:tgtEl>
-                                        <p:attrNameLst>
-                                          <p:attrName>style.visibility</p:attrName>
-                                        </p:attrNameLst>
-                                      </p:cBhvr>
-                                      <p:to>
-                                        <p:strVal val="visible"/>
-                                      </p:to>
-                                    </p:set>
-                                    <p:animEffect transition="in" filter="fade">
-                                      <p:cBhvr>
-                                        <p:cTn id="12" dur="500"/>
-                                        <p:tgtEl>
-                                          <p:spTgt spid="3">
-                                            <p:txEl>
-                                              <p:pRg st="1" end="1"/>
-                                            </p:txEl>
-                                          </p:spTgt>
-                                        </p:tgtEl>
-                                      </p:cBhvr>
-                                    </p:animEffect>
-                                  </p:childTnLst>
-                                </p:cTn>
-                              </p:par>
-                            </p:childTnLst>
-                          </p:cTn>
-                        </p:par>
-                      </p:childTnLst>
-                    </p:cTn>
-                  </p:par>
-                  <p:par>
-                    <p:cTn id="13" fill="hold">
-                      <p:stCondLst>
-                        <p:cond delay="indefinite"/>
-                      </p:stCondLst>
-                      <p:childTnLst>
-                        <p:par>
-                          <p:cTn id="14" fill="hold">
-                            <p:stCondLst>
-                              <p:cond delay="0"/>
-                            </p:stCondLst>
-                            <p:childTnLst>
-                              <p:par>
-                                <p:cTn id="15" presetID="10" presetClass="entr" presetSubtype="0" fill="hold" nodeType="clickEffect">
-                                  <p:stCondLst>
-                                    <p:cond delay="0"/>
-                                  </p:stCondLst>
-                                  <p:childTnLst>
-                                    <p:set>
-                                      <p:cBhvr>
-                                        <p:cTn id="16" dur="1" fill="hold">
-                                          <p:stCondLst>
-                                            <p:cond delay="0"/>
-                                          </p:stCondLst>
-                                        </p:cTn>
-                                        <p:tgtEl>
-                                          <p:spTgt spid="3">
-                                            <p:txEl>
-                                              <p:pRg st="2" end="2"/>
-                                            </p:txEl>
-                                          </p:spTgt>
-                                        </p:tgtEl>
-                                        <p:attrNameLst>
-                                          <p:attrName>style.visibility</p:attrName>
-                                        </p:attrNameLst>
-                                      </p:cBhvr>
-                                      <p:to>
-                                        <p:strVal val="visible"/>
-                                      </p:to>
-                                    </p:set>
-                                    <p:animEffect transition="in" filter="fade">
-                                      <p:cBhvr>
-                                        <p:cTn id="17" dur="500"/>
-                                        <p:tgtEl>
-                                          <p:spTgt spid="3">
-                                            <p:txEl>
-                                              <p:pRg st="2" end="2"/>
-                                            </p:txEl>
-                                          </p:spTgt>
-                                        </p:tgtEl>
-                                      </p:cBhvr>
-                                    </p:animEffect>
-                                  </p:childTnLst>
-                                </p:cTn>
-                              </p:par>
-                            </p:childTnLst>
-                          </p:cTn>
-                        </p:par>
-                      </p:childTnLst>
-                    </p:cTn>
-                  </p:par>
-                  <p:par>
-                    <p:cTn id="18" fill="hold">
-                      <p:stCondLst>
-                        <p:cond delay="indefinite"/>
-                      </p:stCondLst>
-                      <p:childTnLst>
-                        <p:par>
-                          <p:cTn id="19" fill="hold">
-                            <p:stCondLst>
-                              <p:cond delay="0"/>
-                            </p:stCondLst>
-                            <p:childTnLst>
-                              <p:par>
-                                <p:cTn id="20" presetID="10" presetClass="entr" presetSubtype="0" fill="hold" nodeType="clickEffect">
-                                  <p:stCondLst>
-                                    <p:cond delay="0"/>
-                                  </p:stCondLst>
-                                  <p:childTnLst>
-                                    <p:set>
-                                      <p:cBhvr>
-                                        <p:cTn id="21" dur="1" fill="hold">
-                                          <p:stCondLst>
-                                            <p:cond delay="0"/>
-                                          </p:stCondLst>
-                                        </p:cTn>
-                                        <p:tgtEl>
-                                          <p:spTgt spid="3">
-                                            <p:txEl>
-                                              <p:pRg st="3" end="3"/>
-                                            </p:txEl>
-                                          </p:spTgt>
-                                        </p:tgtEl>
-                                        <p:attrNameLst>
-                                          <p:attrName>style.visibility</p:attrName>
-                                        </p:attrNameLst>
-                                      </p:cBhvr>
-                                      <p:to>
-                                        <p:strVal val="visible"/>
-                                      </p:to>
-                                    </p:set>
-                                    <p:animEffect transition="in" filter="fade">
-                                      <p:cBhvr>
-                                        <p:cTn id="22" dur="500"/>
-                                        <p:tgtEl>
-                                          <p:spTgt spid="3">
-                                            <p:txEl>
-                                              <p:pRg st="3" end="3"/>
-                                            </p:txEl>
-                                          </p:spTgt>
-                                        </p:tgtEl>
-                                      </p:cBhvr>
-                                    </p:animEffect>
-                                  </p:childTnLst>
-                                </p:cTn>
-                              </p:par>
-                            </p:childTnLst>
-                          </p:cTn>
-                        </p:par>
-                      </p:childTnLst>
-                    </p:cTn>
-                  </p:par>
-                </p:childTnLst>
-              </p:cTn>
-              <p:prevCondLst>
-                <p:cond evt="onPrev" delay="0">
-                  <p:tgtEl>
-                    <p:sldTgt/>
-                  </p:tgtEl>
-                </p:cond>
-              </p:prevCondLst>
-              <p:nextCondLst>
-                <p:cond evt="onNext" delay="0">
-                  <p:tgtEl>
-                    <p:sldTgt/>
-                  </p:tgtEl>
-                </p:cond>
-              </p:nextCondLst>
-            </p:seq>
-          </p:childTnLst>
-        </p:cTn>
-      </p:par>
-    </p:tnLst>
-  </p:timing>
-</p:sld>
-</file>
-
-<file path=ppt/slides/slide11.xml><?xml version="1.0" encoding="utf-8"?>
-<p:sld xmlns:a="http://schemas.openxmlformats.org/drawingml/2006/main" xmlns:r="http://schemas.openxmlformats.org/officeDocument/2006/relationships" xmlns:p="http://schemas.openxmlformats.org/presentationml/2006/main">
-  <p:cSld>
-    <p:spTree>
-      <p:nvGrpSpPr>
-        <p:cNvPr id="1" name=""/>
-        <p:cNvGrpSpPr/>
-        <p:nvPr/>
-      </p:nvGrpSpPr>
-      <p:grpSpPr>
-        <a:xfrm>
-          <a:off x="0" y="0"/>
-          <a:ext cx="0" cy="0"/>
-          <a:chOff x="0" y="0"/>
-          <a:chExt cx="0" cy="0"/>
-        </a:xfrm>
-      </p:grpSpPr>
-      <p:sp>
-        <p:nvSpPr>
-          <p:cNvPr id="2" name="Title 1"/>
-          <p:cNvSpPr>
-            <a:spLocks noGrp="1"/>
-          </p:cNvSpPr>
-          <p:nvPr>
-            <p:ph type="title"/>
-          </p:nvPr>
-        </p:nvSpPr>
-        <p:spPr/>
-        <p:txBody>
-          <a:bodyPr/>
-          <a:lstStyle/>
-          <a:p>
-            <a:pPr algn="ctr"/>
-            <a:r>
-              <a:rPr lang="en-GB" b="1" dirty="0"/>
-              <a:t>Thank you</a:t>
-            </a:r>
-          </a:p>
-        </p:txBody>
-      </p:sp>
-      <p:sp>
-        <p:nvSpPr>
-          <p:cNvPr id="4" name="Rectangle 3"/>
-          <p:cNvSpPr/>
-          <p:nvPr/>
-        </p:nvSpPr>
-        <p:spPr>
-          <a:xfrm>
-            <a:off x="987551" y="3105835"/>
-            <a:ext cx="9999447" cy="1754326"/>
-          </a:xfrm>
-          <a:prstGeom prst="rect">
-            <a:avLst/>
-          </a:prstGeom>
-        </p:spPr>
-        <p:txBody>
-          <a:bodyPr wrap="square">
-            <a:spAutoFit/>
-          </a:bodyPr>
-          <a:lstStyle/>
-          <a:p>
-            <a:pPr algn="ctr">
-              <a:lnSpc>
-                <a:spcPct val="150000"/>
-              </a:lnSpc>
-            </a:pPr>
-            <a:r>
-              <a:rPr lang="en-GB" sz="4000" dirty="0"/>
-              <a:t>@</a:t>
-            </a:r>
-            <a:r>
-              <a:rPr lang="en-GB" sz="4000" dirty="0" err="1"/>
-              <a:t>nickebbitt</a:t>
-            </a:r>
-            <a:endParaRPr lang="en-GB" sz="4000" dirty="0"/>
-          </a:p>
-          <a:p>
-            <a:pPr algn="ctr">
-              <a:lnSpc>
-                <a:spcPct val="150000"/>
-              </a:lnSpc>
-            </a:pPr>
-            <a:r>
-              <a:rPr lang="en-GB" sz="3200" dirty="0">
-                <a:hlinkClick r:id="rId2"/>
-              </a:rPr>
-              <a:t>https://github.com/nickebbitt/wiremock-examples</a:t>
-            </a:r>
-            <a:endParaRPr lang="en-GB" sz="3200" dirty="0"/>
-          </a:p>
-        </p:txBody>
-      </p:sp>
-    </p:spTree>
-    <p:extLst>
-      <p:ext uri="{BB962C8B-B14F-4D97-AF65-F5344CB8AC3E}">
-        <p14:creationId xmlns:p14="http://schemas.microsoft.com/office/powerpoint/2010/main" val="91671670"/>
-      </p:ext>
-    </p:extLst>
-  </p:cSld>
-  <p:clrMapOvr>
-    <a:masterClrMapping/>
-  </p:clrMapOvr>
-</p:sld>
-</file>
-
-<file path=ppt/slides/slide2.xml><?xml version="1.0" encoding="utf-8"?>
-<p:sld xmlns:a="http://schemas.openxmlformats.org/drawingml/2006/main" xmlns:r="http://schemas.openxmlformats.org/officeDocument/2006/relationships" xmlns:p="http://schemas.openxmlformats.org/presentationml/2006/main">
-  <p:cSld>
-    <p:spTree>
-      <p:nvGrpSpPr>
-        <p:cNvPr id="1" name=""/>
-        <p:cNvGrpSpPr/>
-        <p:nvPr/>
-      </p:nvGrpSpPr>
-      <p:grpSpPr>
-        <a:xfrm>
-          <a:off x="0" y="0"/>
-          <a:ext cx="0" cy="0"/>
-          <a:chOff x="0" y="0"/>
-          <a:chExt cx="0" cy="0"/>
-        </a:xfrm>
-      </p:grpSpPr>
-      <p:sp>
-        <p:nvSpPr>
-          <p:cNvPr id="2" name="Title 1"/>
-          <p:cNvSpPr>
-            <a:spLocks noGrp="1"/>
-          </p:cNvSpPr>
-          <p:nvPr>
-            <p:ph type="title"/>
-          </p:nvPr>
-        </p:nvSpPr>
-        <p:spPr/>
-        <p:txBody>
-          <a:bodyPr/>
-          <a:lstStyle/>
-          <a:p>
-            <a:r>
-              <a:rPr lang="en-GB" b="1" dirty="0"/>
-              <a:t>Define: mock</a:t>
-            </a:r>
-          </a:p>
-        </p:txBody>
-      </p:sp>
-      <p:pic>
-        <p:nvPicPr>
-          <p:cNvPr id="5" name="Picture 4"/>
-          <p:cNvPicPr>
-            <a:picLocks noChangeAspect="1"/>
-          </p:cNvPicPr>
-          <p:nvPr/>
-        </p:nvPicPr>
-        <p:blipFill>
-          <a:blip r:embed="rId3"/>
-          <a:stretch>
-            <a:fillRect/>
-          </a:stretch>
-        </p:blipFill>
-        <p:spPr>
-          <a:xfrm>
-            <a:off x="1018474" y="2596027"/>
-            <a:ext cx="10152969" cy="3302969"/>
-          </a:xfrm>
-          <a:prstGeom prst="rect">
-            <a:avLst/>
-          </a:prstGeom>
-          <a:effectLst>
-            <a:glow rad="139700">
-              <a:schemeClr val="bg1">
-                <a:alpha val="40000"/>
-              </a:schemeClr>
-            </a:glow>
-          </a:effectLst>
-        </p:spPr>
-      </p:pic>
-    </p:spTree>
-    <p:extLst>
-      <p:ext uri="{BB962C8B-B14F-4D97-AF65-F5344CB8AC3E}">
-        <p14:creationId xmlns:p14="http://schemas.microsoft.com/office/powerpoint/2010/main" val="926458563"/>
-      </p:ext>
-    </p:extLst>
-  </p:cSld>
-  <p:clrMapOvr>
-    <a:masterClrMapping/>
-  </p:clrMapOvr>
-  <p:timing>
-    <p:tnLst>
-      <p:par>
-        <p:cTn id="1" dur="indefinite" restart="never" nodeType="tmRoot">
-          <p:childTnLst>
-            <p:seq concurrent="1" nextAc="seek">
-              <p:cTn id="2" dur="indefinite" nodeType="mainSeq">
-                <p:childTnLst>
-                  <p:par>
-                    <p:cTn id="3" fill="hold">
-                      <p:stCondLst>
-                        <p:cond delay="indefinite"/>
-                        <p:cond evt="onBegin" delay="0">
-                          <p:tn val="2"/>
-                        </p:cond>
-                      </p:stCondLst>
-                      <p:childTnLst>
-                        <p:par>
-                          <p:cTn id="4" fill="hold">
-                            <p:stCondLst>
-                              <p:cond delay="0"/>
-                            </p:stCondLst>
-                            <p:childTnLst>
-                              <p:par>
-                                <p:cTn id="5" presetID="10" presetClass="entr" presetSubtype="0" fill="hold" nodeType="afterEffect">
-                                  <p:stCondLst>
-                                    <p:cond delay="500"/>
-                                  </p:stCondLst>
-                                  <p:childTnLst>
-                                    <p:set>
-                                      <p:cBhvr>
-                                        <p:cTn id="6" dur="1" fill="hold">
-                                          <p:stCondLst>
-                                            <p:cond delay="0"/>
-                                          </p:stCondLst>
-                                        </p:cTn>
-                                        <p:tgtEl>
-                                          <p:spTgt spid="5"/>
-                                        </p:tgtEl>
-                                        <p:attrNameLst>
-                                          <p:attrName>style.visibility</p:attrName>
-                                        </p:attrNameLst>
-                                      </p:cBhvr>
-                                      <p:to>
-                                        <p:strVal val="visible"/>
-                                      </p:to>
-                                    </p:set>
-                                    <p:animEffect transition="in" filter="fade">
-                                      <p:cBhvr>
-                                        <p:cTn id="7" dur="1000"/>
-                                        <p:tgtEl>
-                                          <p:spTgt spid="5"/>
-                                        </p:tgtEl>
-                                      </p:cBhvr>
-                                    </p:animEffect>
-                                  </p:childTnLst>
-                                </p:cTn>
-                              </p:par>
-                            </p:childTnLst>
-                          </p:cTn>
-                        </p:par>
-                      </p:childTnLst>
-                    </p:cTn>
-                  </p:par>
-                </p:childTnLst>
-              </p:cTn>
-              <p:prevCondLst>
-                <p:cond evt="onPrev" delay="0">
-                  <p:tgtEl>
-                    <p:sldTgt/>
-                  </p:tgtEl>
-                </p:cond>
-              </p:prevCondLst>
-              <p:nextCondLst>
-                <p:cond evt="onNext" delay="0">
-                  <p:tgtEl>
-                    <p:sldTgt/>
-                  </p:tgtEl>
-                </p:cond>
-              </p:nextCondLst>
-            </p:seq>
-          </p:childTnLst>
-        </p:cTn>
-      </p:par>
-    </p:tnLst>
-  </p:timing>
-</p:sld>
-</file>
-
-<file path=ppt/slides/slide3.xml><?xml version="1.0" encoding="utf-8"?>
-<p:sld xmlns:a="http://schemas.openxmlformats.org/drawingml/2006/main" xmlns:r="http://schemas.openxmlformats.org/officeDocument/2006/relationships" xmlns:p="http://schemas.openxmlformats.org/presentationml/2006/main">
-  <p:cSld>
-    <p:spTree>
-      <p:nvGrpSpPr>
-        <p:cNvPr id="1" name=""/>
-        <p:cNvGrpSpPr/>
-        <p:nvPr/>
-      </p:nvGrpSpPr>
-      <p:grpSpPr>
-        <a:xfrm>
-          <a:off x="0" y="0"/>
-          <a:ext cx="0" cy="0"/>
-          <a:chOff x="0" y="0"/>
-          <a:chExt cx="0" cy="0"/>
-        </a:xfrm>
-      </p:grpSpPr>
-      <p:sp>
-        <p:nvSpPr>
-          <p:cNvPr id="2" name="Title 1"/>
-          <p:cNvSpPr>
-            <a:spLocks noGrp="1"/>
-          </p:cNvSpPr>
-          <p:nvPr>
-            <p:ph type="title"/>
-          </p:nvPr>
-        </p:nvSpPr>
-        <p:spPr/>
-        <p:txBody>
-          <a:bodyPr/>
-          <a:lstStyle/>
-          <a:p>
-            <a:r>
-              <a:rPr lang="en-GB" b="1" dirty="0"/>
-              <a:t>Define: mock</a:t>
-            </a:r>
-          </a:p>
-        </p:txBody>
-      </p:sp>
-      <p:sp>
-        <p:nvSpPr>
-          <p:cNvPr id="3" name="Content Placeholder 2"/>
-          <p:cNvSpPr>
-            <a:spLocks noGrp="1"/>
-          </p:cNvSpPr>
-          <p:nvPr>
-            <p:ph idx="1"/>
-          </p:nvPr>
-        </p:nvSpPr>
-        <p:spPr>
-          <a:xfrm>
-            <a:off x="316526" y="2950955"/>
-            <a:ext cx="11541369" cy="3251696"/>
-          </a:xfrm>
-        </p:spPr>
-        <p:txBody>
-          <a:bodyPr>
-            <a:normAutofit/>
-          </a:bodyPr>
-          <a:lstStyle/>
-          <a:p>
-            <a:pPr marL="0" indent="0" fontAlgn="ctr">
-              <a:buNone/>
-            </a:pPr>
-            <a:r>
-              <a:rPr lang="en-GB" sz="3200" dirty="0"/>
-              <a:t>In software engineering mocks are…</a:t>
-            </a:r>
-          </a:p>
-          <a:p>
-            <a:pPr marL="0" indent="0" fontAlgn="ctr">
-              <a:buNone/>
-            </a:pPr>
-            <a:endParaRPr lang="en-GB" sz="2400" dirty="0"/>
-          </a:p>
-          <a:p>
-            <a:pPr marL="228600" lvl="1" indent="0" fontAlgn="ctr">
-              <a:buNone/>
-            </a:pPr>
-            <a:r>
-              <a:rPr lang="en-GB" sz="3600" dirty="0"/>
-              <a:t> "…special case objects that mimic real objects for testing." </a:t>
-            </a:r>
-          </a:p>
-          <a:p>
-            <a:pPr marL="228600" lvl="1" indent="0" fontAlgn="ctr">
-              <a:buNone/>
-            </a:pPr>
-            <a:endParaRPr lang="en-GB" sz="1100" dirty="0"/>
-          </a:p>
-          <a:p>
-            <a:pPr marL="228600" lvl="1" indent="0" fontAlgn="ctr">
-              <a:buNone/>
-            </a:pPr>
-            <a:r>
-              <a:rPr lang="en-GB" sz="1100" dirty="0"/>
-              <a:t>http://martinfowler.com/articles/mocksArentStubs.html?</a:t>
-            </a:r>
-          </a:p>
-          <a:p>
-            <a:pPr lvl="1" fontAlgn="ctr"/>
-            <a:endParaRPr lang="en-GB" dirty="0"/>
-          </a:p>
-        </p:txBody>
-      </p:sp>
-      <p:sp>
-        <p:nvSpPr>
-          <p:cNvPr id="4" name="TextBox 3"/>
-          <p:cNvSpPr txBox="1"/>
-          <p:nvPr/>
-        </p:nvSpPr>
-        <p:spPr>
-          <a:xfrm>
-            <a:off x="1202919" y="6043961"/>
-            <a:ext cx="9784080" cy="246221"/>
-          </a:xfrm>
-          <a:prstGeom prst="rect">
-            <a:avLst/>
-          </a:prstGeom>
-          <a:noFill/>
-        </p:spPr>
-        <p:txBody>
-          <a:bodyPr wrap="square" rtlCol="0">
-            <a:spAutoFit/>
-          </a:bodyPr>
-          <a:lstStyle/>
-          <a:p>
-            <a:endParaRPr lang="en-GB" sz="1000" dirty="0"/>
-          </a:p>
-        </p:txBody>
-      </p:sp>
-    </p:spTree>
-    <p:extLst>
-      <p:ext uri="{BB962C8B-B14F-4D97-AF65-F5344CB8AC3E}">
-        <p14:creationId xmlns:p14="http://schemas.microsoft.com/office/powerpoint/2010/main" val="3957909838"/>
-      </p:ext>
-    </p:extLst>
-  </p:cSld>
-  <p:clrMapOvr>
-    <a:masterClrMapping/>
-  </p:clrMapOvr>
-  <p:timing>
-    <p:tnLst>
-      <p:par>
-        <p:cTn id="1" dur="indefinite" restart="never" nodeType="tmRoot">
-          <p:childTnLst>
-            <p:seq concurrent="1" nextAc="seek">
-              <p:cTn id="2" dur="indefinite" nodeType="mainSeq">
-                <p:childTnLst>
-                  <p:par>
-                    <p:cTn id="3" fill="hold">
-                      <p:stCondLst>
-                        <p:cond delay="indefinite"/>
-                        <p:cond evt="onBegin" delay="0">
-                          <p:tn val="2"/>
-                        </p:cond>
-                      </p:stCondLst>
-                      <p:childTnLst>
-                        <p:par>
-                          <p:cTn id="4" fill="hold">
-                            <p:stCondLst>
-                              <p:cond delay="0"/>
-                            </p:stCondLst>
-                            <p:childTnLst>
-                              <p:par>
-                                <p:cTn id="5" presetID="10" presetClass="entr" presetSubtype="0" fill="hold" nodeType="afterEffect">
-                                  <p:stCondLst>
-                                    <p:cond delay="500"/>
-                                  </p:stCondLst>
-                                  <p:childTnLst>
-                                    <p:set>
-                                      <p:cBhvr>
-                                        <p:cTn id="6" dur="1" fill="hold">
-                                          <p:stCondLst>
-                                            <p:cond delay="0"/>
-                                          </p:stCondLst>
-                                        </p:cTn>
-                                        <p:tgtEl>
-                                          <p:spTgt spid="3">
-                                            <p:txEl>
-                                              <p:pRg st="0" end="0"/>
-                                            </p:txEl>
-                                          </p:spTgt>
-                                        </p:tgtEl>
-                                        <p:attrNameLst>
-                                          <p:attrName>style.visibility</p:attrName>
-                                        </p:attrNameLst>
-                                      </p:cBhvr>
-                                      <p:to>
-                                        <p:strVal val="visible"/>
-                                      </p:to>
-                                    </p:set>
-                                    <p:animEffect transition="in" filter="fade">
-                                      <p:cBhvr>
-                                        <p:cTn id="7" dur="500"/>
-                                        <p:tgtEl>
-                                          <p:spTgt spid="3">
-                                            <p:txEl>
-                                              <p:pRg st="0" end="0"/>
-                                            </p:txEl>
-                                          </p:spTgt>
-                                        </p:tgtEl>
-                                      </p:cBhvr>
-                                    </p:animEffect>
-                                  </p:childTnLst>
-                                </p:cTn>
-                              </p:par>
-                            </p:childTnLst>
-                          </p:cTn>
-                        </p:par>
-                        <p:par>
-                          <p:cTn id="8" fill="hold">
-                            <p:stCondLst>
-                              <p:cond delay="1000"/>
-                            </p:stCondLst>
-                            <p:childTnLst>
-                              <p:par>
-                                <p:cTn id="9" presetID="10" presetClass="entr" presetSubtype="0" fill="hold" nodeType="afterEffect">
-                                  <p:stCondLst>
-                                    <p:cond delay="0"/>
-                                  </p:stCondLst>
-                                  <p:childTnLst>
-                                    <p:set>
-                                      <p:cBhvr>
-                                        <p:cTn id="10" dur="1" fill="hold">
-                                          <p:stCondLst>
-                                            <p:cond delay="0"/>
-                                          </p:stCondLst>
-                                        </p:cTn>
-                                        <p:tgtEl>
-                                          <p:spTgt spid="3">
-                                            <p:txEl>
-                                              <p:pRg st="2" end="2"/>
-                                            </p:txEl>
-                                          </p:spTgt>
-                                        </p:tgtEl>
-                                        <p:attrNameLst>
-                                          <p:attrName>style.visibility</p:attrName>
-                                        </p:attrNameLst>
-                                      </p:cBhvr>
-                                      <p:to>
-                                        <p:strVal val="visible"/>
-                                      </p:to>
-                                    </p:set>
-                                    <p:animEffect transition="in" filter="fade">
-                                      <p:cBhvr>
-                                        <p:cTn id="11" dur="500"/>
-                                        <p:tgtEl>
-                                          <p:spTgt spid="3">
-                                            <p:txEl>
-                                              <p:pRg st="2" end="2"/>
-                                            </p:txEl>
-                                          </p:spTgt>
-                                        </p:tgtEl>
-                                      </p:cBhvr>
-                                    </p:animEffect>
-                                  </p:childTnLst>
-                                </p:cTn>
-                              </p:par>
-                              <p:par>
-                                <p:cTn id="12" presetID="10" presetClass="entr" presetSubtype="0" fill="hold" nodeType="withEffect">
-                                  <p:stCondLst>
-                                    <p:cond delay="0"/>
-                                  </p:stCondLst>
-                                  <p:childTnLst>
-                                    <p:set>
-                                      <p:cBhvr>
-                                        <p:cTn id="13" dur="1" fill="hold">
-                                          <p:stCondLst>
-                                            <p:cond delay="0"/>
-                                          </p:stCondLst>
-                                        </p:cTn>
-                                        <p:tgtEl>
-                                          <p:spTgt spid="3">
-                                            <p:txEl>
-                                              <p:pRg st="4" end="4"/>
-                                            </p:txEl>
-                                          </p:spTgt>
-                                        </p:tgtEl>
-                                        <p:attrNameLst>
-                                          <p:attrName>style.visibility</p:attrName>
-                                        </p:attrNameLst>
-                                      </p:cBhvr>
-                                      <p:to>
-                                        <p:strVal val="visible"/>
-                                      </p:to>
-                                    </p:set>
-                                    <p:animEffect transition="in" filter="fade">
-                                      <p:cBhvr>
-                                        <p:cTn id="14" dur="500"/>
-                                        <p:tgtEl>
-                                          <p:spTgt spid="3">
-                                            <p:txEl>
-                                              <p:pRg st="4" end="4"/>
-                                            </p:txEl>
-                                          </p:spTgt>
-                                        </p:tgtEl>
-                                      </p:cBhvr>
-                                    </p:animEffect>
-                                  </p:childTnLst>
-                                </p:cTn>
-                              </p:par>
-                            </p:childTnLst>
-                          </p:cTn>
-                        </p:par>
-                      </p:childTnLst>
-                    </p:cTn>
-                  </p:par>
-                </p:childTnLst>
-              </p:cTn>
-              <p:prevCondLst>
-                <p:cond evt="onPrev" delay="0">
-                  <p:tgtEl>
-                    <p:sldTgt/>
-                  </p:tgtEl>
-                </p:cond>
-              </p:prevCondLst>
-              <p:nextCondLst>
-                <p:cond evt="onNext" delay="0">
-                  <p:tgtEl>
-                    <p:sldTgt/>
-                  </p:tgtEl>
-                </p:cond>
-              </p:nextCondLst>
-            </p:seq>
-          </p:childTnLst>
-        </p:cTn>
-      </p:par>
-    </p:tnLst>
-  </p:timing>
-</p:sld>
-</file>
-
-<file path=ppt/slides/slide4.xml><?xml version="1.0" encoding="utf-8"?>
-<p:sld xmlns:a="http://schemas.openxmlformats.org/drawingml/2006/main" xmlns:r="http://schemas.openxmlformats.org/officeDocument/2006/relationships" xmlns:p="http://schemas.openxmlformats.org/presentationml/2006/main">
-  <p:cSld>
-    <p:spTree>
-      <p:nvGrpSpPr>
-        <p:cNvPr id="1" name=""/>
-        <p:cNvGrpSpPr/>
-        <p:nvPr/>
-      </p:nvGrpSpPr>
-      <p:grpSpPr>
-        <a:xfrm>
-          <a:off x="0" y="0"/>
-          <a:ext cx="0" cy="0"/>
-          <a:chOff x="0" y="0"/>
-          <a:chExt cx="0" cy="0"/>
-        </a:xfrm>
-      </p:grpSpPr>
-      <p:sp>
-        <p:nvSpPr>
-          <p:cNvPr id="2" name="Title 1"/>
-          <p:cNvSpPr>
-            <a:spLocks noGrp="1"/>
-          </p:cNvSpPr>
-          <p:nvPr>
-            <p:ph type="title"/>
-          </p:nvPr>
-        </p:nvSpPr>
-        <p:spPr/>
-        <p:txBody>
-          <a:bodyPr/>
-          <a:lstStyle/>
-          <a:p>
-            <a:r>
-              <a:rPr lang="en-GB" b="1" dirty="0"/>
-              <a:t>Why use mocks?</a:t>
-            </a:r>
-            <a:endParaRPr lang="en-GB" dirty="0"/>
-          </a:p>
-        </p:txBody>
-      </p:sp>
-      <p:sp>
-        <p:nvSpPr>
-          <p:cNvPr id="3" name="Content Placeholder 2"/>
-          <p:cNvSpPr>
-            <a:spLocks noGrp="1"/>
-          </p:cNvSpPr>
-          <p:nvPr>
-            <p:ph idx="1"/>
-          </p:nvPr>
-        </p:nvSpPr>
-        <p:spPr>
-          <a:xfrm>
-            <a:off x="1202919" y="2233245"/>
-            <a:ext cx="9784080" cy="3833447"/>
-          </a:xfrm>
-        </p:spPr>
-        <p:txBody>
-          <a:bodyPr>
-            <a:normAutofit fontScale="92500" lnSpcReduction="10000"/>
-          </a:bodyPr>
-          <a:lstStyle/>
-          <a:p>
-            <a:pPr marL="0" indent="0" fontAlgn="ctr">
-              <a:lnSpc>
-                <a:spcPct val="150000"/>
-              </a:lnSpc>
-              <a:buNone/>
-            </a:pPr>
-            <a:r>
-              <a:rPr lang="en-GB" sz="4000" dirty="0"/>
-              <a:t>Deterministic &amp; repeatable tests</a:t>
-            </a:r>
-          </a:p>
-          <a:p>
-            <a:pPr marL="0" indent="0" fontAlgn="ctr">
-              <a:lnSpc>
-                <a:spcPct val="150000"/>
-              </a:lnSpc>
-              <a:buNone/>
-            </a:pPr>
-            <a:r>
-              <a:rPr lang="en-GB" sz="4000" dirty="0"/>
-              <a:t>Control interactions</a:t>
-            </a:r>
-          </a:p>
-          <a:p>
-            <a:pPr marL="0" indent="0" fontAlgn="ctr">
-              <a:lnSpc>
-                <a:spcPct val="150000"/>
-              </a:lnSpc>
-              <a:buNone/>
-            </a:pPr>
-            <a:r>
-              <a:rPr lang="en-GB" sz="4000" dirty="0"/>
-              <a:t>Model  scenarios</a:t>
-            </a:r>
-          </a:p>
-          <a:p>
-            <a:pPr marL="0" indent="0" fontAlgn="ctr">
-              <a:lnSpc>
-                <a:spcPct val="150000"/>
-              </a:lnSpc>
-              <a:buNone/>
-            </a:pPr>
-            <a:r>
-              <a:rPr lang="en-GB" sz="4000" dirty="0"/>
-              <a:t>Acceptance criteria</a:t>
-            </a:r>
-          </a:p>
-          <a:p>
-            <a:endParaRPr lang="en-GB" dirty="0"/>
-          </a:p>
-        </p:txBody>
-      </p:sp>
-    </p:spTree>
-    <p:extLst>
-      <p:ext uri="{BB962C8B-B14F-4D97-AF65-F5344CB8AC3E}">
-        <p14:creationId xmlns:p14="http://schemas.microsoft.com/office/powerpoint/2010/main" val="3274506060"/>
-      </p:ext>
-    </p:extLst>
-  </p:cSld>
-  <p:clrMapOvr>
-    <a:masterClrMapping/>
-  </p:clrMapOvr>
-  <p:timing>
-    <p:tnLst>
-      <p:par>
-        <p:cTn id="1" dur="indefinite" restart="never" nodeType="tmRoot">
-          <p:childTnLst>
-            <p:seq concurrent="1" nextAc="seek">
-              <p:cTn id="2" dur="indefinite" nodeType="mainSeq">
-                <p:childTnLst>
-                  <p:par>
-                    <p:cTn id="3" fill="hold">
-                      <p:stCondLst>
-                        <p:cond delay="indefinite"/>
-                      </p:stCondLst>
-                      <p:childTnLst>
-                        <p:par>
-                          <p:cTn id="4" fill="hold">
-                            <p:stCondLst>
-                              <p:cond delay="0"/>
-                            </p:stCondLst>
-                            <p:childTnLst>
-                              <p:par>
-                                <p:cTn id="5" presetID="10" presetClass="entr" presetSubtype="0" fill="hold" nodeType="clickEffect">
-                                  <p:stCondLst>
-                                    <p:cond delay="0"/>
-                                  </p:stCondLst>
-                                  <p:childTnLst>
-                                    <p:set>
-                                      <p:cBhvr>
-                                        <p:cTn id="6" dur="1" fill="hold">
-                                          <p:stCondLst>
-                                            <p:cond delay="0"/>
-                                          </p:stCondLst>
-                                        </p:cTn>
-                                        <p:tgtEl>
-                                          <p:spTgt spid="3">
-                                            <p:txEl>
-                                              <p:pRg st="0" end="0"/>
-                                            </p:txEl>
-                                          </p:spTgt>
-                                        </p:tgtEl>
-                                        <p:attrNameLst>
-                                          <p:attrName>style.visibility</p:attrName>
-                                        </p:attrNameLst>
-                                      </p:cBhvr>
-                                      <p:to>
-                                        <p:strVal val="visible"/>
-                                      </p:to>
-                                    </p:set>
-                                    <p:animEffect transition="in" filter="fade">
-                                      <p:cBhvr>
-                                        <p:cTn id="7" dur="500"/>
-                                        <p:tgtEl>
-                                          <p:spTgt spid="3">
-                                            <p:txEl>
-                                              <p:pRg st="0" end="0"/>
-                                            </p:txEl>
-                                          </p:spTgt>
-                                        </p:tgtEl>
-                                      </p:cBhvr>
-                                    </p:animEffect>
-                                  </p:childTnLst>
-                                </p:cTn>
-                              </p:par>
-                              <p:par>
-                                <p:cTn id="8" presetID="10" presetClass="entr" presetSubtype="0" fill="hold" nodeType="withEffect">
-                                  <p:stCondLst>
-                                    <p:cond delay="0"/>
-                                  </p:stCondLst>
-                                  <p:childTnLst>
-                                    <p:set>
-                                      <p:cBhvr>
-                                        <p:cTn id="9" dur="1" fill="hold">
-                                          <p:stCondLst>
-                                            <p:cond delay="0"/>
-                                          </p:stCondLst>
-                                        </p:cTn>
-                                        <p:tgtEl>
-                                          <p:spTgt spid="3">
-                                            <p:txEl>
-                                              <p:pRg st="1" end="1"/>
-                                            </p:txEl>
-                                          </p:spTgt>
-                                        </p:tgtEl>
-                                        <p:attrNameLst>
-                                          <p:attrName>style.visibility</p:attrName>
-                                        </p:attrNameLst>
-                                      </p:cBhvr>
-                                      <p:to>
-                                        <p:strVal val="visible"/>
-                                      </p:to>
-                                    </p:set>
-                                    <p:animEffect transition="in" filter="fade">
-                                      <p:cBhvr>
-                                        <p:cTn id="10" dur="500"/>
-                                        <p:tgtEl>
-                                          <p:spTgt spid="3">
-                                            <p:txEl>
-                                              <p:pRg st="1" end="1"/>
-                                            </p:txEl>
-                                          </p:spTgt>
-                                        </p:tgtEl>
-                                      </p:cBhvr>
-                                    </p:animEffect>
-                                  </p:childTnLst>
-                                </p:cTn>
-                              </p:par>
-                              <p:par>
-                                <p:cTn id="11" presetID="10" presetClass="entr" presetSubtype="0" fill="hold" nodeType="withEffect">
-                                  <p:stCondLst>
-                                    <p:cond delay="0"/>
-                                  </p:stCondLst>
-                                  <p:childTnLst>
-                                    <p:set>
-                                      <p:cBhvr>
-                                        <p:cTn id="12" dur="1" fill="hold">
-                                          <p:stCondLst>
-                                            <p:cond delay="0"/>
-                                          </p:stCondLst>
-                                        </p:cTn>
-                                        <p:tgtEl>
-                                          <p:spTgt spid="3">
-                                            <p:txEl>
-                                              <p:pRg st="2" end="2"/>
-                                            </p:txEl>
-                                          </p:spTgt>
-                                        </p:tgtEl>
-                                        <p:attrNameLst>
-                                          <p:attrName>style.visibility</p:attrName>
-                                        </p:attrNameLst>
-                                      </p:cBhvr>
-                                      <p:to>
-                                        <p:strVal val="visible"/>
-                                      </p:to>
-                                    </p:set>
-                                    <p:animEffect transition="in" filter="fade">
-                                      <p:cBhvr>
-                                        <p:cTn id="13" dur="500"/>
-                                        <p:tgtEl>
-                                          <p:spTgt spid="3">
-                                            <p:txEl>
-                                              <p:pRg st="2" end="2"/>
-                                            </p:txEl>
-                                          </p:spTgt>
-                                        </p:tgtEl>
-                                      </p:cBhvr>
-                                    </p:animEffect>
-                                  </p:childTnLst>
-                                </p:cTn>
-                              </p:par>
-                              <p:par>
-                                <p:cTn id="14" presetID="10" presetClass="entr" presetSubtype="0" fill="hold" nodeType="withEffect">
-                                  <p:stCondLst>
-                                    <p:cond delay="0"/>
-                                  </p:stCondLst>
-                                  <p:childTnLst>
-                                    <p:set>
-                                      <p:cBhvr>
-                                        <p:cTn id="15" dur="1" fill="hold">
-                                          <p:stCondLst>
-                                            <p:cond delay="0"/>
-                                          </p:stCondLst>
-                                        </p:cTn>
-                                        <p:tgtEl>
-                                          <p:spTgt spid="3">
-                                            <p:txEl>
-                                              <p:pRg st="3" end="3"/>
-                                            </p:txEl>
-                                          </p:spTgt>
-                                        </p:tgtEl>
-                                        <p:attrNameLst>
-                                          <p:attrName>style.visibility</p:attrName>
-                                        </p:attrNameLst>
-                                      </p:cBhvr>
-                                      <p:to>
-                                        <p:strVal val="visible"/>
-                                      </p:to>
-                                    </p:set>
-                                    <p:animEffect transition="in" filter="fade">
-                                      <p:cBhvr>
-                                        <p:cTn id="16" dur="500"/>
-                                        <p:tgtEl>
-                                          <p:spTgt spid="3">
-                                            <p:txEl>
-                                              <p:pRg st="3" end="3"/>
-                                            </p:txEl>
-                                          </p:spTgt>
-                                        </p:tgtEl>
-                                      </p:cBhvr>
-                                    </p:animEffect>
-                                  </p:childTnLst>
-                                </p:cTn>
-                              </p:par>
-                            </p:childTnLst>
-                          </p:cTn>
-                        </p:par>
-                      </p:childTnLst>
-                    </p:cTn>
-                  </p:par>
-                </p:childTnLst>
-              </p:cTn>
-              <p:prevCondLst>
-                <p:cond evt="onPrev" delay="0">
-                  <p:tgtEl>
-                    <p:sldTgt/>
-                  </p:tgtEl>
-                </p:cond>
-              </p:prevCondLst>
-              <p:nextCondLst>
-                <p:cond evt="onNext" delay="0">
-                  <p:tgtEl>
-                    <p:sldTgt/>
-                  </p:tgtEl>
-                </p:cond>
-              </p:nextCondLst>
-            </p:seq>
-          </p:childTnLst>
-        </p:cTn>
-      </p:par>
-    </p:tnLst>
-  </p:timing>
-</p:sld>
-</file>
-
-<file path=ppt/slides/slide5.xml><?xml version="1.0" encoding="utf-8"?>
-<p:sld xmlns:a="http://schemas.openxmlformats.org/drawingml/2006/main" xmlns:r="http://schemas.openxmlformats.org/officeDocument/2006/relationships" xmlns:p="http://schemas.openxmlformats.org/presentationml/2006/main">
-  <p:cSld>
-    <p:spTree>
-      <p:nvGrpSpPr>
-        <p:cNvPr id="1" name=""/>
-        <p:cNvGrpSpPr/>
-        <p:nvPr/>
-      </p:nvGrpSpPr>
-      <p:grpSpPr>
-        <a:xfrm>
-          <a:off x="0" y="0"/>
-          <a:ext cx="0" cy="0"/>
-          <a:chOff x="0" y="0"/>
-          <a:chExt cx="0" cy="0"/>
-        </a:xfrm>
-      </p:grpSpPr>
-      <p:sp>
-        <p:nvSpPr>
-          <p:cNvPr id="2" name="Title 1"/>
-          <p:cNvSpPr>
-            <a:spLocks noGrp="1"/>
-          </p:cNvSpPr>
-          <p:nvPr>
-            <p:ph type="title"/>
-          </p:nvPr>
-        </p:nvSpPr>
-        <p:spPr/>
-        <p:txBody>
-          <a:bodyPr/>
-          <a:lstStyle/>
-          <a:p>
-            <a:r>
-              <a:rPr lang="en-GB" b="1" dirty="0"/>
-              <a:t>When to mock?</a:t>
-            </a:r>
-            <a:endParaRPr lang="en-GB" dirty="0"/>
-          </a:p>
-        </p:txBody>
-      </p:sp>
-      <p:pic>
-        <p:nvPicPr>
-          <p:cNvPr id="3074" name="Picture 2" descr="Sy "/>
-          <p:cNvPicPr>
-            <a:picLocks noChangeAspect="1" noChangeArrowheads="1"/>
-          </p:cNvPicPr>
-          <p:nvPr/>
-        </p:nvPicPr>
-        <p:blipFill>
-          <a:blip r:embed="rId3">
-            <a:extLst>
-              <a:ext uri="{28A0092B-C50C-407E-A947-70E740481C1C}">
-                <a14:useLocalDpi xmlns:a14="http://schemas.microsoft.com/office/drawing/2010/main" val="0"/>
-              </a:ext>
-            </a:extLst>
-          </a:blip>
-          <a:srcRect/>
-          <a:stretch>
-            <a:fillRect/>
-          </a:stretch>
-        </p:blipFill>
-        <p:spPr bwMode="auto">
-          <a:xfrm>
-            <a:off x="3990588" y="2422213"/>
-            <a:ext cx="4208741" cy="3385173"/>
-          </a:xfrm>
-          <a:prstGeom prst="rect">
-            <a:avLst/>
-          </a:prstGeom>
-          <a:noFill/>
-          <a:effectLst>
-            <a:glow rad="139700">
-              <a:schemeClr val="bg1">
-                <a:alpha val="40000"/>
-              </a:schemeClr>
-            </a:glow>
-          </a:effectLst>
-          <a:extLst>
-            <a:ext uri="{909E8E84-426E-40DD-AFC4-6F175D3DCCD1}">
-              <a14:hiddenFill xmlns:a14="http://schemas.microsoft.com/office/drawing/2010/main">
-                <a:solidFill>
-                  <a:srgbClr val="FFFFFF"/>
-                </a:solidFill>
-              </a14:hiddenFill>
-            </a:ext>
-          </a:extLst>
-        </p:spPr>
-      </p:pic>
-    </p:spTree>
-    <p:extLst>
-      <p:ext uri="{BB962C8B-B14F-4D97-AF65-F5344CB8AC3E}">
-        <p14:creationId xmlns:p14="http://schemas.microsoft.com/office/powerpoint/2010/main" val="705980569"/>
-      </p:ext>
-    </p:extLst>
-  </p:cSld>
-  <p:clrMapOvr>
-    <a:masterClrMapping/>
-  </p:clrMapOvr>
-  <p:timing>
-    <p:tnLst>
-      <p:par>
-        <p:cTn id="1" dur="indefinite" restart="never" nodeType="tmRoot">
-          <p:childTnLst>
-            <p:seq concurrent="1" nextAc="seek">
-              <p:cTn id="2" dur="indefinite" nodeType="mainSeq">
-                <p:childTnLst>
-                  <p:par>
-                    <p:cTn id="3" fill="hold">
-                      <p:stCondLst>
-                        <p:cond delay="indefinite"/>
-                        <p:cond evt="onBegin" delay="0">
-                          <p:tn val="2"/>
-                        </p:cond>
-                      </p:stCondLst>
-                      <p:childTnLst>
-                        <p:par>
-                          <p:cTn id="4" fill="hold">
-                            <p:stCondLst>
-                              <p:cond delay="0"/>
-                            </p:stCondLst>
-                            <p:childTnLst>
-                              <p:par>
-                                <p:cTn id="5" presetID="10" presetClass="entr" presetSubtype="0" fill="hold" nodeType="afterEffect">
-                                  <p:stCondLst>
-                                    <p:cond delay="500"/>
-                                  </p:stCondLst>
-                                  <p:childTnLst>
-                                    <p:set>
-                                      <p:cBhvr>
-                                        <p:cTn id="6" dur="1" fill="hold">
-                                          <p:stCondLst>
-                                            <p:cond delay="0"/>
-                                          </p:stCondLst>
-                                        </p:cTn>
-                                        <p:tgtEl>
-                                          <p:spTgt spid="3074"/>
-                                        </p:tgtEl>
-                                        <p:attrNameLst>
-                                          <p:attrName>style.visibility</p:attrName>
-                                        </p:attrNameLst>
-                                      </p:cBhvr>
-                                      <p:to>
-                                        <p:strVal val="visible"/>
-                                      </p:to>
-                                    </p:set>
-                                    <p:animEffect transition="in" filter="fade">
-                                      <p:cBhvr>
-                                        <p:cTn id="7" dur="500"/>
-                                        <p:tgtEl>
-                                          <p:spTgt spid="3074"/>
-                                        </p:tgtEl>
-                                      </p:cBhvr>
-                                    </p:animEffect>
-                                  </p:childTnLst>
-                                </p:cTn>
-                              </p:par>
-                            </p:childTnLst>
-                          </p:cTn>
-                        </p:par>
-                      </p:childTnLst>
-                    </p:cTn>
-                  </p:par>
-                </p:childTnLst>
-              </p:cTn>
-              <p:prevCondLst>
-                <p:cond evt="onPrev" delay="0">
-                  <p:tgtEl>
-                    <p:sldTgt/>
-                  </p:tgtEl>
-                </p:cond>
-              </p:prevCondLst>
-              <p:nextCondLst>
-                <p:cond evt="onNext" delay="0">
-                  <p:tgtEl>
-                    <p:sldTgt/>
-                  </p:tgtEl>
-                </p:cond>
-              </p:nextCondLst>
-            </p:seq>
-          </p:childTnLst>
-        </p:cTn>
-      </p:par>
-    </p:tnLst>
-  </p:timing>
-</p:sld>
-</file>
-
-<file path=ppt/slides/slide6.xml><?xml version="1.0" encoding="utf-8"?>
-<p:sld xmlns:a="http://schemas.openxmlformats.org/drawingml/2006/main" xmlns:r="http://schemas.openxmlformats.org/officeDocument/2006/relationships" xmlns:p="http://schemas.openxmlformats.org/presentationml/2006/main">
-  <p:cSld>
-    <p:spTree>
-      <p:nvGrpSpPr>
-        <p:cNvPr id="1" name=""/>
-        <p:cNvGrpSpPr/>
-        <p:nvPr/>
-      </p:nvGrpSpPr>
-      <p:grpSpPr>
-        <a:xfrm>
-          <a:off x="0" y="0"/>
-          <a:ext cx="0" cy="0"/>
-          <a:chOff x="0" y="0"/>
-          <a:chExt cx="0" cy="0"/>
-        </a:xfrm>
-      </p:grpSpPr>
-      <p:sp>
-        <p:nvSpPr>
-          <p:cNvPr id="2" name="Title 1"/>
-          <p:cNvSpPr>
-            <a:spLocks noGrp="1"/>
-          </p:cNvSpPr>
-          <p:nvPr>
-            <p:ph type="title"/>
-          </p:nvPr>
-        </p:nvSpPr>
-        <p:spPr/>
-        <p:txBody>
-          <a:bodyPr/>
-          <a:lstStyle/>
-          <a:p>
-            <a:r>
-              <a:rPr lang="en-GB" b="1" dirty="0"/>
-              <a:t>Mocking web services</a:t>
-            </a:r>
-            <a:endParaRPr lang="en-GB" dirty="0"/>
-          </a:p>
-        </p:txBody>
-      </p:sp>
-      <p:pic>
-        <p:nvPicPr>
-          <p:cNvPr id="7170" name="Picture 2" descr="C:\Users\NEbbitt\AppData\Local\Temp\msohtmlclip1\02\clip_image001.jpg"/>
-          <p:cNvPicPr>
-            <a:picLocks noChangeAspect="1" noChangeArrowheads="1"/>
-          </p:cNvPicPr>
-          <p:nvPr/>
-        </p:nvPicPr>
-        <p:blipFill>
-          <a:blip r:embed="rId3">
-            <a:extLst>
-              <a:ext uri="{28A0092B-C50C-407E-A947-70E740481C1C}">
-                <a14:useLocalDpi xmlns:a14="http://schemas.microsoft.com/office/drawing/2010/main" val="0"/>
-              </a:ext>
-            </a:extLst>
-          </a:blip>
-          <a:srcRect/>
-          <a:stretch>
-            <a:fillRect/>
-          </a:stretch>
-        </p:blipFill>
-        <p:spPr bwMode="auto">
-          <a:xfrm>
-            <a:off x="7481125" y="3058902"/>
-            <a:ext cx="2520000" cy="1716827"/>
-          </a:xfrm>
-          <a:prstGeom prst="rect">
-            <a:avLst/>
-          </a:prstGeom>
-          <a:noFill/>
-          <a:effectLst>
-            <a:glow rad="139700">
-              <a:schemeClr val="bg1">
-                <a:alpha val="40000"/>
-              </a:schemeClr>
-            </a:glow>
-          </a:effectLst>
-          <a:extLst>
-            <a:ext uri="{909E8E84-426E-40DD-AFC4-6F175D3DCCD1}">
-              <a14:hiddenFill xmlns:a14="http://schemas.microsoft.com/office/drawing/2010/main">
-                <a:solidFill>
-                  <a:srgbClr val="FFFFFF"/>
-                </a:solidFill>
-              </a14:hiddenFill>
-            </a:ext>
-          </a:extLst>
-        </p:spPr>
-      </p:pic>
-      <p:pic>
-        <p:nvPicPr>
-          <p:cNvPr id="7172" name="Picture 4" descr="ㄥ A "/>
-          <p:cNvPicPr>
-            <a:picLocks noChangeAspect="1" noChangeArrowheads="1"/>
-          </p:cNvPicPr>
-          <p:nvPr/>
-        </p:nvPicPr>
-        <p:blipFill>
-          <a:blip r:embed="rId4">
-            <a:extLst>
-              <a:ext uri="{28A0092B-C50C-407E-A947-70E740481C1C}">
-                <a14:useLocalDpi xmlns:a14="http://schemas.microsoft.com/office/drawing/2010/main" val="0"/>
-              </a:ext>
-            </a:extLst>
-          </a:blip>
-          <a:srcRect/>
-          <a:stretch>
-            <a:fillRect/>
-          </a:stretch>
-        </p:blipFill>
-        <p:spPr bwMode="auto">
-          <a:xfrm>
-            <a:off x="1822022" y="3058902"/>
-            <a:ext cx="2520000" cy="1716827"/>
-          </a:xfrm>
-          <a:prstGeom prst="rect">
-            <a:avLst/>
-          </a:prstGeom>
-          <a:noFill/>
-          <a:effectLst>
-            <a:glow rad="139700">
-              <a:schemeClr val="bg1">
-                <a:alpha val="40000"/>
-              </a:schemeClr>
-            </a:glow>
-          </a:effectLst>
-          <a:extLst>
-            <a:ext uri="{909E8E84-426E-40DD-AFC4-6F175D3DCCD1}">
-              <a14:hiddenFill xmlns:a14="http://schemas.microsoft.com/office/drawing/2010/main">
-                <a:solidFill>
-                  <a:srgbClr val="FFFFFF"/>
-                </a:solidFill>
-              </a14:hiddenFill>
-            </a:ext>
-          </a:extLst>
-        </p:spPr>
-      </p:pic>
-    </p:spTree>
-    <p:extLst>
-      <p:ext uri="{BB962C8B-B14F-4D97-AF65-F5344CB8AC3E}">
-        <p14:creationId xmlns:p14="http://schemas.microsoft.com/office/powerpoint/2010/main" val="3902345566"/>
-      </p:ext>
-    </p:extLst>
-  </p:cSld>
-  <p:clrMapOvr>
-    <a:masterClrMapping/>
-  </p:clrMapOvr>
-  <p:timing>
-    <p:tnLst>
-      <p:par>
-        <p:cTn id="1" dur="indefinite" restart="never" nodeType="tmRoot">
-          <p:childTnLst>
-            <p:seq concurrent="1" nextAc="seek">
-              <p:cTn id="2" dur="indefinite" nodeType="mainSeq">
-                <p:childTnLst>
-                  <p:par>
-                    <p:cTn id="3" fill="hold">
-                      <p:stCondLst>
-                        <p:cond delay="indefinite"/>
-                      </p:stCondLst>
-                      <p:childTnLst>
-                        <p:par>
-                          <p:cTn id="4" fill="hold">
-                            <p:stCondLst>
-                              <p:cond delay="0"/>
-                            </p:stCondLst>
-                            <p:childTnLst>
-                              <p:par>
-                                <p:cTn id="5" presetID="10" presetClass="entr" presetSubtype="0" fill="hold" nodeType="clickEffect">
-                                  <p:stCondLst>
-                                    <p:cond delay="0"/>
-                                  </p:stCondLst>
-                                  <p:childTnLst>
-                                    <p:set>
-                                      <p:cBhvr>
-                                        <p:cTn id="6" dur="1" fill="hold">
-                                          <p:stCondLst>
-                                            <p:cond delay="0"/>
-                                          </p:stCondLst>
-                                        </p:cTn>
-                                        <p:tgtEl>
-                                          <p:spTgt spid="7172"/>
-                                        </p:tgtEl>
-                                        <p:attrNameLst>
-                                          <p:attrName>style.visibility</p:attrName>
-                                        </p:attrNameLst>
-                                      </p:cBhvr>
-                                      <p:to>
-                                        <p:strVal val="visible"/>
-                                      </p:to>
-                                    </p:set>
-                                    <p:animEffect transition="in" filter="fade">
-                                      <p:cBhvr>
-                                        <p:cTn id="7" dur="500"/>
-                                        <p:tgtEl>
-                                          <p:spTgt spid="7172"/>
-                                        </p:tgtEl>
-                                      </p:cBhvr>
-                                    </p:animEffect>
-                                  </p:childTnLst>
-                                </p:cTn>
-                              </p:par>
-                            </p:childTnLst>
-                          </p:cTn>
-                        </p:par>
-                      </p:childTnLst>
-                    </p:cTn>
-                  </p:par>
-                  <p:par>
-                    <p:cTn id="8" fill="hold">
-                      <p:stCondLst>
-                        <p:cond delay="indefinite"/>
-                      </p:stCondLst>
-                      <p:childTnLst>
-                        <p:par>
-                          <p:cTn id="9" fill="hold">
-                            <p:stCondLst>
-                              <p:cond delay="0"/>
-                            </p:stCondLst>
-                            <p:childTnLst>
-                              <p:par>
-                                <p:cTn id="10" presetID="10" presetClass="entr" presetSubtype="0" fill="hold" nodeType="clickEffect">
-                                  <p:stCondLst>
-                                    <p:cond delay="0"/>
-                                  </p:stCondLst>
-                                  <p:childTnLst>
-                                    <p:set>
-                                      <p:cBhvr>
-                                        <p:cTn id="11" dur="1" fill="hold">
-                                          <p:stCondLst>
-                                            <p:cond delay="0"/>
-                                          </p:stCondLst>
-                                        </p:cTn>
-                                        <p:tgtEl>
-                                          <p:spTgt spid="7170"/>
-                                        </p:tgtEl>
-                                        <p:attrNameLst>
-                                          <p:attrName>style.visibility</p:attrName>
-                                        </p:attrNameLst>
-                                      </p:cBhvr>
-                                      <p:to>
-                                        <p:strVal val="visible"/>
-                                      </p:to>
-                                    </p:set>
-                                    <p:animEffect transition="in" filter="fade">
-                                      <p:cBhvr>
-                                        <p:cTn id="12" dur="500"/>
-                                        <p:tgtEl>
-                                          <p:spTgt spid="7170"/>
-                                        </p:tgtEl>
-                                      </p:cBhvr>
-                                    </p:animEffect>
-                                  </p:childTnLst>
-                                </p:cTn>
-                              </p:par>
-                            </p:childTnLst>
-                          </p:cTn>
-                        </p:par>
-                      </p:childTnLst>
-                    </p:cTn>
-                  </p:par>
-                </p:childTnLst>
-              </p:cTn>
-              <p:prevCondLst>
-                <p:cond evt="onPrev" delay="0">
-                  <p:tgtEl>
-                    <p:sldTgt/>
-                  </p:tgtEl>
-                </p:cond>
-              </p:prevCondLst>
-              <p:nextCondLst>
-                <p:cond evt="onNext" delay="0">
-                  <p:tgtEl>
-                    <p:sldTgt/>
-                  </p:tgtEl>
-                </p:cond>
-              </p:nextCondLst>
-            </p:seq>
-          </p:childTnLst>
-        </p:cTn>
-      </p:par>
-    </p:tnLst>
-  </p:timing>
-</p:sld>
-</file>
-
-<file path=ppt/slides/slide7.xml><?xml version="1.0" encoding="utf-8"?>
-<p:sld xmlns:a="http://schemas.openxmlformats.org/drawingml/2006/main" xmlns:r="http://schemas.openxmlformats.org/officeDocument/2006/relationships" xmlns:p="http://schemas.openxmlformats.org/presentationml/2006/main">
-  <p:cSld>
-    <p:spTree>
-      <p:nvGrpSpPr>
-        <p:cNvPr id="1" name=""/>
-        <p:cNvGrpSpPr/>
-        <p:nvPr/>
-      </p:nvGrpSpPr>
-      <p:grpSpPr>
-        <a:xfrm>
-          <a:off x="0" y="0"/>
-          <a:ext cx="0" cy="0"/>
-          <a:chOff x="0" y="0"/>
-          <a:chExt cx="0" cy="0"/>
-        </a:xfrm>
-      </p:grpSpPr>
-      <p:sp>
-        <p:nvSpPr>
-          <p:cNvPr id="2" name="Title 1"/>
-          <p:cNvSpPr>
-            <a:spLocks noGrp="1"/>
-          </p:cNvSpPr>
-          <p:nvPr>
-            <p:ph type="title"/>
-          </p:nvPr>
-        </p:nvSpPr>
-        <p:spPr/>
-        <p:txBody>
-          <a:bodyPr/>
-          <a:lstStyle/>
-          <a:p>
-            <a:r>
-              <a:rPr lang="en-GB" b="1" dirty="0"/>
-              <a:t>Introducing WIREMOCK…</a:t>
-            </a:r>
-            <a:endParaRPr lang="en-GB" dirty="0"/>
-          </a:p>
-        </p:txBody>
-      </p:sp>
-      <p:sp>
-        <p:nvSpPr>
-          <p:cNvPr id="3" name="Content Placeholder 2"/>
-          <p:cNvSpPr>
-            <a:spLocks noGrp="1"/>
-          </p:cNvSpPr>
-          <p:nvPr>
-            <p:ph idx="1"/>
-          </p:nvPr>
-        </p:nvSpPr>
-        <p:spPr>
-          <a:xfrm>
-            <a:off x="5369770" y="3115201"/>
-            <a:ext cx="5060984" cy="1462568"/>
-          </a:xfrm>
-        </p:spPr>
-        <p:txBody>
-          <a:bodyPr>
-            <a:normAutofit/>
-          </a:bodyPr>
-          <a:lstStyle/>
-          <a:p>
-            <a:pPr marL="0" indent="0" fontAlgn="ctr">
-              <a:buNone/>
-            </a:pPr>
-            <a:r>
-              <a:rPr lang="en-GB" dirty="0"/>
-              <a:t>Created by Tom </a:t>
-            </a:r>
-            <a:r>
-              <a:rPr lang="en-GB" dirty="0" err="1"/>
-              <a:t>Akehurst</a:t>
-            </a:r>
-            <a:r>
-              <a:rPr lang="en-GB" dirty="0"/>
-              <a:t> in 2011</a:t>
-            </a:r>
-          </a:p>
-          <a:p>
-            <a:pPr marL="0" indent="0" fontAlgn="ctr">
-              <a:lnSpc>
-                <a:spcPct val="100000"/>
-              </a:lnSpc>
-              <a:buNone/>
-            </a:pPr>
-            <a:r>
-              <a:rPr lang="en-GB" dirty="0"/>
-              <a:t>Version 2.1.12</a:t>
-            </a:r>
-          </a:p>
-          <a:p>
-            <a:pPr marL="0" indent="0" fontAlgn="ctr">
-              <a:buNone/>
-            </a:pPr>
-            <a:r>
-              <a:rPr lang="en-GB" dirty="0">
-                <a:hlinkClick r:id="rId3"/>
-              </a:rPr>
-              <a:t>http://wiremock.org/</a:t>
-            </a:r>
-            <a:endParaRPr lang="en-GB" dirty="0"/>
-          </a:p>
-          <a:p>
-            <a:pPr marL="0" indent="0" fontAlgn="ctr">
-              <a:buNone/>
-            </a:pPr>
-            <a:endParaRPr lang="en-GB" dirty="0"/>
-          </a:p>
-          <a:p>
-            <a:pPr marL="0" indent="0">
-              <a:buNone/>
-            </a:pPr>
-            <a:endParaRPr lang="en-GB" dirty="0"/>
-          </a:p>
-        </p:txBody>
-      </p:sp>
-      <p:pic>
-        <p:nvPicPr>
-          <p:cNvPr id="8" name="Picture 4" descr="http://wiremock.org/images/wiremock-concept-icon-01.png"/>
-          <p:cNvPicPr>
-            <a:picLocks noChangeAspect="1" noChangeArrowheads="1"/>
-          </p:cNvPicPr>
-          <p:nvPr/>
-        </p:nvPicPr>
-        <p:blipFill>
-          <a:blip r:embed="rId4">
-            <a:extLst>
-              <a:ext uri="{28A0092B-C50C-407E-A947-70E740481C1C}">
-                <a14:useLocalDpi xmlns:a14="http://schemas.microsoft.com/office/drawing/2010/main" val="0"/>
-              </a:ext>
-            </a:extLst>
-          </a:blip>
-          <a:srcRect/>
-          <a:stretch>
-            <a:fillRect/>
-          </a:stretch>
-        </p:blipFill>
-        <p:spPr bwMode="auto">
-          <a:xfrm>
-            <a:off x="2635333" y="3322610"/>
-            <a:ext cx="2295525" cy="1047750"/>
-          </a:xfrm>
-          <a:prstGeom prst="rect">
-            <a:avLst/>
-          </a:prstGeom>
-          <a:noFill/>
-          <a:effectLst>
-            <a:glow rad="139700">
-              <a:schemeClr val="bg1">
-                <a:alpha val="40000"/>
-              </a:schemeClr>
-            </a:glow>
-          </a:effectLst>
-          <a:extLst>
-            <a:ext uri="{909E8E84-426E-40DD-AFC4-6F175D3DCCD1}">
-              <a14:hiddenFill xmlns:a14="http://schemas.microsoft.com/office/drawing/2010/main">
-                <a:solidFill>
-                  <a:srgbClr val="FFFFFF"/>
-                </a:solidFill>
-              </a14:hiddenFill>
-            </a:ext>
-          </a:extLst>
-        </p:spPr>
-      </p:pic>
-    </p:spTree>
-    <p:extLst>
-      <p:ext uri="{BB962C8B-B14F-4D97-AF65-F5344CB8AC3E}">
-        <p14:creationId xmlns:p14="http://schemas.microsoft.com/office/powerpoint/2010/main" val="2059254483"/>
-      </p:ext>
-    </p:extLst>
-  </p:cSld>
-  <p:clrMapOvr>
-    <a:masterClrMapping/>
-  </p:clrMapOvr>
-  <p:timing>
-    <p:tnLst>
-      <p:par>
-        <p:cTn id="1" dur="indefinite" restart="never" nodeType="tmRoot">
-          <p:childTnLst>
-            <p:seq concurrent="1" nextAc="seek">
-              <p:cTn id="2" dur="indefinite" nodeType="mainSeq">
-                <p:childTnLst>
-                  <p:par>
-                    <p:cTn id="3" fill="hold">
-                      <p:stCondLst>
-                        <p:cond delay="indefinite"/>
-                      </p:stCondLst>
-                      <p:childTnLst>
-                        <p:par>
-                          <p:cTn id="4" fill="hold">
-                            <p:stCondLst>
-                              <p:cond delay="0"/>
-                            </p:stCondLst>
-                            <p:childTnLst>
-                              <p:par>
-                                <p:cTn id="5" presetID="10" presetClass="entr" presetSubtype="0" fill="hold" nodeType="clickEffect">
-                                  <p:stCondLst>
-                                    <p:cond delay="0"/>
-                                  </p:stCondLst>
-                                  <p:childTnLst>
-                                    <p:set>
-                                      <p:cBhvr>
-                                        <p:cTn id="6" dur="1" fill="hold">
-                                          <p:stCondLst>
-                                            <p:cond delay="0"/>
-                                          </p:stCondLst>
-                                        </p:cTn>
-                                        <p:tgtEl>
-                                          <p:spTgt spid="8"/>
-                                        </p:tgtEl>
-                                        <p:attrNameLst>
-                                          <p:attrName>style.visibility</p:attrName>
-                                        </p:attrNameLst>
-                                      </p:cBhvr>
-                                      <p:to>
-                                        <p:strVal val="visible"/>
-                                      </p:to>
-                                    </p:set>
-                                    <p:animEffect transition="in" filter="fade">
-                                      <p:cBhvr>
-                                        <p:cTn id="7" dur="500"/>
-                                        <p:tgtEl>
-                                          <p:spTgt spid="8"/>
-                                        </p:tgtEl>
-                                      </p:cBhvr>
-                                    </p:animEffect>
-                                  </p:childTnLst>
-                                </p:cTn>
-                              </p:par>
-                            </p:childTnLst>
-                          </p:cTn>
-                        </p:par>
-                        <p:par>
-                          <p:cTn id="8" fill="hold">
-                            <p:stCondLst>
-                              <p:cond delay="500"/>
-                            </p:stCondLst>
-                            <p:childTnLst>
-                              <p:par>
-                                <p:cTn id="9" presetID="10" presetClass="entr" presetSubtype="0" fill="hold" nodeType="afterEffect">
-                                  <p:stCondLst>
-                                    <p:cond delay="0"/>
-                                  </p:stCondLst>
-                                  <p:childTnLst>
-                                    <p:set>
-                                      <p:cBhvr>
-                                        <p:cTn id="10" dur="1" fill="hold">
-                                          <p:stCondLst>
-                                            <p:cond delay="0"/>
-                                          </p:stCondLst>
-                                        </p:cTn>
-                                        <p:tgtEl>
-                                          <p:spTgt spid="3">
-                                            <p:txEl>
-                                              <p:pRg st="0" end="0"/>
-                                            </p:txEl>
-                                          </p:spTgt>
-                                        </p:tgtEl>
-                                        <p:attrNameLst>
-                                          <p:attrName>style.visibility</p:attrName>
-                                        </p:attrNameLst>
-                                      </p:cBhvr>
-                                      <p:to>
-                                        <p:strVal val="visible"/>
-                                      </p:to>
-                                    </p:set>
-                                    <p:animEffect transition="in" filter="fade">
-                                      <p:cBhvr>
-                                        <p:cTn id="11" dur="500"/>
-                                        <p:tgtEl>
-                                          <p:spTgt spid="3">
-                                            <p:txEl>
-                                              <p:pRg st="0" end="0"/>
-                                            </p:txEl>
-                                          </p:spTgt>
-                                        </p:tgtEl>
-                                      </p:cBhvr>
-                                    </p:animEffect>
-                                  </p:childTnLst>
-                                </p:cTn>
-                              </p:par>
-                            </p:childTnLst>
-                          </p:cTn>
-                        </p:par>
-                        <p:par>
-                          <p:cTn id="12" fill="hold">
-                            <p:stCondLst>
-                              <p:cond delay="1000"/>
-                            </p:stCondLst>
-                            <p:childTnLst>
-                              <p:par>
-                                <p:cTn id="13" presetID="10" presetClass="entr" presetSubtype="0" fill="hold" nodeType="afterEffect">
-                                  <p:stCondLst>
-                                    <p:cond delay="0"/>
-                                  </p:stCondLst>
-                                  <p:childTnLst>
-                                    <p:set>
-                                      <p:cBhvr>
-                                        <p:cTn id="14" dur="1" fill="hold">
-                                          <p:stCondLst>
-                                            <p:cond delay="0"/>
-                                          </p:stCondLst>
-                                        </p:cTn>
-                                        <p:tgtEl>
-                                          <p:spTgt spid="3">
-                                            <p:txEl>
-                                              <p:pRg st="1" end="1"/>
-                                            </p:txEl>
-                                          </p:spTgt>
-                                        </p:tgtEl>
-                                        <p:attrNameLst>
-                                          <p:attrName>style.visibility</p:attrName>
-                                        </p:attrNameLst>
-                                      </p:cBhvr>
-                                      <p:to>
-                                        <p:strVal val="visible"/>
-                                      </p:to>
-                                    </p:set>
-                                    <p:animEffect transition="in" filter="fade">
-                                      <p:cBhvr>
-                                        <p:cTn id="15" dur="500"/>
-                                        <p:tgtEl>
-                                          <p:spTgt spid="3">
-                                            <p:txEl>
-                                              <p:pRg st="1" end="1"/>
-                                            </p:txEl>
-                                          </p:spTgt>
-                                        </p:tgtEl>
-                                      </p:cBhvr>
-                                    </p:animEffect>
-                                  </p:childTnLst>
-                                </p:cTn>
-                              </p:par>
-                            </p:childTnLst>
-                          </p:cTn>
-                        </p:par>
-                        <p:par>
-                          <p:cTn id="16" fill="hold">
-                            <p:stCondLst>
-                              <p:cond delay="1500"/>
-                            </p:stCondLst>
-                            <p:childTnLst>
-                              <p:par>
-                                <p:cTn id="17" presetID="10" presetClass="entr" presetSubtype="0" fill="hold" nodeType="afterEffect">
-                                  <p:stCondLst>
-                                    <p:cond delay="0"/>
-                                  </p:stCondLst>
-                                  <p:childTnLst>
-                                    <p:set>
-                                      <p:cBhvr>
-                                        <p:cTn id="18" dur="1" fill="hold">
-                                          <p:stCondLst>
-                                            <p:cond delay="0"/>
-                                          </p:stCondLst>
-                                        </p:cTn>
-                                        <p:tgtEl>
-                                          <p:spTgt spid="3">
-                                            <p:txEl>
-                                              <p:pRg st="2" end="2"/>
-                                            </p:txEl>
-                                          </p:spTgt>
-                                        </p:tgtEl>
-                                        <p:attrNameLst>
-                                          <p:attrName>style.visibility</p:attrName>
-                                        </p:attrNameLst>
-                                      </p:cBhvr>
-                                      <p:to>
-                                        <p:strVal val="visible"/>
-                                      </p:to>
-                                    </p:set>
-                                    <p:animEffect transition="in" filter="fade">
-                                      <p:cBhvr>
-                                        <p:cTn id="19" dur="500"/>
-                                        <p:tgtEl>
-                                          <p:spTgt spid="3">
-                                            <p:txEl>
-                                              <p:pRg st="2" end="2"/>
-                                            </p:txEl>
-                                          </p:spTgt>
-                                        </p:tgtEl>
-                                      </p:cBhvr>
-                                    </p:animEffect>
-                                  </p:childTnLst>
-                                </p:cTn>
-                              </p:par>
-                            </p:childTnLst>
-                          </p:cTn>
-                        </p:par>
-                      </p:childTnLst>
-                    </p:cTn>
-                  </p:par>
-                </p:childTnLst>
-              </p:cTn>
-              <p:prevCondLst>
-                <p:cond evt="onPrev" delay="0">
-                  <p:tgtEl>
-                    <p:sldTgt/>
-                  </p:tgtEl>
-                </p:cond>
-              </p:prevCondLst>
-              <p:nextCondLst>
-                <p:cond evt="onNext" delay="0">
-                  <p:tgtEl>
-                    <p:sldTgt/>
-                  </p:tgtEl>
-                </p:cond>
-              </p:nextCondLst>
-            </p:seq>
-          </p:childTnLst>
-        </p:cTn>
-      </p:par>
-    </p:tnLst>
-  </p:timing>
-</p:sld>
-</file>
-
-<file path=ppt/slides/slide8.xml><?xml version="1.0" encoding="utf-8"?>
-<p:sld xmlns:a="http://schemas.openxmlformats.org/drawingml/2006/main" xmlns:r="http://schemas.openxmlformats.org/officeDocument/2006/relationships" xmlns:p="http://schemas.openxmlformats.org/presentationml/2006/main">
-  <p:cSld>
-    <p:spTree>
-      <p:nvGrpSpPr>
-        <p:cNvPr id="1" name=""/>
-        <p:cNvGrpSpPr/>
-        <p:nvPr/>
-      </p:nvGrpSpPr>
-      <p:grpSpPr>
-        <a:xfrm>
-          <a:off x="0" y="0"/>
-          <a:ext cx="0" cy="0"/>
-          <a:chOff x="0" y="0"/>
-          <a:chExt cx="0" cy="0"/>
-        </a:xfrm>
-      </p:grpSpPr>
-      <p:sp>
-        <p:nvSpPr>
-          <p:cNvPr id="2" name="Title 1"/>
-          <p:cNvSpPr>
-            <a:spLocks noGrp="1"/>
-          </p:cNvSpPr>
-          <p:nvPr>
-            <p:ph type="title"/>
-          </p:nvPr>
-        </p:nvSpPr>
-        <p:spPr>
-          <a:xfrm>
-            <a:off x="3694176" y="284176"/>
-            <a:ext cx="7292822" cy="1508760"/>
-          </a:xfrm>
-        </p:spPr>
-        <p:txBody>
-          <a:bodyPr/>
-          <a:lstStyle/>
-          <a:p>
-            <a:r>
-              <a:rPr lang="en-GB" b="1" dirty="0"/>
-              <a:t>deployment</a:t>
-            </a:r>
-          </a:p>
-        </p:txBody>
-      </p:sp>
-      <p:sp>
-        <p:nvSpPr>
-          <p:cNvPr id="4" name="Content Placeholder 2"/>
-          <p:cNvSpPr txBox="1">
-            <a:spLocks/>
-          </p:cNvSpPr>
-          <p:nvPr/>
-        </p:nvSpPr>
-        <p:spPr>
-          <a:xfrm>
-            <a:off x="6094959" y="2011680"/>
-            <a:ext cx="3815130" cy="2776654"/>
-          </a:xfrm>
-          <a:prstGeom prst="rect">
-            <a:avLst/>
-          </a:prstGeom>
-        </p:spPr>
-        <p:txBody>
-          <a:bodyPr vert="horz" lIns="91440" tIns="45720" rIns="91440" bIns="45720" rtlCol="0">
-            <a:normAutofit/>
-          </a:bodyPr>
-          <a:lstStyle>
-            <a:lvl1pPr marL="182880" indent="-182880" algn="l" defTabSz="914400" rtl="0" eaLnBrk="1" latinLnBrk="0" hangingPunct="1">
-              <a:lnSpc>
-                <a:spcPct val="90000"/>
-              </a:lnSpc>
-              <a:spcBef>
-                <a:spcPts val="1200"/>
-              </a:spcBef>
-              <a:spcAft>
-                <a:spcPts val="200"/>
-              </a:spcAft>
-              <a:buClr>
-                <a:schemeClr val="tx1"/>
-              </a:buClr>
-              <a:buFont typeface="Wingdings" pitchFamily="2" charset="2"/>
-              <a:buChar char=""/>
-              <a:defRPr sz="2200" kern="1200">
-                <a:solidFill>
-                  <a:schemeClr val="tx1"/>
-                </a:solidFill>
-                <a:latin typeface="+mn-lt"/>
-                <a:ea typeface="+mn-ea"/>
-                <a:cs typeface="+mn-cs"/>
-              </a:defRPr>
-            </a:lvl1pPr>
-            <a:lvl2pPr marL="411480" indent="-182880" algn="l" defTabSz="914400" rtl="0" eaLnBrk="1" latinLnBrk="0" hangingPunct="1">
-              <a:lnSpc>
-                <a:spcPct val="90000"/>
-              </a:lnSpc>
-              <a:spcBef>
-                <a:spcPts val="200"/>
-              </a:spcBef>
-              <a:spcAft>
-                <a:spcPts val="400"/>
-              </a:spcAft>
-              <a:buClr>
-                <a:schemeClr val="tx1"/>
-              </a:buClr>
-              <a:buFont typeface="Wingdings" pitchFamily="2" charset="2"/>
-              <a:buChar char=""/>
-              <a:defRPr sz="2000" kern="1200">
-                <a:solidFill>
-                  <a:schemeClr val="tx1"/>
-                </a:solidFill>
-                <a:latin typeface="+mn-lt"/>
-                <a:ea typeface="+mn-ea"/>
-                <a:cs typeface="+mn-cs"/>
-              </a:defRPr>
-            </a:lvl2pPr>
-            <a:lvl3pPr marL="640080" indent="-182880" algn="l" defTabSz="914400" rtl="0" eaLnBrk="1" latinLnBrk="0" hangingPunct="1">
-              <a:lnSpc>
-                <a:spcPct val="90000"/>
-              </a:lnSpc>
-              <a:spcBef>
-                <a:spcPts val="200"/>
-              </a:spcBef>
-              <a:spcAft>
-                <a:spcPts val="400"/>
-              </a:spcAft>
-              <a:buClr>
-                <a:schemeClr val="tx1"/>
-              </a:buClr>
-              <a:buFont typeface="Wingdings" pitchFamily="2" charset="2"/>
-              <a:buChar char=""/>
-              <a:defRPr sz="1800" kern="1200">
-                <a:solidFill>
-                  <a:schemeClr val="tx1"/>
-                </a:solidFill>
-                <a:latin typeface="+mn-lt"/>
-                <a:ea typeface="+mn-ea"/>
-                <a:cs typeface="+mn-cs"/>
-              </a:defRPr>
-            </a:lvl3pPr>
-            <a:lvl4pPr marL="868680" indent="-182880" algn="l" defTabSz="914400" rtl="0" eaLnBrk="1" latinLnBrk="0" hangingPunct="1">
-              <a:lnSpc>
-                <a:spcPct val="90000"/>
-              </a:lnSpc>
-              <a:spcBef>
-                <a:spcPts val="200"/>
-              </a:spcBef>
-              <a:spcAft>
-                <a:spcPts val="400"/>
-              </a:spcAft>
-              <a:buClr>
-                <a:schemeClr val="tx1"/>
-              </a:buClr>
-              <a:buFont typeface="Wingdings" pitchFamily="2" charset="2"/>
-              <a:buChar char=""/>
-              <a:defRPr sz="1600" kern="1200">
-                <a:solidFill>
-                  <a:schemeClr val="tx1"/>
-                </a:solidFill>
-                <a:latin typeface="+mn-lt"/>
-                <a:ea typeface="+mn-ea"/>
-                <a:cs typeface="+mn-cs"/>
-              </a:defRPr>
-            </a:lvl4pPr>
-            <a:lvl5pPr marL="1097280" indent="-182880" algn="l" defTabSz="914400" rtl="0" eaLnBrk="1" latinLnBrk="0" hangingPunct="1">
-              <a:lnSpc>
-                <a:spcPct val="90000"/>
-              </a:lnSpc>
-              <a:spcBef>
-                <a:spcPts val="200"/>
-              </a:spcBef>
-              <a:spcAft>
-                <a:spcPts val="400"/>
-              </a:spcAft>
-              <a:buClr>
-                <a:schemeClr val="tx1"/>
-              </a:buClr>
-              <a:buFont typeface="Wingdings" pitchFamily="2" charset="2"/>
-              <a:buChar char=""/>
-              <a:defRPr sz="1600" kern="1200">
-                <a:solidFill>
-                  <a:schemeClr val="tx1"/>
-                </a:solidFill>
-                <a:latin typeface="+mn-lt"/>
-                <a:ea typeface="+mn-ea"/>
-                <a:cs typeface="+mn-cs"/>
-              </a:defRPr>
-            </a:lvl5pPr>
-            <a:lvl6pPr marL="1284600" indent="-228600" algn="l" defTabSz="914400" rtl="0" eaLnBrk="1" latinLnBrk="0" hangingPunct="1">
-              <a:lnSpc>
-                <a:spcPct val="90000"/>
-              </a:lnSpc>
-              <a:spcBef>
-                <a:spcPts val="200"/>
-              </a:spcBef>
-              <a:spcAft>
-                <a:spcPts val="400"/>
-              </a:spcAft>
-              <a:buClr>
-                <a:schemeClr val="tx1"/>
-              </a:buClr>
-              <a:buFont typeface="Wingdings" pitchFamily="2" charset="2"/>
-              <a:buChar char=""/>
-              <a:defRPr sz="1600" kern="1200">
-                <a:solidFill>
-                  <a:schemeClr val="tx1"/>
-                </a:solidFill>
-                <a:latin typeface="+mn-lt"/>
-                <a:ea typeface="+mn-ea"/>
-                <a:cs typeface="+mn-cs"/>
-              </a:defRPr>
-            </a:lvl6pPr>
-            <a:lvl7pPr marL="1471800" indent="-228600" algn="l" defTabSz="914400" rtl="0" eaLnBrk="1" latinLnBrk="0" hangingPunct="1">
-              <a:lnSpc>
-                <a:spcPct val="90000"/>
-              </a:lnSpc>
-              <a:spcBef>
-                <a:spcPts val="200"/>
-              </a:spcBef>
-              <a:spcAft>
-                <a:spcPts val="400"/>
-              </a:spcAft>
-              <a:buClr>
-                <a:schemeClr val="tx1"/>
-              </a:buClr>
-              <a:buFont typeface="Wingdings" pitchFamily="2" charset="2"/>
-              <a:buChar char=""/>
-              <a:defRPr sz="1600" kern="1200">
-                <a:solidFill>
-                  <a:schemeClr val="tx1"/>
-                </a:solidFill>
-                <a:latin typeface="+mn-lt"/>
-                <a:ea typeface="+mn-ea"/>
-                <a:cs typeface="+mn-cs"/>
-              </a:defRPr>
-            </a:lvl7pPr>
-            <a:lvl8pPr marL="1629000" indent="-228600" algn="l" defTabSz="914400" rtl="0" eaLnBrk="1" latinLnBrk="0" hangingPunct="1">
-              <a:lnSpc>
-                <a:spcPct val="90000"/>
-              </a:lnSpc>
-              <a:spcBef>
-                <a:spcPts val="200"/>
-              </a:spcBef>
-              <a:spcAft>
-                <a:spcPts val="400"/>
-              </a:spcAft>
-              <a:buClr>
-                <a:schemeClr val="tx1"/>
-              </a:buClr>
-              <a:buFont typeface="Wingdings" pitchFamily="2" charset="2"/>
-              <a:buChar char=""/>
-              <a:defRPr sz="1600" kern="1200">
-                <a:solidFill>
-                  <a:schemeClr val="tx1"/>
-                </a:solidFill>
-                <a:latin typeface="+mn-lt"/>
-                <a:ea typeface="+mn-ea"/>
-                <a:cs typeface="+mn-cs"/>
-              </a:defRPr>
-            </a:lvl8pPr>
-            <a:lvl9pPr marL="1806200" indent="-228600" algn="l" defTabSz="914400" rtl="0" eaLnBrk="1" latinLnBrk="0" hangingPunct="1">
-              <a:lnSpc>
-                <a:spcPct val="90000"/>
-              </a:lnSpc>
-              <a:spcBef>
-                <a:spcPts val="200"/>
-              </a:spcBef>
-              <a:spcAft>
-                <a:spcPts val="400"/>
-              </a:spcAft>
-              <a:buClr>
-                <a:schemeClr val="tx1"/>
-              </a:buClr>
-              <a:buFont typeface="Wingdings" pitchFamily="2" charset="2"/>
-              <a:buChar char=""/>
-              <a:defRPr sz="1600" kern="1200">
-                <a:solidFill>
-                  <a:schemeClr val="tx1"/>
-                </a:solidFill>
-                <a:latin typeface="+mn-lt"/>
-                <a:ea typeface="+mn-ea"/>
-                <a:cs typeface="+mn-cs"/>
-              </a:defRPr>
-            </a:lvl9pPr>
-          </a:lstStyle>
-          <a:p>
-            <a:pPr marL="0" indent="0" fontAlgn="ctr">
-              <a:buFont typeface="Wingdings" pitchFamily="2" charset="2"/>
-              <a:buNone/>
-            </a:pPr>
-            <a:endParaRPr lang="en-GB" sz="2400" dirty="0"/>
-          </a:p>
-        </p:txBody>
-      </p:sp>
-      <p:pic>
-        <p:nvPicPr>
-          <p:cNvPr id="6" name="Picture 5"/>
-          <p:cNvPicPr>
-            <a:picLocks noChangeAspect="1"/>
-          </p:cNvPicPr>
-          <p:nvPr/>
-        </p:nvPicPr>
-        <p:blipFill>
-          <a:blip r:embed="rId3"/>
-          <a:stretch>
-            <a:fillRect/>
-          </a:stretch>
-        </p:blipFill>
-        <p:spPr>
-          <a:xfrm>
-            <a:off x="3420999" y="2469640"/>
-            <a:ext cx="4581525" cy="390525"/>
-          </a:xfrm>
-          <a:prstGeom prst="rect">
-            <a:avLst/>
-          </a:prstGeom>
-          <a:effectLst>
-            <a:glow rad="139700">
-              <a:schemeClr val="bg1">
-                <a:alpha val="40000"/>
-              </a:schemeClr>
-            </a:glow>
-            <a:softEdge rad="25400"/>
-          </a:effectLst>
-        </p:spPr>
-      </p:pic>
-      <p:pic>
-        <p:nvPicPr>
-          <p:cNvPr id="8194" name="Picture 2" descr="Tomcat Home"/>
-          <p:cNvPicPr>
-            <a:picLocks noChangeAspect="1" noChangeArrowheads="1"/>
-          </p:cNvPicPr>
-          <p:nvPr/>
-        </p:nvPicPr>
-        <p:blipFill>
-          <a:blip r:embed="rId4">
-            <a:extLst>
-              <a:ext uri="{28A0092B-C50C-407E-A947-70E740481C1C}">
-                <a14:useLocalDpi xmlns:a14="http://schemas.microsoft.com/office/drawing/2010/main" val="0"/>
-              </a:ext>
-            </a:extLst>
-          </a:blip>
-          <a:srcRect/>
-          <a:stretch>
-            <a:fillRect/>
-          </a:stretch>
-        </p:blipFill>
-        <p:spPr bwMode="auto">
-          <a:xfrm>
-            <a:off x="3498444" y="3202647"/>
-            <a:ext cx="1228725" cy="876300"/>
-          </a:xfrm>
-          <a:prstGeom prst="rect">
-            <a:avLst/>
-          </a:prstGeom>
-          <a:noFill/>
-          <a:effectLst>
-            <a:glow rad="101600">
-              <a:schemeClr val="accent3">
-                <a:satMod val="175000"/>
-                <a:alpha val="40000"/>
-              </a:schemeClr>
-            </a:glow>
-          </a:effectLst>
-          <a:extLst>
-            <a:ext uri="{909E8E84-426E-40DD-AFC4-6F175D3DCCD1}">
-              <a14:hiddenFill xmlns:a14="http://schemas.microsoft.com/office/drawing/2010/main">
-                <a:solidFill>
-                  <a:srgbClr val="FFFFFF"/>
-                </a:solidFill>
-              </a14:hiddenFill>
-            </a:ext>
-          </a:extLst>
-        </p:spPr>
-      </p:pic>
-      <p:pic>
-        <p:nvPicPr>
-          <p:cNvPr id="8202" name="Picture 10" descr="http://www.eclipse.org/jetty/images/jetty-logo-80x22.png"/>
-          <p:cNvPicPr>
-            <a:picLocks noChangeAspect="1" noChangeArrowheads="1"/>
-          </p:cNvPicPr>
-          <p:nvPr/>
-        </p:nvPicPr>
-        <p:blipFill>
-          <a:blip r:embed="rId5">
-            <a:extLst>
-              <a:ext uri="{28A0092B-C50C-407E-A947-70E740481C1C}">
-                <a14:useLocalDpi xmlns:a14="http://schemas.microsoft.com/office/drawing/2010/main" val="0"/>
-              </a:ext>
-            </a:extLst>
-          </a:blip>
-          <a:srcRect/>
-          <a:stretch>
-            <a:fillRect/>
-          </a:stretch>
-        </p:blipFill>
-        <p:spPr bwMode="auto">
-          <a:xfrm>
-            <a:off x="5208511" y="3259797"/>
-            <a:ext cx="2695575" cy="762000"/>
-          </a:xfrm>
-          <a:prstGeom prst="rect">
-            <a:avLst/>
-          </a:prstGeom>
-          <a:noFill/>
-          <a:effectLst>
-            <a:glow rad="101600">
-              <a:schemeClr val="accent3">
-                <a:satMod val="175000"/>
-                <a:alpha val="40000"/>
-              </a:schemeClr>
-            </a:glow>
-          </a:effectLst>
-          <a:extLst>
-            <a:ext uri="{909E8E84-426E-40DD-AFC4-6F175D3DCCD1}">
-              <a14:hiddenFill xmlns:a14="http://schemas.microsoft.com/office/drawing/2010/main">
-                <a:solidFill>
-                  <a:srgbClr val="FFFFFF"/>
-                </a:solidFill>
-              </a14:hiddenFill>
-            </a:ext>
-          </a:extLst>
-        </p:spPr>
-      </p:pic>
-      <p:pic>
-        <p:nvPicPr>
-          <p:cNvPr id="10" name="Picture 9"/>
-          <p:cNvPicPr>
-            <a:picLocks noChangeAspect="1"/>
-          </p:cNvPicPr>
-          <p:nvPr/>
-        </p:nvPicPr>
-        <p:blipFill>
-          <a:blip r:embed="rId6"/>
-          <a:stretch>
-            <a:fillRect/>
-          </a:stretch>
-        </p:blipFill>
-        <p:spPr>
-          <a:xfrm>
-            <a:off x="2708604" y="5638317"/>
-            <a:ext cx="6006314" cy="568262"/>
-          </a:xfrm>
-          <a:prstGeom prst="rect">
-            <a:avLst/>
-          </a:prstGeom>
-          <a:effectLst>
-            <a:glow rad="139700">
-              <a:schemeClr val="bg1">
-                <a:alpha val="40000"/>
-              </a:schemeClr>
-            </a:glow>
-            <a:softEdge rad="25400"/>
-          </a:effectLst>
-        </p:spPr>
-      </p:pic>
-      <p:pic>
-        <p:nvPicPr>
-          <p:cNvPr id="12" name="Picture 11"/>
-          <p:cNvPicPr>
-            <a:picLocks noChangeAspect="1"/>
-          </p:cNvPicPr>
-          <p:nvPr/>
-        </p:nvPicPr>
-        <p:blipFill>
-          <a:blip r:embed="rId7"/>
-          <a:stretch>
-            <a:fillRect/>
-          </a:stretch>
-        </p:blipFill>
-        <p:spPr>
-          <a:xfrm>
-            <a:off x="2533561" y="4588464"/>
-            <a:ext cx="6364237" cy="581632"/>
-          </a:xfrm>
-          <a:prstGeom prst="rect">
-            <a:avLst/>
-          </a:prstGeom>
-          <a:effectLst>
-            <a:glow rad="139700">
-              <a:schemeClr val="bg1">
-                <a:alpha val="40000"/>
-              </a:schemeClr>
-            </a:glow>
-            <a:softEdge rad="25400"/>
-          </a:effectLst>
-        </p:spPr>
-      </p:pic>
-      <p:pic>
-        <p:nvPicPr>
-          <p:cNvPr id="17" name="Picture 4" descr="http://wiremock.org/images/wiremock-concept-icon-01.png"/>
-          <p:cNvPicPr>
-            <a:picLocks noChangeAspect="1" noChangeArrowheads="1"/>
-          </p:cNvPicPr>
-          <p:nvPr/>
-        </p:nvPicPr>
-        <p:blipFill>
-          <a:blip r:embed="rId8">
-            <a:extLst>
-              <a:ext uri="{28A0092B-C50C-407E-A947-70E740481C1C}">
-                <a14:useLocalDpi xmlns:a14="http://schemas.microsoft.com/office/drawing/2010/main" val="0"/>
-              </a:ext>
-            </a:extLst>
-          </a:blip>
-          <a:srcRect/>
-          <a:stretch>
-            <a:fillRect/>
-          </a:stretch>
-        </p:blipFill>
-        <p:spPr bwMode="auto">
-          <a:xfrm>
-            <a:off x="1202919" y="514681"/>
-            <a:ext cx="2295525" cy="1047750"/>
-          </a:xfrm>
-          <a:prstGeom prst="rect">
-            <a:avLst/>
-          </a:prstGeom>
-          <a:noFill/>
-          <a:extLst>
-            <a:ext uri="{909E8E84-426E-40DD-AFC4-6F175D3DCCD1}">
-              <a14:hiddenFill xmlns:a14="http://schemas.microsoft.com/office/drawing/2010/main">
-                <a:solidFill>
-                  <a:srgbClr val="FFFFFF"/>
-                </a:solidFill>
-              </a14:hiddenFill>
-            </a:ext>
-          </a:extLst>
-        </p:spPr>
-      </p:pic>
-    </p:spTree>
-    <p:extLst>
-      <p:ext uri="{BB962C8B-B14F-4D97-AF65-F5344CB8AC3E}">
-        <p14:creationId xmlns:p14="http://schemas.microsoft.com/office/powerpoint/2010/main" val="2262832019"/>
-      </p:ext>
-    </p:extLst>
-  </p:cSld>
-  <p:clrMapOvr>
-    <a:masterClrMapping/>
-  </p:clrMapOvr>
-  <p:timing>
-    <p:tnLst>
-      <p:par>
-        <p:cTn id="1" dur="indefinite" restart="never" nodeType="tmRoot">
-          <p:childTnLst>
-            <p:seq concurrent="1" nextAc="seek">
-              <p:cTn id="2" dur="indefinite" nodeType="mainSeq">
-                <p:childTnLst>
-                  <p:par>
-                    <p:cTn id="3" fill="hold">
-                      <p:stCondLst>
-                        <p:cond delay="indefinite"/>
-                        <p:cond evt="onBegin" delay="0">
-                          <p:tn val="2"/>
-                        </p:cond>
-                      </p:stCondLst>
-                      <p:childTnLst>
-                        <p:par>
-                          <p:cTn id="4" fill="hold">
-                            <p:stCondLst>
-                              <p:cond delay="0"/>
-                            </p:stCondLst>
-                            <p:childTnLst>
-                              <p:par>
-                                <p:cTn id="5" presetID="10" presetClass="entr" presetSubtype="0" fill="hold" nodeType="afterEffect">
-                                  <p:stCondLst>
-                                    <p:cond delay="500"/>
-                                  </p:stCondLst>
-                                  <p:childTnLst>
-                                    <p:set>
-                                      <p:cBhvr>
-                                        <p:cTn id="6" dur="1" fill="hold">
-                                          <p:stCondLst>
-                                            <p:cond delay="0"/>
-                                          </p:stCondLst>
-                                        </p:cTn>
-                                        <p:tgtEl>
-                                          <p:spTgt spid="6"/>
-                                        </p:tgtEl>
-                                        <p:attrNameLst>
-                                          <p:attrName>style.visibility</p:attrName>
-                                        </p:attrNameLst>
-                                      </p:cBhvr>
-                                      <p:to>
-                                        <p:strVal val="visible"/>
-                                      </p:to>
-                                    </p:set>
-                                    <p:animEffect transition="in" filter="fade">
-                                      <p:cBhvr>
-                                        <p:cTn id="7" dur="500"/>
-                                        <p:tgtEl>
-                                          <p:spTgt spid="6"/>
-                                        </p:tgtEl>
-                                      </p:cBhvr>
-                                    </p:animEffect>
-                                  </p:childTnLst>
-                                </p:cTn>
-                              </p:par>
-                            </p:childTnLst>
-                          </p:cTn>
-                        </p:par>
-                      </p:childTnLst>
-                    </p:cTn>
-                  </p:par>
-                  <p:par>
-                    <p:cTn id="8" fill="hold">
-                      <p:stCondLst>
-                        <p:cond delay="indefinite"/>
-                      </p:stCondLst>
-                      <p:childTnLst>
-                        <p:par>
-                          <p:cTn id="9" fill="hold">
-                            <p:stCondLst>
-                              <p:cond delay="0"/>
-                            </p:stCondLst>
-                            <p:childTnLst>
-                              <p:par>
-                                <p:cTn id="10" presetID="10" presetClass="entr" presetSubtype="0" fill="hold" nodeType="clickEffect">
-                                  <p:stCondLst>
-                                    <p:cond delay="0"/>
-                                  </p:stCondLst>
-                                  <p:childTnLst>
-                                    <p:set>
-                                      <p:cBhvr>
-                                        <p:cTn id="11" dur="1" fill="hold">
-                                          <p:stCondLst>
-                                            <p:cond delay="0"/>
-                                          </p:stCondLst>
-                                        </p:cTn>
-                                        <p:tgtEl>
-                                          <p:spTgt spid="8194"/>
-                                        </p:tgtEl>
-                                        <p:attrNameLst>
-                                          <p:attrName>style.visibility</p:attrName>
-                                        </p:attrNameLst>
-                                      </p:cBhvr>
-                                      <p:to>
-                                        <p:strVal val="visible"/>
-                                      </p:to>
-                                    </p:set>
-                                    <p:animEffect transition="in" filter="fade">
-                                      <p:cBhvr>
-                                        <p:cTn id="12" dur="500"/>
-                                        <p:tgtEl>
-                                          <p:spTgt spid="8194"/>
-                                        </p:tgtEl>
-                                      </p:cBhvr>
-                                    </p:animEffect>
-                                  </p:childTnLst>
-                                </p:cTn>
-                              </p:par>
-                              <p:par>
-                                <p:cTn id="13" presetID="10" presetClass="entr" presetSubtype="0" fill="hold" nodeType="withEffect">
-                                  <p:stCondLst>
-                                    <p:cond delay="0"/>
-                                  </p:stCondLst>
-                                  <p:childTnLst>
-                                    <p:set>
-                                      <p:cBhvr>
-                                        <p:cTn id="14" dur="1" fill="hold">
-                                          <p:stCondLst>
-                                            <p:cond delay="0"/>
-                                          </p:stCondLst>
-                                        </p:cTn>
-                                        <p:tgtEl>
-                                          <p:spTgt spid="8202"/>
-                                        </p:tgtEl>
-                                        <p:attrNameLst>
-                                          <p:attrName>style.visibility</p:attrName>
-                                        </p:attrNameLst>
-                                      </p:cBhvr>
-                                      <p:to>
-                                        <p:strVal val="visible"/>
-                                      </p:to>
-                                    </p:set>
-                                    <p:animEffect transition="in" filter="fade">
-                                      <p:cBhvr>
-                                        <p:cTn id="15" dur="500"/>
-                                        <p:tgtEl>
-                                          <p:spTgt spid="8202"/>
-                                        </p:tgtEl>
-                                      </p:cBhvr>
-                                    </p:animEffect>
-                                  </p:childTnLst>
-                                </p:cTn>
-                              </p:par>
-                            </p:childTnLst>
-                          </p:cTn>
-                        </p:par>
-                      </p:childTnLst>
-                    </p:cTn>
-                  </p:par>
-                  <p:par>
-                    <p:cTn id="16" fill="hold">
-                      <p:stCondLst>
-                        <p:cond delay="indefinite"/>
-                      </p:stCondLst>
-                      <p:childTnLst>
-                        <p:par>
-                          <p:cTn id="17" fill="hold">
-                            <p:stCondLst>
-                              <p:cond delay="0"/>
-                            </p:stCondLst>
-                            <p:childTnLst>
-                              <p:par>
-                                <p:cTn id="18" presetID="10" presetClass="entr" presetSubtype="0" fill="hold" nodeType="clickEffect">
-                                  <p:stCondLst>
-                                    <p:cond delay="0"/>
-                                  </p:stCondLst>
-                                  <p:childTnLst>
-                                    <p:set>
-                                      <p:cBhvr>
-                                        <p:cTn id="19" dur="1" fill="hold">
-                                          <p:stCondLst>
-                                            <p:cond delay="0"/>
-                                          </p:stCondLst>
-                                        </p:cTn>
-                                        <p:tgtEl>
-                                          <p:spTgt spid="12"/>
-                                        </p:tgtEl>
-                                        <p:attrNameLst>
-                                          <p:attrName>style.visibility</p:attrName>
-                                        </p:attrNameLst>
-                                      </p:cBhvr>
-                                      <p:to>
-                                        <p:strVal val="visible"/>
-                                      </p:to>
-                                    </p:set>
-                                    <p:animEffect transition="in" filter="fade">
-                                      <p:cBhvr>
-                                        <p:cTn id="20" dur="500"/>
-                                        <p:tgtEl>
-                                          <p:spTgt spid="12"/>
-                                        </p:tgtEl>
-                                      </p:cBhvr>
-                                    </p:animEffect>
-                                  </p:childTnLst>
-                                </p:cTn>
-                              </p:par>
-                            </p:childTnLst>
-                          </p:cTn>
-                        </p:par>
-                      </p:childTnLst>
-                    </p:cTn>
-                  </p:par>
-                  <p:par>
-                    <p:cTn id="21" fill="hold">
-                      <p:stCondLst>
-                        <p:cond delay="indefinite"/>
-                      </p:stCondLst>
-                      <p:childTnLst>
-                        <p:par>
-                          <p:cTn id="22" fill="hold">
-                            <p:stCondLst>
-                              <p:cond delay="0"/>
-                            </p:stCondLst>
-                            <p:childTnLst>
-                              <p:par>
-                                <p:cTn id="23" presetID="10" presetClass="entr" presetSubtype="0" fill="hold" nodeType="clickEffect">
-                                  <p:stCondLst>
-                                    <p:cond delay="0"/>
-                                  </p:stCondLst>
-                                  <p:childTnLst>
-                                    <p:set>
-                                      <p:cBhvr>
-                                        <p:cTn id="24" dur="1" fill="hold">
-                                          <p:stCondLst>
-                                            <p:cond delay="0"/>
-                                          </p:stCondLst>
-                                        </p:cTn>
-                                        <p:tgtEl>
-                                          <p:spTgt spid="10"/>
-                                        </p:tgtEl>
-                                        <p:attrNameLst>
-                                          <p:attrName>style.visibility</p:attrName>
-                                        </p:attrNameLst>
-                                      </p:cBhvr>
-                                      <p:to>
-                                        <p:strVal val="visible"/>
-                                      </p:to>
-                                    </p:set>
-                                    <p:animEffect transition="in" filter="fade">
-                                      <p:cBhvr>
-                                        <p:cTn id="25" dur="500"/>
-                                        <p:tgtEl>
-                                          <p:spTgt spid="10"/>
-                                        </p:tgtEl>
-                                      </p:cBhvr>
-                                    </p:animEffect>
-                                  </p:childTnLst>
-                                </p:cTn>
-                              </p:par>
-                            </p:childTnLst>
-                          </p:cTn>
-                        </p:par>
-                      </p:childTnLst>
-                    </p:cTn>
-                  </p:par>
-                </p:childTnLst>
-              </p:cTn>
-              <p:prevCondLst>
-                <p:cond evt="onPrev" delay="0">
-                  <p:tgtEl>
-                    <p:sldTgt/>
-                  </p:tgtEl>
-                </p:cond>
-              </p:prevCondLst>
-              <p:nextCondLst>
-                <p:cond evt="onNext" delay="0">
-                  <p:tgtEl>
-                    <p:sldTgt/>
-                  </p:tgtEl>
-                </p:cond>
-              </p:nextCondLst>
-            </p:seq>
-          </p:childTnLst>
-        </p:cTn>
-      </p:par>
-    </p:tnLst>
-  </p:timing>
-</p:sld>
-</file>
-
-<file path=ppt/slides/slide9.xml><?xml version="1.0" encoding="utf-8"?>
 <p:sld xmlns:a="http://schemas.openxmlformats.org/drawingml/2006/main" xmlns:r="http://schemas.openxmlformats.org/officeDocument/2006/relationships" xmlns:p="http://schemas.openxmlformats.org/presentationml/2006/main">
   <p:cSld>
     <p:spTree>
@@ -9012,6 +6258,3831 @@
     <p:bldLst>
       <p:bldP spid="4" grpId="0" uiExpand="1" build="p"/>
     </p:bldLst>
+  </p:timing>
+</p:sld>
+</file>
+
+<file path=ppt/slides/slide11.xml><?xml version="1.0" encoding="utf-8"?>
+<p:sld xmlns:a="http://schemas.openxmlformats.org/drawingml/2006/main" xmlns:r="http://schemas.openxmlformats.org/officeDocument/2006/relationships" xmlns:p="http://schemas.openxmlformats.org/presentationml/2006/main">
+  <p:cSld>
+    <p:spTree>
+      <p:nvGrpSpPr>
+        <p:cNvPr id="1" name=""/>
+        <p:cNvGrpSpPr/>
+        <p:nvPr/>
+      </p:nvGrpSpPr>
+      <p:grpSpPr>
+        <a:xfrm>
+          <a:off x="0" y="0"/>
+          <a:ext cx="0" cy="0"/>
+          <a:chOff x="0" y="0"/>
+          <a:chExt cx="0" cy="0"/>
+        </a:xfrm>
+      </p:grpSpPr>
+      <p:sp>
+        <p:nvSpPr>
+          <p:cNvPr id="6" name="Title 1"/>
+          <p:cNvSpPr>
+            <a:spLocks noGrp="1"/>
+          </p:cNvSpPr>
+          <p:nvPr>
+            <p:ph type="title"/>
+          </p:nvPr>
+        </p:nvSpPr>
+        <p:spPr>
+          <a:xfrm>
+            <a:off x="3657599" y="284176"/>
+            <a:ext cx="7329399" cy="1508760"/>
+          </a:xfrm>
+        </p:spPr>
+        <p:txBody>
+          <a:bodyPr/>
+          <a:lstStyle/>
+          <a:p>
+            <a:r>
+              <a:rPr lang="en-GB" b="1" dirty="0"/>
+              <a:t>demo</a:t>
+            </a:r>
+          </a:p>
+        </p:txBody>
+      </p:sp>
+      <p:pic>
+        <p:nvPicPr>
+          <p:cNvPr id="7" name="Picture 4" descr="http://wiremock.org/images/wiremock-concept-icon-01.png"/>
+          <p:cNvPicPr>
+            <a:picLocks noChangeAspect="1" noChangeArrowheads="1"/>
+          </p:cNvPicPr>
+          <p:nvPr/>
+        </p:nvPicPr>
+        <p:blipFill>
+          <a:blip r:embed="rId2">
+            <a:extLst>
+              <a:ext uri="{28A0092B-C50C-407E-A947-70E740481C1C}">
+                <a14:useLocalDpi xmlns:a14="http://schemas.microsoft.com/office/drawing/2010/main" val="0"/>
+              </a:ext>
+            </a:extLst>
+          </a:blip>
+          <a:srcRect/>
+          <a:stretch>
+            <a:fillRect/>
+          </a:stretch>
+        </p:blipFill>
+        <p:spPr bwMode="auto">
+          <a:xfrm>
+            <a:off x="1202919" y="514681"/>
+            <a:ext cx="2295525" cy="1047750"/>
+          </a:xfrm>
+          <a:prstGeom prst="rect">
+            <a:avLst/>
+          </a:prstGeom>
+          <a:noFill/>
+          <a:extLst>
+            <a:ext uri="{909E8E84-426E-40DD-AFC4-6F175D3DCCD1}">
+              <a14:hiddenFill xmlns:a14="http://schemas.microsoft.com/office/drawing/2010/main">
+                <a:solidFill>
+                  <a:srgbClr val="FFFFFF"/>
+                </a:solidFill>
+              </a14:hiddenFill>
+            </a:ext>
+          </a:extLst>
+        </p:spPr>
+      </p:pic>
+      <p:pic>
+        <p:nvPicPr>
+          <p:cNvPr id="5122" name="Picture 2" descr="ما مالهم u )A &#10;جع ) e &#10;٣rPب GC &#10;بهمعد &#10;«د 46* &#10;٣٥٤٥ "/>
+          <p:cNvPicPr>
+            <a:picLocks noChangeAspect="1" noChangeArrowheads="1"/>
+          </p:cNvPicPr>
+          <p:nvPr/>
+        </p:nvPicPr>
+        <p:blipFill>
+          <a:blip r:embed="rId3">
+            <a:extLst>
+              <a:ext uri="{28A0092B-C50C-407E-A947-70E740481C1C}">
+                <a14:useLocalDpi xmlns:a14="http://schemas.microsoft.com/office/drawing/2010/main" val="0"/>
+              </a:ext>
+            </a:extLst>
+          </a:blip>
+          <a:srcRect/>
+          <a:stretch>
+            <a:fillRect/>
+          </a:stretch>
+        </p:blipFill>
+        <p:spPr bwMode="auto">
+          <a:xfrm>
+            <a:off x="3498444" y="2601172"/>
+            <a:ext cx="5182821" cy="3164634"/>
+          </a:xfrm>
+          <a:prstGeom prst="rect">
+            <a:avLst/>
+          </a:prstGeom>
+          <a:noFill/>
+          <a:effectLst>
+            <a:glow rad="139700">
+              <a:schemeClr val="bg1">
+                <a:alpha val="40000"/>
+              </a:schemeClr>
+            </a:glow>
+          </a:effectLst>
+          <a:extLst>
+            <a:ext uri="{909E8E84-426E-40DD-AFC4-6F175D3DCCD1}">
+              <a14:hiddenFill xmlns:a14="http://schemas.microsoft.com/office/drawing/2010/main">
+                <a:solidFill>
+                  <a:srgbClr val="FFFFFF"/>
+                </a:solidFill>
+              </a14:hiddenFill>
+            </a:ext>
+          </a:extLst>
+        </p:spPr>
+      </p:pic>
+    </p:spTree>
+    <p:extLst>
+      <p:ext uri="{BB962C8B-B14F-4D97-AF65-F5344CB8AC3E}">
+        <p14:creationId xmlns:p14="http://schemas.microsoft.com/office/powerpoint/2010/main" val="1966502392"/>
+      </p:ext>
+    </p:extLst>
+  </p:cSld>
+  <p:clrMapOvr>
+    <a:masterClrMapping/>
+  </p:clrMapOvr>
+</p:sld>
+</file>
+
+<file path=ppt/slides/slide12.xml><?xml version="1.0" encoding="utf-8"?>
+<p:sld xmlns:a="http://schemas.openxmlformats.org/drawingml/2006/main" xmlns:r="http://schemas.openxmlformats.org/officeDocument/2006/relationships" xmlns:p="http://schemas.openxmlformats.org/presentationml/2006/main">
+  <p:cSld>
+    <p:spTree>
+      <p:nvGrpSpPr>
+        <p:cNvPr id="1" name=""/>
+        <p:cNvGrpSpPr/>
+        <p:nvPr/>
+      </p:nvGrpSpPr>
+      <p:grpSpPr>
+        <a:xfrm>
+          <a:off x="0" y="0"/>
+          <a:ext cx="0" cy="0"/>
+          <a:chOff x="0" y="0"/>
+          <a:chExt cx="0" cy="0"/>
+        </a:xfrm>
+      </p:grpSpPr>
+      <p:sp>
+        <p:nvSpPr>
+          <p:cNvPr id="2" name="Title 1"/>
+          <p:cNvSpPr>
+            <a:spLocks noGrp="1"/>
+          </p:cNvSpPr>
+          <p:nvPr>
+            <p:ph type="title"/>
+          </p:nvPr>
+        </p:nvSpPr>
+        <p:spPr>
+          <a:xfrm>
+            <a:off x="3657600" y="284176"/>
+            <a:ext cx="7329398" cy="1508760"/>
+          </a:xfrm>
+        </p:spPr>
+        <p:txBody>
+          <a:bodyPr/>
+          <a:lstStyle/>
+          <a:p>
+            <a:r>
+              <a:rPr lang="en-GB" b="1" dirty="0"/>
+              <a:t>conclusion</a:t>
+            </a:r>
+          </a:p>
+        </p:txBody>
+      </p:sp>
+      <p:sp>
+        <p:nvSpPr>
+          <p:cNvPr id="3" name="Content Placeholder 2"/>
+          <p:cNvSpPr>
+            <a:spLocks noGrp="1"/>
+          </p:cNvSpPr>
+          <p:nvPr>
+            <p:ph idx="1"/>
+          </p:nvPr>
+        </p:nvSpPr>
+        <p:spPr/>
+        <p:txBody>
+          <a:bodyPr>
+            <a:normAutofit lnSpcReduction="10000"/>
+          </a:bodyPr>
+          <a:lstStyle/>
+          <a:p>
+            <a:pPr marL="0" indent="0">
+              <a:lnSpc>
+                <a:spcPct val="150000"/>
+              </a:lnSpc>
+              <a:buNone/>
+            </a:pPr>
+            <a:r>
+              <a:rPr lang="en-GB" sz="4000" dirty="0"/>
+              <a:t>Reduce dependency on “backend” service</a:t>
+            </a:r>
+          </a:p>
+          <a:p>
+            <a:pPr marL="0" indent="0">
+              <a:lnSpc>
+                <a:spcPct val="150000"/>
+              </a:lnSpc>
+              <a:buNone/>
+            </a:pPr>
+            <a:r>
+              <a:rPr lang="en-GB" sz="4000" dirty="0"/>
+              <a:t>Improve testability</a:t>
+            </a:r>
+          </a:p>
+          <a:p>
+            <a:pPr marL="0" indent="0">
+              <a:lnSpc>
+                <a:spcPct val="150000"/>
+              </a:lnSpc>
+              <a:buNone/>
+            </a:pPr>
+            <a:r>
+              <a:rPr lang="en-GB" sz="4000" dirty="0"/>
+              <a:t>Improve quality</a:t>
+            </a:r>
+          </a:p>
+          <a:p>
+            <a:pPr marL="0" indent="0">
+              <a:lnSpc>
+                <a:spcPct val="150000"/>
+              </a:lnSpc>
+              <a:buNone/>
+            </a:pPr>
+            <a:r>
+              <a:rPr lang="en-GB" sz="4000" dirty="0"/>
+              <a:t>Increase productivity</a:t>
+            </a:r>
+          </a:p>
+          <a:p>
+            <a:pPr marL="0" indent="0">
+              <a:lnSpc>
+                <a:spcPct val="150000"/>
+              </a:lnSpc>
+              <a:buNone/>
+            </a:pPr>
+            <a:endParaRPr lang="en-GB" sz="4000" dirty="0"/>
+          </a:p>
+        </p:txBody>
+      </p:sp>
+      <p:pic>
+        <p:nvPicPr>
+          <p:cNvPr id="4" name="Picture 4" descr="http://wiremock.org/images/wiremock-concept-icon-01.png"/>
+          <p:cNvPicPr>
+            <a:picLocks noChangeAspect="1" noChangeArrowheads="1"/>
+          </p:cNvPicPr>
+          <p:nvPr/>
+        </p:nvPicPr>
+        <p:blipFill>
+          <a:blip r:embed="rId3">
+            <a:extLst>
+              <a:ext uri="{28A0092B-C50C-407E-A947-70E740481C1C}">
+                <a14:useLocalDpi xmlns:a14="http://schemas.microsoft.com/office/drawing/2010/main" val="0"/>
+              </a:ext>
+            </a:extLst>
+          </a:blip>
+          <a:srcRect/>
+          <a:stretch>
+            <a:fillRect/>
+          </a:stretch>
+        </p:blipFill>
+        <p:spPr bwMode="auto">
+          <a:xfrm>
+            <a:off x="1202919" y="514681"/>
+            <a:ext cx="2295525" cy="1047750"/>
+          </a:xfrm>
+          <a:prstGeom prst="rect">
+            <a:avLst/>
+          </a:prstGeom>
+          <a:noFill/>
+          <a:extLst>
+            <a:ext uri="{909E8E84-426E-40DD-AFC4-6F175D3DCCD1}">
+              <a14:hiddenFill xmlns:a14="http://schemas.microsoft.com/office/drawing/2010/main">
+                <a:solidFill>
+                  <a:srgbClr val="FFFFFF"/>
+                </a:solidFill>
+              </a14:hiddenFill>
+            </a:ext>
+          </a:extLst>
+        </p:spPr>
+      </p:pic>
+    </p:spTree>
+    <p:extLst>
+      <p:ext uri="{BB962C8B-B14F-4D97-AF65-F5344CB8AC3E}">
+        <p14:creationId xmlns:p14="http://schemas.microsoft.com/office/powerpoint/2010/main" val="2509744239"/>
+      </p:ext>
+    </p:extLst>
+  </p:cSld>
+  <p:clrMapOvr>
+    <a:masterClrMapping/>
+  </p:clrMapOvr>
+  <p:timing>
+    <p:tnLst>
+      <p:par>
+        <p:cTn id="1" dur="indefinite" restart="never" nodeType="tmRoot">
+          <p:childTnLst>
+            <p:seq concurrent="1" nextAc="seek">
+              <p:cTn id="2" dur="indefinite" nodeType="mainSeq">
+                <p:childTnLst>
+                  <p:par>
+                    <p:cTn id="3" fill="hold">
+                      <p:stCondLst>
+                        <p:cond delay="indefinite"/>
+                        <p:cond evt="onBegin" delay="0">
+                          <p:tn val="2"/>
+                        </p:cond>
+                      </p:stCondLst>
+                      <p:childTnLst>
+                        <p:par>
+                          <p:cTn id="4" fill="hold">
+                            <p:stCondLst>
+                              <p:cond delay="0"/>
+                            </p:stCondLst>
+                            <p:childTnLst>
+                              <p:par>
+                                <p:cTn id="5" presetID="10" presetClass="entr" presetSubtype="0" fill="hold" nodeType="afterEffect">
+                                  <p:stCondLst>
+                                    <p:cond delay="500"/>
+                                  </p:stCondLst>
+                                  <p:childTnLst>
+                                    <p:set>
+                                      <p:cBhvr>
+                                        <p:cTn id="6" dur="1" fill="hold">
+                                          <p:stCondLst>
+                                            <p:cond delay="0"/>
+                                          </p:stCondLst>
+                                        </p:cTn>
+                                        <p:tgtEl>
+                                          <p:spTgt spid="3">
+                                            <p:txEl>
+                                              <p:pRg st="0" end="0"/>
+                                            </p:txEl>
+                                          </p:spTgt>
+                                        </p:tgtEl>
+                                        <p:attrNameLst>
+                                          <p:attrName>style.visibility</p:attrName>
+                                        </p:attrNameLst>
+                                      </p:cBhvr>
+                                      <p:to>
+                                        <p:strVal val="visible"/>
+                                      </p:to>
+                                    </p:set>
+                                    <p:animEffect transition="in" filter="fade">
+                                      <p:cBhvr>
+                                        <p:cTn id="7" dur="500"/>
+                                        <p:tgtEl>
+                                          <p:spTgt spid="3">
+                                            <p:txEl>
+                                              <p:pRg st="0" end="0"/>
+                                            </p:txEl>
+                                          </p:spTgt>
+                                        </p:tgtEl>
+                                      </p:cBhvr>
+                                    </p:animEffect>
+                                  </p:childTnLst>
+                                </p:cTn>
+                              </p:par>
+                            </p:childTnLst>
+                          </p:cTn>
+                        </p:par>
+                        <p:par>
+                          <p:cTn id="8" fill="hold">
+                            <p:stCondLst>
+                              <p:cond delay="1000"/>
+                            </p:stCondLst>
+                            <p:childTnLst>
+                              <p:par>
+                                <p:cTn id="9" presetID="10" presetClass="entr" presetSubtype="0" fill="hold" nodeType="afterEffect">
+                                  <p:stCondLst>
+                                    <p:cond delay="500"/>
+                                  </p:stCondLst>
+                                  <p:childTnLst>
+                                    <p:set>
+                                      <p:cBhvr>
+                                        <p:cTn id="10" dur="1" fill="hold">
+                                          <p:stCondLst>
+                                            <p:cond delay="0"/>
+                                          </p:stCondLst>
+                                        </p:cTn>
+                                        <p:tgtEl>
+                                          <p:spTgt spid="3">
+                                            <p:txEl>
+                                              <p:pRg st="1" end="1"/>
+                                            </p:txEl>
+                                          </p:spTgt>
+                                        </p:tgtEl>
+                                        <p:attrNameLst>
+                                          <p:attrName>style.visibility</p:attrName>
+                                        </p:attrNameLst>
+                                      </p:cBhvr>
+                                      <p:to>
+                                        <p:strVal val="visible"/>
+                                      </p:to>
+                                    </p:set>
+                                    <p:animEffect transition="in" filter="fade">
+                                      <p:cBhvr>
+                                        <p:cTn id="11" dur="500"/>
+                                        <p:tgtEl>
+                                          <p:spTgt spid="3">
+                                            <p:txEl>
+                                              <p:pRg st="1" end="1"/>
+                                            </p:txEl>
+                                          </p:spTgt>
+                                        </p:tgtEl>
+                                      </p:cBhvr>
+                                    </p:animEffect>
+                                  </p:childTnLst>
+                                </p:cTn>
+                              </p:par>
+                            </p:childTnLst>
+                          </p:cTn>
+                        </p:par>
+                        <p:par>
+                          <p:cTn id="12" fill="hold">
+                            <p:stCondLst>
+                              <p:cond delay="2000"/>
+                            </p:stCondLst>
+                            <p:childTnLst>
+                              <p:par>
+                                <p:cTn id="13" presetID="10" presetClass="entr" presetSubtype="0" fill="hold" nodeType="afterEffect">
+                                  <p:stCondLst>
+                                    <p:cond delay="500"/>
+                                  </p:stCondLst>
+                                  <p:childTnLst>
+                                    <p:set>
+                                      <p:cBhvr>
+                                        <p:cTn id="14" dur="1" fill="hold">
+                                          <p:stCondLst>
+                                            <p:cond delay="0"/>
+                                          </p:stCondLst>
+                                        </p:cTn>
+                                        <p:tgtEl>
+                                          <p:spTgt spid="3">
+                                            <p:txEl>
+                                              <p:pRg st="2" end="2"/>
+                                            </p:txEl>
+                                          </p:spTgt>
+                                        </p:tgtEl>
+                                        <p:attrNameLst>
+                                          <p:attrName>style.visibility</p:attrName>
+                                        </p:attrNameLst>
+                                      </p:cBhvr>
+                                      <p:to>
+                                        <p:strVal val="visible"/>
+                                      </p:to>
+                                    </p:set>
+                                    <p:animEffect transition="in" filter="fade">
+                                      <p:cBhvr>
+                                        <p:cTn id="15" dur="500"/>
+                                        <p:tgtEl>
+                                          <p:spTgt spid="3">
+                                            <p:txEl>
+                                              <p:pRg st="2" end="2"/>
+                                            </p:txEl>
+                                          </p:spTgt>
+                                        </p:tgtEl>
+                                      </p:cBhvr>
+                                    </p:animEffect>
+                                  </p:childTnLst>
+                                </p:cTn>
+                              </p:par>
+                            </p:childTnLst>
+                          </p:cTn>
+                        </p:par>
+                        <p:par>
+                          <p:cTn id="16" fill="hold">
+                            <p:stCondLst>
+                              <p:cond delay="3000"/>
+                            </p:stCondLst>
+                            <p:childTnLst>
+                              <p:par>
+                                <p:cTn id="17" presetID="10" presetClass="entr" presetSubtype="0" fill="hold" nodeType="afterEffect">
+                                  <p:stCondLst>
+                                    <p:cond delay="500"/>
+                                  </p:stCondLst>
+                                  <p:childTnLst>
+                                    <p:set>
+                                      <p:cBhvr>
+                                        <p:cTn id="18" dur="1" fill="hold">
+                                          <p:stCondLst>
+                                            <p:cond delay="0"/>
+                                          </p:stCondLst>
+                                        </p:cTn>
+                                        <p:tgtEl>
+                                          <p:spTgt spid="3">
+                                            <p:txEl>
+                                              <p:pRg st="3" end="3"/>
+                                            </p:txEl>
+                                          </p:spTgt>
+                                        </p:tgtEl>
+                                        <p:attrNameLst>
+                                          <p:attrName>style.visibility</p:attrName>
+                                        </p:attrNameLst>
+                                      </p:cBhvr>
+                                      <p:to>
+                                        <p:strVal val="visible"/>
+                                      </p:to>
+                                    </p:set>
+                                    <p:animEffect transition="in" filter="fade">
+                                      <p:cBhvr>
+                                        <p:cTn id="19" dur="500"/>
+                                        <p:tgtEl>
+                                          <p:spTgt spid="3">
+                                            <p:txEl>
+                                              <p:pRg st="3" end="3"/>
+                                            </p:txEl>
+                                          </p:spTgt>
+                                        </p:tgtEl>
+                                      </p:cBhvr>
+                                    </p:animEffect>
+                                  </p:childTnLst>
+                                </p:cTn>
+                              </p:par>
+                            </p:childTnLst>
+                          </p:cTn>
+                        </p:par>
+                      </p:childTnLst>
+                    </p:cTn>
+                  </p:par>
+                </p:childTnLst>
+              </p:cTn>
+              <p:prevCondLst>
+                <p:cond evt="onPrev" delay="0">
+                  <p:tgtEl>
+                    <p:sldTgt/>
+                  </p:tgtEl>
+                </p:cond>
+              </p:prevCondLst>
+              <p:nextCondLst>
+                <p:cond evt="onNext" delay="0">
+                  <p:tgtEl>
+                    <p:sldTgt/>
+                  </p:tgtEl>
+                </p:cond>
+              </p:nextCondLst>
+            </p:seq>
+          </p:childTnLst>
+        </p:cTn>
+      </p:par>
+    </p:tnLst>
+  </p:timing>
+</p:sld>
+</file>
+
+<file path=ppt/slides/slide13.xml><?xml version="1.0" encoding="utf-8"?>
+<p:sld xmlns:a="http://schemas.openxmlformats.org/drawingml/2006/main" xmlns:r="http://schemas.openxmlformats.org/officeDocument/2006/relationships" xmlns:p="http://schemas.openxmlformats.org/presentationml/2006/main">
+  <p:cSld>
+    <p:spTree>
+      <p:nvGrpSpPr>
+        <p:cNvPr id="1" name=""/>
+        <p:cNvGrpSpPr/>
+        <p:nvPr/>
+      </p:nvGrpSpPr>
+      <p:grpSpPr>
+        <a:xfrm>
+          <a:off x="0" y="0"/>
+          <a:ext cx="0" cy="0"/>
+          <a:chOff x="0" y="0"/>
+          <a:chExt cx="0" cy="0"/>
+        </a:xfrm>
+      </p:grpSpPr>
+      <p:sp>
+        <p:nvSpPr>
+          <p:cNvPr id="2" name="Title 1"/>
+          <p:cNvSpPr>
+            <a:spLocks noGrp="1"/>
+          </p:cNvSpPr>
+          <p:nvPr>
+            <p:ph type="title"/>
+          </p:nvPr>
+        </p:nvSpPr>
+        <p:spPr/>
+        <p:txBody>
+          <a:bodyPr/>
+          <a:lstStyle/>
+          <a:p>
+            <a:pPr algn="ctr"/>
+            <a:r>
+              <a:rPr lang="en-GB" b="1" dirty="0"/>
+              <a:t>Thank you</a:t>
+            </a:r>
+          </a:p>
+        </p:txBody>
+      </p:sp>
+      <p:sp>
+        <p:nvSpPr>
+          <p:cNvPr id="4" name="Rectangle 3"/>
+          <p:cNvSpPr/>
+          <p:nvPr/>
+        </p:nvSpPr>
+        <p:spPr>
+          <a:xfrm>
+            <a:off x="987551" y="3105835"/>
+            <a:ext cx="9999447" cy="1754326"/>
+          </a:xfrm>
+          <a:prstGeom prst="rect">
+            <a:avLst/>
+          </a:prstGeom>
+        </p:spPr>
+        <p:txBody>
+          <a:bodyPr wrap="square">
+            <a:spAutoFit/>
+          </a:bodyPr>
+          <a:lstStyle/>
+          <a:p>
+            <a:pPr algn="ctr">
+              <a:lnSpc>
+                <a:spcPct val="150000"/>
+              </a:lnSpc>
+            </a:pPr>
+            <a:r>
+              <a:rPr lang="en-GB" sz="4000" dirty="0"/>
+              <a:t>@</a:t>
+            </a:r>
+            <a:r>
+              <a:rPr lang="en-GB" sz="4000" dirty="0" err="1"/>
+              <a:t>nickebbitt</a:t>
+            </a:r>
+            <a:endParaRPr lang="en-GB" sz="4000" dirty="0"/>
+          </a:p>
+          <a:p>
+            <a:pPr algn="ctr">
+              <a:lnSpc>
+                <a:spcPct val="150000"/>
+              </a:lnSpc>
+            </a:pPr>
+            <a:r>
+              <a:rPr lang="en-GB" sz="3200" dirty="0">
+                <a:hlinkClick r:id="rId2"/>
+              </a:rPr>
+              <a:t>https://github.com/nickebbitt/wiremock-examples</a:t>
+            </a:r>
+            <a:endParaRPr lang="en-GB" sz="3200" dirty="0"/>
+          </a:p>
+        </p:txBody>
+      </p:sp>
+      <p:sp>
+        <p:nvSpPr>
+          <p:cNvPr id="3" name="AutoShape 2" descr="Image result for twitter"/>
+          <p:cNvSpPr>
+            <a:spLocks noChangeAspect="1" noChangeArrowheads="1"/>
+          </p:cNvSpPr>
+          <p:nvPr/>
+        </p:nvSpPr>
+        <p:spPr bwMode="auto">
+          <a:xfrm>
+            <a:off x="5943600" y="3276600"/>
+            <a:ext cx="304800" cy="304800"/>
+          </a:xfrm>
+          <a:prstGeom prst="rect">
+            <a:avLst/>
+          </a:prstGeom>
+          <a:noFill/>
+          <a:extLst>
+            <a:ext uri="{909E8E84-426E-40DD-AFC4-6F175D3DCCD1}">
+              <a14:hiddenFill xmlns:a14="http://schemas.microsoft.com/office/drawing/2010/main">
+                <a:solidFill>
+                  <a:srgbClr val="FFFFFF"/>
+                </a:solidFill>
+              </a14:hiddenFill>
+            </a:ext>
+          </a:extLst>
+        </p:spPr>
+        <p:txBody>
+          <a:bodyPr vert="horz" wrap="square" lIns="91440" tIns="45720" rIns="91440" bIns="45720" numCol="1" anchor="t" anchorCtr="0" compatLnSpc="1">
+            <a:prstTxWarp prst="textNoShape">
+              <a:avLst/>
+            </a:prstTxWarp>
+          </a:bodyPr>
+          <a:lstStyle/>
+          <a:p>
+            <a:endParaRPr lang="en-GB"/>
+          </a:p>
+        </p:txBody>
+      </p:sp>
+    </p:spTree>
+    <p:extLst>
+      <p:ext uri="{BB962C8B-B14F-4D97-AF65-F5344CB8AC3E}">
+        <p14:creationId xmlns:p14="http://schemas.microsoft.com/office/powerpoint/2010/main" val="91671670"/>
+      </p:ext>
+    </p:extLst>
+  </p:cSld>
+  <p:clrMapOvr>
+    <a:masterClrMapping/>
+  </p:clrMapOvr>
+  <p:timing>
+    <p:tnLst>
+      <p:par>
+        <p:cTn id="1" dur="indefinite" restart="never" nodeType="tmRoot">
+          <p:childTnLst>
+            <p:seq concurrent="1" nextAc="seek">
+              <p:cTn id="2" dur="indefinite" nodeType="mainSeq">
+                <p:childTnLst>
+                  <p:par>
+                    <p:cTn id="3" fill="hold">
+                      <p:stCondLst>
+                        <p:cond delay="indefinite"/>
+                        <p:cond evt="onBegin" delay="0">
+                          <p:tn val="2"/>
+                        </p:cond>
+                      </p:stCondLst>
+                      <p:childTnLst>
+                        <p:par>
+                          <p:cTn id="4" fill="hold">
+                            <p:stCondLst>
+                              <p:cond delay="0"/>
+                            </p:stCondLst>
+                            <p:childTnLst>
+                              <p:par>
+                                <p:cTn id="5" presetID="10" presetClass="entr" presetSubtype="0" fill="hold" grpId="0" nodeType="afterEffect">
+                                  <p:stCondLst>
+                                    <p:cond delay="500"/>
+                                  </p:stCondLst>
+                                  <p:childTnLst>
+                                    <p:set>
+                                      <p:cBhvr>
+                                        <p:cTn id="6" dur="1" fill="hold">
+                                          <p:stCondLst>
+                                            <p:cond delay="0"/>
+                                          </p:stCondLst>
+                                        </p:cTn>
+                                        <p:tgtEl>
+                                          <p:spTgt spid="4"/>
+                                        </p:tgtEl>
+                                        <p:attrNameLst>
+                                          <p:attrName>style.visibility</p:attrName>
+                                        </p:attrNameLst>
+                                      </p:cBhvr>
+                                      <p:to>
+                                        <p:strVal val="visible"/>
+                                      </p:to>
+                                    </p:set>
+                                    <p:animEffect transition="in" filter="fade">
+                                      <p:cBhvr>
+                                        <p:cTn id="7" dur="500"/>
+                                        <p:tgtEl>
+                                          <p:spTgt spid="4"/>
+                                        </p:tgtEl>
+                                      </p:cBhvr>
+                                    </p:animEffect>
+                                  </p:childTnLst>
+                                </p:cTn>
+                              </p:par>
+                            </p:childTnLst>
+                          </p:cTn>
+                        </p:par>
+                      </p:childTnLst>
+                    </p:cTn>
+                  </p:par>
+                </p:childTnLst>
+              </p:cTn>
+              <p:prevCondLst>
+                <p:cond evt="onPrev" delay="0">
+                  <p:tgtEl>
+                    <p:sldTgt/>
+                  </p:tgtEl>
+                </p:cond>
+              </p:prevCondLst>
+              <p:nextCondLst>
+                <p:cond evt="onNext" delay="0">
+                  <p:tgtEl>
+                    <p:sldTgt/>
+                  </p:tgtEl>
+                </p:cond>
+              </p:nextCondLst>
+            </p:seq>
+          </p:childTnLst>
+        </p:cTn>
+      </p:par>
+    </p:tnLst>
+    <p:bldLst>
+      <p:bldP spid="4" grpId="0"/>
+    </p:bldLst>
+  </p:timing>
+</p:sld>
+</file>
+
+<file path=ppt/slides/slide2.xml><?xml version="1.0" encoding="utf-8"?>
+<p:sld xmlns:a="http://schemas.openxmlformats.org/drawingml/2006/main" xmlns:r="http://schemas.openxmlformats.org/officeDocument/2006/relationships" xmlns:p="http://schemas.openxmlformats.org/presentationml/2006/main">
+  <p:cSld>
+    <p:spTree>
+      <p:nvGrpSpPr>
+        <p:cNvPr id="1" name=""/>
+        <p:cNvGrpSpPr/>
+        <p:nvPr/>
+      </p:nvGrpSpPr>
+      <p:grpSpPr>
+        <a:xfrm>
+          <a:off x="0" y="0"/>
+          <a:ext cx="0" cy="0"/>
+          <a:chOff x="0" y="0"/>
+          <a:chExt cx="0" cy="0"/>
+        </a:xfrm>
+      </p:grpSpPr>
+      <p:sp>
+        <p:nvSpPr>
+          <p:cNvPr id="2" name="Title 1"/>
+          <p:cNvSpPr>
+            <a:spLocks noGrp="1"/>
+          </p:cNvSpPr>
+          <p:nvPr>
+            <p:ph type="title"/>
+          </p:nvPr>
+        </p:nvSpPr>
+        <p:spPr/>
+        <p:txBody>
+          <a:bodyPr/>
+          <a:lstStyle/>
+          <a:p>
+            <a:r>
+              <a:rPr lang="en-GB" b="1" dirty="0"/>
+              <a:t>The problem</a:t>
+            </a:r>
+          </a:p>
+        </p:txBody>
+      </p:sp>
+      <p:sp>
+        <p:nvSpPr>
+          <p:cNvPr id="3" name="Content Placeholder 2"/>
+          <p:cNvSpPr>
+            <a:spLocks noGrp="1"/>
+          </p:cNvSpPr>
+          <p:nvPr>
+            <p:ph idx="1"/>
+          </p:nvPr>
+        </p:nvSpPr>
+        <p:spPr>
+          <a:xfrm>
+            <a:off x="1202919" y="2380957"/>
+            <a:ext cx="9784080" cy="4206240"/>
+          </a:xfrm>
+        </p:spPr>
+        <p:txBody>
+          <a:bodyPr>
+            <a:normAutofit fontScale="92500" lnSpcReduction="10000"/>
+          </a:bodyPr>
+          <a:lstStyle/>
+          <a:p>
+            <a:pPr marL="0" indent="0">
+              <a:lnSpc>
+                <a:spcPct val="150000"/>
+              </a:lnSpc>
+              <a:buNone/>
+            </a:pPr>
+            <a:r>
+              <a:rPr lang="en-GB" sz="4400" dirty="0"/>
+              <a:t>Cloud based mobile platform</a:t>
+            </a:r>
+          </a:p>
+          <a:p>
+            <a:pPr marL="0" indent="0">
+              <a:lnSpc>
+                <a:spcPct val="150000"/>
+              </a:lnSpc>
+              <a:buNone/>
+            </a:pPr>
+            <a:r>
+              <a:rPr lang="en-GB" sz="4400" dirty="0"/>
+              <a:t>Continuous Delivery pipeline</a:t>
+            </a:r>
+          </a:p>
+          <a:p>
+            <a:pPr marL="0" indent="0">
+              <a:lnSpc>
+                <a:spcPct val="150000"/>
+              </a:lnSpc>
+              <a:buNone/>
+            </a:pPr>
+            <a:r>
+              <a:rPr lang="en-GB" sz="4400" dirty="0"/>
+              <a:t>Dependency on “backend” web service</a:t>
+            </a:r>
+          </a:p>
+          <a:p>
+            <a:pPr marL="0" indent="0">
+              <a:lnSpc>
+                <a:spcPct val="150000"/>
+              </a:lnSpc>
+              <a:buNone/>
+            </a:pPr>
+            <a:r>
+              <a:rPr lang="en-GB" sz="4400" b="1" dirty="0"/>
+              <a:t>Automated Tests…?</a:t>
+            </a:r>
+          </a:p>
+        </p:txBody>
+      </p:sp>
+    </p:spTree>
+    <p:extLst>
+      <p:ext uri="{BB962C8B-B14F-4D97-AF65-F5344CB8AC3E}">
+        <p14:creationId xmlns:p14="http://schemas.microsoft.com/office/powerpoint/2010/main" val="3905190726"/>
+      </p:ext>
+    </p:extLst>
+  </p:cSld>
+  <p:clrMapOvr>
+    <a:masterClrMapping/>
+  </p:clrMapOvr>
+  <p:timing>
+    <p:tnLst>
+      <p:par>
+        <p:cTn id="1" dur="indefinite" restart="never" nodeType="tmRoot">
+          <p:childTnLst>
+            <p:seq concurrent="1" nextAc="seek">
+              <p:cTn id="2" dur="indefinite" nodeType="mainSeq">
+                <p:childTnLst>
+                  <p:par>
+                    <p:cTn id="3" fill="hold">
+                      <p:stCondLst>
+                        <p:cond delay="indefinite"/>
+                        <p:cond evt="onBegin" delay="0">
+                          <p:tn val="2"/>
+                        </p:cond>
+                      </p:stCondLst>
+                      <p:childTnLst>
+                        <p:par>
+                          <p:cTn id="4" fill="hold">
+                            <p:stCondLst>
+                              <p:cond delay="0"/>
+                            </p:stCondLst>
+                            <p:childTnLst>
+                              <p:par>
+                                <p:cTn id="5" presetID="10" presetClass="entr" presetSubtype="0" fill="hold" grpId="0" nodeType="afterEffect">
+                                  <p:stCondLst>
+                                    <p:cond delay="500"/>
+                                  </p:stCondLst>
+                                  <p:childTnLst>
+                                    <p:set>
+                                      <p:cBhvr>
+                                        <p:cTn id="6" dur="1" fill="hold">
+                                          <p:stCondLst>
+                                            <p:cond delay="0"/>
+                                          </p:stCondLst>
+                                        </p:cTn>
+                                        <p:tgtEl>
+                                          <p:spTgt spid="3">
+                                            <p:txEl>
+                                              <p:pRg st="0" end="0"/>
+                                            </p:txEl>
+                                          </p:spTgt>
+                                        </p:tgtEl>
+                                        <p:attrNameLst>
+                                          <p:attrName>style.visibility</p:attrName>
+                                        </p:attrNameLst>
+                                      </p:cBhvr>
+                                      <p:to>
+                                        <p:strVal val="visible"/>
+                                      </p:to>
+                                    </p:set>
+                                    <p:animEffect transition="in" filter="fade">
+                                      <p:cBhvr>
+                                        <p:cTn id="7" dur="500"/>
+                                        <p:tgtEl>
+                                          <p:spTgt spid="3">
+                                            <p:txEl>
+                                              <p:pRg st="0" end="0"/>
+                                            </p:txEl>
+                                          </p:spTgt>
+                                        </p:tgtEl>
+                                      </p:cBhvr>
+                                    </p:animEffect>
+                                  </p:childTnLst>
+                                </p:cTn>
+                              </p:par>
+                            </p:childTnLst>
+                          </p:cTn>
+                        </p:par>
+                        <p:par>
+                          <p:cTn id="8" fill="hold">
+                            <p:stCondLst>
+                              <p:cond delay="1000"/>
+                            </p:stCondLst>
+                            <p:childTnLst>
+                              <p:par>
+                                <p:cTn id="9" presetID="10" presetClass="entr" presetSubtype="0" fill="hold" grpId="0" nodeType="afterEffect">
+                                  <p:stCondLst>
+                                    <p:cond delay="500"/>
+                                  </p:stCondLst>
+                                  <p:childTnLst>
+                                    <p:set>
+                                      <p:cBhvr>
+                                        <p:cTn id="10" dur="1" fill="hold">
+                                          <p:stCondLst>
+                                            <p:cond delay="0"/>
+                                          </p:stCondLst>
+                                        </p:cTn>
+                                        <p:tgtEl>
+                                          <p:spTgt spid="3">
+                                            <p:txEl>
+                                              <p:pRg st="1" end="1"/>
+                                            </p:txEl>
+                                          </p:spTgt>
+                                        </p:tgtEl>
+                                        <p:attrNameLst>
+                                          <p:attrName>style.visibility</p:attrName>
+                                        </p:attrNameLst>
+                                      </p:cBhvr>
+                                      <p:to>
+                                        <p:strVal val="visible"/>
+                                      </p:to>
+                                    </p:set>
+                                    <p:animEffect transition="in" filter="fade">
+                                      <p:cBhvr>
+                                        <p:cTn id="11" dur="500"/>
+                                        <p:tgtEl>
+                                          <p:spTgt spid="3">
+                                            <p:txEl>
+                                              <p:pRg st="1" end="1"/>
+                                            </p:txEl>
+                                          </p:spTgt>
+                                        </p:tgtEl>
+                                      </p:cBhvr>
+                                    </p:animEffect>
+                                  </p:childTnLst>
+                                </p:cTn>
+                              </p:par>
+                            </p:childTnLst>
+                          </p:cTn>
+                        </p:par>
+                        <p:par>
+                          <p:cTn id="12" fill="hold">
+                            <p:stCondLst>
+                              <p:cond delay="2000"/>
+                            </p:stCondLst>
+                            <p:childTnLst>
+                              <p:par>
+                                <p:cTn id="13" presetID="10" presetClass="entr" presetSubtype="0" fill="hold" grpId="0" nodeType="afterEffect">
+                                  <p:stCondLst>
+                                    <p:cond delay="500"/>
+                                  </p:stCondLst>
+                                  <p:childTnLst>
+                                    <p:set>
+                                      <p:cBhvr>
+                                        <p:cTn id="14" dur="1" fill="hold">
+                                          <p:stCondLst>
+                                            <p:cond delay="0"/>
+                                          </p:stCondLst>
+                                        </p:cTn>
+                                        <p:tgtEl>
+                                          <p:spTgt spid="3">
+                                            <p:txEl>
+                                              <p:pRg st="2" end="2"/>
+                                            </p:txEl>
+                                          </p:spTgt>
+                                        </p:tgtEl>
+                                        <p:attrNameLst>
+                                          <p:attrName>style.visibility</p:attrName>
+                                        </p:attrNameLst>
+                                      </p:cBhvr>
+                                      <p:to>
+                                        <p:strVal val="visible"/>
+                                      </p:to>
+                                    </p:set>
+                                    <p:animEffect transition="in" filter="fade">
+                                      <p:cBhvr>
+                                        <p:cTn id="15" dur="500"/>
+                                        <p:tgtEl>
+                                          <p:spTgt spid="3">
+                                            <p:txEl>
+                                              <p:pRg st="2" end="2"/>
+                                            </p:txEl>
+                                          </p:spTgt>
+                                        </p:tgtEl>
+                                      </p:cBhvr>
+                                    </p:animEffect>
+                                  </p:childTnLst>
+                                </p:cTn>
+                              </p:par>
+                            </p:childTnLst>
+                          </p:cTn>
+                        </p:par>
+                        <p:par>
+                          <p:cTn id="16" fill="hold">
+                            <p:stCondLst>
+                              <p:cond delay="3000"/>
+                            </p:stCondLst>
+                            <p:childTnLst>
+                              <p:par>
+                                <p:cTn id="17" presetID="10" presetClass="entr" presetSubtype="0" fill="hold" grpId="0" nodeType="afterEffect">
+                                  <p:stCondLst>
+                                    <p:cond delay="500"/>
+                                  </p:stCondLst>
+                                  <p:childTnLst>
+                                    <p:set>
+                                      <p:cBhvr>
+                                        <p:cTn id="18" dur="1" fill="hold">
+                                          <p:stCondLst>
+                                            <p:cond delay="0"/>
+                                          </p:stCondLst>
+                                        </p:cTn>
+                                        <p:tgtEl>
+                                          <p:spTgt spid="3">
+                                            <p:txEl>
+                                              <p:pRg st="3" end="3"/>
+                                            </p:txEl>
+                                          </p:spTgt>
+                                        </p:tgtEl>
+                                        <p:attrNameLst>
+                                          <p:attrName>style.visibility</p:attrName>
+                                        </p:attrNameLst>
+                                      </p:cBhvr>
+                                      <p:to>
+                                        <p:strVal val="visible"/>
+                                      </p:to>
+                                    </p:set>
+                                    <p:animEffect transition="in" filter="fade">
+                                      <p:cBhvr>
+                                        <p:cTn id="19" dur="500"/>
+                                        <p:tgtEl>
+                                          <p:spTgt spid="3">
+                                            <p:txEl>
+                                              <p:pRg st="3" end="3"/>
+                                            </p:txEl>
+                                          </p:spTgt>
+                                        </p:tgtEl>
+                                      </p:cBhvr>
+                                    </p:animEffect>
+                                  </p:childTnLst>
+                                </p:cTn>
+                              </p:par>
+                            </p:childTnLst>
+                          </p:cTn>
+                        </p:par>
+                      </p:childTnLst>
+                    </p:cTn>
+                  </p:par>
+                </p:childTnLst>
+              </p:cTn>
+              <p:prevCondLst>
+                <p:cond evt="onPrev" delay="0">
+                  <p:tgtEl>
+                    <p:sldTgt/>
+                  </p:tgtEl>
+                </p:cond>
+              </p:prevCondLst>
+              <p:nextCondLst>
+                <p:cond evt="onNext" delay="0">
+                  <p:tgtEl>
+                    <p:sldTgt/>
+                  </p:tgtEl>
+                </p:cond>
+              </p:nextCondLst>
+            </p:seq>
+          </p:childTnLst>
+        </p:cTn>
+      </p:par>
+    </p:tnLst>
+    <p:bldLst>
+      <p:bldP spid="3" grpId="0" build="p"/>
+    </p:bldLst>
+  </p:timing>
+</p:sld>
+</file>
+
+<file path=ppt/slides/slide3.xml><?xml version="1.0" encoding="utf-8"?>
+<p:sld xmlns:a="http://schemas.openxmlformats.org/drawingml/2006/main" xmlns:r="http://schemas.openxmlformats.org/officeDocument/2006/relationships" xmlns:p="http://schemas.openxmlformats.org/presentationml/2006/main">
+  <p:cSld>
+    <p:spTree>
+      <p:nvGrpSpPr>
+        <p:cNvPr id="1" name=""/>
+        <p:cNvGrpSpPr/>
+        <p:nvPr/>
+      </p:nvGrpSpPr>
+      <p:grpSpPr>
+        <a:xfrm>
+          <a:off x="0" y="0"/>
+          <a:ext cx="0" cy="0"/>
+          <a:chOff x="0" y="0"/>
+          <a:chExt cx="0" cy="0"/>
+        </a:xfrm>
+      </p:grpSpPr>
+      <p:sp>
+        <p:nvSpPr>
+          <p:cNvPr id="2" name="Title 1"/>
+          <p:cNvSpPr>
+            <a:spLocks noGrp="1"/>
+          </p:cNvSpPr>
+          <p:nvPr>
+            <p:ph type="title"/>
+          </p:nvPr>
+        </p:nvSpPr>
+        <p:spPr/>
+        <p:txBody>
+          <a:bodyPr/>
+          <a:lstStyle/>
+          <a:p>
+            <a:r>
+              <a:rPr lang="en-GB" b="1" dirty="0"/>
+              <a:t>Define: mock</a:t>
+            </a:r>
+          </a:p>
+        </p:txBody>
+      </p:sp>
+      <p:pic>
+        <p:nvPicPr>
+          <p:cNvPr id="5" name="Picture 4"/>
+          <p:cNvPicPr>
+            <a:picLocks noChangeAspect="1"/>
+          </p:cNvPicPr>
+          <p:nvPr/>
+        </p:nvPicPr>
+        <p:blipFill>
+          <a:blip r:embed="rId3"/>
+          <a:stretch>
+            <a:fillRect/>
+          </a:stretch>
+        </p:blipFill>
+        <p:spPr>
+          <a:xfrm>
+            <a:off x="1018474" y="2596027"/>
+            <a:ext cx="10152969" cy="3302969"/>
+          </a:xfrm>
+          <a:prstGeom prst="rect">
+            <a:avLst/>
+          </a:prstGeom>
+          <a:effectLst>
+            <a:glow rad="139700">
+              <a:schemeClr val="bg1">
+                <a:alpha val="40000"/>
+              </a:schemeClr>
+            </a:glow>
+          </a:effectLst>
+        </p:spPr>
+      </p:pic>
+    </p:spTree>
+    <p:extLst>
+      <p:ext uri="{BB962C8B-B14F-4D97-AF65-F5344CB8AC3E}">
+        <p14:creationId xmlns:p14="http://schemas.microsoft.com/office/powerpoint/2010/main" val="926458563"/>
+      </p:ext>
+    </p:extLst>
+  </p:cSld>
+  <p:clrMapOvr>
+    <a:masterClrMapping/>
+  </p:clrMapOvr>
+  <p:timing>
+    <p:tnLst>
+      <p:par>
+        <p:cTn id="1" dur="indefinite" restart="never" nodeType="tmRoot">
+          <p:childTnLst>
+            <p:seq concurrent="1" nextAc="seek">
+              <p:cTn id="2" dur="indefinite" nodeType="mainSeq">
+                <p:childTnLst>
+                  <p:par>
+                    <p:cTn id="3" fill="hold">
+                      <p:stCondLst>
+                        <p:cond delay="indefinite"/>
+                        <p:cond evt="onBegin" delay="0">
+                          <p:tn val="2"/>
+                        </p:cond>
+                      </p:stCondLst>
+                      <p:childTnLst>
+                        <p:par>
+                          <p:cTn id="4" fill="hold">
+                            <p:stCondLst>
+                              <p:cond delay="0"/>
+                            </p:stCondLst>
+                            <p:childTnLst>
+                              <p:par>
+                                <p:cTn id="5" presetID="10" presetClass="entr" presetSubtype="0" fill="hold" nodeType="afterEffect">
+                                  <p:stCondLst>
+                                    <p:cond delay="250"/>
+                                  </p:stCondLst>
+                                  <p:childTnLst>
+                                    <p:set>
+                                      <p:cBhvr>
+                                        <p:cTn id="6" dur="1" fill="hold">
+                                          <p:stCondLst>
+                                            <p:cond delay="0"/>
+                                          </p:stCondLst>
+                                        </p:cTn>
+                                        <p:tgtEl>
+                                          <p:spTgt spid="5"/>
+                                        </p:tgtEl>
+                                        <p:attrNameLst>
+                                          <p:attrName>style.visibility</p:attrName>
+                                        </p:attrNameLst>
+                                      </p:cBhvr>
+                                      <p:to>
+                                        <p:strVal val="visible"/>
+                                      </p:to>
+                                    </p:set>
+                                    <p:animEffect transition="in" filter="fade">
+                                      <p:cBhvr>
+                                        <p:cTn id="7" dur="500"/>
+                                        <p:tgtEl>
+                                          <p:spTgt spid="5"/>
+                                        </p:tgtEl>
+                                      </p:cBhvr>
+                                    </p:animEffect>
+                                  </p:childTnLst>
+                                </p:cTn>
+                              </p:par>
+                            </p:childTnLst>
+                          </p:cTn>
+                        </p:par>
+                      </p:childTnLst>
+                    </p:cTn>
+                  </p:par>
+                </p:childTnLst>
+              </p:cTn>
+              <p:prevCondLst>
+                <p:cond evt="onPrev" delay="0">
+                  <p:tgtEl>
+                    <p:sldTgt/>
+                  </p:tgtEl>
+                </p:cond>
+              </p:prevCondLst>
+              <p:nextCondLst>
+                <p:cond evt="onNext" delay="0">
+                  <p:tgtEl>
+                    <p:sldTgt/>
+                  </p:tgtEl>
+                </p:cond>
+              </p:nextCondLst>
+            </p:seq>
+          </p:childTnLst>
+        </p:cTn>
+      </p:par>
+    </p:tnLst>
+  </p:timing>
+</p:sld>
+</file>
+
+<file path=ppt/slides/slide4.xml><?xml version="1.0" encoding="utf-8"?>
+<p:sld xmlns:a="http://schemas.openxmlformats.org/drawingml/2006/main" xmlns:r="http://schemas.openxmlformats.org/officeDocument/2006/relationships" xmlns:p="http://schemas.openxmlformats.org/presentationml/2006/main">
+  <p:cSld>
+    <p:spTree>
+      <p:nvGrpSpPr>
+        <p:cNvPr id="1" name=""/>
+        <p:cNvGrpSpPr/>
+        <p:nvPr/>
+      </p:nvGrpSpPr>
+      <p:grpSpPr>
+        <a:xfrm>
+          <a:off x="0" y="0"/>
+          <a:ext cx="0" cy="0"/>
+          <a:chOff x="0" y="0"/>
+          <a:chExt cx="0" cy="0"/>
+        </a:xfrm>
+      </p:grpSpPr>
+      <p:sp>
+        <p:nvSpPr>
+          <p:cNvPr id="2" name="Title 1"/>
+          <p:cNvSpPr>
+            <a:spLocks noGrp="1"/>
+          </p:cNvSpPr>
+          <p:nvPr>
+            <p:ph type="title"/>
+          </p:nvPr>
+        </p:nvSpPr>
+        <p:spPr/>
+        <p:txBody>
+          <a:bodyPr/>
+          <a:lstStyle/>
+          <a:p>
+            <a:r>
+              <a:rPr lang="en-GB" b="1" dirty="0"/>
+              <a:t>Define: mock</a:t>
+            </a:r>
+          </a:p>
+        </p:txBody>
+      </p:sp>
+      <p:sp>
+        <p:nvSpPr>
+          <p:cNvPr id="3" name="Content Placeholder 2"/>
+          <p:cNvSpPr>
+            <a:spLocks noGrp="1"/>
+          </p:cNvSpPr>
+          <p:nvPr>
+            <p:ph idx="1"/>
+          </p:nvPr>
+        </p:nvSpPr>
+        <p:spPr>
+          <a:xfrm>
+            <a:off x="316526" y="2950955"/>
+            <a:ext cx="11541369" cy="3251696"/>
+          </a:xfrm>
+        </p:spPr>
+        <p:txBody>
+          <a:bodyPr>
+            <a:normAutofit/>
+          </a:bodyPr>
+          <a:lstStyle/>
+          <a:p>
+            <a:pPr marL="0" indent="0" fontAlgn="ctr">
+              <a:buNone/>
+            </a:pPr>
+            <a:r>
+              <a:rPr lang="en-GB" sz="3200" dirty="0"/>
+              <a:t>In software engineering mocks are…</a:t>
+            </a:r>
+          </a:p>
+          <a:p>
+            <a:pPr marL="0" indent="0" fontAlgn="ctr">
+              <a:buNone/>
+            </a:pPr>
+            <a:endParaRPr lang="en-GB" sz="2400" dirty="0"/>
+          </a:p>
+          <a:p>
+            <a:pPr marL="228600" lvl="1" indent="0" fontAlgn="ctr">
+              <a:buNone/>
+            </a:pPr>
+            <a:r>
+              <a:rPr lang="en-GB" sz="3600" dirty="0"/>
+              <a:t> "…special case objects that mimic real objects for testing." </a:t>
+            </a:r>
+          </a:p>
+          <a:p>
+            <a:pPr marL="228600" lvl="1" indent="0" fontAlgn="ctr">
+              <a:buNone/>
+            </a:pPr>
+            <a:endParaRPr lang="en-GB" sz="1100" dirty="0"/>
+          </a:p>
+          <a:p>
+            <a:pPr marL="228600" lvl="1" indent="0" fontAlgn="ctr">
+              <a:buNone/>
+            </a:pPr>
+            <a:r>
+              <a:rPr lang="en-GB" sz="1100" dirty="0">
+                <a:hlinkClick r:id="rId3"/>
+              </a:rPr>
+              <a:t>http://martinfowler.com/articles/mocksArentStubs.html?</a:t>
+            </a:r>
+            <a:endParaRPr lang="en-GB" sz="1100" dirty="0"/>
+          </a:p>
+          <a:p>
+            <a:pPr lvl="1" fontAlgn="ctr"/>
+            <a:endParaRPr lang="en-GB" dirty="0"/>
+          </a:p>
+        </p:txBody>
+      </p:sp>
+      <p:sp>
+        <p:nvSpPr>
+          <p:cNvPr id="4" name="TextBox 3"/>
+          <p:cNvSpPr txBox="1"/>
+          <p:nvPr/>
+        </p:nvSpPr>
+        <p:spPr>
+          <a:xfrm>
+            <a:off x="1202919" y="6043961"/>
+            <a:ext cx="9784080" cy="246221"/>
+          </a:xfrm>
+          <a:prstGeom prst="rect">
+            <a:avLst/>
+          </a:prstGeom>
+          <a:noFill/>
+        </p:spPr>
+        <p:txBody>
+          <a:bodyPr wrap="square" rtlCol="0">
+            <a:spAutoFit/>
+          </a:bodyPr>
+          <a:lstStyle/>
+          <a:p>
+            <a:endParaRPr lang="en-GB" sz="1000" dirty="0"/>
+          </a:p>
+        </p:txBody>
+      </p:sp>
+    </p:spTree>
+    <p:extLst>
+      <p:ext uri="{BB962C8B-B14F-4D97-AF65-F5344CB8AC3E}">
+        <p14:creationId xmlns:p14="http://schemas.microsoft.com/office/powerpoint/2010/main" val="3957909838"/>
+      </p:ext>
+    </p:extLst>
+  </p:cSld>
+  <p:clrMapOvr>
+    <a:masterClrMapping/>
+  </p:clrMapOvr>
+  <p:timing>
+    <p:tnLst>
+      <p:par>
+        <p:cTn id="1" dur="indefinite" restart="never" nodeType="tmRoot">
+          <p:childTnLst>
+            <p:seq concurrent="1" nextAc="seek">
+              <p:cTn id="2" dur="indefinite" nodeType="mainSeq">
+                <p:childTnLst>
+                  <p:par>
+                    <p:cTn id="3" fill="hold">
+                      <p:stCondLst>
+                        <p:cond delay="indefinite"/>
+                        <p:cond evt="onBegin" delay="0">
+                          <p:tn val="2"/>
+                        </p:cond>
+                      </p:stCondLst>
+                      <p:childTnLst>
+                        <p:par>
+                          <p:cTn id="4" fill="hold">
+                            <p:stCondLst>
+                              <p:cond delay="0"/>
+                            </p:stCondLst>
+                            <p:childTnLst>
+                              <p:par>
+                                <p:cTn id="5" presetID="10" presetClass="entr" presetSubtype="0" fill="hold" nodeType="afterEffect">
+                                  <p:stCondLst>
+                                    <p:cond delay="250"/>
+                                  </p:stCondLst>
+                                  <p:childTnLst>
+                                    <p:set>
+                                      <p:cBhvr>
+                                        <p:cTn id="6" dur="1" fill="hold">
+                                          <p:stCondLst>
+                                            <p:cond delay="0"/>
+                                          </p:stCondLst>
+                                        </p:cTn>
+                                        <p:tgtEl>
+                                          <p:spTgt spid="3">
+                                            <p:txEl>
+                                              <p:pRg st="0" end="0"/>
+                                            </p:txEl>
+                                          </p:spTgt>
+                                        </p:tgtEl>
+                                        <p:attrNameLst>
+                                          <p:attrName>style.visibility</p:attrName>
+                                        </p:attrNameLst>
+                                      </p:cBhvr>
+                                      <p:to>
+                                        <p:strVal val="visible"/>
+                                      </p:to>
+                                    </p:set>
+                                    <p:animEffect transition="in" filter="fade">
+                                      <p:cBhvr>
+                                        <p:cTn id="7" dur="500"/>
+                                        <p:tgtEl>
+                                          <p:spTgt spid="3">
+                                            <p:txEl>
+                                              <p:pRg st="0" end="0"/>
+                                            </p:txEl>
+                                          </p:spTgt>
+                                        </p:tgtEl>
+                                      </p:cBhvr>
+                                    </p:animEffect>
+                                  </p:childTnLst>
+                                </p:cTn>
+                              </p:par>
+                            </p:childTnLst>
+                          </p:cTn>
+                        </p:par>
+                        <p:par>
+                          <p:cTn id="8" fill="hold">
+                            <p:stCondLst>
+                              <p:cond delay="750"/>
+                            </p:stCondLst>
+                            <p:childTnLst>
+                              <p:par>
+                                <p:cTn id="9" presetID="10" presetClass="entr" presetSubtype="0" fill="hold" nodeType="afterEffect">
+                                  <p:stCondLst>
+                                    <p:cond delay="250"/>
+                                  </p:stCondLst>
+                                  <p:childTnLst>
+                                    <p:set>
+                                      <p:cBhvr>
+                                        <p:cTn id="10" dur="1" fill="hold">
+                                          <p:stCondLst>
+                                            <p:cond delay="0"/>
+                                          </p:stCondLst>
+                                        </p:cTn>
+                                        <p:tgtEl>
+                                          <p:spTgt spid="3">
+                                            <p:txEl>
+                                              <p:pRg st="2" end="2"/>
+                                            </p:txEl>
+                                          </p:spTgt>
+                                        </p:tgtEl>
+                                        <p:attrNameLst>
+                                          <p:attrName>style.visibility</p:attrName>
+                                        </p:attrNameLst>
+                                      </p:cBhvr>
+                                      <p:to>
+                                        <p:strVal val="visible"/>
+                                      </p:to>
+                                    </p:set>
+                                    <p:animEffect transition="in" filter="fade">
+                                      <p:cBhvr>
+                                        <p:cTn id="11" dur="500"/>
+                                        <p:tgtEl>
+                                          <p:spTgt spid="3">
+                                            <p:txEl>
+                                              <p:pRg st="2" end="2"/>
+                                            </p:txEl>
+                                          </p:spTgt>
+                                        </p:tgtEl>
+                                      </p:cBhvr>
+                                    </p:animEffect>
+                                  </p:childTnLst>
+                                </p:cTn>
+                              </p:par>
+                              <p:par>
+                                <p:cTn id="12" presetID="10" presetClass="entr" presetSubtype="0" fill="hold" nodeType="withEffect">
+                                  <p:stCondLst>
+                                    <p:cond delay="250"/>
+                                  </p:stCondLst>
+                                  <p:childTnLst>
+                                    <p:set>
+                                      <p:cBhvr>
+                                        <p:cTn id="13" dur="1" fill="hold">
+                                          <p:stCondLst>
+                                            <p:cond delay="0"/>
+                                          </p:stCondLst>
+                                        </p:cTn>
+                                        <p:tgtEl>
+                                          <p:spTgt spid="3">
+                                            <p:txEl>
+                                              <p:pRg st="4" end="4"/>
+                                            </p:txEl>
+                                          </p:spTgt>
+                                        </p:tgtEl>
+                                        <p:attrNameLst>
+                                          <p:attrName>style.visibility</p:attrName>
+                                        </p:attrNameLst>
+                                      </p:cBhvr>
+                                      <p:to>
+                                        <p:strVal val="visible"/>
+                                      </p:to>
+                                    </p:set>
+                                    <p:animEffect transition="in" filter="fade">
+                                      <p:cBhvr>
+                                        <p:cTn id="14" dur="500"/>
+                                        <p:tgtEl>
+                                          <p:spTgt spid="3">
+                                            <p:txEl>
+                                              <p:pRg st="4" end="4"/>
+                                            </p:txEl>
+                                          </p:spTgt>
+                                        </p:tgtEl>
+                                      </p:cBhvr>
+                                    </p:animEffect>
+                                  </p:childTnLst>
+                                </p:cTn>
+                              </p:par>
+                            </p:childTnLst>
+                          </p:cTn>
+                        </p:par>
+                      </p:childTnLst>
+                    </p:cTn>
+                  </p:par>
+                </p:childTnLst>
+              </p:cTn>
+              <p:prevCondLst>
+                <p:cond evt="onPrev" delay="0">
+                  <p:tgtEl>
+                    <p:sldTgt/>
+                  </p:tgtEl>
+                </p:cond>
+              </p:prevCondLst>
+              <p:nextCondLst>
+                <p:cond evt="onNext" delay="0">
+                  <p:tgtEl>
+                    <p:sldTgt/>
+                  </p:tgtEl>
+                </p:cond>
+              </p:nextCondLst>
+            </p:seq>
+          </p:childTnLst>
+        </p:cTn>
+      </p:par>
+    </p:tnLst>
+  </p:timing>
+</p:sld>
+</file>
+
+<file path=ppt/slides/slide5.xml><?xml version="1.0" encoding="utf-8"?>
+<p:sld xmlns:a="http://schemas.openxmlformats.org/drawingml/2006/main" xmlns:r="http://schemas.openxmlformats.org/officeDocument/2006/relationships" xmlns:p="http://schemas.openxmlformats.org/presentationml/2006/main">
+  <p:cSld>
+    <p:spTree>
+      <p:nvGrpSpPr>
+        <p:cNvPr id="1" name=""/>
+        <p:cNvGrpSpPr/>
+        <p:nvPr/>
+      </p:nvGrpSpPr>
+      <p:grpSpPr>
+        <a:xfrm>
+          <a:off x="0" y="0"/>
+          <a:ext cx="0" cy="0"/>
+          <a:chOff x="0" y="0"/>
+          <a:chExt cx="0" cy="0"/>
+        </a:xfrm>
+      </p:grpSpPr>
+      <p:sp>
+        <p:nvSpPr>
+          <p:cNvPr id="2" name="Title 1"/>
+          <p:cNvSpPr>
+            <a:spLocks noGrp="1"/>
+          </p:cNvSpPr>
+          <p:nvPr>
+            <p:ph type="title"/>
+          </p:nvPr>
+        </p:nvSpPr>
+        <p:spPr/>
+        <p:txBody>
+          <a:bodyPr/>
+          <a:lstStyle/>
+          <a:p>
+            <a:r>
+              <a:rPr lang="en-GB" b="1" dirty="0"/>
+              <a:t>Why use mocks?</a:t>
+            </a:r>
+            <a:endParaRPr lang="en-GB" dirty="0"/>
+          </a:p>
+        </p:txBody>
+      </p:sp>
+      <p:sp>
+        <p:nvSpPr>
+          <p:cNvPr id="3" name="Content Placeholder 2"/>
+          <p:cNvSpPr>
+            <a:spLocks noGrp="1"/>
+          </p:cNvSpPr>
+          <p:nvPr>
+            <p:ph idx="1"/>
+          </p:nvPr>
+        </p:nvSpPr>
+        <p:spPr>
+          <a:xfrm>
+            <a:off x="1202919" y="2233245"/>
+            <a:ext cx="9784080" cy="3833447"/>
+          </a:xfrm>
+        </p:spPr>
+        <p:txBody>
+          <a:bodyPr>
+            <a:normAutofit fontScale="92500" lnSpcReduction="10000"/>
+          </a:bodyPr>
+          <a:lstStyle/>
+          <a:p>
+            <a:pPr marL="0" indent="0" fontAlgn="ctr">
+              <a:lnSpc>
+                <a:spcPct val="150000"/>
+              </a:lnSpc>
+              <a:buNone/>
+            </a:pPr>
+            <a:r>
+              <a:rPr lang="en-GB" sz="4000" dirty="0"/>
+              <a:t>Control interactions</a:t>
+            </a:r>
+          </a:p>
+          <a:p>
+            <a:pPr marL="0" indent="0" fontAlgn="ctr">
+              <a:lnSpc>
+                <a:spcPct val="150000"/>
+              </a:lnSpc>
+              <a:buNone/>
+            </a:pPr>
+            <a:r>
+              <a:rPr lang="en-GB" sz="4000" dirty="0"/>
+              <a:t>Deterministic &amp; repeatable tests</a:t>
+            </a:r>
+          </a:p>
+          <a:p>
+            <a:pPr marL="0" indent="0" fontAlgn="ctr">
+              <a:lnSpc>
+                <a:spcPct val="150000"/>
+              </a:lnSpc>
+              <a:buNone/>
+            </a:pPr>
+            <a:r>
+              <a:rPr lang="en-GB" sz="4000" dirty="0"/>
+              <a:t>Model  scenarios</a:t>
+            </a:r>
+          </a:p>
+          <a:p>
+            <a:pPr marL="0" indent="0" fontAlgn="ctr">
+              <a:lnSpc>
+                <a:spcPct val="150000"/>
+              </a:lnSpc>
+              <a:buNone/>
+            </a:pPr>
+            <a:r>
+              <a:rPr lang="en-GB" sz="4000" dirty="0"/>
+              <a:t>Acceptance criteria</a:t>
+            </a:r>
+          </a:p>
+          <a:p>
+            <a:endParaRPr lang="en-GB" dirty="0"/>
+          </a:p>
+        </p:txBody>
+      </p:sp>
+    </p:spTree>
+    <p:extLst>
+      <p:ext uri="{BB962C8B-B14F-4D97-AF65-F5344CB8AC3E}">
+        <p14:creationId xmlns:p14="http://schemas.microsoft.com/office/powerpoint/2010/main" val="3274506060"/>
+      </p:ext>
+    </p:extLst>
+  </p:cSld>
+  <p:clrMapOvr>
+    <a:masterClrMapping/>
+  </p:clrMapOvr>
+  <p:timing>
+    <p:tnLst>
+      <p:par>
+        <p:cTn id="1" dur="indefinite" restart="never" nodeType="tmRoot">
+          <p:childTnLst>
+            <p:seq concurrent="1" nextAc="seek">
+              <p:cTn id="2" dur="indefinite" nodeType="mainSeq">
+                <p:childTnLst>
+                  <p:par>
+                    <p:cTn id="3" fill="hold">
+                      <p:stCondLst>
+                        <p:cond delay="indefinite"/>
+                        <p:cond evt="onBegin" delay="0">
+                          <p:tn val="2"/>
+                        </p:cond>
+                      </p:stCondLst>
+                      <p:childTnLst>
+                        <p:par>
+                          <p:cTn id="4" fill="hold">
+                            <p:stCondLst>
+                              <p:cond delay="0"/>
+                            </p:stCondLst>
+                            <p:childTnLst>
+                              <p:par>
+                                <p:cTn id="5" presetID="10" presetClass="entr" presetSubtype="0" fill="hold" grpId="0" nodeType="afterEffect">
+                                  <p:stCondLst>
+                                    <p:cond delay="250"/>
+                                  </p:stCondLst>
+                                  <p:childTnLst>
+                                    <p:set>
+                                      <p:cBhvr>
+                                        <p:cTn id="6" dur="1" fill="hold">
+                                          <p:stCondLst>
+                                            <p:cond delay="0"/>
+                                          </p:stCondLst>
+                                        </p:cTn>
+                                        <p:tgtEl>
+                                          <p:spTgt spid="3">
+                                            <p:txEl>
+                                              <p:pRg st="0" end="0"/>
+                                            </p:txEl>
+                                          </p:spTgt>
+                                        </p:tgtEl>
+                                        <p:attrNameLst>
+                                          <p:attrName>style.visibility</p:attrName>
+                                        </p:attrNameLst>
+                                      </p:cBhvr>
+                                      <p:to>
+                                        <p:strVal val="visible"/>
+                                      </p:to>
+                                    </p:set>
+                                    <p:animEffect transition="in" filter="fade">
+                                      <p:cBhvr>
+                                        <p:cTn id="7" dur="500"/>
+                                        <p:tgtEl>
+                                          <p:spTgt spid="3">
+                                            <p:txEl>
+                                              <p:pRg st="0" end="0"/>
+                                            </p:txEl>
+                                          </p:spTgt>
+                                        </p:tgtEl>
+                                      </p:cBhvr>
+                                    </p:animEffect>
+                                  </p:childTnLst>
+                                </p:cTn>
+                              </p:par>
+                            </p:childTnLst>
+                          </p:cTn>
+                        </p:par>
+                        <p:par>
+                          <p:cTn id="8" fill="hold">
+                            <p:stCondLst>
+                              <p:cond delay="750"/>
+                            </p:stCondLst>
+                            <p:childTnLst>
+                              <p:par>
+                                <p:cTn id="9" presetID="10" presetClass="entr" presetSubtype="0" fill="hold" grpId="0" nodeType="afterEffect">
+                                  <p:stCondLst>
+                                    <p:cond delay="250"/>
+                                  </p:stCondLst>
+                                  <p:childTnLst>
+                                    <p:set>
+                                      <p:cBhvr>
+                                        <p:cTn id="10" dur="1" fill="hold">
+                                          <p:stCondLst>
+                                            <p:cond delay="0"/>
+                                          </p:stCondLst>
+                                        </p:cTn>
+                                        <p:tgtEl>
+                                          <p:spTgt spid="3">
+                                            <p:txEl>
+                                              <p:pRg st="1" end="1"/>
+                                            </p:txEl>
+                                          </p:spTgt>
+                                        </p:tgtEl>
+                                        <p:attrNameLst>
+                                          <p:attrName>style.visibility</p:attrName>
+                                        </p:attrNameLst>
+                                      </p:cBhvr>
+                                      <p:to>
+                                        <p:strVal val="visible"/>
+                                      </p:to>
+                                    </p:set>
+                                    <p:animEffect transition="in" filter="fade">
+                                      <p:cBhvr>
+                                        <p:cTn id="11" dur="500"/>
+                                        <p:tgtEl>
+                                          <p:spTgt spid="3">
+                                            <p:txEl>
+                                              <p:pRg st="1" end="1"/>
+                                            </p:txEl>
+                                          </p:spTgt>
+                                        </p:tgtEl>
+                                      </p:cBhvr>
+                                    </p:animEffect>
+                                  </p:childTnLst>
+                                </p:cTn>
+                              </p:par>
+                            </p:childTnLst>
+                          </p:cTn>
+                        </p:par>
+                        <p:par>
+                          <p:cTn id="12" fill="hold">
+                            <p:stCondLst>
+                              <p:cond delay="1500"/>
+                            </p:stCondLst>
+                            <p:childTnLst>
+                              <p:par>
+                                <p:cTn id="13" presetID="10" presetClass="entr" presetSubtype="0" fill="hold" grpId="0" nodeType="afterEffect">
+                                  <p:stCondLst>
+                                    <p:cond delay="250"/>
+                                  </p:stCondLst>
+                                  <p:childTnLst>
+                                    <p:set>
+                                      <p:cBhvr>
+                                        <p:cTn id="14" dur="1" fill="hold">
+                                          <p:stCondLst>
+                                            <p:cond delay="0"/>
+                                          </p:stCondLst>
+                                        </p:cTn>
+                                        <p:tgtEl>
+                                          <p:spTgt spid="3">
+                                            <p:txEl>
+                                              <p:pRg st="2" end="2"/>
+                                            </p:txEl>
+                                          </p:spTgt>
+                                        </p:tgtEl>
+                                        <p:attrNameLst>
+                                          <p:attrName>style.visibility</p:attrName>
+                                        </p:attrNameLst>
+                                      </p:cBhvr>
+                                      <p:to>
+                                        <p:strVal val="visible"/>
+                                      </p:to>
+                                    </p:set>
+                                    <p:animEffect transition="in" filter="fade">
+                                      <p:cBhvr>
+                                        <p:cTn id="15" dur="500"/>
+                                        <p:tgtEl>
+                                          <p:spTgt spid="3">
+                                            <p:txEl>
+                                              <p:pRg st="2" end="2"/>
+                                            </p:txEl>
+                                          </p:spTgt>
+                                        </p:tgtEl>
+                                      </p:cBhvr>
+                                    </p:animEffect>
+                                  </p:childTnLst>
+                                </p:cTn>
+                              </p:par>
+                            </p:childTnLst>
+                          </p:cTn>
+                        </p:par>
+                        <p:par>
+                          <p:cTn id="16" fill="hold">
+                            <p:stCondLst>
+                              <p:cond delay="2250"/>
+                            </p:stCondLst>
+                            <p:childTnLst>
+                              <p:par>
+                                <p:cTn id="17" presetID="10" presetClass="entr" presetSubtype="0" fill="hold" grpId="0" nodeType="afterEffect">
+                                  <p:stCondLst>
+                                    <p:cond delay="250"/>
+                                  </p:stCondLst>
+                                  <p:childTnLst>
+                                    <p:set>
+                                      <p:cBhvr>
+                                        <p:cTn id="18" dur="1" fill="hold">
+                                          <p:stCondLst>
+                                            <p:cond delay="0"/>
+                                          </p:stCondLst>
+                                        </p:cTn>
+                                        <p:tgtEl>
+                                          <p:spTgt spid="3">
+                                            <p:txEl>
+                                              <p:pRg st="3" end="3"/>
+                                            </p:txEl>
+                                          </p:spTgt>
+                                        </p:tgtEl>
+                                        <p:attrNameLst>
+                                          <p:attrName>style.visibility</p:attrName>
+                                        </p:attrNameLst>
+                                      </p:cBhvr>
+                                      <p:to>
+                                        <p:strVal val="visible"/>
+                                      </p:to>
+                                    </p:set>
+                                    <p:animEffect transition="in" filter="fade">
+                                      <p:cBhvr>
+                                        <p:cTn id="19" dur="500"/>
+                                        <p:tgtEl>
+                                          <p:spTgt spid="3">
+                                            <p:txEl>
+                                              <p:pRg st="3" end="3"/>
+                                            </p:txEl>
+                                          </p:spTgt>
+                                        </p:tgtEl>
+                                      </p:cBhvr>
+                                    </p:animEffect>
+                                  </p:childTnLst>
+                                </p:cTn>
+                              </p:par>
+                            </p:childTnLst>
+                          </p:cTn>
+                        </p:par>
+                      </p:childTnLst>
+                    </p:cTn>
+                  </p:par>
+                </p:childTnLst>
+              </p:cTn>
+              <p:prevCondLst>
+                <p:cond evt="onPrev" delay="0">
+                  <p:tgtEl>
+                    <p:sldTgt/>
+                  </p:tgtEl>
+                </p:cond>
+              </p:prevCondLst>
+              <p:nextCondLst>
+                <p:cond evt="onNext" delay="0">
+                  <p:tgtEl>
+                    <p:sldTgt/>
+                  </p:tgtEl>
+                </p:cond>
+              </p:nextCondLst>
+            </p:seq>
+          </p:childTnLst>
+        </p:cTn>
+      </p:par>
+    </p:tnLst>
+    <p:bldLst>
+      <p:bldP spid="3" grpId="0" build="p"/>
+    </p:bldLst>
+  </p:timing>
+</p:sld>
+</file>
+
+<file path=ppt/slides/slide6.xml><?xml version="1.0" encoding="utf-8"?>
+<p:sld xmlns:a="http://schemas.openxmlformats.org/drawingml/2006/main" xmlns:r="http://schemas.openxmlformats.org/officeDocument/2006/relationships" xmlns:p="http://schemas.openxmlformats.org/presentationml/2006/main">
+  <p:cSld>
+    <p:spTree>
+      <p:nvGrpSpPr>
+        <p:cNvPr id="1" name=""/>
+        <p:cNvGrpSpPr/>
+        <p:nvPr/>
+      </p:nvGrpSpPr>
+      <p:grpSpPr>
+        <a:xfrm>
+          <a:off x="0" y="0"/>
+          <a:ext cx="0" cy="0"/>
+          <a:chOff x="0" y="0"/>
+          <a:chExt cx="0" cy="0"/>
+        </a:xfrm>
+      </p:grpSpPr>
+      <p:sp>
+        <p:nvSpPr>
+          <p:cNvPr id="2" name="Title 1"/>
+          <p:cNvSpPr>
+            <a:spLocks noGrp="1"/>
+          </p:cNvSpPr>
+          <p:nvPr>
+            <p:ph type="title"/>
+          </p:nvPr>
+        </p:nvSpPr>
+        <p:spPr/>
+        <p:txBody>
+          <a:bodyPr/>
+          <a:lstStyle/>
+          <a:p>
+            <a:r>
+              <a:rPr lang="en-GB" b="1" dirty="0"/>
+              <a:t>When to mock?</a:t>
+            </a:r>
+            <a:endParaRPr lang="en-GB" dirty="0"/>
+          </a:p>
+        </p:txBody>
+      </p:sp>
+      <p:pic>
+        <p:nvPicPr>
+          <p:cNvPr id="2050" name="Picture 2" descr="Νη "/>
+          <p:cNvPicPr>
+            <a:picLocks noChangeAspect="1" noChangeArrowheads="1"/>
+          </p:cNvPicPr>
+          <p:nvPr/>
+        </p:nvPicPr>
+        <p:blipFill>
+          <a:blip r:embed="rId3">
+            <a:extLst>
+              <a:ext uri="{28A0092B-C50C-407E-A947-70E740481C1C}">
+                <a14:useLocalDpi xmlns:a14="http://schemas.microsoft.com/office/drawing/2010/main" val="0"/>
+              </a:ext>
+            </a:extLst>
+          </a:blip>
+          <a:srcRect/>
+          <a:stretch>
+            <a:fillRect/>
+          </a:stretch>
+        </p:blipFill>
+        <p:spPr bwMode="auto">
+          <a:xfrm>
+            <a:off x="4328804" y="2675829"/>
+            <a:ext cx="3532310" cy="3302939"/>
+          </a:xfrm>
+          <a:prstGeom prst="rect">
+            <a:avLst/>
+          </a:prstGeom>
+          <a:noFill/>
+          <a:effectLst>
+            <a:glow rad="139700">
+              <a:schemeClr val="bg1">
+                <a:alpha val="40000"/>
+              </a:schemeClr>
+            </a:glow>
+          </a:effectLst>
+          <a:extLst>
+            <a:ext uri="{909E8E84-426E-40DD-AFC4-6F175D3DCCD1}">
+              <a14:hiddenFill xmlns:a14="http://schemas.microsoft.com/office/drawing/2010/main">
+                <a:solidFill>
+                  <a:srgbClr val="FFFFFF"/>
+                </a:solidFill>
+              </a14:hiddenFill>
+            </a:ext>
+          </a:extLst>
+        </p:spPr>
+      </p:pic>
+    </p:spTree>
+    <p:extLst>
+      <p:ext uri="{BB962C8B-B14F-4D97-AF65-F5344CB8AC3E}">
+        <p14:creationId xmlns:p14="http://schemas.microsoft.com/office/powerpoint/2010/main" val="705980569"/>
+      </p:ext>
+    </p:extLst>
+  </p:cSld>
+  <p:clrMapOvr>
+    <a:masterClrMapping/>
+  </p:clrMapOvr>
+  <p:timing>
+    <p:tnLst>
+      <p:par>
+        <p:cTn id="1" dur="indefinite" restart="never" nodeType="tmRoot">
+          <p:childTnLst>
+            <p:seq concurrent="1" nextAc="seek">
+              <p:cTn id="2" dur="indefinite" nodeType="mainSeq">
+                <p:childTnLst>
+                  <p:par>
+                    <p:cTn id="3" fill="hold">
+                      <p:stCondLst>
+                        <p:cond delay="indefinite"/>
+                        <p:cond evt="onBegin" delay="0">
+                          <p:tn val="2"/>
+                        </p:cond>
+                      </p:stCondLst>
+                      <p:childTnLst>
+                        <p:par>
+                          <p:cTn id="4" fill="hold">
+                            <p:stCondLst>
+                              <p:cond delay="0"/>
+                            </p:stCondLst>
+                            <p:childTnLst>
+                              <p:par>
+                                <p:cTn id="5" presetID="10" presetClass="entr" presetSubtype="0" fill="hold" nodeType="afterEffect">
+                                  <p:stCondLst>
+                                    <p:cond delay="250"/>
+                                  </p:stCondLst>
+                                  <p:childTnLst>
+                                    <p:set>
+                                      <p:cBhvr>
+                                        <p:cTn id="6" dur="1" fill="hold">
+                                          <p:stCondLst>
+                                            <p:cond delay="0"/>
+                                          </p:stCondLst>
+                                        </p:cTn>
+                                        <p:tgtEl>
+                                          <p:spTgt spid="2050"/>
+                                        </p:tgtEl>
+                                        <p:attrNameLst>
+                                          <p:attrName>style.visibility</p:attrName>
+                                        </p:attrNameLst>
+                                      </p:cBhvr>
+                                      <p:to>
+                                        <p:strVal val="visible"/>
+                                      </p:to>
+                                    </p:set>
+                                    <p:animEffect transition="in" filter="fade">
+                                      <p:cBhvr>
+                                        <p:cTn id="7" dur="500"/>
+                                        <p:tgtEl>
+                                          <p:spTgt spid="2050"/>
+                                        </p:tgtEl>
+                                      </p:cBhvr>
+                                    </p:animEffect>
+                                  </p:childTnLst>
+                                </p:cTn>
+                              </p:par>
+                            </p:childTnLst>
+                          </p:cTn>
+                        </p:par>
+                      </p:childTnLst>
+                    </p:cTn>
+                  </p:par>
+                </p:childTnLst>
+              </p:cTn>
+              <p:prevCondLst>
+                <p:cond evt="onPrev" delay="0">
+                  <p:tgtEl>
+                    <p:sldTgt/>
+                  </p:tgtEl>
+                </p:cond>
+              </p:prevCondLst>
+              <p:nextCondLst>
+                <p:cond evt="onNext" delay="0">
+                  <p:tgtEl>
+                    <p:sldTgt/>
+                  </p:tgtEl>
+                </p:cond>
+              </p:nextCondLst>
+            </p:seq>
+          </p:childTnLst>
+        </p:cTn>
+      </p:par>
+    </p:tnLst>
+  </p:timing>
+</p:sld>
+</file>
+
+<file path=ppt/slides/slide7.xml><?xml version="1.0" encoding="utf-8"?>
+<p:sld xmlns:a="http://schemas.openxmlformats.org/drawingml/2006/main" xmlns:r="http://schemas.openxmlformats.org/officeDocument/2006/relationships" xmlns:p="http://schemas.openxmlformats.org/presentationml/2006/main">
+  <p:cSld>
+    <p:spTree>
+      <p:nvGrpSpPr>
+        <p:cNvPr id="1" name=""/>
+        <p:cNvGrpSpPr/>
+        <p:nvPr/>
+      </p:nvGrpSpPr>
+      <p:grpSpPr>
+        <a:xfrm>
+          <a:off x="0" y="0"/>
+          <a:ext cx="0" cy="0"/>
+          <a:chOff x="0" y="0"/>
+          <a:chExt cx="0" cy="0"/>
+        </a:xfrm>
+      </p:grpSpPr>
+      <p:sp>
+        <p:nvSpPr>
+          <p:cNvPr id="2" name="Title 1"/>
+          <p:cNvSpPr>
+            <a:spLocks noGrp="1"/>
+          </p:cNvSpPr>
+          <p:nvPr>
+            <p:ph type="title"/>
+          </p:nvPr>
+        </p:nvSpPr>
+        <p:spPr/>
+        <p:txBody>
+          <a:bodyPr/>
+          <a:lstStyle/>
+          <a:p>
+            <a:r>
+              <a:rPr lang="en-GB" b="1" dirty="0"/>
+              <a:t>Mocking web services</a:t>
+            </a:r>
+            <a:endParaRPr lang="en-GB" dirty="0"/>
+          </a:p>
+        </p:txBody>
+      </p:sp>
+      <p:pic>
+        <p:nvPicPr>
+          <p:cNvPr id="1026" name="Picture 2" descr="MICßoSéRVlCEs "/>
+          <p:cNvPicPr>
+            <a:picLocks noChangeAspect="1" noChangeArrowheads="1"/>
+          </p:cNvPicPr>
+          <p:nvPr/>
+        </p:nvPicPr>
+        <p:blipFill>
+          <a:blip r:embed="rId3">
+            <a:extLst>
+              <a:ext uri="{28A0092B-C50C-407E-A947-70E740481C1C}">
+                <a14:useLocalDpi xmlns:a14="http://schemas.microsoft.com/office/drawing/2010/main" val="0"/>
+              </a:ext>
+            </a:extLst>
+          </a:blip>
+          <a:srcRect/>
+          <a:stretch>
+            <a:fillRect/>
+          </a:stretch>
+        </p:blipFill>
+        <p:spPr bwMode="auto">
+          <a:xfrm>
+            <a:off x="7234928" y="2514599"/>
+            <a:ext cx="3509272" cy="2849743"/>
+          </a:xfrm>
+          <a:prstGeom prst="rect">
+            <a:avLst/>
+          </a:prstGeom>
+          <a:noFill/>
+          <a:effectLst>
+            <a:glow rad="139700">
+              <a:schemeClr val="bg1">
+                <a:alpha val="40000"/>
+              </a:schemeClr>
+            </a:glow>
+          </a:effectLst>
+          <a:extLst>
+            <a:ext uri="{909E8E84-426E-40DD-AFC4-6F175D3DCCD1}">
+              <a14:hiddenFill xmlns:a14="http://schemas.microsoft.com/office/drawing/2010/main">
+                <a:solidFill>
+                  <a:srgbClr val="FFFFFF"/>
+                </a:solidFill>
+              </a14:hiddenFill>
+            </a:ext>
+          </a:extLst>
+        </p:spPr>
+      </p:pic>
+      <p:pic>
+        <p:nvPicPr>
+          <p:cNvPr id="1028" name="Picture 4" descr="دل إلر٧3 &#10;ه ٥٩ "/>
+          <p:cNvPicPr>
+            <a:picLocks noChangeAspect="1" noChangeArrowheads="1"/>
+          </p:cNvPicPr>
+          <p:nvPr/>
+        </p:nvPicPr>
+        <p:blipFill>
+          <a:blip r:embed="rId4">
+            <a:extLst>
+              <a:ext uri="{28A0092B-C50C-407E-A947-70E740481C1C}">
+                <a14:useLocalDpi xmlns:a14="http://schemas.microsoft.com/office/drawing/2010/main" val="0"/>
+              </a:ext>
+            </a:extLst>
+          </a:blip>
+          <a:srcRect/>
+          <a:stretch>
+            <a:fillRect/>
+          </a:stretch>
+        </p:blipFill>
+        <p:spPr bwMode="auto">
+          <a:xfrm>
+            <a:off x="1438275" y="2514599"/>
+            <a:ext cx="3532749" cy="2883877"/>
+          </a:xfrm>
+          <a:prstGeom prst="rect">
+            <a:avLst/>
+          </a:prstGeom>
+          <a:noFill/>
+          <a:effectLst>
+            <a:glow rad="139700">
+              <a:schemeClr val="bg1">
+                <a:alpha val="40000"/>
+              </a:schemeClr>
+            </a:glow>
+          </a:effectLst>
+          <a:extLst>
+            <a:ext uri="{909E8E84-426E-40DD-AFC4-6F175D3DCCD1}">
+              <a14:hiddenFill xmlns:a14="http://schemas.microsoft.com/office/drawing/2010/main">
+                <a:solidFill>
+                  <a:srgbClr val="FFFFFF"/>
+                </a:solidFill>
+              </a14:hiddenFill>
+            </a:ext>
+          </a:extLst>
+        </p:spPr>
+      </p:pic>
+    </p:spTree>
+    <p:extLst>
+      <p:ext uri="{BB962C8B-B14F-4D97-AF65-F5344CB8AC3E}">
+        <p14:creationId xmlns:p14="http://schemas.microsoft.com/office/powerpoint/2010/main" val="3902345566"/>
+      </p:ext>
+    </p:extLst>
+  </p:cSld>
+  <p:clrMapOvr>
+    <a:masterClrMapping/>
+  </p:clrMapOvr>
+  <p:timing>
+    <p:tnLst>
+      <p:par>
+        <p:cTn id="1" dur="indefinite" restart="never" nodeType="tmRoot">
+          <p:childTnLst>
+            <p:seq concurrent="1" nextAc="seek">
+              <p:cTn id="2" dur="indefinite" nodeType="mainSeq">
+                <p:childTnLst>
+                  <p:par>
+                    <p:cTn id="3" fill="hold">
+                      <p:stCondLst>
+                        <p:cond delay="indefinite"/>
+                        <p:cond evt="onBegin" delay="0">
+                          <p:tn val="2"/>
+                        </p:cond>
+                      </p:stCondLst>
+                      <p:childTnLst>
+                        <p:par>
+                          <p:cTn id="4" fill="hold">
+                            <p:stCondLst>
+                              <p:cond delay="0"/>
+                            </p:stCondLst>
+                            <p:childTnLst>
+                              <p:par>
+                                <p:cTn id="5" presetID="10" presetClass="entr" presetSubtype="0" fill="hold" nodeType="afterEffect">
+                                  <p:stCondLst>
+                                    <p:cond delay="250"/>
+                                  </p:stCondLst>
+                                  <p:childTnLst>
+                                    <p:set>
+                                      <p:cBhvr>
+                                        <p:cTn id="6" dur="1" fill="hold">
+                                          <p:stCondLst>
+                                            <p:cond delay="0"/>
+                                          </p:stCondLst>
+                                        </p:cTn>
+                                        <p:tgtEl>
+                                          <p:spTgt spid="1028"/>
+                                        </p:tgtEl>
+                                        <p:attrNameLst>
+                                          <p:attrName>style.visibility</p:attrName>
+                                        </p:attrNameLst>
+                                      </p:cBhvr>
+                                      <p:to>
+                                        <p:strVal val="visible"/>
+                                      </p:to>
+                                    </p:set>
+                                    <p:animEffect transition="in" filter="fade">
+                                      <p:cBhvr>
+                                        <p:cTn id="7" dur="500"/>
+                                        <p:tgtEl>
+                                          <p:spTgt spid="1028"/>
+                                        </p:tgtEl>
+                                      </p:cBhvr>
+                                    </p:animEffect>
+                                  </p:childTnLst>
+                                </p:cTn>
+                              </p:par>
+                            </p:childTnLst>
+                          </p:cTn>
+                        </p:par>
+                        <p:par>
+                          <p:cTn id="8" fill="hold">
+                            <p:stCondLst>
+                              <p:cond delay="750"/>
+                            </p:stCondLst>
+                            <p:childTnLst>
+                              <p:par>
+                                <p:cTn id="9" presetID="10" presetClass="entr" presetSubtype="0" fill="hold" nodeType="afterEffect">
+                                  <p:stCondLst>
+                                    <p:cond delay="250"/>
+                                  </p:stCondLst>
+                                  <p:childTnLst>
+                                    <p:set>
+                                      <p:cBhvr>
+                                        <p:cTn id="10" dur="1" fill="hold">
+                                          <p:stCondLst>
+                                            <p:cond delay="0"/>
+                                          </p:stCondLst>
+                                        </p:cTn>
+                                        <p:tgtEl>
+                                          <p:spTgt spid="1026"/>
+                                        </p:tgtEl>
+                                        <p:attrNameLst>
+                                          <p:attrName>style.visibility</p:attrName>
+                                        </p:attrNameLst>
+                                      </p:cBhvr>
+                                      <p:to>
+                                        <p:strVal val="visible"/>
+                                      </p:to>
+                                    </p:set>
+                                    <p:animEffect transition="in" filter="fade">
+                                      <p:cBhvr>
+                                        <p:cTn id="11" dur="500"/>
+                                        <p:tgtEl>
+                                          <p:spTgt spid="1026"/>
+                                        </p:tgtEl>
+                                      </p:cBhvr>
+                                    </p:animEffect>
+                                  </p:childTnLst>
+                                </p:cTn>
+                              </p:par>
+                            </p:childTnLst>
+                          </p:cTn>
+                        </p:par>
+                      </p:childTnLst>
+                    </p:cTn>
+                  </p:par>
+                </p:childTnLst>
+              </p:cTn>
+              <p:prevCondLst>
+                <p:cond evt="onPrev" delay="0">
+                  <p:tgtEl>
+                    <p:sldTgt/>
+                  </p:tgtEl>
+                </p:cond>
+              </p:prevCondLst>
+              <p:nextCondLst>
+                <p:cond evt="onNext" delay="0">
+                  <p:tgtEl>
+                    <p:sldTgt/>
+                  </p:tgtEl>
+                </p:cond>
+              </p:nextCondLst>
+            </p:seq>
+          </p:childTnLst>
+        </p:cTn>
+      </p:par>
+    </p:tnLst>
+  </p:timing>
+</p:sld>
+</file>
+
+<file path=ppt/slides/slide8.xml><?xml version="1.0" encoding="utf-8"?>
+<p:sld xmlns:a="http://schemas.openxmlformats.org/drawingml/2006/main" xmlns:r="http://schemas.openxmlformats.org/officeDocument/2006/relationships" xmlns:p="http://schemas.openxmlformats.org/presentationml/2006/main">
+  <p:cSld>
+    <p:spTree>
+      <p:nvGrpSpPr>
+        <p:cNvPr id="1" name=""/>
+        <p:cNvGrpSpPr/>
+        <p:nvPr/>
+      </p:nvGrpSpPr>
+      <p:grpSpPr>
+        <a:xfrm>
+          <a:off x="0" y="0"/>
+          <a:ext cx="0" cy="0"/>
+          <a:chOff x="0" y="0"/>
+          <a:chExt cx="0" cy="0"/>
+        </a:xfrm>
+      </p:grpSpPr>
+      <p:sp>
+        <p:nvSpPr>
+          <p:cNvPr id="2" name="Title 1"/>
+          <p:cNvSpPr>
+            <a:spLocks noGrp="1"/>
+          </p:cNvSpPr>
+          <p:nvPr>
+            <p:ph type="title"/>
+          </p:nvPr>
+        </p:nvSpPr>
+        <p:spPr/>
+        <p:txBody>
+          <a:bodyPr/>
+          <a:lstStyle/>
+          <a:p>
+            <a:r>
+              <a:rPr lang="en-GB" b="1" dirty="0"/>
+              <a:t>Introducing WIREMOCK…</a:t>
+            </a:r>
+            <a:endParaRPr lang="en-GB" dirty="0"/>
+          </a:p>
+        </p:txBody>
+      </p:sp>
+      <p:sp>
+        <p:nvSpPr>
+          <p:cNvPr id="3" name="Content Placeholder 2"/>
+          <p:cNvSpPr>
+            <a:spLocks noGrp="1"/>
+          </p:cNvSpPr>
+          <p:nvPr>
+            <p:ph idx="1"/>
+          </p:nvPr>
+        </p:nvSpPr>
+        <p:spPr>
+          <a:xfrm>
+            <a:off x="5369770" y="3115201"/>
+            <a:ext cx="5060984" cy="1462568"/>
+          </a:xfrm>
+        </p:spPr>
+        <p:txBody>
+          <a:bodyPr>
+            <a:normAutofit fontScale="77500" lnSpcReduction="20000"/>
+          </a:bodyPr>
+          <a:lstStyle/>
+          <a:p>
+            <a:pPr marL="0" indent="0" fontAlgn="ctr">
+              <a:buNone/>
+            </a:pPr>
+            <a:r>
+              <a:rPr lang="en-GB" dirty="0"/>
+              <a:t>Created by Tom </a:t>
+            </a:r>
+            <a:r>
+              <a:rPr lang="en-GB" dirty="0" err="1"/>
+              <a:t>Akehurst</a:t>
+            </a:r>
+            <a:r>
+              <a:rPr lang="en-GB" dirty="0"/>
+              <a:t> in 2011</a:t>
+            </a:r>
+          </a:p>
+          <a:p>
+            <a:pPr marL="0" indent="0" fontAlgn="ctr">
+              <a:lnSpc>
+                <a:spcPct val="100000"/>
+              </a:lnSpc>
+              <a:buNone/>
+            </a:pPr>
+            <a:r>
+              <a:rPr lang="en-GB" dirty="0"/>
+              <a:t>Version 2.1.12</a:t>
+            </a:r>
+          </a:p>
+          <a:p>
+            <a:pPr marL="0" indent="0" fontAlgn="ctr">
+              <a:buNone/>
+            </a:pPr>
+            <a:r>
+              <a:rPr lang="en-GB" dirty="0">
+                <a:hlinkClick r:id="rId3"/>
+              </a:rPr>
+              <a:t>http://wiremock.org/</a:t>
+            </a:r>
+            <a:endParaRPr lang="en-GB" dirty="0"/>
+          </a:p>
+          <a:p>
+            <a:pPr marL="0" indent="0" fontAlgn="ctr">
+              <a:buNone/>
+            </a:pPr>
+            <a:r>
+              <a:rPr lang="en-GB" dirty="0">
+                <a:hlinkClick r:id="rId4"/>
+              </a:rPr>
+              <a:t>https://github.com/tomakehurst/wiremock</a:t>
+            </a:r>
+            <a:r>
+              <a:rPr lang="en-GB" dirty="0"/>
+              <a:t> </a:t>
+            </a:r>
+          </a:p>
+          <a:p>
+            <a:pPr marL="0" indent="0" fontAlgn="ctr">
+              <a:buNone/>
+            </a:pPr>
+            <a:endParaRPr lang="en-GB" dirty="0"/>
+          </a:p>
+          <a:p>
+            <a:pPr marL="0" indent="0" fontAlgn="ctr">
+              <a:buNone/>
+            </a:pPr>
+            <a:endParaRPr lang="en-GB" dirty="0"/>
+          </a:p>
+          <a:p>
+            <a:pPr marL="0" indent="0">
+              <a:buNone/>
+            </a:pPr>
+            <a:endParaRPr lang="en-GB" dirty="0"/>
+          </a:p>
+        </p:txBody>
+      </p:sp>
+      <p:pic>
+        <p:nvPicPr>
+          <p:cNvPr id="8" name="Picture 4" descr="http://wiremock.org/images/wiremock-concept-icon-01.png"/>
+          <p:cNvPicPr>
+            <a:picLocks noChangeAspect="1" noChangeArrowheads="1"/>
+          </p:cNvPicPr>
+          <p:nvPr/>
+        </p:nvPicPr>
+        <p:blipFill>
+          <a:blip r:embed="rId5">
+            <a:extLst>
+              <a:ext uri="{28A0092B-C50C-407E-A947-70E740481C1C}">
+                <a14:useLocalDpi xmlns:a14="http://schemas.microsoft.com/office/drawing/2010/main" val="0"/>
+              </a:ext>
+            </a:extLst>
+          </a:blip>
+          <a:srcRect/>
+          <a:stretch>
+            <a:fillRect/>
+          </a:stretch>
+        </p:blipFill>
+        <p:spPr bwMode="auto">
+          <a:xfrm>
+            <a:off x="2635333" y="3322610"/>
+            <a:ext cx="2295525" cy="1047750"/>
+          </a:xfrm>
+          <a:prstGeom prst="rect">
+            <a:avLst/>
+          </a:prstGeom>
+          <a:noFill/>
+          <a:effectLst>
+            <a:glow rad="139700">
+              <a:schemeClr val="bg1">
+                <a:alpha val="40000"/>
+              </a:schemeClr>
+            </a:glow>
+          </a:effectLst>
+          <a:extLst>
+            <a:ext uri="{909E8E84-426E-40DD-AFC4-6F175D3DCCD1}">
+              <a14:hiddenFill xmlns:a14="http://schemas.microsoft.com/office/drawing/2010/main">
+                <a:solidFill>
+                  <a:srgbClr val="FFFFFF"/>
+                </a:solidFill>
+              </a14:hiddenFill>
+            </a:ext>
+          </a:extLst>
+        </p:spPr>
+      </p:pic>
+    </p:spTree>
+    <p:extLst>
+      <p:ext uri="{BB962C8B-B14F-4D97-AF65-F5344CB8AC3E}">
+        <p14:creationId xmlns:p14="http://schemas.microsoft.com/office/powerpoint/2010/main" val="2059254483"/>
+      </p:ext>
+    </p:extLst>
+  </p:cSld>
+  <p:clrMapOvr>
+    <a:masterClrMapping/>
+  </p:clrMapOvr>
+  <p:timing>
+    <p:tnLst>
+      <p:par>
+        <p:cTn id="1" dur="indefinite" restart="never" nodeType="tmRoot">
+          <p:childTnLst>
+            <p:seq concurrent="1" nextAc="seek">
+              <p:cTn id="2" dur="indefinite" nodeType="mainSeq">
+                <p:childTnLst>
+                  <p:par>
+                    <p:cTn id="3" fill="hold">
+                      <p:stCondLst>
+                        <p:cond delay="indefinite"/>
+                        <p:cond evt="onBegin" delay="0">
+                          <p:tn val="2"/>
+                        </p:cond>
+                      </p:stCondLst>
+                      <p:childTnLst>
+                        <p:par>
+                          <p:cTn id="4" fill="hold">
+                            <p:stCondLst>
+                              <p:cond delay="0"/>
+                            </p:stCondLst>
+                            <p:childTnLst>
+                              <p:par>
+                                <p:cTn id="5" presetID="10" presetClass="entr" presetSubtype="0" fill="hold" nodeType="afterEffect">
+                                  <p:stCondLst>
+                                    <p:cond delay="250"/>
+                                  </p:stCondLst>
+                                  <p:childTnLst>
+                                    <p:set>
+                                      <p:cBhvr>
+                                        <p:cTn id="6" dur="1" fill="hold">
+                                          <p:stCondLst>
+                                            <p:cond delay="0"/>
+                                          </p:stCondLst>
+                                        </p:cTn>
+                                        <p:tgtEl>
+                                          <p:spTgt spid="8"/>
+                                        </p:tgtEl>
+                                        <p:attrNameLst>
+                                          <p:attrName>style.visibility</p:attrName>
+                                        </p:attrNameLst>
+                                      </p:cBhvr>
+                                      <p:to>
+                                        <p:strVal val="visible"/>
+                                      </p:to>
+                                    </p:set>
+                                    <p:animEffect transition="in" filter="fade">
+                                      <p:cBhvr>
+                                        <p:cTn id="7" dur="500"/>
+                                        <p:tgtEl>
+                                          <p:spTgt spid="8"/>
+                                        </p:tgtEl>
+                                      </p:cBhvr>
+                                    </p:animEffect>
+                                  </p:childTnLst>
+                                </p:cTn>
+                              </p:par>
+                            </p:childTnLst>
+                          </p:cTn>
+                        </p:par>
+                        <p:par>
+                          <p:cTn id="8" fill="hold">
+                            <p:stCondLst>
+                              <p:cond delay="750"/>
+                            </p:stCondLst>
+                            <p:childTnLst>
+                              <p:par>
+                                <p:cTn id="9" presetID="10" presetClass="entr" presetSubtype="0" fill="hold" grpId="0" nodeType="afterEffect">
+                                  <p:stCondLst>
+                                    <p:cond delay="250"/>
+                                  </p:stCondLst>
+                                  <p:childTnLst>
+                                    <p:set>
+                                      <p:cBhvr>
+                                        <p:cTn id="10" dur="1" fill="hold">
+                                          <p:stCondLst>
+                                            <p:cond delay="0"/>
+                                          </p:stCondLst>
+                                        </p:cTn>
+                                        <p:tgtEl>
+                                          <p:spTgt spid="3">
+                                            <p:txEl>
+                                              <p:pRg st="0" end="0"/>
+                                            </p:txEl>
+                                          </p:spTgt>
+                                        </p:tgtEl>
+                                        <p:attrNameLst>
+                                          <p:attrName>style.visibility</p:attrName>
+                                        </p:attrNameLst>
+                                      </p:cBhvr>
+                                      <p:to>
+                                        <p:strVal val="visible"/>
+                                      </p:to>
+                                    </p:set>
+                                    <p:animEffect transition="in" filter="fade">
+                                      <p:cBhvr>
+                                        <p:cTn id="11" dur="500"/>
+                                        <p:tgtEl>
+                                          <p:spTgt spid="3">
+                                            <p:txEl>
+                                              <p:pRg st="0" end="0"/>
+                                            </p:txEl>
+                                          </p:spTgt>
+                                        </p:tgtEl>
+                                      </p:cBhvr>
+                                    </p:animEffect>
+                                  </p:childTnLst>
+                                </p:cTn>
+                              </p:par>
+                            </p:childTnLst>
+                          </p:cTn>
+                        </p:par>
+                        <p:par>
+                          <p:cTn id="12" fill="hold">
+                            <p:stCondLst>
+                              <p:cond delay="1500"/>
+                            </p:stCondLst>
+                            <p:childTnLst>
+                              <p:par>
+                                <p:cTn id="13" presetID="10" presetClass="entr" presetSubtype="0" fill="hold" grpId="0" nodeType="afterEffect">
+                                  <p:stCondLst>
+                                    <p:cond delay="250"/>
+                                  </p:stCondLst>
+                                  <p:childTnLst>
+                                    <p:set>
+                                      <p:cBhvr>
+                                        <p:cTn id="14" dur="1" fill="hold">
+                                          <p:stCondLst>
+                                            <p:cond delay="0"/>
+                                          </p:stCondLst>
+                                        </p:cTn>
+                                        <p:tgtEl>
+                                          <p:spTgt spid="3">
+                                            <p:txEl>
+                                              <p:pRg st="1" end="1"/>
+                                            </p:txEl>
+                                          </p:spTgt>
+                                        </p:tgtEl>
+                                        <p:attrNameLst>
+                                          <p:attrName>style.visibility</p:attrName>
+                                        </p:attrNameLst>
+                                      </p:cBhvr>
+                                      <p:to>
+                                        <p:strVal val="visible"/>
+                                      </p:to>
+                                    </p:set>
+                                    <p:animEffect transition="in" filter="fade">
+                                      <p:cBhvr>
+                                        <p:cTn id="15" dur="500"/>
+                                        <p:tgtEl>
+                                          <p:spTgt spid="3">
+                                            <p:txEl>
+                                              <p:pRg st="1" end="1"/>
+                                            </p:txEl>
+                                          </p:spTgt>
+                                        </p:tgtEl>
+                                      </p:cBhvr>
+                                    </p:animEffect>
+                                  </p:childTnLst>
+                                </p:cTn>
+                              </p:par>
+                            </p:childTnLst>
+                          </p:cTn>
+                        </p:par>
+                        <p:par>
+                          <p:cTn id="16" fill="hold">
+                            <p:stCondLst>
+                              <p:cond delay="2250"/>
+                            </p:stCondLst>
+                            <p:childTnLst>
+                              <p:par>
+                                <p:cTn id="17" presetID="10" presetClass="entr" presetSubtype="0" fill="hold" grpId="0" nodeType="afterEffect">
+                                  <p:stCondLst>
+                                    <p:cond delay="250"/>
+                                  </p:stCondLst>
+                                  <p:childTnLst>
+                                    <p:set>
+                                      <p:cBhvr>
+                                        <p:cTn id="18" dur="1" fill="hold">
+                                          <p:stCondLst>
+                                            <p:cond delay="0"/>
+                                          </p:stCondLst>
+                                        </p:cTn>
+                                        <p:tgtEl>
+                                          <p:spTgt spid="3">
+                                            <p:txEl>
+                                              <p:pRg st="2" end="2"/>
+                                            </p:txEl>
+                                          </p:spTgt>
+                                        </p:tgtEl>
+                                        <p:attrNameLst>
+                                          <p:attrName>style.visibility</p:attrName>
+                                        </p:attrNameLst>
+                                      </p:cBhvr>
+                                      <p:to>
+                                        <p:strVal val="visible"/>
+                                      </p:to>
+                                    </p:set>
+                                    <p:animEffect transition="in" filter="fade">
+                                      <p:cBhvr>
+                                        <p:cTn id="19" dur="500"/>
+                                        <p:tgtEl>
+                                          <p:spTgt spid="3">
+                                            <p:txEl>
+                                              <p:pRg st="2" end="2"/>
+                                            </p:txEl>
+                                          </p:spTgt>
+                                        </p:tgtEl>
+                                      </p:cBhvr>
+                                    </p:animEffect>
+                                  </p:childTnLst>
+                                </p:cTn>
+                              </p:par>
+                            </p:childTnLst>
+                          </p:cTn>
+                        </p:par>
+                        <p:par>
+                          <p:cTn id="20" fill="hold">
+                            <p:stCondLst>
+                              <p:cond delay="3000"/>
+                            </p:stCondLst>
+                            <p:childTnLst>
+                              <p:par>
+                                <p:cTn id="21" presetID="10" presetClass="entr" presetSubtype="0" fill="hold" grpId="0" nodeType="afterEffect">
+                                  <p:stCondLst>
+                                    <p:cond delay="250"/>
+                                  </p:stCondLst>
+                                  <p:childTnLst>
+                                    <p:set>
+                                      <p:cBhvr>
+                                        <p:cTn id="22" dur="1" fill="hold">
+                                          <p:stCondLst>
+                                            <p:cond delay="0"/>
+                                          </p:stCondLst>
+                                        </p:cTn>
+                                        <p:tgtEl>
+                                          <p:spTgt spid="3">
+                                            <p:txEl>
+                                              <p:pRg st="3" end="3"/>
+                                            </p:txEl>
+                                          </p:spTgt>
+                                        </p:tgtEl>
+                                        <p:attrNameLst>
+                                          <p:attrName>style.visibility</p:attrName>
+                                        </p:attrNameLst>
+                                      </p:cBhvr>
+                                      <p:to>
+                                        <p:strVal val="visible"/>
+                                      </p:to>
+                                    </p:set>
+                                    <p:animEffect transition="in" filter="fade">
+                                      <p:cBhvr>
+                                        <p:cTn id="23" dur="500"/>
+                                        <p:tgtEl>
+                                          <p:spTgt spid="3">
+                                            <p:txEl>
+                                              <p:pRg st="3" end="3"/>
+                                            </p:txEl>
+                                          </p:spTgt>
+                                        </p:tgtEl>
+                                      </p:cBhvr>
+                                    </p:animEffect>
+                                  </p:childTnLst>
+                                </p:cTn>
+                              </p:par>
+                            </p:childTnLst>
+                          </p:cTn>
+                        </p:par>
+                      </p:childTnLst>
+                    </p:cTn>
+                  </p:par>
+                </p:childTnLst>
+              </p:cTn>
+              <p:prevCondLst>
+                <p:cond evt="onPrev" delay="0">
+                  <p:tgtEl>
+                    <p:sldTgt/>
+                  </p:tgtEl>
+                </p:cond>
+              </p:prevCondLst>
+              <p:nextCondLst>
+                <p:cond evt="onNext" delay="0">
+                  <p:tgtEl>
+                    <p:sldTgt/>
+                  </p:tgtEl>
+                </p:cond>
+              </p:nextCondLst>
+            </p:seq>
+          </p:childTnLst>
+        </p:cTn>
+      </p:par>
+    </p:tnLst>
+    <p:bldLst>
+      <p:bldP spid="3" grpId="0" build="p"/>
+    </p:bldLst>
+  </p:timing>
+</p:sld>
+</file>
+
+<file path=ppt/slides/slide9.xml><?xml version="1.0" encoding="utf-8"?>
+<p:sld xmlns:a="http://schemas.openxmlformats.org/drawingml/2006/main" xmlns:r="http://schemas.openxmlformats.org/officeDocument/2006/relationships" xmlns:p="http://schemas.openxmlformats.org/presentationml/2006/main">
+  <p:cSld>
+    <p:spTree>
+      <p:nvGrpSpPr>
+        <p:cNvPr id="1" name=""/>
+        <p:cNvGrpSpPr/>
+        <p:nvPr/>
+      </p:nvGrpSpPr>
+      <p:grpSpPr>
+        <a:xfrm>
+          <a:off x="0" y="0"/>
+          <a:ext cx="0" cy="0"/>
+          <a:chOff x="0" y="0"/>
+          <a:chExt cx="0" cy="0"/>
+        </a:xfrm>
+      </p:grpSpPr>
+      <p:sp>
+        <p:nvSpPr>
+          <p:cNvPr id="2" name="Title 1"/>
+          <p:cNvSpPr>
+            <a:spLocks noGrp="1"/>
+          </p:cNvSpPr>
+          <p:nvPr>
+            <p:ph type="title"/>
+          </p:nvPr>
+        </p:nvSpPr>
+        <p:spPr>
+          <a:xfrm>
+            <a:off x="3694176" y="284176"/>
+            <a:ext cx="7292822" cy="1508760"/>
+          </a:xfrm>
+        </p:spPr>
+        <p:txBody>
+          <a:bodyPr/>
+          <a:lstStyle/>
+          <a:p>
+            <a:r>
+              <a:rPr lang="en-GB" b="1" dirty="0"/>
+              <a:t>deployment</a:t>
+            </a:r>
+          </a:p>
+        </p:txBody>
+      </p:sp>
+      <p:sp>
+        <p:nvSpPr>
+          <p:cNvPr id="4" name="Content Placeholder 2"/>
+          <p:cNvSpPr txBox="1">
+            <a:spLocks/>
+          </p:cNvSpPr>
+          <p:nvPr/>
+        </p:nvSpPr>
+        <p:spPr>
+          <a:xfrm>
+            <a:off x="6094959" y="2011680"/>
+            <a:ext cx="3815130" cy="2776654"/>
+          </a:xfrm>
+          <a:prstGeom prst="rect">
+            <a:avLst/>
+          </a:prstGeom>
+        </p:spPr>
+        <p:txBody>
+          <a:bodyPr vert="horz" lIns="91440" tIns="45720" rIns="91440" bIns="45720" rtlCol="0">
+            <a:normAutofit/>
+          </a:bodyPr>
+          <a:lstStyle>
+            <a:lvl1pPr marL="182880" indent="-182880" algn="l" defTabSz="914400" rtl="0" eaLnBrk="1" latinLnBrk="0" hangingPunct="1">
+              <a:lnSpc>
+                <a:spcPct val="90000"/>
+              </a:lnSpc>
+              <a:spcBef>
+                <a:spcPts val="1200"/>
+              </a:spcBef>
+              <a:spcAft>
+                <a:spcPts val="200"/>
+              </a:spcAft>
+              <a:buClr>
+                <a:schemeClr val="tx1"/>
+              </a:buClr>
+              <a:buFont typeface="Wingdings" pitchFamily="2" charset="2"/>
+              <a:buChar char=""/>
+              <a:defRPr sz="2200" kern="1200">
+                <a:solidFill>
+                  <a:schemeClr val="tx1"/>
+                </a:solidFill>
+                <a:latin typeface="+mn-lt"/>
+                <a:ea typeface="+mn-ea"/>
+                <a:cs typeface="+mn-cs"/>
+              </a:defRPr>
+            </a:lvl1pPr>
+            <a:lvl2pPr marL="411480" indent="-182880" algn="l" defTabSz="914400" rtl="0" eaLnBrk="1" latinLnBrk="0" hangingPunct="1">
+              <a:lnSpc>
+                <a:spcPct val="90000"/>
+              </a:lnSpc>
+              <a:spcBef>
+                <a:spcPts val="200"/>
+              </a:spcBef>
+              <a:spcAft>
+                <a:spcPts val="400"/>
+              </a:spcAft>
+              <a:buClr>
+                <a:schemeClr val="tx1"/>
+              </a:buClr>
+              <a:buFont typeface="Wingdings" pitchFamily="2" charset="2"/>
+              <a:buChar char=""/>
+              <a:defRPr sz="2000" kern="1200">
+                <a:solidFill>
+                  <a:schemeClr val="tx1"/>
+                </a:solidFill>
+                <a:latin typeface="+mn-lt"/>
+                <a:ea typeface="+mn-ea"/>
+                <a:cs typeface="+mn-cs"/>
+              </a:defRPr>
+            </a:lvl2pPr>
+            <a:lvl3pPr marL="640080" indent="-182880" algn="l" defTabSz="914400" rtl="0" eaLnBrk="1" latinLnBrk="0" hangingPunct="1">
+              <a:lnSpc>
+                <a:spcPct val="90000"/>
+              </a:lnSpc>
+              <a:spcBef>
+                <a:spcPts val="200"/>
+              </a:spcBef>
+              <a:spcAft>
+                <a:spcPts val="400"/>
+              </a:spcAft>
+              <a:buClr>
+                <a:schemeClr val="tx1"/>
+              </a:buClr>
+              <a:buFont typeface="Wingdings" pitchFamily="2" charset="2"/>
+              <a:buChar char=""/>
+              <a:defRPr sz="1800" kern="1200">
+                <a:solidFill>
+                  <a:schemeClr val="tx1"/>
+                </a:solidFill>
+                <a:latin typeface="+mn-lt"/>
+                <a:ea typeface="+mn-ea"/>
+                <a:cs typeface="+mn-cs"/>
+              </a:defRPr>
+            </a:lvl3pPr>
+            <a:lvl4pPr marL="868680" indent="-182880" algn="l" defTabSz="914400" rtl="0" eaLnBrk="1" latinLnBrk="0" hangingPunct="1">
+              <a:lnSpc>
+                <a:spcPct val="90000"/>
+              </a:lnSpc>
+              <a:spcBef>
+                <a:spcPts val="200"/>
+              </a:spcBef>
+              <a:spcAft>
+                <a:spcPts val="400"/>
+              </a:spcAft>
+              <a:buClr>
+                <a:schemeClr val="tx1"/>
+              </a:buClr>
+              <a:buFont typeface="Wingdings" pitchFamily="2" charset="2"/>
+              <a:buChar char=""/>
+              <a:defRPr sz="1600" kern="1200">
+                <a:solidFill>
+                  <a:schemeClr val="tx1"/>
+                </a:solidFill>
+                <a:latin typeface="+mn-lt"/>
+                <a:ea typeface="+mn-ea"/>
+                <a:cs typeface="+mn-cs"/>
+              </a:defRPr>
+            </a:lvl4pPr>
+            <a:lvl5pPr marL="1097280" indent="-182880" algn="l" defTabSz="914400" rtl="0" eaLnBrk="1" latinLnBrk="0" hangingPunct="1">
+              <a:lnSpc>
+                <a:spcPct val="90000"/>
+              </a:lnSpc>
+              <a:spcBef>
+                <a:spcPts val="200"/>
+              </a:spcBef>
+              <a:spcAft>
+                <a:spcPts val="400"/>
+              </a:spcAft>
+              <a:buClr>
+                <a:schemeClr val="tx1"/>
+              </a:buClr>
+              <a:buFont typeface="Wingdings" pitchFamily="2" charset="2"/>
+              <a:buChar char=""/>
+              <a:defRPr sz="1600" kern="1200">
+                <a:solidFill>
+                  <a:schemeClr val="tx1"/>
+                </a:solidFill>
+                <a:latin typeface="+mn-lt"/>
+                <a:ea typeface="+mn-ea"/>
+                <a:cs typeface="+mn-cs"/>
+              </a:defRPr>
+            </a:lvl5pPr>
+            <a:lvl6pPr marL="1284600" indent="-228600" algn="l" defTabSz="914400" rtl="0" eaLnBrk="1" latinLnBrk="0" hangingPunct="1">
+              <a:lnSpc>
+                <a:spcPct val="90000"/>
+              </a:lnSpc>
+              <a:spcBef>
+                <a:spcPts val="200"/>
+              </a:spcBef>
+              <a:spcAft>
+                <a:spcPts val="400"/>
+              </a:spcAft>
+              <a:buClr>
+                <a:schemeClr val="tx1"/>
+              </a:buClr>
+              <a:buFont typeface="Wingdings" pitchFamily="2" charset="2"/>
+              <a:buChar char=""/>
+              <a:defRPr sz="1600" kern="1200">
+                <a:solidFill>
+                  <a:schemeClr val="tx1"/>
+                </a:solidFill>
+                <a:latin typeface="+mn-lt"/>
+                <a:ea typeface="+mn-ea"/>
+                <a:cs typeface="+mn-cs"/>
+              </a:defRPr>
+            </a:lvl6pPr>
+            <a:lvl7pPr marL="1471800" indent="-228600" algn="l" defTabSz="914400" rtl="0" eaLnBrk="1" latinLnBrk="0" hangingPunct="1">
+              <a:lnSpc>
+                <a:spcPct val="90000"/>
+              </a:lnSpc>
+              <a:spcBef>
+                <a:spcPts val="200"/>
+              </a:spcBef>
+              <a:spcAft>
+                <a:spcPts val="400"/>
+              </a:spcAft>
+              <a:buClr>
+                <a:schemeClr val="tx1"/>
+              </a:buClr>
+              <a:buFont typeface="Wingdings" pitchFamily="2" charset="2"/>
+              <a:buChar char=""/>
+              <a:defRPr sz="1600" kern="1200">
+                <a:solidFill>
+                  <a:schemeClr val="tx1"/>
+                </a:solidFill>
+                <a:latin typeface="+mn-lt"/>
+                <a:ea typeface="+mn-ea"/>
+                <a:cs typeface="+mn-cs"/>
+              </a:defRPr>
+            </a:lvl7pPr>
+            <a:lvl8pPr marL="1629000" indent="-228600" algn="l" defTabSz="914400" rtl="0" eaLnBrk="1" latinLnBrk="0" hangingPunct="1">
+              <a:lnSpc>
+                <a:spcPct val="90000"/>
+              </a:lnSpc>
+              <a:spcBef>
+                <a:spcPts val="200"/>
+              </a:spcBef>
+              <a:spcAft>
+                <a:spcPts val="400"/>
+              </a:spcAft>
+              <a:buClr>
+                <a:schemeClr val="tx1"/>
+              </a:buClr>
+              <a:buFont typeface="Wingdings" pitchFamily="2" charset="2"/>
+              <a:buChar char=""/>
+              <a:defRPr sz="1600" kern="1200">
+                <a:solidFill>
+                  <a:schemeClr val="tx1"/>
+                </a:solidFill>
+                <a:latin typeface="+mn-lt"/>
+                <a:ea typeface="+mn-ea"/>
+                <a:cs typeface="+mn-cs"/>
+              </a:defRPr>
+            </a:lvl8pPr>
+            <a:lvl9pPr marL="1806200" indent="-228600" algn="l" defTabSz="914400" rtl="0" eaLnBrk="1" latinLnBrk="0" hangingPunct="1">
+              <a:lnSpc>
+                <a:spcPct val="90000"/>
+              </a:lnSpc>
+              <a:spcBef>
+                <a:spcPts val="200"/>
+              </a:spcBef>
+              <a:spcAft>
+                <a:spcPts val="400"/>
+              </a:spcAft>
+              <a:buClr>
+                <a:schemeClr val="tx1"/>
+              </a:buClr>
+              <a:buFont typeface="Wingdings" pitchFamily="2" charset="2"/>
+              <a:buChar char=""/>
+              <a:defRPr sz="1600" kern="1200">
+                <a:solidFill>
+                  <a:schemeClr val="tx1"/>
+                </a:solidFill>
+                <a:latin typeface="+mn-lt"/>
+                <a:ea typeface="+mn-ea"/>
+                <a:cs typeface="+mn-cs"/>
+              </a:defRPr>
+            </a:lvl9pPr>
+          </a:lstStyle>
+          <a:p>
+            <a:pPr marL="0" indent="0" fontAlgn="ctr">
+              <a:buFont typeface="Wingdings" pitchFamily="2" charset="2"/>
+              <a:buNone/>
+            </a:pPr>
+            <a:endParaRPr lang="en-GB" sz="2400" dirty="0"/>
+          </a:p>
+        </p:txBody>
+      </p:sp>
+      <p:pic>
+        <p:nvPicPr>
+          <p:cNvPr id="8194" name="Picture 2" descr="Tomcat Home"/>
+          <p:cNvPicPr>
+            <a:picLocks noChangeAspect="1" noChangeArrowheads="1"/>
+          </p:cNvPicPr>
+          <p:nvPr/>
+        </p:nvPicPr>
+        <p:blipFill>
+          <a:blip r:embed="rId3">
+            <a:extLst>
+              <a:ext uri="{28A0092B-C50C-407E-A947-70E740481C1C}">
+                <a14:useLocalDpi xmlns:a14="http://schemas.microsoft.com/office/drawing/2010/main" val="0"/>
+              </a:ext>
+            </a:extLst>
+          </a:blip>
+          <a:srcRect/>
+          <a:stretch>
+            <a:fillRect/>
+          </a:stretch>
+        </p:blipFill>
+        <p:spPr bwMode="auto">
+          <a:xfrm>
+            <a:off x="3498444" y="3202647"/>
+            <a:ext cx="1228725" cy="876300"/>
+          </a:xfrm>
+          <a:prstGeom prst="rect">
+            <a:avLst/>
+          </a:prstGeom>
+          <a:noFill/>
+          <a:effectLst>
+            <a:glow rad="101600">
+              <a:schemeClr val="accent3">
+                <a:satMod val="175000"/>
+                <a:alpha val="40000"/>
+              </a:schemeClr>
+            </a:glow>
+          </a:effectLst>
+          <a:extLst>
+            <a:ext uri="{909E8E84-426E-40DD-AFC4-6F175D3DCCD1}">
+              <a14:hiddenFill xmlns:a14="http://schemas.microsoft.com/office/drawing/2010/main">
+                <a:solidFill>
+                  <a:srgbClr val="FFFFFF"/>
+                </a:solidFill>
+              </a14:hiddenFill>
+            </a:ext>
+          </a:extLst>
+        </p:spPr>
+      </p:pic>
+      <p:pic>
+        <p:nvPicPr>
+          <p:cNvPr id="8202" name="Picture 10" descr="http://www.eclipse.org/jetty/images/jetty-logo-80x22.png"/>
+          <p:cNvPicPr>
+            <a:picLocks noChangeAspect="1" noChangeArrowheads="1"/>
+          </p:cNvPicPr>
+          <p:nvPr/>
+        </p:nvPicPr>
+        <p:blipFill>
+          <a:blip r:embed="rId4">
+            <a:extLst>
+              <a:ext uri="{28A0092B-C50C-407E-A947-70E740481C1C}">
+                <a14:useLocalDpi xmlns:a14="http://schemas.microsoft.com/office/drawing/2010/main" val="0"/>
+              </a:ext>
+            </a:extLst>
+          </a:blip>
+          <a:srcRect/>
+          <a:stretch>
+            <a:fillRect/>
+          </a:stretch>
+        </p:blipFill>
+        <p:spPr bwMode="auto">
+          <a:xfrm>
+            <a:off x="5208511" y="3259797"/>
+            <a:ext cx="2695575" cy="762000"/>
+          </a:xfrm>
+          <a:prstGeom prst="rect">
+            <a:avLst/>
+          </a:prstGeom>
+          <a:noFill/>
+          <a:effectLst>
+            <a:glow rad="101600">
+              <a:schemeClr val="accent3">
+                <a:satMod val="175000"/>
+                <a:alpha val="40000"/>
+              </a:schemeClr>
+            </a:glow>
+          </a:effectLst>
+          <a:extLst>
+            <a:ext uri="{909E8E84-426E-40DD-AFC4-6F175D3DCCD1}">
+              <a14:hiddenFill xmlns:a14="http://schemas.microsoft.com/office/drawing/2010/main">
+                <a:solidFill>
+                  <a:srgbClr val="FFFFFF"/>
+                </a:solidFill>
+              </a14:hiddenFill>
+            </a:ext>
+          </a:extLst>
+        </p:spPr>
+      </p:pic>
+      <p:pic>
+        <p:nvPicPr>
+          <p:cNvPr id="10" name="Picture 9"/>
+          <p:cNvPicPr>
+            <a:picLocks noChangeAspect="1"/>
+          </p:cNvPicPr>
+          <p:nvPr/>
+        </p:nvPicPr>
+        <p:blipFill>
+          <a:blip r:embed="rId5"/>
+          <a:stretch>
+            <a:fillRect/>
+          </a:stretch>
+        </p:blipFill>
+        <p:spPr>
+          <a:xfrm>
+            <a:off x="2708604" y="5638317"/>
+            <a:ext cx="6006314" cy="568262"/>
+          </a:xfrm>
+          <a:prstGeom prst="rect">
+            <a:avLst/>
+          </a:prstGeom>
+          <a:effectLst>
+            <a:glow rad="139700">
+              <a:schemeClr val="bg1">
+                <a:alpha val="40000"/>
+              </a:schemeClr>
+            </a:glow>
+            <a:softEdge rad="25400"/>
+          </a:effectLst>
+        </p:spPr>
+      </p:pic>
+      <p:pic>
+        <p:nvPicPr>
+          <p:cNvPr id="12" name="Picture 11"/>
+          <p:cNvPicPr>
+            <a:picLocks noChangeAspect="1"/>
+          </p:cNvPicPr>
+          <p:nvPr/>
+        </p:nvPicPr>
+        <p:blipFill>
+          <a:blip r:embed="rId6"/>
+          <a:stretch>
+            <a:fillRect/>
+          </a:stretch>
+        </p:blipFill>
+        <p:spPr>
+          <a:xfrm>
+            <a:off x="2533561" y="4588464"/>
+            <a:ext cx="6364237" cy="581632"/>
+          </a:xfrm>
+          <a:prstGeom prst="rect">
+            <a:avLst/>
+          </a:prstGeom>
+          <a:effectLst>
+            <a:glow rad="139700">
+              <a:schemeClr val="bg1">
+                <a:alpha val="40000"/>
+              </a:schemeClr>
+            </a:glow>
+            <a:softEdge rad="25400"/>
+          </a:effectLst>
+        </p:spPr>
+      </p:pic>
+      <p:pic>
+        <p:nvPicPr>
+          <p:cNvPr id="17" name="Picture 4" descr="http://wiremock.org/images/wiremock-concept-icon-01.png"/>
+          <p:cNvPicPr>
+            <a:picLocks noChangeAspect="1" noChangeArrowheads="1"/>
+          </p:cNvPicPr>
+          <p:nvPr/>
+        </p:nvPicPr>
+        <p:blipFill>
+          <a:blip r:embed="rId7">
+            <a:extLst>
+              <a:ext uri="{28A0092B-C50C-407E-A947-70E740481C1C}">
+                <a14:useLocalDpi xmlns:a14="http://schemas.microsoft.com/office/drawing/2010/main" val="0"/>
+              </a:ext>
+            </a:extLst>
+          </a:blip>
+          <a:srcRect/>
+          <a:stretch>
+            <a:fillRect/>
+          </a:stretch>
+        </p:blipFill>
+        <p:spPr bwMode="auto">
+          <a:xfrm>
+            <a:off x="1202919" y="514681"/>
+            <a:ext cx="2295525" cy="1047750"/>
+          </a:xfrm>
+          <a:prstGeom prst="rect">
+            <a:avLst/>
+          </a:prstGeom>
+          <a:noFill/>
+          <a:extLst>
+            <a:ext uri="{909E8E84-426E-40DD-AFC4-6F175D3DCCD1}">
+              <a14:hiddenFill xmlns:a14="http://schemas.microsoft.com/office/drawing/2010/main">
+                <a:solidFill>
+                  <a:srgbClr val="FFFFFF"/>
+                </a:solidFill>
+              </a14:hiddenFill>
+            </a:ext>
+          </a:extLst>
+        </p:spPr>
+      </p:pic>
+      <p:pic>
+        <p:nvPicPr>
+          <p:cNvPr id="3" name="Picture 2"/>
+          <p:cNvPicPr>
+            <a:picLocks noChangeAspect="1"/>
+          </p:cNvPicPr>
+          <p:nvPr/>
+        </p:nvPicPr>
+        <p:blipFill>
+          <a:blip r:embed="rId8"/>
+          <a:stretch>
+            <a:fillRect/>
+          </a:stretch>
+        </p:blipFill>
+        <p:spPr>
+          <a:xfrm>
+            <a:off x="2708604" y="2397614"/>
+            <a:ext cx="6162675" cy="361950"/>
+          </a:xfrm>
+          <a:prstGeom prst="rect">
+            <a:avLst/>
+          </a:prstGeom>
+          <a:effectLst>
+            <a:glow rad="139700">
+              <a:schemeClr val="bg1">
+                <a:alpha val="40000"/>
+              </a:schemeClr>
+            </a:glow>
+          </a:effectLst>
+        </p:spPr>
+      </p:pic>
+    </p:spTree>
+    <p:extLst>
+      <p:ext uri="{BB962C8B-B14F-4D97-AF65-F5344CB8AC3E}">
+        <p14:creationId xmlns:p14="http://schemas.microsoft.com/office/powerpoint/2010/main" val="2262832019"/>
+      </p:ext>
+    </p:extLst>
+  </p:cSld>
+  <p:clrMapOvr>
+    <a:masterClrMapping/>
+  </p:clrMapOvr>
+  <p:timing>
+    <p:tnLst>
+      <p:par>
+        <p:cTn id="1" dur="indefinite" restart="never" nodeType="tmRoot">
+          <p:childTnLst>
+            <p:seq concurrent="1" nextAc="seek">
+              <p:cTn id="2" dur="indefinite" nodeType="mainSeq">
+                <p:childTnLst>
+                  <p:par>
+                    <p:cTn id="3" fill="hold">
+                      <p:stCondLst>
+                        <p:cond delay="indefinite"/>
+                        <p:cond evt="onBegin" delay="0">
+                          <p:tn val="2"/>
+                        </p:cond>
+                      </p:stCondLst>
+                      <p:childTnLst>
+                        <p:par>
+                          <p:cTn id="4" fill="hold">
+                            <p:stCondLst>
+                              <p:cond delay="0"/>
+                            </p:stCondLst>
+                            <p:childTnLst>
+                              <p:par>
+                                <p:cTn id="5" presetID="10" presetClass="entr" presetSubtype="0" fill="hold" nodeType="afterEffect">
+                                  <p:stCondLst>
+                                    <p:cond delay="500"/>
+                                  </p:stCondLst>
+                                  <p:childTnLst>
+                                    <p:set>
+                                      <p:cBhvr>
+                                        <p:cTn id="6" dur="1" fill="hold">
+                                          <p:stCondLst>
+                                            <p:cond delay="0"/>
+                                          </p:stCondLst>
+                                        </p:cTn>
+                                        <p:tgtEl>
+                                          <p:spTgt spid="3"/>
+                                        </p:tgtEl>
+                                        <p:attrNameLst>
+                                          <p:attrName>style.visibility</p:attrName>
+                                        </p:attrNameLst>
+                                      </p:cBhvr>
+                                      <p:to>
+                                        <p:strVal val="visible"/>
+                                      </p:to>
+                                    </p:set>
+                                    <p:animEffect transition="in" filter="fade">
+                                      <p:cBhvr>
+                                        <p:cTn id="7" dur="500"/>
+                                        <p:tgtEl>
+                                          <p:spTgt spid="3"/>
+                                        </p:tgtEl>
+                                      </p:cBhvr>
+                                    </p:animEffect>
+                                  </p:childTnLst>
+                                </p:cTn>
+                              </p:par>
+                            </p:childTnLst>
+                          </p:cTn>
+                        </p:par>
+                        <p:par>
+                          <p:cTn id="8" fill="hold">
+                            <p:stCondLst>
+                              <p:cond delay="1000"/>
+                            </p:stCondLst>
+                            <p:childTnLst>
+                              <p:par>
+                                <p:cTn id="9" presetID="10" presetClass="entr" presetSubtype="0" fill="hold" nodeType="afterEffect">
+                                  <p:stCondLst>
+                                    <p:cond delay="500"/>
+                                  </p:stCondLst>
+                                  <p:childTnLst>
+                                    <p:set>
+                                      <p:cBhvr>
+                                        <p:cTn id="10" dur="1" fill="hold">
+                                          <p:stCondLst>
+                                            <p:cond delay="0"/>
+                                          </p:stCondLst>
+                                        </p:cTn>
+                                        <p:tgtEl>
+                                          <p:spTgt spid="8194"/>
+                                        </p:tgtEl>
+                                        <p:attrNameLst>
+                                          <p:attrName>style.visibility</p:attrName>
+                                        </p:attrNameLst>
+                                      </p:cBhvr>
+                                      <p:to>
+                                        <p:strVal val="visible"/>
+                                      </p:to>
+                                    </p:set>
+                                    <p:animEffect transition="in" filter="fade">
+                                      <p:cBhvr>
+                                        <p:cTn id="11" dur="500"/>
+                                        <p:tgtEl>
+                                          <p:spTgt spid="8194"/>
+                                        </p:tgtEl>
+                                      </p:cBhvr>
+                                    </p:animEffect>
+                                  </p:childTnLst>
+                                </p:cTn>
+                              </p:par>
+                            </p:childTnLst>
+                          </p:cTn>
+                        </p:par>
+                        <p:par>
+                          <p:cTn id="12" fill="hold">
+                            <p:stCondLst>
+                              <p:cond delay="2000"/>
+                            </p:stCondLst>
+                            <p:childTnLst>
+                              <p:par>
+                                <p:cTn id="13" presetID="10" presetClass="entr" presetSubtype="0" fill="hold" nodeType="afterEffect">
+                                  <p:stCondLst>
+                                    <p:cond delay="500"/>
+                                  </p:stCondLst>
+                                  <p:childTnLst>
+                                    <p:set>
+                                      <p:cBhvr>
+                                        <p:cTn id="14" dur="1" fill="hold">
+                                          <p:stCondLst>
+                                            <p:cond delay="0"/>
+                                          </p:stCondLst>
+                                        </p:cTn>
+                                        <p:tgtEl>
+                                          <p:spTgt spid="8202"/>
+                                        </p:tgtEl>
+                                        <p:attrNameLst>
+                                          <p:attrName>style.visibility</p:attrName>
+                                        </p:attrNameLst>
+                                      </p:cBhvr>
+                                      <p:to>
+                                        <p:strVal val="visible"/>
+                                      </p:to>
+                                    </p:set>
+                                    <p:animEffect transition="in" filter="fade">
+                                      <p:cBhvr>
+                                        <p:cTn id="15" dur="500"/>
+                                        <p:tgtEl>
+                                          <p:spTgt spid="8202"/>
+                                        </p:tgtEl>
+                                      </p:cBhvr>
+                                    </p:animEffect>
+                                  </p:childTnLst>
+                                </p:cTn>
+                              </p:par>
+                            </p:childTnLst>
+                          </p:cTn>
+                        </p:par>
+                        <p:par>
+                          <p:cTn id="16" fill="hold">
+                            <p:stCondLst>
+                              <p:cond delay="3000"/>
+                            </p:stCondLst>
+                            <p:childTnLst>
+                              <p:par>
+                                <p:cTn id="17" presetID="10" presetClass="entr" presetSubtype="0" fill="hold" nodeType="afterEffect">
+                                  <p:stCondLst>
+                                    <p:cond delay="500"/>
+                                  </p:stCondLst>
+                                  <p:childTnLst>
+                                    <p:set>
+                                      <p:cBhvr>
+                                        <p:cTn id="18" dur="1" fill="hold">
+                                          <p:stCondLst>
+                                            <p:cond delay="0"/>
+                                          </p:stCondLst>
+                                        </p:cTn>
+                                        <p:tgtEl>
+                                          <p:spTgt spid="12"/>
+                                        </p:tgtEl>
+                                        <p:attrNameLst>
+                                          <p:attrName>style.visibility</p:attrName>
+                                        </p:attrNameLst>
+                                      </p:cBhvr>
+                                      <p:to>
+                                        <p:strVal val="visible"/>
+                                      </p:to>
+                                    </p:set>
+                                    <p:animEffect transition="in" filter="fade">
+                                      <p:cBhvr>
+                                        <p:cTn id="19" dur="500"/>
+                                        <p:tgtEl>
+                                          <p:spTgt spid="12"/>
+                                        </p:tgtEl>
+                                      </p:cBhvr>
+                                    </p:animEffect>
+                                  </p:childTnLst>
+                                </p:cTn>
+                              </p:par>
+                            </p:childTnLst>
+                          </p:cTn>
+                        </p:par>
+                        <p:par>
+                          <p:cTn id="20" fill="hold">
+                            <p:stCondLst>
+                              <p:cond delay="4000"/>
+                            </p:stCondLst>
+                            <p:childTnLst>
+                              <p:par>
+                                <p:cTn id="21" presetID="10" presetClass="entr" presetSubtype="0" fill="hold" nodeType="afterEffect">
+                                  <p:stCondLst>
+                                    <p:cond delay="500"/>
+                                  </p:stCondLst>
+                                  <p:childTnLst>
+                                    <p:set>
+                                      <p:cBhvr>
+                                        <p:cTn id="22" dur="1" fill="hold">
+                                          <p:stCondLst>
+                                            <p:cond delay="0"/>
+                                          </p:stCondLst>
+                                        </p:cTn>
+                                        <p:tgtEl>
+                                          <p:spTgt spid="10"/>
+                                        </p:tgtEl>
+                                        <p:attrNameLst>
+                                          <p:attrName>style.visibility</p:attrName>
+                                        </p:attrNameLst>
+                                      </p:cBhvr>
+                                      <p:to>
+                                        <p:strVal val="visible"/>
+                                      </p:to>
+                                    </p:set>
+                                    <p:animEffect transition="in" filter="fade">
+                                      <p:cBhvr>
+                                        <p:cTn id="23" dur="500"/>
+                                        <p:tgtEl>
+                                          <p:spTgt spid="10"/>
+                                        </p:tgtEl>
+                                      </p:cBhvr>
+                                    </p:animEffect>
+                                  </p:childTnLst>
+                                </p:cTn>
+                              </p:par>
+                            </p:childTnLst>
+                          </p:cTn>
+                        </p:par>
+                      </p:childTnLst>
+                    </p:cTn>
+                  </p:par>
+                </p:childTnLst>
+              </p:cTn>
+              <p:prevCondLst>
+                <p:cond evt="onPrev" delay="0">
+                  <p:tgtEl>
+                    <p:sldTgt/>
+                  </p:tgtEl>
+                </p:cond>
+              </p:prevCondLst>
+              <p:nextCondLst>
+                <p:cond evt="onNext" delay="0">
+                  <p:tgtEl>
+                    <p:sldTgt/>
+                  </p:tgtEl>
+                </p:cond>
+              </p:nextCondLst>
+            </p:seq>
+          </p:childTnLst>
+        </p:cTn>
+      </p:par>
+    </p:tnLst>
   </p:timing>
 </p:sld>
 </file>

--- a/wiremock-slides.pptx
+++ b/wiremock-slides.pptx
@@ -209,7 +209,7 @@
           <a:p>
             <a:fld id="{FDC7A044-80D6-46C2-930D-F7E9591ABEB9}" type="datetimeFigureOut">
               <a:rPr lang="en-GB" smtClean="0"/>
-              <a:t>18/10/2016</a:t>
+              <a:t>19/10/2016</a:t>
             </a:fld>
             <a:endParaRPr lang="en-GB"/>
           </a:p>
@@ -2528,7 +2528,7 @@
           <a:p>
             <a:fld id="{86FCE54F-0372-4E4E-B527-70D6A14B2608}" type="datetimeFigureOut">
               <a:rPr lang="en-GB" smtClean="0"/>
-              <a:t>18/10/2016</a:t>
+              <a:t>19/10/2016</a:t>
             </a:fld>
             <a:endParaRPr lang="en-GB"/>
           </a:p>
@@ -2698,7 +2698,7 @@
           <a:p>
             <a:fld id="{86FCE54F-0372-4E4E-B527-70D6A14B2608}" type="datetimeFigureOut">
               <a:rPr lang="en-GB" smtClean="0"/>
-              <a:t>18/10/2016</a:t>
+              <a:t>19/10/2016</a:t>
             </a:fld>
             <a:endParaRPr lang="en-GB"/>
           </a:p>
@@ -2921,7 +2921,7 @@
           <a:p>
             <a:fld id="{86FCE54F-0372-4E4E-B527-70D6A14B2608}" type="datetimeFigureOut">
               <a:rPr lang="en-GB" smtClean="0"/>
-              <a:t>18/10/2016</a:t>
+              <a:t>19/10/2016</a:t>
             </a:fld>
             <a:endParaRPr lang="en-GB"/>
           </a:p>
@@ -3101,7 +3101,7 @@
           <a:p>
             <a:fld id="{86FCE54F-0372-4E4E-B527-70D6A14B2608}" type="datetimeFigureOut">
               <a:rPr lang="en-GB" smtClean="0"/>
-              <a:t>18/10/2016</a:t>
+              <a:t>19/10/2016</a:t>
             </a:fld>
             <a:endParaRPr lang="en-GB"/>
           </a:p>
@@ -3407,7 +3407,7 @@
           <a:p>
             <a:fld id="{86FCE54F-0372-4E4E-B527-70D6A14B2608}" type="datetimeFigureOut">
               <a:rPr lang="en-GB" smtClean="0"/>
-              <a:t>18/10/2016</a:t>
+              <a:t>19/10/2016</a:t>
             </a:fld>
             <a:endParaRPr lang="en-GB"/>
           </a:p>
@@ -3711,7 +3711,7 @@
           <a:p>
             <a:fld id="{86FCE54F-0372-4E4E-B527-70D6A14B2608}" type="datetimeFigureOut">
               <a:rPr lang="en-GB" smtClean="0"/>
-              <a:t>18/10/2016</a:t>
+              <a:t>19/10/2016</a:t>
             </a:fld>
             <a:endParaRPr lang="en-GB"/>
           </a:p>
@@ -4133,7 +4133,7 @@
           <a:p>
             <a:fld id="{86FCE54F-0372-4E4E-B527-70D6A14B2608}" type="datetimeFigureOut">
               <a:rPr lang="en-GB" smtClean="0"/>
-              <a:t>18/10/2016</a:t>
+              <a:t>19/10/2016</a:t>
             </a:fld>
             <a:endParaRPr lang="en-GB"/>
           </a:p>
@@ -4251,7 +4251,7 @@
           <a:p>
             <a:fld id="{86FCE54F-0372-4E4E-B527-70D6A14B2608}" type="datetimeFigureOut">
               <a:rPr lang="en-GB" smtClean="0"/>
-              <a:t>18/10/2016</a:t>
+              <a:t>19/10/2016</a:t>
             </a:fld>
             <a:endParaRPr lang="en-GB"/>
           </a:p>
@@ -4346,7 +4346,7 @@
           <a:p>
             <a:fld id="{86FCE54F-0372-4E4E-B527-70D6A14B2608}" type="datetimeFigureOut">
               <a:rPr lang="en-GB" smtClean="0"/>
-              <a:t>18/10/2016</a:t>
+              <a:t>19/10/2016</a:t>
             </a:fld>
             <a:endParaRPr lang="en-GB"/>
           </a:p>
@@ -4619,7 +4619,7 @@
           <a:p>
             <a:fld id="{86FCE54F-0372-4E4E-B527-70D6A14B2608}" type="datetimeFigureOut">
               <a:rPr lang="en-GB" smtClean="0"/>
-              <a:t>18/10/2016</a:t>
+              <a:t>19/10/2016</a:t>
             </a:fld>
             <a:endParaRPr lang="en-GB"/>
           </a:p>
@@ -4884,7 +4884,7 @@
           <a:p>
             <a:fld id="{86FCE54F-0372-4E4E-B527-70D6A14B2608}" type="datetimeFigureOut">
               <a:rPr lang="en-GB" smtClean="0"/>
-              <a:t>18/10/2016</a:t>
+              <a:t>19/10/2016</a:t>
             </a:fld>
             <a:endParaRPr lang="en-GB"/>
           </a:p>
@@ -5133,7 +5133,7 @@
           <a:p>
             <a:fld id="{86FCE54F-0372-4E4E-B527-70D6A14B2608}" type="datetimeFigureOut">
               <a:rPr lang="en-GB" smtClean="0"/>
-              <a:t>18/10/2016</a:t>
+              <a:t>19/10/2016</a:t>
             </a:fld>
             <a:endParaRPr lang="en-GB"/>
           </a:p>
@@ -5928,7 +5928,7 @@
                               <p:par>
                                 <p:cTn id="5" presetID="10" presetClass="entr" presetSubtype="0" fill="hold" grpId="0" nodeType="afterEffect">
                                   <p:stCondLst>
-                                    <p:cond delay="500"/>
+                                    <p:cond delay="250"/>
                                   </p:stCondLst>
                                   <p:childTnLst>
                                     <p:set>
@@ -5974,13 +5974,13 @@
                         <p:par>
                           <p:cTn id="8" fill="hold">
                             <p:stCondLst>
-                              <p:cond delay="1000"/>
+                              <p:cond delay="750"/>
                             </p:stCondLst>
                             <p:childTnLst>
                               <p:par>
                                 <p:cTn id="9" presetID="10" presetClass="entr" presetSubtype="0" fill="hold" grpId="0" nodeType="afterEffect">
                                   <p:stCondLst>
-                                    <p:cond delay="500"/>
+                                    <p:cond delay="250"/>
                                   </p:stCondLst>
                                   <p:childTnLst>
                                     <p:set>
@@ -6026,13 +6026,13 @@
                         <p:par>
                           <p:cTn id="12" fill="hold">
                             <p:stCondLst>
-                              <p:cond delay="2000"/>
+                              <p:cond delay="1500"/>
                             </p:stCondLst>
                             <p:childTnLst>
                               <p:par>
                                 <p:cTn id="13" presetID="10" presetClass="entr" presetSubtype="0" fill="hold" grpId="0" nodeType="afterEffect">
                                   <p:stCondLst>
-                                    <p:cond delay="500"/>
+                                    <p:cond delay="250"/>
                                   </p:stCondLst>
                                   <p:childTnLst>
                                     <p:set>
@@ -6078,13 +6078,13 @@
                         <p:par>
                           <p:cTn id="16" fill="hold">
                             <p:stCondLst>
-                              <p:cond delay="3000"/>
+                              <p:cond delay="2250"/>
                             </p:stCondLst>
                             <p:childTnLst>
                               <p:par>
                                 <p:cTn id="17" presetID="10" presetClass="entr" presetSubtype="0" fill="hold" grpId="0" nodeType="afterEffect">
                                   <p:stCondLst>
-                                    <p:cond delay="500"/>
+                                    <p:cond delay="250"/>
                                   </p:stCondLst>
                                   <p:childTnLst>
                                     <p:set>
@@ -6130,13 +6130,13 @@
                         <p:par>
                           <p:cTn id="20" fill="hold">
                             <p:stCondLst>
-                              <p:cond delay="4000"/>
+                              <p:cond delay="3000"/>
                             </p:stCondLst>
                             <p:childTnLst>
                               <p:par>
                                 <p:cTn id="21" presetID="10" presetClass="entr" presetSubtype="0" fill="hold" grpId="0" nodeType="afterEffect">
                                   <p:stCondLst>
-                                    <p:cond delay="500"/>
+                                    <p:cond delay="250"/>
                                   </p:stCondLst>
                                   <p:childTnLst>
                                     <p:set>
@@ -6182,13 +6182,13 @@
                         <p:par>
                           <p:cTn id="24" fill="hold">
                             <p:stCondLst>
-                              <p:cond delay="5000"/>
+                              <p:cond delay="3750"/>
                             </p:stCondLst>
                             <p:childTnLst>
                               <p:par>
                                 <p:cTn id="25" presetID="10" presetClass="entr" presetSubtype="0" fill="hold" grpId="0" nodeType="afterEffect">
                                   <p:stCondLst>
-                                    <p:cond delay="500"/>
+                                    <p:cond delay="250"/>
                                   </p:stCondLst>
                                   <p:childTnLst>
                                     <p:set>
@@ -6349,7 +6349,7 @@
       </p:pic>
       <p:pic>
         <p:nvPicPr>
-          <p:cNvPr id="5122" name="Picture 2" descr="ما مالهم u )A &#10;جع ) e &#10;٣rPب GC &#10;بهمعد &#10;«د 46* &#10;٣٥٤٥ "/>
+          <p:cNvPr id="1026" name="Picture 2" descr="٤٤٣ &#10;.8 &#10;٣ &#10;دها ٩sا &#10;ssoR€ecoc &#10;٦٦٣ 66T &#10;ها se٤ىى &#10;٣٩٥٧١o»e "/>
           <p:cNvPicPr>
             <a:picLocks noChangeAspect="1" noChangeArrowheads="1"/>
           </p:cNvPicPr>
@@ -6370,8 +6370,8 @@
         </p:blipFill>
         <p:spPr bwMode="auto">
           <a:xfrm>
-            <a:off x="3498444" y="2601172"/>
-            <a:ext cx="5182821" cy="3164634"/>
+            <a:off x="3498444" y="2488630"/>
+            <a:ext cx="4836664" cy="3648400"/>
           </a:xfrm>
           <a:prstGeom prst="rect">
             <a:avLst/>
@@ -6405,6 +6405,92 @@
   <p:clrMapOvr>
     <a:masterClrMapping/>
   </p:clrMapOvr>
+  <p:timing>
+    <p:tnLst>
+      <p:par>
+        <p:cTn id="1" dur="indefinite" restart="never" nodeType="tmRoot">
+          <p:childTnLst>
+            <p:seq concurrent="1" nextAc="seek">
+              <p:cTn id="2" dur="indefinite" nodeType="mainSeq">
+                <p:childTnLst>
+                  <p:par>
+                    <p:cTn id="3" fill="hold">
+                      <p:stCondLst>
+                        <p:cond delay="indefinite"/>
+                        <p:cond evt="onBegin" delay="0">
+                          <p:tn val="2"/>
+                        </p:cond>
+                      </p:stCondLst>
+                      <p:childTnLst>
+                        <p:par>
+                          <p:cTn id="4" fill="hold">
+                            <p:stCondLst>
+                              <p:cond delay="0"/>
+                            </p:stCondLst>
+                            <p:childTnLst>
+                              <p:par>
+                                <p:cTn id="5" presetID="10" presetClass="entr" presetSubtype="0" fill="hold" nodeType="afterEffect">
+                                  <p:stCondLst>
+                                    <p:cond delay="250"/>
+                                  </p:stCondLst>
+                                  <p:childTnLst>
+                                    <p:set>
+                                      <p:cBhvr>
+                                        <p:cTn id="6" dur="1" fill="hold">
+                                          <p:stCondLst>
+                                            <p:cond delay="0"/>
+                                          </p:stCondLst>
+                                        </p:cTn>
+                                        <p:tgtEl>
+                                          <p:spTgt spid="1026"/>
+                                        </p:tgtEl>
+                                        <p:attrNameLst>
+                                          <p:attrName>style.visibility</p:attrName>
+                                        </p:attrNameLst>
+                                      </p:cBhvr>
+                                      <p:to>
+                                        <p:strVal val="visible"/>
+                                      </p:to>
+                                    </p:set>
+                                    <p:animEffect transition="in" filter="fade">
+                                      <p:cBhvr>
+                                        <p:cTn id="7" dur="500"/>
+                                        <p:tgtEl>
+                                          <p:spTgt spid="1026"/>
+                                        </p:tgtEl>
+                                      </p:cBhvr>
+                                    </p:animEffect>
+                                  </p:childTnLst>
+                                </p:cTn>
+                              </p:par>
+                            </p:childTnLst>
+                          </p:cTn>
+                        </p:par>
+                      </p:childTnLst>
+                    </p:cTn>
+                  </p:par>
+                </p:childTnLst>
+              </p:cTn>
+              <p:prevCondLst>
+                <p:cond evt="onPrev" delay="0">
+                  <p:tgtEl>
+                    <p:sldTgt/>
+                  </p:tgtEl>
+                </p:cond>
+              </p:prevCondLst>
+              <p:nextCondLst>
+                <p:cond evt="onNext" delay="0">
+                  <p:tgtEl>
+                    <p:sldTgt/>
+                  </p:tgtEl>
+                </p:cond>
+              </p:nextCondLst>
+            </p:seq>
+          </p:childTnLst>
+        </p:cTn>
+      </p:par>
+    </p:tnLst>
+  </p:timing>
 </p:sld>
 </file>
 
@@ -6604,7 +6690,7 @@
                               <p:par>
                                 <p:cTn id="5" presetID="10" presetClass="entr" presetSubtype="0" fill="hold" nodeType="afterEffect">
                                   <p:stCondLst>
-                                    <p:cond delay="500"/>
+                                    <p:cond delay="250"/>
                                   </p:stCondLst>
                                   <p:childTnLst>
                                     <p:set>
@@ -6650,13 +6736,13 @@
                         <p:par>
                           <p:cTn id="8" fill="hold">
                             <p:stCondLst>
-                              <p:cond delay="1000"/>
+                              <p:cond delay="750"/>
                             </p:stCondLst>
                             <p:childTnLst>
                               <p:par>
                                 <p:cTn id="9" presetID="10" presetClass="entr" presetSubtype="0" fill="hold" nodeType="afterEffect">
                                   <p:stCondLst>
-                                    <p:cond delay="500"/>
+                                    <p:cond delay="250"/>
                                   </p:stCondLst>
                                   <p:childTnLst>
                                     <p:set>
@@ -6702,13 +6788,13 @@
                         <p:par>
                           <p:cTn id="12" fill="hold">
                             <p:stCondLst>
-                              <p:cond delay="2000"/>
+                              <p:cond delay="1500"/>
                             </p:stCondLst>
                             <p:childTnLst>
                               <p:par>
                                 <p:cTn id="13" presetID="10" presetClass="entr" presetSubtype="0" fill="hold" nodeType="afterEffect">
                                   <p:stCondLst>
-                                    <p:cond delay="500"/>
+                                    <p:cond delay="250"/>
                                   </p:stCondLst>
                                   <p:childTnLst>
                                     <p:set>
@@ -6754,13 +6840,13 @@
                         <p:par>
                           <p:cTn id="16" fill="hold">
                             <p:stCondLst>
-                              <p:cond delay="3000"/>
+                              <p:cond delay="2250"/>
                             </p:stCondLst>
                             <p:childTnLst>
                               <p:par>
                                 <p:cTn id="17" presetID="10" presetClass="entr" presetSubtype="0" fill="hold" nodeType="afterEffect">
                                   <p:stCondLst>
-                                    <p:cond delay="500"/>
+                                    <p:cond delay="250"/>
                                   </p:stCondLst>
                                   <p:childTnLst>
                                     <p:set>
@@ -6998,7 +7084,7 @@
                               <p:par>
                                 <p:cTn id="5" presetID="10" presetClass="entr" presetSubtype="0" fill="hold" grpId="0" nodeType="afterEffect">
                                   <p:stCondLst>
-                                    <p:cond delay="500"/>
+                                    <p:cond delay="250"/>
                                   </p:stCondLst>
                                   <p:childTnLst>
                                     <p:set>
@@ -7169,7 +7255,7 @@
             </a:pPr>
             <a:r>
               <a:rPr lang="en-GB" sz="4400" b="1" dirty="0"/>
-              <a:t>Automated Tests…?</a:t>
+              <a:t>Automated tests…?</a:t>
             </a:r>
           </a:p>
         </p:txBody>
@@ -7210,7 +7296,7 @@
                               <p:par>
                                 <p:cTn id="5" presetID="10" presetClass="entr" presetSubtype="0" fill="hold" grpId="0" nodeType="afterEffect">
                                   <p:stCondLst>
-                                    <p:cond delay="500"/>
+                                    <p:cond delay="250"/>
                                   </p:stCondLst>
                                   <p:childTnLst>
                                     <p:set>
@@ -7256,13 +7342,13 @@
                         <p:par>
                           <p:cTn id="8" fill="hold">
                             <p:stCondLst>
-                              <p:cond delay="1000"/>
+                              <p:cond delay="750"/>
                             </p:stCondLst>
                             <p:childTnLst>
                               <p:par>
                                 <p:cTn id="9" presetID="10" presetClass="entr" presetSubtype="0" fill="hold" grpId="0" nodeType="afterEffect">
                                   <p:stCondLst>
-                                    <p:cond delay="500"/>
+                                    <p:cond delay="250"/>
                                   </p:stCondLst>
                                   <p:childTnLst>
                                     <p:set>
@@ -7308,13 +7394,13 @@
                         <p:par>
                           <p:cTn id="12" fill="hold">
                             <p:stCondLst>
-                              <p:cond delay="2000"/>
+                              <p:cond delay="1500"/>
                             </p:stCondLst>
                             <p:childTnLst>
                               <p:par>
                                 <p:cTn id="13" presetID="10" presetClass="entr" presetSubtype="0" fill="hold" grpId="0" nodeType="afterEffect">
                                   <p:stCondLst>
-                                    <p:cond delay="500"/>
+                                    <p:cond delay="250"/>
                                   </p:stCondLst>
                                   <p:childTnLst>
                                     <p:set>
@@ -7360,13 +7446,13 @@
                         <p:par>
                           <p:cTn id="16" fill="hold">
                             <p:stCondLst>
-                              <p:cond delay="3000"/>
+                              <p:cond delay="2250"/>
                             </p:stCondLst>
                             <p:childTnLst>
                               <p:par>
                                 <p:cTn id="17" presetID="10" presetClass="entr" presetSubtype="0" fill="hold" grpId="0" nodeType="afterEffect">
                                   <p:stCondLst>
-                                    <p:cond delay="500"/>
+                                    <p:cond delay="250"/>
                                   </p:stCondLst>
                                   <p:childTnLst>
                                     <p:set>
